--- a/dsi_project.pptx
+++ b/dsi_project.pptx
@@ -11,7 +11,10 @@
     <p:sldId id="261" r:id="rId5"/>
     <p:sldId id="262" r:id="rId6"/>
     <p:sldId id="263" r:id="rId7"/>
-    <p:sldId id="260" r:id="rId8"/>
+    <p:sldId id="264" r:id="rId8"/>
+    <p:sldId id="265" r:id="rId9"/>
+    <p:sldId id="266" r:id="rId10"/>
+    <p:sldId id="269" r:id="rId11"/>
   </p:sldIdLst>
   <p:sldSz cx="12192000" cy="6858000"/>
   <p:notesSz cx="6858000" cy="9144000"/>
@@ -122,7 +125,7 @@
 <p1510:revInfo xmlns:a="http://schemas.openxmlformats.org/drawingml/2006/main" xmlns:r="http://schemas.openxmlformats.org/officeDocument/2006/relationships" xmlns:p1510="http://schemas.microsoft.com/office/powerpoint/2015/10/main">
   <p1510:revLst>
     <p1510:client id="{17F025F2-6883-4484-53CD-D3371CC20C5A}" v="3" dt="2024-01-16T16:32:58.245"/>
-    <p1510:client id="{36ADF428-A04E-49FA-ACD3-07F5BDAB3344}" v="224" dt="2024-01-16T16:51:01.920"/>
+    <p1510:client id="{36ADF428-A04E-49FA-ACD3-07F5BDAB3344}" v="1055" dt="2024-01-16T17:39:53.919"/>
     <p1510:client id="{C4A7C7C5-AB9D-4E2E-8BF9-0DCC6330972E}" v="183" dt="2024-01-16T16:29:46.195"/>
   </p1510:revLst>
 </p1510:revInfo>
@@ -3791,55 +3794,6 @@
       </p:sp>
       <p:sp>
         <p:nvSpPr>
-          <p:cNvPr id="25" name="Footer Placeholder 10">
-            <a:extLst>
-              <a:ext uri="{FF2B5EF4-FFF2-40B4-BE49-F238E27FC236}">
-                <a16:creationId xmlns:a16="http://schemas.microsoft.com/office/drawing/2014/main" id="{A951C292-0895-FBAE-FACD-6218C51CE6CD}"/>
-              </a:ext>
-            </a:extLst>
-          </p:cNvPr>
-          <p:cNvSpPr>
-            <a:spLocks noGrp="1"/>
-          </p:cNvSpPr>
-          <p:nvPr>
-            <p:ph type="ftr" sz="quarter" idx="11"/>
-          </p:nvPr>
-        </p:nvSpPr>
-        <p:spPr>
-          <a:xfrm>
-            <a:off x="7286625" y="6199188"/>
-            <a:ext cx="3409951" cy="365125"/>
-          </a:xfrm>
-        </p:spPr>
-        <p:txBody>
-          <a:bodyPr/>
-          <a:lstStyle/>
-          <a:p>
-            <a:pPr>
-              <a:spcAft>
-                <a:spcPts val="600"/>
-              </a:spcAft>
-            </a:pPr>
-            <a:r>
-              <a:rPr lang="en-US">
-                <a:solidFill>
-                  <a:srgbClr val="FFFFFF"/>
-                </a:solidFill>
-                <a:effectLst>
-                  <a:outerShdw blurRad="38100" dist="38100" dir="2700000" algn="tl">
-                    <a:srgbClr val="000000">
-                      <a:alpha val="43137"/>
-                    </a:srgbClr>
-                  </a:outerShdw>
-                </a:effectLst>
-              </a:rPr>
-              <a:t>Sample Footer Text</a:t>
-            </a:r>
-          </a:p>
-        </p:txBody>
-      </p:sp>
-      <p:sp>
-        <p:nvSpPr>
           <p:cNvPr id="27" name="Slide Number Placeholder 11">
             <a:extLst>
               <a:ext uri="{FF2B5EF4-FFF2-40B4-BE49-F238E27FC236}">
@@ -3908,6 +3862,64 @@
     <p:extLst>
       <p:ext uri="{BB962C8B-B14F-4D97-AF65-F5344CB8AC3E}">
         <p14:creationId xmlns:p14="http://schemas.microsoft.com/office/powerpoint/2010/main" val="1577499883"/>
+      </p:ext>
+    </p:extLst>
+  </p:cSld>
+  <p:clrMapOvr>
+    <a:masterClrMapping/>
+  </p:clrMapOvr>
+</p:sld>
+</file>
+
+<file path=ppt/slides/slide10.xml><?xml version="1.0" encoding="utf-8"?>
+<p:sld xmlns:a="http://schemas.openxmlformats.org/drawingml/2006/main" xmlns:r="http://schemas.openxmlformats.org/officeDocument/2006/relationships" xmlns:p="http://schemas.openxmlformats.org/presentationml/2006/main">
+  <p:cSld>
+    <p:spTree>
+      <p:nvGrpSpPr>
+        <p:cNvPr id="1" name=""/>
+        <p:cNvGrpSpPr/>
+        <p:nvPr/>
+      </p:nvGrpSpPr>
+      <p:grpSpPr>
+        <a:xfrm>
+          <a:off x="0" y="0"/>
+          <a:ext cx="0" cy="0"/>
+          <a:chOff x="0" y="0"/>
+          <a:chExt cx="0" cy="0"/>
+        </a:xfrm>
+      </p:grpSpPr>
+      <p:sp>
+        <p:nvSpPr>
+          <p:cNvPr id="3" name="Title 2">
+            <a:extLst>
+              <a:ext uri="{FF2B5EF4-FFF2-40B4-BE49-F238E27FC236}">
+                <a16:creationId xmlns:a16="http://schemas.microsoft.com/office/drawing/2014/main" id="{389459CB-A0E8-FE8D-1C26-7E84EC49005D}"/>
+              </a:ext>
+            </a:extLst>
+          </p:cNvPr>
+          <p:cNvSpPr>
+            <a:spLocks noGrp="1"/>
+          </p:cNvSpPr>
+          <p:nvPr>
+            <p:ph type="ctrTitle"/>
+          </p:nvPr>
+        </p:nvSpPr>
+        <p:spPr/>
+        <p:txBody>
+          <a:bodyPr/>
+          <a:lstStyle/>
+          <a:p>
+            <a:r>
+              <a:rPr lang="en-US" dirty="0"/>
+              <a:t>Demonstration</a:t>
+            </a:r>
+          </a:p>
+        </p:txBody>
+      </p:sp>
+    </p:spTree>
+    <p:extLst>
+      <p:ext uri="{BB962C8B-B14F-4D97-AF65-F5344CB8AC3E}">
+        <p14:creationId xmlns:p14="http://schemas.microsoft.com/office/powerpoint/2010/main" val="1001565791"/>
       </p:ext>
     </p:extLst>
   </p:cSld>
@@ -4314,7 +4326,10 @@
           </a:bodyPr>
           <a:lstStyle/>
           <a:p>
-            <a:endParaRPr lang="en-US" dirty="0"/>
+            <a:r>
+              <a:rPr lang="en-US" dirty="0"/>
+              <a:t>Data collection</a:t>
+            </a:r>
           </a:p>
         </p:txBody>
       </p:sp>
@@ -4348,42 +4363,75 @@
           <a:p>
             <a:pPr>
               <a:lnSpc>
-                <a:spcPct val="200000"/>
+                <a:spcPct val="100000"/>
               </a:lnSpc>
+              <a:spcAft>
+                <a:spcPts val="1500"/>
+              </a:spcAft>
             </a:pPr>
             <a:r>
-              <a:rPr lang="en-US"/>
-              <a:t>Use historic data on disruptions in the public transit system in Vienna</a:t>
-            </a:r>
+              <a:rPr lang="en-US" dirty="0"/>
+              <a:t>Data from Öffi.at is scraped using </a:t>
+            </a:r>
+            <a:r>
+              <a:rPr lang="en-US" dirty="0" err="1"/>
+              <a:t>BeautifulSoup</a:t>
+            </a:r>
+            <a:endParaRPr lang="en-US" dirty="0"/>
           </a:p>
           <a:p>
             <a:pPr>
               <a:lnSpc>
-                <a:spcPct val="200000"/>
+                <a:spcPct val="100000"/>
               </a:lnSpc>
+              <a:spcAft>
+                <a:spcPts val="1500"/>
+              </a:spcAft>
             </a:pPr>
             <a:r>
-              <a:rPr lang="en-US"/>
-              <a:t>Combine with weather data and geographic data</a:t>
+              <a:rPr lang="en-US" dirty="0"/>
+              <a:t>Weather data is collected via calls to </a:t>
+            </a:r>
+            <a:r>
+              <a:rPr lang="en-US" dirty="0" err="1"/>
+              <a:t>Openmeteo's</a:t>
+            </a:r>
+            <a:r>
+              <a:rPr lang="en-US" dirty="0"/>
+              <a:t> API for the timestamps collected from Öffi.at</a:t>
             </a:r>
           </a:p>
           <a:p>
             <a:pPr>
               <a:lnSpc>
-                <a:spcPct val="200000"/>
+                <a:spcPct val="100000"/>
               </a:lnSpc>
+              <a:spcAft>
+                <a:spcPts val="1500"/>
+              </a:spcAft>
             </a:pPr>
             <a:r>
               <a:rPr lang="en-US" dirty="0"/>
-              <a:t>Try to </a:t>
-            </a:r>
-            <a:r>
-              <a:rPr lang="en-US"/>
-              <a:t>recognize</a:t>
-            </a:r>
-            <a:r>
-              <a:rPr lang="en-US" dirty="0"/>
-              <a:t> patterns</a:t>
+              <a:t>Both of them are streamed to </a:t>
+            </a:r>
+            <a:r>
+              <a:rPr lang="en-US" dirty="0" err="1"/>
+              <a:t>kafka</a:t>
+            </a:r>
+            <a:endParaRPr lang="en-US" dirty="0"/>
+          </a:p>
+          <a:p>
+            <a:pPr>
+              <a:lnSpc>
+                <a:spcPct val="100000"/>
+              </a:lnSpc>
+              <a:spcAft>
+                <a:spcPts val="1500"/>
+              </a:spcAft>
+            </a:pPr>
+            <a:r>
+              <a:rPr lang="en-US" dirty="0"/>
+              <a:t>Geographic information is imported from a csv file from Data.gv.at directly into the database</a:t>
             </a:r>
           </a:p>
         </p:txBody>
@@ -4449,7 +4497,7 @@
           <a:p>
             <a:r>
               <a:rPr lang="en-US" dirty="0"/>
-              <a:t>Concept</a:t>
+              <a:t>Data processing</a:t>
             </a:r>
           </a:p>
         </p:txBody>
@@ -4488,8 +4536,16 @@
               </a:lnSpc>
             </a:pPr>
             <a:r>
-              <a:rPr lang="en-US"/>
-              <a:t>Use historic data on disruptions in the public transit system in Vienna</a:t>
+              <a:rPr lang="en-US" dirty="0"/>
+              <a:t>Delay data and Weather data are streamed to two </a:t>
+            </a:r>
+            <a:r>
+              <a:rPr lang="en-US" dirty="0" err="1"/>
+              <a:t>kafka</a:t>
+            </a:r>
+            <a:r>
+              <a:rPr lang="en-US" dirty="0"/>
+              <a:t> topics</a:t>
             </a:r>
           </a:p>
           <a:p>
@@ -4499,8 +4555,8 @@
               </a:lnSpc>
             </a:pPr>
             <a:r>
-              <a:rPr lang="en-US"/>
-              <a:t>Combine with weather data and geographic data</a:t>
+              <a:rPr lang="en-US" dirty="0"/>
+              <a:t>Delay data is consumed to get timestamps for weather data</a:t>
             </a:r>
           </a:p>
           <a:p>
@@ -4511,15 +4567,7 @@
             </a:pPr>
             <a:r>
               <a:rPr lang="en-US" dirty="0"/>
-              <a:t>Try to </a:t>
-            </a:r>
-            <a:r>
-              <a:rPr lang="en-US"/>
-              <a:t>recognize</a:t>
-            </a:r>
-            <a:r>
-              <a:rPr lang="en-US" dirty="0"/>
-              <a:t> patterns</a:t>
+              <a:t>Then both are consumed and written to the database</a:t>
             </a:r>
           </a:p>
         </p:txBody>
@@ -4545,7 +4593,7 @@
         <p:cNvPr id="1" name="">
           <a:extLst>
             <a:ext uri="{FF2B5EF4-FFF2-40B4-BE49-F238E27FC236}">
-              <a16:creationId xmlns:a16="http://schemas.microsoft.com/office/drawing/2014/main" id="{6AE6090F-4273-5FD6-57C8-9198EFFD8307}"/>
+              <a16:creationId xmlns:a16="http://schemas.microsoft.com/office/drawing/2014/main" id="{A6DF7905-7659-0E2D-0F2B-CAAEF1506D6A}"/>
             </a:ext>
           </a:extLst>
         </p:cNvPr>
@@ -4565,7 +4613,7 @@
           <p:cNvPr id="2" name="Title 1">
             <a:extLst>
               <a:ext uri="{FF2B5EF4-FFF2-40B4-BE49-F238E27FC236}">
-                <a16:creationId xmlns:a16="http://schemas.microsoft.com/office/drawing/2014/main" id="{40A97BCD-B2F3-64DA-542C-72A72CBCB7FB}"/>
+                <a16:creationId xmlns:a16="http://schemas.microsoft.com/office/drawing/2014/main" id="{CCCF778D-726B-3F4B-2ADD-2377D9B877E2}"/>
               </a:ext>
             </a:extLst>
           </p:cNvPr>
@@ -4585,7 +4633,336 @@
           <a:p>
             <a:r>
               <a:rPr lang="en-US" dirty="0"/>
-              <a:t>Concept</a:t>
+              <a:t>Data Storage</a:t>
+            </a:r>
+          </a:p>
+        </p:txBody>
+      </p:sp>
+      <p:sp>
+        <p:nvSpPr>
+          <p:cNvPr id="4" name="Text Placeholder 3">
+            <a:extLst>
+              <a:ext uri="{FF2B5EF4-FFF2-40B4-BE49-F238E27FC236}">
+                <a16:creationId xmlns:a16="http://schemas.microsoft.com/office/drawing/2014/main" id="{F220020C-47FC-6EBD-1E26-500F130D11F6}"/>
+              </a:ext>
+            </a:extLst>
+          </p:cNvPr>
+          <p:cNvSpPr>
+            <a:spLocks noGrp="1"/>
+          </p:cNvSpPr>
+          <p:nvPr>
+            <p:ph type="body" sz="half" idx="2"/>
+          </p:nvPr>
+        </p:nvSpPr>
+        <p:spPr>
+          <a:xfrm>
+            <a:off x="1380121" y="1608315"/>
+            <a:ext cx="3858151" cy="2072549"/>
+          </a:xfrm>
+        </p:spPr>
+        <p:txBody>
+          <a:bodyPr>
+            <a:normAutofit/>
+          </a:bodyPr>
+          <a:lstStyle/>
+          <a:p>
+            <a:pPr marL="342900" indent="-342900">
+              <a:buChar char="•"/>
+            </a:pPr>
+            <a:r>
+              <a:rPr lang="en-US" dirty="0"/>
+              <a:t>All Data is stored in a </a:t>
+            </a:r>
+            <a:r>
+              <a:rPr lang="en-US" dirty="0" err="1"/>
+              <a:t>postgreSQL</a:t>
+            </a:r>
+            <a:r>
+              <a:rPr lang="en-US" dirty="0"/>
+              <a:t> database</a:t>
+            </a:r>
+          </a:p>
+          <a:p>
+            <a:pPr marL="342900" indent="-342900">
+              <a:buChar char="•"/>
+            </a:pPr>
+            <a:r>
+              <a:rPr lang="en-US" dirty="0"/>
+              <a:t>3 Tables:</a:t>
+            </a:r>
+          </a:p>
+          <a:p>
+            <a:pPr marL="342900" indent="-342900">
+              <a:buChar char="•"/>
+            </a:pPr>
+            <a:endParaRPr lang="en-US" dirty="0"/>
+          </a:p>
+        </p:txBody>
+      </p:sp>
+      <p:sp>
+        <p:nvSpPr>
+          <p:cNvPr id="6" name="Content Placeholder 5">
+            <a:extLst>
+              <a:ext uri="{FF2B5EF4-FFF2-40B4-BE49-F238E27FC236}">
+                <a16:creationId xmlns:a16="http://schemas.microsoft.com/office/drawing/2014/main" id="{DFA50E0E-BE39-57C0-7FCD-9517A484298A}"/>
+              </a:ext>
+            </a:extLst>
+          </p:cNvPr>
+          <p:cNvSpPr>
+            <a:spLocks noGrp="1"/>
+          </p:cNvSpPr>
+          <p:nvPr>
+            <p:ph idx="1"/>
+          </p:nvPr>
+        </p:nvSpPr>
+        <p:spPr/>
+        <p:txBody>
+          <a:bodyPr vert="horz" lIns="91440" tIns="45720" rIns="91440" bIns="45720" rtlCol="0" anchor="t">
+            <a:normAutofit fontScale="92500" lnSpcReduction="20000"/>
+          </a:bodyPr>
+          <a:lstStyle/>
+          <a:p>
+            <a:pPr>
+              <a:spcBef>
+                <a:spcPts val="1500"/>
+              </a:spcBef>
+            </a:pPr>
+            <a:r>
+              <a:rPr lang="en-US" sz="1800" dirty="0"/>
+              <a:t>Delays:</a:t>
+            </a:r>
+            <a:endParaRPr lang="en-US" dirty="0"/>
+          </a:p>
+          <a:p>
+            <a:pPr lvl="1">
+              <a:buFont typeface="Courier New" panose="020B0604020202020204" pitchFamily="34" charset="0"/>
+              <a:buChar char="o"/>
+            </a:pPr>
+            <a:r>
+              <a:rPr lang="en-US" sz="1400" dirty="0"/>
+              <a:t>Title </a:t>
+            </a:r>
+          </a:p>
+          <a:p>
+            <a:pPr lvl="1">
+              <a:buFont typeface="Courier New" panose="020B0604020202020204" pitchFamily="34" charset="0"/>
+              <a:buChar char="o"/>
+            </a:pPr>
+            <a:r>
+              <a:rPr lang="en-US" sz="1400" dirty="0"/>
+              <a:t>Fixed</a:t>
+            </a:r>
+          </a:p>
+          <a:p>
+            <a:pPr lvl="1">
+              <a:buFont typeface="Courier New" panose="020B0604020202020204" pitchFamily="34" charset="0"/>
+              <a:buChar char="o"/>
+            </a:pPr>
+            <a:r>
+              <a:rPr lang="en-US" sz="1400" dirty="0"/>
+              <a:t>Affected Lines</a:t>
+            </a:r>
+          </a:p>
+          <a:p>
+            <a:pPr lvl="1">
+              <a:buFont typeface="Courier New" panose="020B0604020202020204" pitchFamily="34" charset="0"/>
+              <a:buChar char="o"/>
+            </a:pPr>
+            <a:r>
+              <a:rPr lang="en-US" sz="1400" dirty="0"/>
+              <a:t>Affected Station</a:t>
+            </a:r>
+          </a:p>
+          <a:p>
+            <a:pPr lvl="1">
+              <a:buFont typeface="Courier New" panose="020B0604020202020204" pitchFamily="34" charset="0"/>
+              <a:buChar char="o"/>
+            </a:pPr>
+            <a:r>
+              <a:rPr lang="en-US" sz="1400" dirty="0"/>
+              <a:t>Timestamps (start, end)</a:t>
+            </a:r>
+          </a:p>
+          <a:p>
+            <a:pPr>
+              <a:spcBef>
+                <a:spcPts val="1500"/>
+              </a:spcBef>
+            </a:pPr>
+            <a:r>
+              <a:rPr lang="en-US" sz="1800" dirty="0"/>
+              <a:t>Weather:</a:t>
+            </a:r>
+          </a:p>
+          <a:p>
+            <a:pPr lvl="1">
+              <a:buFont typeface="Courier New" panose="020B0604020202020204" pitchFamily="34" charset="0"/>
+              <a:buChar char="o"/>
+            </a:pPr>
+            <a:r>
+              <a:rPr lang="en-US" sz="1400" dirty="0"/>
+              <a:t>Timestamp</a:t>
+            </a:r>
+          </a:p>
+          <a:p>
+            <a:pPr lvl="1">
+              <a:buFont typeface="Courier New" panose="020B0604020202020204" pitchFamily="34" charset="0"/>
+              <a:buChar char="o"/>
+            </a:pPr>
+            <a:r>
+              <a:rPr lang="en-US" sz="1400" dirty="0"/>
+              <a:t>WMO classification Code</a:t>
+            </a:r>
+          </a:p>
+          <a:p>
+            <a:pPr lvl="1">
+              <a:buFont typeface="Courier New" panose="020B0604020202020204" pitchFamily="34" charset="0"/>
+              <a:buChar char="o"/>
+            </a:pPr>
+            <a:r>
+              <a:rPr lang="en-US" sz="1400" dirty="0"/>
+              <a:t>Temperature</a:t>
+            </a:r>
+          </a:p>
+          <a:p>
+            <a:pPr lvl="1">
+              <a:buFont typeface="Courier New" panose="020B0604020202020204" pitchFamily="34" charset="0"/>
+              <a:buChar char="o"/>
+            </a:pPr>
+            <a:r>
+              <a:rPr lang="en-US" sz="1400" dirty="0">
+                <a:ea typeface="+mn-lt"/>
+                <a:cs typeface="+mn-lt"/>
+              </a:rPr>
+              <a:t>Precipitation</a:t>
+            </a:r>
+            <a:endParaRPr lang="en-US" sz="1400" dirty="0"/>
+          </a:p>
+          <a:p>
+            <a:pPr lvl="1">
+              <a:buFont typeface="Courier New" panose="020B0604020202020204" pitchFamily="34" charset="0"/>
+              <a:buChar char="o"/>
+            </a:pPr>
+            <a:r>
+              <a:rPr lang="en-US" sz="1400" dirty="0"/>
+              <a:t>Relative humidity</a:t>
+            </a:r>
+          </a:p>
+          <a:p>
+            <a:pPr lvl="1">
+              <a:buFont typeface="Courier New" panose="020B0604020202020204" pitchFamily="34" charset="0"/>
+              <a:buChar char="o"/>
+            </a:pPr>
+            <a:r>
+              <a:rPr lang="en-US" sz="1400" dirty="0"/>
+              <a:t>Wind speed</a:t>
+            </a:r>
+          </a:p>
+          <a:p>
+            <a:pPr>
+              <a:spcBef>
+                <a:spcPts val="1500"/>
+              </a:spcBef>
+            </a:pPr>
+            <a:r>
+              <a:rPr lang="en-US" sz="1800" dirty="0"/>
+              <a:t>Traffic stops:</a:t>
+            </a:r>
+          </a:p>
+          <a:p>
+            <a:pPr lvl="1">
+              <a:buFont typeface="Courier New" panose="020B0604020202020204" pitchFamily="34" charset="0"/>
+              <a:buChar char="o"/>
+            </a:pPr>
+            <a:r>
+              <a:rPr lang="en-US" sz="1400" dirty="0"/>
+              <a:t>Name</a:t>
+            </a:r>
+          </a:p>
+          <a:p>
+            <a:pPr lvl="1">
+              <a:buFont typeface="Courier New" panose="020B0604020202020204" pitchFamily="34" charset="0"/>
+              <a:buChar char="o"/>
+            </a:pPr>
+            <a:r>
+              <a:rPr lang="en-US" sz="1400" dirty="0"/>
+              <a:t>Longitude</a:t>
+            </a:r>
+          </a:p>
+          <a:p>
+            <a:pPr lvl="1">
+              <a:buFont typeface="Courier New" panose="020B0604020202020204" pitchFamily="34" charset="0"/>
+              <a:buChar char="o"/>
+            </a:pPr>
+            <a:r>
+              <a:rPr lang="en-US" sz="1400" dirty="0"/>
+              <a:t>Latitude</a:t>
+            </a:r>
+          </a:p>
+        </p:txBody>
+      </p:sp>
+    </p:spTree>
+    <p:extLst>
+      <p:ext uri="{BB962C8B-B14F-4D97-AF65-F5344CB8AC3E}">
+        <p14:creationId xmlns:p14="http://schemas.microsoft.com/office/powerpoint/2010/main" val="3041494589"/>
+      </p:ext>
+    </p:extLst>
+  </p:cSld>
+  <p:clrMapOvr>
+    <a:masterClrMapping/>
+  </p:clrMapOvr>
+</p:sld>
+</file>
+
+<file path=ppt/slides/slide8.xml><?xml version="1.0" encoding="utf-8"?>
+<p:sld xmlns:a="http://schemas.openxmlformats.org/drawingml/2006/main" xmlns:r="http://schemas.openxmlformats.org/officeDocument/2006/relationships" xmlns:p="http://schemas.openxmlformats.org/presentationml/2006/main">
+  <p:cSld>
+    <p:spTree>
+      <p:nvGrpSpPr>
+        <p:cNvPr id="1" name="">
+          <a:extLst>
+            <a:ext uri="{FF2B5EF4-FFF2-40B4-BE49-F238E27FC236}">
+              <a16:creationId xmlns:a16="http://schemas.microsoft.com/office/drawing/2014/main" id="{55EA9D45-3E24-C289-38B5-06F74F7F46D4}"/>
+            </a:ext>
+          </a:extLst>
+        </p:cNvPr>
+        <p:cNvGrpSpPr/>
+        <p:nvPr/>
+      </p:nvGrpSpPr>
+      <p:grpSpPr>
+        <a:xfrm>
+          <a:off x="0" y="0"/>
+          <a:ext cx="0" cy="0"/>
+          <a:chOff x="0" y="0"/>
+          <a:chExt cx="0" cy="0"/>
+        </a:xfrm>
+      </p:grpSpPr>
+      <p:sp>
+        <p:nvSpPr>
+          <p:cNvPr id="2" name="Title 1">
+            <a:extLst>
+              <a:ext uri="{FF2B5EF4-FFF2-40B4-BE49-F238E27FC236}">
+                <a16:creationId xmlns:a16="http://schemas.microsoft.com/office/drawing/2014/main" id="{BEBF40F9-E0D2-9BF8-2CF8-173FCB20BB0B}"/>
+              </a:ext>
+            </a:extLst>
+          </p:cNvPr>
+          <p:cNvSpPr>
+            <a:spLocks noGrp="1"/>
+          </p:cNvSpPr>
+          <p:nvPr>
+            <p:ph type="title"/>
+          </p:nvPr>
+        </p:nvSpPr>
+        <p:spPr/>
+        <p:txBody>
+          <a:bodyPr vert="horz" lIns="91440" tIns="45720" rIns="91440" bIns="45720" rtlCol="0" anchor="t">
+            <a:normAutofit/>
+          </a:bodyPr>
+          <a:lstStyle/>
+          <a:p>
+            <a:r>
+              <a:rPr lang="en-US" dirty="0"/>
+              <a:t>Data Visualization</a:t>
             </a:r>
           </a:p>
         </p:txBody>
@@ -4595,7 +4972,7 @@
           <p:cNvPr id="3" name="Content Placeholder 2">
             <a:extLst>
               <a:ext uri="{FF2B5EF4-FFF2-40B4-BE49-F238E27FC236}">
-                <a16:creationId xmlns:a16="http://schemas.microsoft.com/office/drawing/2014/main" id="{2037C9A1-ED7E-F681-FD21-2EAA821C2C3E}"/>
+                <a16:creationId xmlns:a16="http://schemas.microsoft.com/office/drawing/2014/main" id="{D9F7BE32-DB33-A763-E157-9EE34FBEEE86}"/>
               </a:ext>
             </a:extLst>
           </p:cNvPr>
@@ -4620,50 +4997,223 @@
           <a:p>
             <a:pPr>
               <a:lnSpc>
-                <a:spcPct val="200000"/>
+                <a:spcPct val="100000"/>
               </a:lnSpc>
+              <a:spcAft>
+                <a:spcPts val="1500"/>
+              </a:spcAft>
             </a:pPr>
             <a:r>
-              <a:rPr lang="en-US"/>
-              <a:t>Use historic data on disruptions in the public transit system in Vienna</a:t>
+              <a:rPr lang="en-US" dirty="0"/>
+              <a:t>Data is analyzed using Grafana</a:t>
             </a:r>
           </a:p>
           <a:p>
             <a:pPr>
               <a:lnSpc>
-                <a:spcPct val="200000"/>
+                <a:spcPct val="100000"/>
               </a:lnSpc>
+              <a:spcAft>
+                <a:spcPts val="1500"/>
+              </a:spcAft>
             </a:pPr>
-            <a:r>
-              <a:rPr lang="en-US"/>
-              <a:t>Combine with weather data and geographic data</a:t>
-            </a:r>
-          </a:p>
-          <a:p>
-            <a:pPr>
-              <a:lnSpc>
-                <a:spcPct val="200000"/>
-              </a:lnSpc>
-            </a:pPr>
-            <a:r>
-              <a:rPr lang="en-US" dirty="0"/>
-              <a:t>Try to </a:t>
-            </a:r>
-            <a:r>
-              <a:rPr lang="en-US"/>
-              <a:t>recognize</a:t>
-            </a:r>
-            <a:r>
-              <a:rPr lang="en-US" dirty="0"/>
-              <a:t> patterns</a:t>
-            </a:r>
-          </a:p>
-        </p:txBody>
-      </p:sp>
+            <a:endParaRPr lang="en-US" dirty="0"/>
+          </a:p>
+        </p:txBody>
+      </p:sp>
+      <p:pic>
+        <p:nvPicPr>
+          <p:cNvPr id="4" name="Picture 3" descr="A screenshot of a computer&#10;&#10;Description automatically generated">
+            <a:extLst>
+              <a:ext uri="{FF2B5EF4-FFF2-40B4-BE49-F238E27FC236}">
+                <a16:creationId xmlns:a16="http://schemas.microsoft.com/office/drawing/2014/main" id="{95AB6C8F-2AF8-4164-E173-51B4A75912D1}"/>
+              </a:ext>
+            </a:extLst>
+          </p:cNvPr>
+          <p:cNvPicPr>
+            <a:picLocks noChangeAspect="1"/>
+          </p:cNvPicPr>
+          <p:nvPr/>
+        </p:nvPicPr>
+        <p:blipFill rotWithShape="1">
+          <a:blip r:embed="rId2"/>
+          <a:srcRect t="45614" r="49504" b="251"/>
+          <a:stretch/>
+        </p:blipFill>
+        <p:spPr>
+          <a:xfrm>
+            <a:off x="5678681" y="2176185"/>
+            <a:ext cx="4907431" cy="2954807"/>
+          </a:xfrm>
+          <a:prstGeom prst="rect">
+            <a:avLst/>
+          </a:prstGeom>
+        </p:spPr>
+      </p:pic>
     </p:spTree>
     <p:extLst>
       <p:ext uri="{BB962C8B-B14F-4D97-AF65-F5344CB8AC3E}">
-        <p14:creationId xmlns:p14="http://schemas.microsoft.com/office/powerpoint/2010/main" val="4181561959"/>
+        <p14:creationId xmlns:p14="http://schemas.microsoft.com/office/powerpoint/2010/main" val="3362842486"/>
+      </p:ext>
+    </p:extLst>
+  </p:cSld>
+  <p:clrMapOvr>
+    <a:masterClrMapping/>
+  </p:clrMapOvr>
+</p:sld>
+</file>
+
+<file path=ppt/slides/slide9.xml><?xml version="1.0" encoding="utf-8"?>
+<p:sld xmlns:a="http://schemas.openxmlformats.org/drawingml/2006/main" xmlns:r="http://schemas.openxmlformats.org/officeDocument/2006/relationships" xmlns:p="http://schemas.openxmlformats.org/presentationml/2006/main">
+  <p:cSld>
+    <p:spTree>
+      <p:nvGrpSpPr>
+        <p:cNvPr id="1" name="">
+          <a:extLst>
+            <a:ext uri="{FF2B5EF4-FFF2-40B4-BE49-F238E27FC236}">
+              <a16:creationId xmlns:a16="http://schemas.microsoft.com/office/drawing/2014/main" id="{F58AF124-3842-6FC8-D00A-1C4140430A4C}"/>
+            </a:ext>
+          </a:extLst>
+        </p:cNvPr>
+        <p:cNvGrpSpPr/>
+        <p:nvPr/>
+      </p:nvGrpSpPr>
+      <p:grpSpPr>
+        <a:xfrm>
+          <a:off x="0" y="0"/>
+          <a:ext cx="0" cy="0"/>
+          <a:chOff x="0" y="0"/>
+          <a:chExt cx="0" cy="0"/>
+        </a:xfrm>
+      </p:grpSpPr>
+      <p:sp>
+        <p:nvSpPr>
+          <p:cNvPr id="2" name="Title 1">
+            <a:extLst>
+              <a:ext uri="{FF2B5EF4-FFF2-40B4-BE49-F238E27FC236}">
+                <a16:creationId xmlns:a16="http://schemas.microsoft.com/office/drawing/2014/main" id="{F27C2533-84DC-EA61-E762-16029312949E}"/>
+              </a:ext>
+            </a:extLst>
+          </p:cNvPr>
+          <p:cNvSpPr>
+            <a:spLocks noGrp="1"/>
+          </p:cNvSpPr>
+          <p:nvPr>
+            <p:ph type="title"/>
+          </p:nvPr>
+        </p:nvSpPr>
+        <p:spPr/>
+        <p:txBody>
+          <a:bodyPr vert="horz" lIns="91440" tIns="45720" rIns="91440" bIns="45720" rtlCol="0" anchor="t">
+            <a:normAutofit/>
+          </a:bodyPr>
+          <a:lstStyle/>
+          <a:p>
+            <a:r>
+              <a:rPr lang="en-US" dirty="0"/>
+              <a:t>Infrastructure</a:t>
+            </a:r>
+          </a:p>
+        </p:txBody>
+      </p:sp>
+      <p:sp>
+        <p:nvSpPr>
+          <p:cNvPr id="3" name="Content Placeholder 2">
+            <a:extLst>
+              <a:ext uri="{FF2B5EF4-FFF2-40B4-BE49-F238E27FC236}">
+                <a16:creationId xmlns:a16="http://schemas.microsoft.com/office/drawing/2014/main" id="{EE42F082-6F07-D90D-2A03-E1096D4E6589}"/>
+              </a:ext>
+            </a:extLst>
+          </p:cNvPr>
+          <p:cNvSpPr>
+            <a:spLocks noGrp="1"/>
+          </p:cNvSpPr>
+          <p:nvPr>
+            <p:ph idx="1"/>
+          </p:nvPr>
+        </p:nvSpPr>
+        <p:spPr>
+          <a:xfrm>
+            <a:off x="1620444" y="2077807"/>
+            <a:ext cx="8977509" cy="3141785"/>
+          </a:xfrm>
+        </p:spPr>
+        <p:txBody>
+          <a:bodyPr vert="horz" lIns="91440" tIns="45720" rIns="91440" bIns="45720" rtlCol="0" anchor="t">
+            <a:normAutofit/>
+          </a:bodyPr>
+          <a:lstStyle/>
+          <a:p>
+            <a:pPr>
+              <a:lnSpc>
+                <a:spcPct val="100000"/>
+              </a:lnSpc>
+              <a:spcAft>
+                <a:spcPts val="1500"/>
+              </a:spcAft>
+            </a:pPr>
+            <a:r>
+              <a:rPr lang="en-US" dirty="0"/>
+              <a:t>Every Part of the system is containerized</a:t>
+            </a:r>
+          </a:p>
+          <a:p>
+            <a:pPr>
+              <a:lnSpc>
+                <a:spcPct val="100000"/>
+              </a:lnSpc>
+            </a:pPr>
+            <a:r>
+              <a:rPr lang="en-US" dirty="0"/>
+              <a:t>containers:</a:t>
+            </a:r>
+          </a:p>
+          <a:p>
+            <a:pPr lvl="1">
+              <a:lnSpc>
+                <a:spcPct val="100000"/>
+              </a:lnSpc>
+              <a:buFont typeface="Courier New" panose="020B0604020202020204" pitchFamily="34" charset="0"/>
+              <a:buChar char="o"/>
+            </a:pPr>
+            <a:endParaRPr lang="en-US" dirty="0"/>
+          </a:p>
+        </p:txBody>
+      </p:sp>
+      <p:pic>
+        <p:nvPicPr>
+          <p:cNvPr id="4" name="Picture 3" descr="A blue letters on a black background&#10;&#10;Description automatically generated">
+            <a:extLst>
+              <a:ext uri="{FF2B5EF4-FFF2-40B4-BE49-F238E27FC236}">
+                <a16:creationId xmlns:a16="http://schemas.microsoft.com/office/drawing/2014/main" id="{526B69F5-AD30-70A3-2C09-1DD41BDF1A09}"/>
+              </a:ext>
+            </a:extLst>
+          </p:cNvPr>
+          <p:cNvPicPr>
+            <a:picLocks noChangeAspect="1"/>
+          </p:cNvPicPr>
+          <p:nvPr/>
+        </p:nvPicPr>
+        <p:blipFill>
+          <a:blip r:embed="rId2"/>
+          <a:stretch>
+            <a:fillRect/>
+          </a:stretch>
+        </p:blipFill>
+        <p:spPr>
+          <a:xfrm>
+            <a:off x="7014673" y="2078635"/>
+            <a:ext cx="3582113" cy="920357"/>
+          </a:xfrm>
+          <a:prstGeom prst="rect">
+            <a:avLst/>
+          </a:prstGeom>
+        </p:spPr>
+      </p:pic>
+    </p:spTree>
+    <p:extLst>
+      <p:ext uri="{BB962C8B-B14F-4D97-AF65-F5344CB8AC3E}">
+        <p14:creationId xmlns:p14="http://schemas.microsoft.com/office/powerpoint/2010/main" val="3677566440"/>
       </p:ext>
     </p:extLst>
   </p:cSld>

--- a/dsi_project.pptx
+++ b/dsi_project.pptx
@@ -125,7 +125,7 @@
 <p1510:revInfo xmlns:a="http://schemas.openxmlformats.org/drawingml/2006/main" xmlns:r="http://schemas.openxmlformats.org/officeDocument/2006/relationships" xmlns:p1510="http://schemas.microsoft.com/office/powerpoint/2015/10/main">
   <p1510:revLst>
     <p1510:client id="{17F025F2-6883-4484-53CD-D3371CC20C5A}" v="3" dt="2024-01-16T16:32:58.245"/>
-    <p1510:client id="{36ADF428-A04E-49FA-ACD3-07F5BDAB3344}" v="1055" dt="2024-01-16T17:39:53.919"/>
+    <p1510:client id="{36ADF428-A04E-49FA-ACD3-07F5BDAB3344}" v="1476" dt="2024-01-16T17:46:35.267"/>
     <p1510:client id="{C4A7C7C5-AB9D-4E2E-8BF9-0DCC6330972E}" v="183" dt="2024-01-16T16:29:46.195"/>
   </p1510:revLst>
 </p1510:revInfo>
@@ -3689,8 +3689,8 @@
         </p:nvSpPr>
         <p:spPr>
           <a:xfrm>
-            <a:off x="745044" y="3931640"/>
-            <a:ext cx="4669094" cy="640360"/>
+            <a:off x="745044" y="3846183"/>
+            <a:ext cx="4669094" cy="725817"/>
           </a:xfrm>
           <a:solidFill>
             <a:schemeClr val="bg2"/>
@@ -3703,7 +3703,7 @@
           <a:lstStyle/>
           <a:p>
             <a:r>
-              <a:rPr lang="de-DE" sz="3600" dirty="0"/>
+              <a:rPr lang="de-DE" sz="4400" dirty="0"/>
               <a:t>Wiener Linien</a:t>
             </a:r>
           </a:p>
@@ -3727,8 +3727,8 @@
         </p:nvSpPr>
         <p:spPr>
           <a:xfrm>
-            <a:off x="778799" y="4467138"/>
-            <a:ext cx="4628349" cy="409240"/>
+            <a:off x="743191" y="4403045"/>
+            <a:ext cx="4628349" cy="451968"/>
           </a:xfrm>
         </p:spPr>
         <p:txBody>
@@ -4564,10 +4564,24 @@
               <a:lnSpc>
                 <a:spcPct val="200000"/>
               </a:lnSpc>
+              <a:spcAft>
+                <a:spcPts val="1000"/>
+              </a:spcAft>
             </a:pPr>
             <a:r>
               <a:rPr lang="en-US" dirty="0"/>
               <a:t>Then both are consumed and written to the database</a:t>
+            </a:r>
+          </a:p>
+          <a:p>
+            <a:pPr>
+              <a:lnSpc>
+                <a:spcPct val="100000"/>
+              </a:lnSpc>
+            </a:pPr>
+            <a:r>
+              <a:rPr lang="en-US" dirty="0"/>
+              <a:t>In addition, the number of delays for a given day or at a given station is added to the respective table</a:t>
             </a:r>
           </a:p>
         </p:txBody>
@@ -4718,7 +4732,7 @@
         <p:spPr/>
         <p:txBody>
           <a:bodyPr vert="horz" lIns="91440" tIns="45720" rIns="91440" bIns="45720" rtlCol="0" anchor="t">
-            <a:normAutofit fontScale="92500" lnSpcReduction="20000"/>
+            <a:normAutofit fontScale="77500" lnSpcReduction="20000"/>
           </a:bodyPr>
           <a:lstStyle/>
           <a:p>
@@ -4859,6 +4873,27 @@
             </a:r>
           </a:p>
           <a:p>
+            <a:pPr lvl="1">
+              <a:buFont typeface="Courier New" panose="020B0604020202020204" pitchFamily="34" charset="0"/>
+              <a:buChar char="o"/>
+            </a:pPr>
+            <a:r>
+              <a:rPr lang="en-US" sz="1400" dirty="0"/>
+              <a:t>Number of </a:t>
+            </a:r>
+            <a:r>
+              <a:rPr lang="en-US" sz="1400" dirty="0">
+                <a:ea typeface="+mn-lt"/>
+                <a:cs typeface="+mn-lt"/>
+              </a:rPr>
+              <a:t>disruptions </a:t>
+            </a:r>
+            <a:r>
+              <a:rPr lang="en-US" sz="1400" dirty="0"/>
+              <a:t>on said day</a:t>
+            </a:r>
+          </a:p>
+          <a:p>
             <a:pPr>
               <a:spcBef>
                 <a:spcPts val="1500"/>
@@ -4897,6 +4932,16 @@
             <a:r>
               <a:rPr lang="en-US" sz="1400" dirty="0"/>
               <a:t>Latitude</a:t>
+            </a:r>
+          </a:p>
+          <a:p>
+            <a:pPr lvl="1">
+              <a:buFont typeface="Courier New" panose="020B0604020202020204" pitchFamily="34" charset="0"/>
+              <a:buChar char="o"/>
+            </a:pPr>
+            <a:r>
+              <a:rPr lang="en-US" sz="1400" dirty="0"/>
+              <a:t>Number of disruptions affecting said station</a:t>
             </a:r>
           </a:p>
         </p:txBody>

--- a/dsi_project.pptx
+++ b/dsi_project.pptx
@@ -13,8 +13,9 @@
     <p:sldId id="263" r:id="rId7"/>
     <p:sldId id="264" r:id="rId8"/>
     <p:sldId id="265" r:id="rId9"/>
-    <p:sldId id="266" r:id="rId10"/>
-    <p:sldId id="269" r:id="rId11"/>
+    <p:sldId id="271" r:id="rId10"/>
+    <p:sldId id="272" r:id="rId11"/>
+    <p:sldId id="269" r:id="rId12"/>
   </p:sldIdLst>
   <p:sldSz cx="12192000" cy="6858000"/>
   <p:notesSz cx="6858000" cy="9144000"/>
@@ -125,7 +126,7 @@
 <p1510:revInfo xmlns:a="http://schemas.openxmlformats.org/drawingml/2006/main" xmlns:r="http://schemas.openxmlformats.org/officeDocument/2006/relationships" xmlns:p1510="http://schemas.microsoft.com/office/powerpoint/2015/10/main">
   <p1510:revLst>
     <p1510:client id="{17F025F2-6883-4484-53CD-D3371CC20C5A}" v="3" dt="2024-01-16T16:32:58.245"/>
-    <p1510:client id="{36ADF428-A04E-49FA-ACD3-07F5BDAB3344}" v="1476" dt="2024-01-16T17:46:35.267"/>
+    <p1510:client id="{36ADF428-A04E-49FA-ACD3-07F5BDAB3344}" v="1991" dt="2024-01-16T18:07:01.394"/>
     <p1510:client id="{C4A7C7C5-AB9D-4E2E-8BF9-0DCC6330972E}" v="183" dt="2024-01-16T16:29:46.195"/>
   </p1510:revLst>
 </p1510:revInfo>
@@ -3876,6 +3877,336 @@
   <p:cSld>
     <p:spTree>
       <p:nvGrpSpPr>
+        <p:cNvPr id="1" name="">
+          <a:extLst>
+            <a:ext uri="{FF2B5EF4-FFF2-40B4-BE49-F238E27FC236}">
+              <a16:creationId xmlns:a16="http://schemas.microsoft.com/office/drawing/2014/main" id="{98D148B9-47C4-67D7-D7C8-1CA848B078A4}"/>
+            </a:ext>
+          </a:extLst>
+        </p:cNvPr>
+        <p:cNvGrpSpPr/>
+        <p:nvPr/>
+      </p:nvGrpSpPr>
+      <p:grpSpPr>
+        <a:xfrm>
+          <a:off x="0" y="0"/>
+          <a:ext cx="0" cy="0"/>
+          <a:chOff x="0" y="0"/>
+          <a:chExt cx="0" cy="0"/>
+        </a:xfrm>
+      </p:grpSpPr>
+      <p:sp>
+        <p:nvSpPr>
+          <p:cNvPr id="2" name="Title 1">
+            <a:extLst>
+              <a:ext uri="{FF2B5EF4-FFF2-40B4-BE49-F238E27FC236}">
+                <a16:creationId xmlns:a16="http://schemas.microsoft.com/office/drawing/2014/main" id="{F10D4DC9-1B7B-F044-931E-78723D4069DF}"/>
+              </a:ext>
+            </a:extLst>
+          </p:cNvPr>
+          <p:cNvSpPr>
+            <a:spLocks noGrp="1"/>
+          </p:cNvSpPr>
+          <p:nvPr>
+            <p:ph type="title"/>
+          </p:nvPr>
+        </p:nvSpPr>
+        <p:spPr/>
+        <p:txBody>
+          <a:bodyPr vert="horz" lIns="91440" tIns="45720" rIns="91440" bIns="45720" rtlCol="0" anchor="t">
+            <a:normAutofit/>
+          </a:bodyPr>
+          <a:lstStyle/>
+          <a:p>
+            <a:r>
+              <a:rPr lang="en-US" dirty="0"/>
+              <a:t>Containers Pt. 2</a:t>
+            </a:r>
+          </a:p>
+        </p:txBody>
+      </p:sp>
+      <p:sp>
+        <p:nvSpPr>
+          <p:cNvPr id="4" name="Text Placeholder 3">
+            <a:extLst>
+              <a:ext uri="{FF2B5EF4-FFF2-40B4-BE49-F238E27FC236}">
+                <a16:creationId xmlns:a16="http://schemas.microsoft.com/office/drawing/2014/main" id="{171C040D-5BF6-F0DC-6B0A-3EE7DC12287B}"/>
+              </a:ext>
+            </a:extLst>
+          </p:cNvPr>
+          <p:cNvSpPr>
+            <a:spLocks noGrp="1"/>
+          </p:cNvSpPr>
+          <p:nvPr>
+            <p:ph type="body" sz="half" idx="2"/>
+          </p:nvPr>
+        </p:nvSpPr>
+        <p:spPr>
+          <a:xfrm>
+            <a:off x="1380121" y="2064090"/>
+            <a:ext cx="3858151" cy="1282064"/>
+          </a:xfrm>
+        </p:spPr>
+        <p:txBody>
+          <a:bodyPr>
+            <a:normAutofit/>
+          </a:bodyPr>
+          <a:lstStyle/>
+          <a:p>
+            <a:pPr marL="285750" indent="-285750">
+              <a:buChar char="•"/>
+            </a:pPr>
+            <a:r>
+              <a:rPr lang="en-US" dirty="0">
+                <a:ea typeface="+mn-lt"/>
+                <a:cs typeface="+mn-lt"/>
+              </a:rPr>
+              <a:t>Remaining 5 containers:</a:t>
+            </a:r>
+          </a:p>
+          <a:p>
+            <a:pPr marL="342900" indent="-342900">
+              <a:buChar char="•"/>
+            </a:pPr>
+            <a:endParaRPr lang="en-US" dirty="0"/>
+          </a:p>
+          <a:p>
+            <a:pPr marL="342900" indent="-342900">
+              <a:buChar char="•"/>
+            </a:pPr>
+            <a:endParaRPr lang="en-US" dirty="0"/>
+          </a:p>
+        </p:txBody>
+      </p:sp>
+      <p:sp>
+        <p:nvSpPr>
+          <p:cNvPr id="6" name="Content Placeholder 5">
+            <a:extLst>
+              <a:ext uri="{FF2B5EF4-FFF2-40B4-BE49-F238E27FC236}">
+                <a16:creationId xmlns:a16="http://schemas.microsoft.com/office/drawing/2014/main" id="{5DFBE3FE-B6E3-A7C9-99F3-232D6A5F217B}"/>
+              </a:ext>
+            </a:extLst>
+          </p:cNvPr>
+          <p:cNvSpPr>
+            <a:spLocks noGrp="1"/>
+          </p:cNvSpPr>
+          <p:nvPr>
+            <p:ph idx="1"/>
+          </p:nvPr>
+        </p:nvSpPr>
+        <p:spPr>
+          <a:xfrm>
+            <a:off x="5761104" y="920080"/>
+            <a:ext cx="6017495" cy="5489257"/>
+          </a:xfrm>
+        </p:spPr>
+        <p:txBody>
+          <a:bodyPr vert="horz" lIns="91440" tIns="45720" rIns="91440" bIns="45720" rtlCol="0" anchor="t">
+            <a:noAutofit/>
+          </a:bodyPr>
+          <a:lstStyle/>
+          <a:p>
+            <a:pPr>
+              <a:spcAft>
+                <a:spcPts val="1000"/>
+              </a:spcAft>
+            </a:pPr>
+            <a:r>
+              <a:rPr lang="en-US" sz="2000" err="1">
+                <a:ea typeface="+mn-lt"/>
+                <a:cs typeface="+mn-lt"/>
+              </a:rPr>
+              <a:t>dsi_psotgres_setup_table</a:t>
+            </a:r>
+            <a:r>
+              <a:rPr lang="en-US" sz="2000" dirty="0">
+                <a:ea typeface="+mn-lt"/>
+                <a:cs typeface="+mn-lt"/>
+              </a:rPr>
+              <a:t>: Container for creating and setting up tables in </a:t>
+            </a:r>
+            <a:r>
+              <a:rPr lang="en-US" sz="2000" err="1">
+                <a:ea typeface="+mn-lt"/>
+                <a:cs typeface="+mn-lt"/>
+              </a:rPr>
+              <a:t>postgreSQL</a:t>
+            </a:r>
+            <a:r>
+              <a:rPr lang="en-US" sz="2000" dirty="0">
+                <a:ea typeface="+mn-lt"/>
+                <a:cs typeface="+mn-lt"/>
+              </a:rPr>
+              <a:t> </a:t>
+            </a:r>
+            <a:endParaRPr lang="en-US" sz="2000">
+              <a:cs typeface="Arial"/>
+            </a:endParaRPr>
+          </a:p>
+          <a:p>
+            <a:pPr>
+              <a:spcAft>
+                <a:spcPts val="1000"/>
+              </a:spcAft>
+            </a:pPr>
+            <a:r>
+              <a:rPr lang="en-US" sz="2000" err="1">
+                <a:ea typeface="+mn-lt"/>
+                <a:cs typeface="+mn-lt"/>
+              </a:rPr>
+              <a:t>dsi_postgres</a:t>
+            </a:r>
+            <a:r>
+              <a:rPr lang="en-US" sz="2000" dirty="0">
+                <a:ea typeface="+mn-lt"/>
+                <a:cs typeface="+mn-lt"/>
+              </a:rPr>
+              <a:t>: The </a:t>
+            </a:r>
+            <a:r>
+              <a:rPr lang="en-US" sz="2000" err="1">
+                <a:ea typeface="+mn-lt"/>
+                <a:cs typeface="+mn-lt"/>
+              </a:rPr>
+              <a:t>postgreSQL</a:t>
+            </a:r>
+            <a:r>
+              <a:rPr lang="en-US" sz="2000" dirty="0">
+                <a:ea typeface="+mn-lt"/>
+                <a:cs typeface="+mn-lt"/>
+              </a:rPr>
+              <a:t> database used to store our final data </a:t>
+            </a:r>
+            <a:endParaRPr lang="en-US" sz="2000"/>
+          </a:p>
+          <a:p>
+            <a:pPr>
+              <a:spcAft>
+                <a:spcPts val="1000"/>
+              </a:spcAft>
+            </a:pPr>
+            <a:r>
+              <a:rPr lang="en-US" sz="2000" err="1">
+                <a:ea typeface="+mn-lt"/>
+                <a:cs typeface="+mn-lt"/>
+              </a:rPr>
+              <a:t>dsi_grafana</a:t>
+            </a:r>
+            <a:r>
+              <a:rPr lang="en-US" sz="2000" dirty="0">
+                <a:ea typeface="+mn-lt"/>
+                <a:cs typeface="+mn-lt"/>
+              </a:rPr>
+              <a:t>: Contains the visualization tool we use to get our results </a:t>
+            </a:r>
+          </a:p>
+          <a:p>
+            <a:pPr>
+              <a:spcAft>
+                <a:spcPts val="1000"/>
+              </a:spcAft>
+            </a:pPr>
+            <a:r>
+              <a:rPr lang="en-US" sz="2000" err="1">
+                <a:ea typeface="+mn-lt"/>
+                <a:cs typeface="+mn-lt"/>
+              </a:rPr>
+              <a:t>dsi_prometheus</a:t>
+            </a:r>
+            <a:r>
+              <a:rPr lang="en-US" sz="2000" dirty="0">
+                <a:ea typeface="+mn-lt"/>
+                <a:cs typeface="+mn-lt"/>
+              </a:rPr>
+              <a:t>: Used to store metrics </a:t>
+            </a:r>
+            <a:endParaRPr lang="en-US" sz="2000"/>
+          </a:p>
+          <a:p>
+            <a:pPr>
+              <a:spcAft>
+                <a:spcPts val="1000"/>
+              </a:spcAft>
+            </a:pPr>
+            <a:r>
+              <a:rPr lang="en-US" sz="2000" err="1">
+                <a:ea typeface="+mn-lt"/>
+                <a:cs typeface="+mn-lt"/>
+              </a:rPr>
+              <a:t>dsi_exporter_postgres</a:t>
+            </a:r>
+            <a:r>
+              <a:rPr lang="en-US" sz="2000" dirty="0">
+                <a:ea typeface="+mn-lt"/>
+                <a:cs typeface="+mn-lt"/>
+              </a:rPr>
+              <a:t>: Used to gather </a:t>
+            </a:r>
+            <a:r>
+              <a:rPr lang="en-US" sz="2000" err="1">
+                <a:ea typeface="+mn-lt"/>
+                <a:cs typeface="+mn-lt"/>
+              </a:rPr>
+              <a:t>postgres</a:t>
+            </a:r>
+            <a:r>
+              <a:rPr lang="en-US" sz="2000" dirty="0">
+                <a:ea typeface="+mn-lt"/>
+                <a:cs typeface="+mn-lt"/>
+              </a:rPr>
+              <a:t> metrics (just for fun)</a:t>
+            </a:r>
+          </a:p>
+        </p:txBody>
+      </p:sp>
+      <p:pic>
+        <p:nvPicPr>
+          <p:cNvPr id="3" name="Picture 2" descr="A blue letters on a black background&#10;&#10;Description automatically generated">
+            <a:extLst>
+              <a:ext uri="{FF2B5EF4-FFF2-40B4-BE49-F238E27FC236}">
+                <a16:creationId xmlns:a16="http://schemas.microsoft.com/office/drawing/2014/main" id="{EE44F479-949B-B6BC-DB1A-AEBC96D53E90}"/>
+              </a:ext>
+            </a:extLst>
+          </p:cNvPr>
+          <p:cNvPicPr>
+            <a:picLocks noChangeAspect="1"/>
+          </p:cNvPicPr>
+          <p:nvPr/>
+        </p:nvPicPr>
+        <p:blipFill>
+          <a:blip r:embed="rId2"/>
+          <a:stretch>
+            <a:fillRect/>
+          </a:stretch>
+        </p:blipFill>
+        <p:spPr>
+          <a:xfrm>
+            <a:off x="1231174" y="4127842"/>
+            <a:ext cx="3590925" cy="923925"/>
+          </a:xfrm>
+          <a:prstGeom prst="rect">
+            <a:avLst/>
+          </a:prstGeom>
+        </p:spPr>
+      </p:pic>
+    </p:spTree>
+    <p:extLst>
+      <p:ext uri="{BB962C8B-B14F-4D97-AF65-F5344CB8AC3E}">
+        <p14:creationId xmlns:p14="http://schemas.microsoft.com/office/powerpoint/2010/main" val="1644027078"/>
+      </p:ext>
+    </p:extLst>
+  </p:cSld>
+  <p:clrMapOvr>
+    <a:masterClrMapping/>
+  </p:clrMapOvr>
+</p:sld>
+</file>
+
+<file path=ppt/slides/slide11.xml><?xml version="1.0" encoding="utf-8"?>
+<p:sld xmlns:a="http://schemas.openxmlformats.org/drawingml/2006/main" xmlns:r="http://schemas.openxmlformats.org/officeDocument/2006/relationships" xmlns:p="http://schemas.openxmlformats.org/presentationml/2006/main">
+  <p:cSld>
+    <p:spTree>
+      <p:nvGrpSpPr>
         <p:cNvPr id="1" name=""/>
         <p:cNvGrpSpPr/>
         <p:nvPr/>
@@ -3911,7 +4242,7 @@
           <a:p>
             <a:r>
               <a:rPr lang="en-US" dirty="0"/>
-              <a:t>Demonstration</a:t>
+              <a:t>Live Demonstration</a:t>
             </a:r>
           </a:p>
         </p:txBody>
@@ -4101,7 +4432,7 @@
           <a:p>
             <a:r>
               <a:rPr lang="en-US" dirty="0"/>
-              <a:t>Data flow</a:t>
+              <a:t>Data Pipeline</a:t>
             </a:r>
           </a:p>
         </p:txBody>
@@ -4412,7 +4743,7 @@
             </a:pPr>
             <a:r>
               <a:rPr lang="en-US" dirty="0"/>
-              <a:t>Both of them are streamed to </a:t>
+              <a:t>All of this is streamed to </a:t>
             </a:r>
             <a:r>
               <a:rPr lang="en-US" dirty="0" err="1"/>
@@ -4729,10 +5060,16 @@
             <p:ph idx="1"/>
           </p:nvPr>
         </p:nvSpPr>
-        <p:spPr/>
+        <p:spPr>
+          <a:xfrm>
+            <a:off x="5547459" y="941445"/>
+            <a:ext cx="6263471" cy="5484984"/>
+          </a:xfrm>
+          <a:effectLst/>
+        </p:spPr>
         <p:txBody>
           <a:bodyPr vert="horz" lIns="91440" tIns="45720" rIns="91440" bIns="45720" rtlCol="0" anchor="t">
-            <a:normAutofit fontScale="77500" lnSpcReduction="20000"/>
+            <a:normAutofit fontScale="92500" lnSpcReduction="20000"/>
           </a:bodyPr>
           <a:lstStyle/>
           <a:p>
@@ -4946,6 +5283,36 @@
           </a:p>
         </p:txBody>
       </p:sp>
+      <p:pic>
+        <p:nvPicPr>
+          <p:cNvPr id="7" name="Picture 6" descr="A blue elephant with white outline&#10;&#10;Description automatically generated">
+            <a:extLst>
+              <a:ext uri="{FF2B5EF4-FFF2-40B4-BE49-F238E27FC236}">
+                <a16:creationId xmlns:a16="http://schemas.microsoft.com/office/drawing/2014/main" id="{2866BCE7-9DC0-8D18-1CC1-48BDC833C8F5}"/>
+              </a:ext>
+            </a:extLst>
+          </p:cNvPr>
+          <p:cNvPicPr>
+            <a:picLocks noChangeAspect="1"/>
+          </p:cNvPicPr>
+          <p:nvPr/>
+        </p:nvPicPr>
+        <p:blipFill>
+          <a:blip r:embed="rId2"/>
+          <a:stretch>
+            <a:fillRect/>
+          </a:stretch>
+        </p:blipFill>
+        <p:spPr>
+          <a:xfrm>
+            <a:off x="1946839" y="3427308"/>
+            <a:ext cx="2344753" cy="2139832"/>
+          </a:xfrm>
+          <a:prstGeom prst="rect">
+            <a:avLst/>
+          </a:prstGeom>
+        </p:spPr>
+      </p:pic>
     </p:spTree>
     <p:extLst>
       <p:ext uri="{BB962C8B-B14F-4D97-AF65-F5344CB8AC3E}">
@@ -5031,7 +5398,7 @@
         <p:spPr>
           <a:xfrm>
             <a:off x="1620444" y="2077807"/>
-            <a:ext cx="8977509" cy="3141785"/>
+            <a:ext cx="4747341" cy="3419523"/>
           </a:xfrm>
         </p:spPr>
         <p:txBody>
@@ -5044,25 +5411,111 @@
               <a:lnSpc>
                 <a:spcPct val="100000"/>
               </a:lnSpc>
-              <a:spcAft>
-                <a:spcPts val="1500"/>
-              </a:spcAft>
             </a:pPr>
             <a:r>
               <a:rPr lang="en-US" dirty="0"/>
               <a:t>Data is analyzed using Grafana</a:t>
             </a:r>
+            <a:endParaRPr lang="en-US"/>
           </a:p>
           <a:p>
             <a:pPr>
               <a:lnSpc>
                 <a:spcPct val="100000"/>
               </a:lnSpc>
+              <a:spcBef>
+                <a:spcPts val="1500"/>
+              </a:spcBef>
               <a:spcAft>
+                <a:spcPts val="300"/>
+              </a:spcAft>
+            </a:pPr>
+            <a:r>
+              <a:rPr lang="en-US" dirty="0"/>
+              <a:t>We can analyze:</a:t>
+            </a:r>
+          </a:p>
+          <a:p>
+            <a:pPr lvl="1">
+              <a:lnSpc>
+                <a:spcPct val="100000"/>
+              </a:lnSpc>
+              <a:buFont typeface="Courier New" panose="020B0604020202020204" pitchFamily="34" charset="0"/>
+              <a:buChar char="o"/>
+            </a:pPr>
+            <a:r>
+              <a:rPr lang="en-US" dirty="0"/>
+              <a:t> Heatmaps for disruptions</a:t>
+            </a:r>
+          </a:p>
+          <a:p>
+            <a:pPr lvl="1">
+              <a:lnSpc>
+                <a:spcPct val="100000"/>
+              </a:lnSpc>
+              <a:buFont typeface="Courier New" panose="020B0604020202020204" pitchFamily="34" charset="0"/>
+              <a:buChar char="o"/>
+            </a:pPr>
+            <a:r>
+              <a:rPr lang="en-US" dirty="0"/>
+              <a:t>Time-series graphs of different weather metrics and disruptions</a:t>
+            </a:r>
+          </a:p>
+          <a:p>
+            <a:pPr lvl="1">
+              <a:lnSpc>
+                <a:spcPct val="100000"/>
+              </a:lnSpc>
+              <a:buFont typeface="Courier New" panose="020B0604020202020204" pitchFamily="34" charset="0"/>
+              <a:buChar char="o"/>
+            </a:pPr>
+            <a:r>
+              <a:rPr lang="en-US" dirty="0"/>
+              <a:t>Total and relative numbers of delays</a:t>
+            </a:r>
+          </a:p>
+          <a:p>
+            <a:pPr>
+              <a:lnSpc>
+                <a:spcPct val="100000"/>
+              </a:lnSpc>
+              <a:spcBef>
                 <a:spcPts val="1500"/>
+              </a:spcBef>
+              <a:spcAft>
+                <a:spcPts val="300"/>
               </a:spcAft>
             </a:pPr>
-            <a:endParaRPr lang="en-US" dirty="0"/>
+            <a:r>
+              <a:rPr lang="en-US" dirty="0"/>
+              <a:t>In addition, we can filter for:</a:t>
+            </a:r>
+          </a:p>
+          <a:p>
+            <a:pPr lvl="1">
+              <a:lnSpc>
+                <a:spcPct val="100000"/>
+              </a:lnSpc>
+              <a:buFont typeface="Courier New" panose="020B0604020202020204" pitchFamily="34" charset="0"/>
+              <a:buChar char="o"/>
+            </a:pPr>
+            <a:r>
+              <a:rPr lang="en-US" dirty="0"/>
+              <a:t>Specific stations</a:t>
+            </a:r>
+          </a:p>
+          <a:p>
+            <a:pPr lvl="1">
+              <a:lnSpc>
+                <a:spcPct val="100000"/>
+              </a:lnSpc>
+              <a:buFont typeface="Courier New" panose="020B0604020202020204" pitchFamily="34" charset="0"/>
+              <a:buChar char="o"/>
+            </a:pPr>
+            <a:r>
+              <a:rPr lang="en-US" dirty="0"/>
+              <a:t>Specific timeframes</a:t>
+            </a:r>
           </a:p>
         </p:txBody>
       </p:sp>
@@ -5087,8 +5540,38 @@
         </p:blipFill>
         <p:spPr>
           <a:xfrm>
-            <a:off x="5678681" y="2176185"/>
-            <a:ext cx="4907431" cy="2954807"/>
+            <a:off x="7138587" y="1357212"/>
+            <a:ext cx="3447526" cy="2078864"/>
+          </a:xfrm>
+          <a:prstGeom prst="rect">
+            <a:avLst/>
+          </a:prstGeom>
+        </p:spPr>
+      </p:pic>
+      <p:pic>
+        <p:nvPicPr>
+          <p:cNvPr id="5" name="Picture 4">
+            <a:extLst>
+              <a:ext uri="{FF2B5EF4-FFF2-40B4-BE49-F238E27FC236}">
+                <a16:creationId xmlns:a16="http://schemas.microsoft.com/office/drawing/2014/main" id="{9D5875B0-C720-548A-6327-06B582472DF0}"/>
+              </a:ext>
+            </a:extLst>
+          </p:cNvPr>
+          <p:cNvPicPr>
+            <a:picLocks noChangeAspect="1"/>
+          </p:cNvPicPr>
+          <p:nvPr/>
+        </p:nvPicPr>
+        <p:blipFill>
+          <a:blip r:embed="rId3"/>
+          <a:stretch>
+            <a:fillRect/>
+          </a:stretch>
+        </p:blipFill>
+        <p:spPr>
+          <a:xfrm>
+            <a:off x="6612487" y="3821438"/>
+            <a:ext cx="4514673" cy="1714768"/>
           </a:xfrm>
           <a:prstGeom prst="rect">
             <a:avLst/>
@@ -5116,7 +5599,7 @@
         <p:cNvPr id="1" name="">
           <a:extLst>
             <a:ext uri="{FF2B5EF4-FFF2-40B4-BE49-F238E27FC236}">
-              <a16:creationId xmlns:a16="http://schemas.microsoft.com/office/drawing/2014/main" id="{F58AF124-3842-6FC8-D00A-1C4140430A4C}"/>
+              <a16:creationId xmlns:a16="http://schemas.microsoft.com/office/drawing/2014/main" id="{480EA8C7-8C0B-76A0-1DCB-016B54E8854E}"/>
             </a:ext>
           </a:extLst>
         </p:cNvPr>
@@ -5136,7 +5619,7 @@
           <p:cNvPr id="2" name="Title 1">
             <a:extLst>
               <a:ext uri="{FF2B5EF4-FFF2-40B4-BE49-F238E27FC236}">
-                <a16:creationId xmlns:a16="http://schemas.microsoft.com/office/drawing/2014/main" id="{F27C2533-84DC-EA61-E762-16029312949E}"/>
+                <a16:creationId xmlns:a16="http://schemas.microsoft.com/office/drawing/2014/main" id="{7CE64E12-1E79-9C16-F0ED-A0E3E0FB9C6B}"/>
               </a:ext>
             </a:extLst>
           </p:cNvPr>
@@ -5156,81 +5639,221 @@
           <a:p>
             <a:r>
               <a:rPr lang="en-US" dirty="0"/>
-              <a:t>Infrastructure</a:t>
-            </a:r>
-          </a:p>
-        </p:txBody>
-      </p:sp>
-      <p:sp>
-        <p:nvSpPr>
-          <p:cNvPr id="3" name="Content Placeholder 2">
-            <a:extLst>
-              <a:ext uri="{FF2B5EF4-FFF2-40B4-BE49-F238E27FC236}">
-                <a16:creationId xmlns:a16="http://schemas.microsoft.com/office/drawing/2014/main" id="{EE42F082-6F07-D90D-2A03-E1096D4E6589}"/>
-              </a:ext>
-            </a:extLst>
-          </p:cNvPr>
-          <p:cNvSpPr>
-            <a:spLocks noGrp="1"/>
-          </p:cNvSpPr>
-          <p:nvPr>
-            <p:ph idx="1"/>
+              <a:t>Containers</a:t>
+            </a:r>
+          </a:p>
+        </p:txBody>
+      </p:sp>
+      <p:sp>
+        <p:nvSpPr>
+          <p:cNvPr id="4" name="Text Placeholder 3">
+            <a:extLst>
+              <a:ext uri="{FF2B5EF4-FFF2-40B4-BE49-F238E27FC236}">
+                <a16:creationId xmlns:a16="http://schemas.microsoft.com/office/drawing/2014/main" id="{69717EA4-3C5A-8C9B-A2E3-EBA61EA33B12}"/>
+              </a:ext>
+            </a:extLst>
+          </p:cNvPr>
+          <p:cNvSpPr>
+            <a:spLocks noGrp="1"/>
+          </p:cNvSpPr>
+          <p:nvPr>
+            <p:ph type="body" sz="half" idx="2"/>
           </p:nvPr>
         </p:nvSpPr>
         <p:spPr>
           <a:xfrm>
-            <a:off x="1620444" y="2077807"/>
-            <a:ext cx="8977509" cy="3141785"/>
+            <a:off x="1380121" y="1928782"/>
+            <a:ext cx="3858151" cy="2072549"/>
           </a:xfrm>
         </p:spPr>
         <p:txBody>
+          <a:bodyPr>
+            <a:normAutofit lnSpcReduction="10000"/>
+          </a:bodyPr>
+          <a:lstStyle/>
+          <a:p>
+            <a:endParaRPr lang="en-US" dirty="0">
+              <a:ea typeface="+mn-lt"/>
+              <a:cs typeface="+mn-lt"/>
+            </a:endParaRPr>
+          </a:p>
+          <a:p>
+            <a:pPr marL="285750" indent="-285750">
+              <a:buChar char="•"/>
+            </a:pPr>
+            <a:r>
+              <a:rPr lang="en-US" dirty="0">
+                <a:ea typeface="+mn-lt"/>
+                <a:cs typeface="+mn-lt"/>
+              </a:rPr>
+              <a:t>Every part of the system is containerized</a:t>
+            </a:r>
+            <a:endParaRPr lang="en-US" dirty="0"/>
+          </a:p>
+          <a:p>
+            <a:pPr marL="285750" indent="-285750">
+              <a:buChar char="•"/>
+            </a:pPr>
+            <a:r>
+              <a:rPr lang="en-US" dirty="0"/>
+              <a:t>Docker is used here</a:t>
+            </a:r>
+          </a:p>
+          <a:p>
+            <a:pPr marL="342900" indent="-342900">
+              <a:buChar char="•"/>
+            </a:pPr>
+            <a:r>
+              <a:rPr lang="en-US" dirty="0"/>
+              <a:t>In total, there are 10 containers:</a:t>
+            </a:r>
+          </a:p>
+          <a:p>
+            <a:pPr marL="342900" indent="-342900">
+              <a:buChar char="•"/>
+            </a:pPr>
+            <a:endParaRPr lang="en-US" dirty="0"/>
+          </a:p>
+        </p:txBody>
+      </p:sp>
+      <p:sp>
+        <p:nvSpPr>
+          <p:cNvPr id="6" name="Content Placeholder 5">
+            <a:extLst>
+              <a:ext uri="{FF2B5EF4-FFF2-40B4-BE49-F238E27FC236}">
+                <a16:creationId xmlns:a16="http://schemas.microsoft.com/office/drawing/2014/main" id="{5D3FB8A0-9800-1112-21EB-839205D13FAF}"/>
+              </a:ext>
+            </a:extLst>
+          </p:cNvPr>
+          <p:cNvSpPr>
+            <a:spLocks noGrp="1"/>
+          </p:cNvSpPr>
+          <p:nvPr>
+            <p:ph idx="1"/>
+          </p:nvPr>
+        </p:nvSpPr>
+        <p:spPr>
+          <a:xfrm>
+            <a:off x="5761104" y="920080"/>
+            <a:ext cx="6017495" cy="5012117"/>
+          </a:xfrm>
+        </p:spPr>
+        <p:txBody>
           <a:bodyPr vert="horz" lIns="91440" tIns="45720" rIns="91440" bIns="45720" rtlCol="0" anchor="t">
-            <a:normAutofit/>
+            <a:noAutofit/>
           </a:bodyPr>
           <a:lstStyle/>
           <a:p>
             <a:pPr>
-              <a:lnSpc>
-                <a:spcPct val="100000"/>
-              </a:lnSpc>
               <a:spcAft>
-                <a:spcPts val="1500"/>
+                <a:spcPts val="1000"/>
               </a:spcAft>
             </a:pPr>
             <a:r>
-              <a:rPr lang="en-US" dirty="0"/>
-              <a:t>Every Part of the system is containerized</a:t>
-            </a:r>
+              <a:rPr lang="en-US" sz="2000" err="1">
+                <a:ea typeface="+mn-lt"/>
+                <a:cs typeface="+mn-lt"/>
+              </a:rPr>
+              <a:t>dsi_kafka_producer_weather</a:t>
+            </a:r>
+            <a:r>
+              <a:rPr lang="en-US" sz="2000" dirty="0">
+                <a:ea typeface="+mn-lt"/>
+                <a:cs typeface="+mn-lt"/>
+              </a:rPr>
+              <a:t>: Container running custom Python script for fetching weather data </a:t>
+            </a:r>
+            <a:endParaRPr lang="en-US" sz="2000">
+              <a:ea typeface="+mn-lt"/>
+              <a:cs typeface="+mn-lt"/>
+            </a:endParaRPr>
           </a:p>
           <a:p>
             <a:pPr>
-              <a:lnSpc>
-                <a:spcPct val="100000"/>
-              </a:lnSpc>
-            </a:pPr>
-            <a:r>
-              <a:rPr lang="en-US" dirty="0"/>
-              <a:t>containers:</a:t>
-            </a:r>
-          </a:p>
-          <a:p>
-            <a:pPr lvl="1">
-              <a:lnSpc>
-                <a:spcPct val="100000"/>
-              </a:lnSpc>
-              <a:buFont typeface="Courier New" panose="020B0604020202020204" pitchFamily="34" charset="0"/>
-              <a:buChar char="o"/>
-            </a:pPr>
-            <a:endParaRPr lang="en-US" dirty="0"/>
+              <a:spcAft>
+                <a:spcPts val="1000"/>
+              </a:spcAft>
+            </a:pPr>
+            <a:r>
+              <a:rPr lang="en-US" sz="2000" err="1">
+                <a:ea typeface="+mn-lt"/>
+                <a:cs typeface="+mn-lt"/>
+              </a:rPr>
+              <a:t>dsi_kafka_producer_delays</a:t>
+            </a:r>
+            <a:r>
+              <a:rPr lang="en-US" sz="2000" dirty="0">
+                <a:ea typeface="+mn-lt"/>
+                <a:cs typeface="+mn-lt"/>
+              </a:rPr>
+              <a:t>: Container running custom Python script for fetching disruption data</a:t>
+            </a:r>
+            <a:endParaRPr lang="en-US" sz="2000"/>
+          </a:p>
+          <a:p>
+            <a:pPr>
+              <a:spcAft>
+                <a:spcPts val="1000"/>
+              </a:spcAft>
+            </a:pPr>
+            <a:r>
+              <a:rPr lang="en-US" sz="2000" err="1">
+                <a:ea typeface="+mn-lt"/>
+                <a:cs typeface="+mn-lt"/>
+              </a:rPr>
+              <a:t>dsi_init_kafka</a:t>
+            </a:r>
+            <a:r>
+              <a:rPr lang="en-US" sz="2000" dirty="0">
+                <a:ea typeface="+mn-lt"/>
+                <a:cs typeface="+mn-lt"/>
+              </a:rPr>
+              <a:t>: Used to create required topics in Kafka on startup</a:t>
+            </a:r>
+          </a:p>
+          <a:p>
+            <a:pPr>
+              <a:spcAft>
+                <a:spcPts val="1000"/>
+              </a:spcAft>
+            </a:pPr>
+            <a:r>
+              <a:rPr lang="en-US" sz="2000" dirty="0">
+                <a:ea typeface="+mn-lt"/>
+                <a:cs typeface="+mn-lt"/>
+              </a:rPr>
+              <a:t>dsi_kafka_00: This container hosts the Apache Kafka</a:t>
+            </a:r>
+          </a:p>
+          <a:p>
+            <a:pPr>
+              <a:spcAft>
+                <a:spcPts val="1000"/>
+              </a:spcAft>
+            </a:pPr>
+            <a:r>
+              <a:rPr lang="en-US" sz="2000" err="1">
+                <a:ea typeface="+mn-lt"/>
+                <a:cs typeface="+mn-lt"/>
+              </a:rPr>
+              <a:t>dsi_kafka_consumer</a:t>
+            </a:r>
+            <a:r>
+              <a:rPr lang="en-US" sz="2000" dirty="0">
+                <a:ea typeface="+mn-lt"/>
+                <a:cs typeface="+mn-lt"/>
+              </a:rPr>
+              <a:t>: Container running custom Python script to handle reading from Kafka and writing to PostgreSQL</a:t>
+            </a:r>
           </a:p>
         </p:txBody>
       </p:sp>
       <p:pic>
         <p:nvPicPr>
-          <p:cNvPr id="4" name="Picture 3" descr="A blue letters on a black background&#10;&#10;Description automatically generated">
-            <a:extLst>
-              <a:ext uri="{FF2B5EF4-FFF2-40B4-BE49-F238E27FC236}">
-                <a16:creationId xmlns:a16="http://schemas.microsoft.com/office/drawing/2014/main" id="{526B69F5-AD30-70A3-2C09-1DD41BDF1A09}"/>
+          <p:cNvPr id="3" name="Picture 2" descr="A blue letters on a black background&#10;&#10;Description automatically generated">
+            <a:extLst>
+              <a:ext uri="{FF2B5EF4-FFF2-40B4-BE49-F238E27FC236}">
+                <a16:creationId xmlns:a16="http://schemas.microsoft.com/office/drawing/2014/main" id="{206F4C5A-9F75-0E2E-94F7-CF904FED6ABA}"/>
               </a:ext>
             </a:extLst>
           </p:cNvPr>
@@ -5247,8 +5870,8 @@
         </p:blipFill>
         <p:spPr>
           <a:xfrm>
-            <a:off x="7014673" y="2078635"/>
-            <a:ext cx="3582113" cy="920357"/>
+            <a:off x="1231174" y="4127842"/>
+            <a:ext cx="3590925" cy="923925"/>
           </a:xfrm>
           <a:prstGeom prst="rect">
             <a:avLst/>
@@ -5258,7 +5881,7 @@
     </p:spTree>
     <p:extLst>
       <p:ext uri="{BB962C8B-B14F-4D97-AF65-F5344CB8AC3E}">
-        <p14:creationId xmlns:p14="http://schemas.microsoft.com/office/powerpoint/2010/main" val="3677566440"/>
+        <p14:creationId xmlns:p14="http://schemas.microsoft.com/office/powerpoint/2010/main" val="1241498464"/>
       </p:ext>
     </p:extLst>
   </p:cSld>

--- a/dsi_project.pptx
+++ b/dsi_project.pptx
@@ -126,8 +126,9 @@
 <p1510:revInfo xmlns:a="http://schemas.openxmlformats.org/drawingml/2006/main" xmlns:r="http://schemas.openxmlformats.org/officeDocument/2006/relationships" xmlns:p1510="http://schemas.microsoft.com/office/powerpoint/2015/10/main">
   <p1510:revLst>
     <p1510:client id="{17F025F2-6883-4484-53CD-D3371CC20C5A}" v="3" dt="2024-01-16T16:32:58.245"/>
-    <p1510:client id="{36ADF428-A04E-49FA-ACD3-07F5BDAB3344}" v="1991" dt="2024-01-16T18:07:01.394"/>
+    <p1510:client id="{36ADF428-A04E-49FA-ACD3-07F5BDAB3344}" v="1992" dt="2024-01-16T18:08:35.397"/>
     <p1510:client id="{C4A7C7C5-AB9D-4E2E-8BF9-0DCC6330972E}" v="183" dt="2024-01-16T16:29:46.195"/>
+    <p1510:client id="{E32CE0FC-9341-47BD-A522-8D244D75405C}" v="17" dt="2024-01-17T09:55:14.454"/>
   </p1510:revLst>
 </p1510:revInfo>
 </file>
@@ -244,7 +245,7 @@
           <a:p>
             <a:fld id="{E7736193-EDE3-4BB5-AE5F-E6E5472AB8BE}" type="datetimeFigureOut">
               <a:rPr lang="en-US" smtClean="0"/>
-              <a:t>1/16/2024</a:t>
+              <a:t>1/17/2024</a:t>
             </a:fld>
             <a:endParaRPr lang="en-US"/>
           </a:p>
@@ -492,7 +493,7 @@
           <a:p>
             <a:fld id="{E7736193-EDE3-4BB5-AE5F-E6E5472AB8BE}" type="datetimeFigureOut">
               <a:rPr lang="en-US" smtClean="0"/>
-              <a:t>1/16/2024</a:t>
+              <a:t>1/17/2024</a:t>
             </a:fld>
             <a:endParaRPr lang="en-US"/>
           </a:p>
@@ -700,7 +701,7 @@
           <a:p>
             <a:fld id="{E7736193-EDE3-4BB5-AE5F-E6E5472AB8BE}" type="datetimeFigureOut">
               <a:rPr lang="en-US" smtClean="0"/>
-              <a:t>1/16/2024</a:t>
+              <a:t>1/17/2024</a:t>
             </a:fld>
             <a:endParaRPr lang="en-US"/>
           </a:p>
@@ -898,7 +899,7 @@
           <a:p>
             <a:fld id="{E7736193-EDE3-4BB5-AE5F-E6E5472AB8BE}" type="datetimeFigureOut">
               <a:rPr lang="en-US" smtClean="0"/>
-              <a:t>1/16/2024</a:t>
+              <a:t>1/17/2024</a:t>
             </a:fld>
             <a:endParaRPr lang="en-US"/>
           </a:p>
@@ -1175,7 +1176,7 @@
           <a:p>
             <a:fld id="{E7736193-EDE3-4BB5-AE5F-E6E5472AB8BE}" type="datetimeFigureOut">
               <a:rPr lang="en-US" smtClean="0"/>
-              <a:t>1/16/2024</a:t>
+              <a:t>1/17/2024</a:t>
             </a:fld>
             <a:endParaRPr lang="en-US"/>
           </a:p>
@@ -1445,7 +1446,7 @@
           <a:p>
             <a:fld id="{E7736193-EDE3-4BB5-AE5F-E6E5472AB8BE}" type="datetimeFigureOut">
               <a:rPr lang="en-US" smtClean="0"/>
-              <a:t>1/16/2024</a:t>
+              <a:t>1/17/2024</a:t>
             </a:fld>
             <a:endParaRPr lang="en-US"/>
           </a:p>
@@ -1861,7 +1862,7 @@
           <a:p>
             <a:fld id="{E7736193-EDE3-4BB5-AE5F-E6E5472AB8BE}" type="datetimeFigureOut">
               <a:rPr lang="en-US" smtClean="0"/>
-              <a:t>1/16/2024</a:t>
+              <a:t>1/17/2024</a:t>
             </a:fld>
             <a:endParaRPr lang="en-US"/>
           </a:p>
@@ -2094,7 +2095,7 @@
           <a:p>
             <a:fld id="{E7736193-EDE3-4BB5-AE5F-E6E5472AB8BE}" type="datetimeFigureOut">
               <a:rPr lang="en-US" smtClean="0"/>
-              <a:t>1/16/2024</a:t>
+              <a:t>1/17/2024</a:t>
             </a:fld>
             <a:endParaRPr lang="en-US"/>
           </a:p>
@@ -2207,7 +2208,7 @@
           <a:p>
             <a:fld id="{E7736193-EDE3-4BB5-AE5F-E6E5472AB8BE}" type="datetimeFigureOut">
               <a:rPr lang="en-US" smtClean="0"/>
-              <a:t>1/16/2024</a:t>
+              <a:t>1/17/2024</a:t>
             </a:fld>
             <a:endParaRPr lang="en-US"/>
           </a:p>
@@ -2524,7 +2525,7 @@
           <a:p>
             <a:fld id="{E7736193-EDE3-4BB5-AE5F-E6E5472AB8BE}" type="datetimeFigureOut">
               <a:rPr lang="en-US" smtClean="0"/>
-              <a:t>1/16/2024</a:t>
+              <a:t>1/17/2024</a:t>
             </a:fld>
             <a:endParaRPr lang="en-US"/>
           </a:p>
@@ -2877,7 +2878,7 @@
           <a:p>
             <a:fld id="{E7736193-EDE3-4BB5-AE5F-E6E5472AB8BE}" type="datetimeFigureOut">
               <a:rPr lang="en-US" smtClean="0"/>
-              <a:t>1/16/2024</a:t>
+              <a:t>1/17/2024</a:t>
             </a:fld>
             <a:endParaRPr lang="en-US"/>
           </a:p>
@@ -3175,7 +3176,7 @@
           <a:p>
             <a:fld id="{E7736193-EDE3-4BB5-AE5F-E6E5472AB8BE}" type="datetimeFigureOut">
               <a:rPr lang="en-US" smtClean="0"/>
-              <a:t>1/16/2024</a:t>
+              <a:t>1/17/2024</a:t>
             </a:fld>
             <a:endParaRPr lang="en-US"/>
           </a:p>
@@ -3787,7 +3788,7 @@
                   <a:spcPts val="600"/>
                 </a:spcAft>
               </a:pPr>
-              <a:t>1/16/2024</a:t>
+              <a:t>1/17/2024</a:t>
             </a:fld>
             <a:endParaRPr lang="en-US" dirty="0"/>
           </a:p>
@@ -5403,7 +5404,7 @@
         </p:spPr>
         <p:txBody>
           <a:bodyPr vert="horz" lIns="91440" tIns="45720" rIns="91440" bIns="45720" rtlCol="0" anchor="t">
-            <a:normAutofit/>
+            <a:normAutofit lnSpcReduction="10000"/>
           </a:bodyPr>
           <a:lstStyle/>
           <a:p>
@@ -5472,6 +5473,19 @@
             <a:r>
               <a:rPr lang="en-US" dirty="0"/>
               <a:t>Total and relative numbers of delays</a:t>
+            </a:r>
+          </a:p>
+          <a:p>
+            <a:pPr lvl="1">
+              <a:lnSpc>
+                <a:spcPct val="100000"/>
+              </a:lnSpc>
+              <a:buFont typeface="Courier New" panose="020B0604020202020204" pitchFamily="34" charset="0"/>
+              <a:buChar char="o"/>
+            </a:pPr>
+            <a:r>
+              <a:rPr lang="en-US" dirty="0"/>
+              <a:t>Detailed information on all tables</a:t>
             </a:r>
           </a:p>
           <a:p>

--- a/dsi_project.pptx
+++ b/dsi_project.pptx
@@ -128,6 +128,7 @@
     <p1510:client id="{17F025F2-6883-4484-53CD-D3371CC20C5A}" v="3" dt="2024-01-16T16:32:58.245"/>
     <p1510:client id="{36ADF428-A04E-49FA-ACD3-07F5BDAB3344}" v="1992" dt="2024-01-16T18:08:35.397"/>
     <p1510:client id="{C4A7C7C5-AB9D-4E2E-8BF9-0DCC6330972E}" v="183" dt="2024-01-16T16:29:46.195"/>
+    <p1510:client id="{D004ADBA-3F6A-5421-9AA5-5F24F07F1C4B}" v="3" dt="2024-01-17T10:03:04.184"/>
     <p1510:client id="{E32CE0FC-9341-47BD-A522-8D244D75405C}" v="17" dt="2024-01-17T09:55:14.454"/>
   </p1510:revLst>
 </p1510:revInfo>
@@ -4567,8 +4568,14 @@
               </a:lnSpc>
             </a:pPr>
             <a:r>
-              <a:rPr lang="en-US" dirty="0"/>
-              <a:t>Öffi.at: Web-based historic archive of disruptions in the public transit system</a:t>
+              <a:rPr lang="en-US" dirty="0">
+                <a:hlinkClick r:id="rId2"/>
+              </a:rPr>
+              <a:t>Öffi.at:</a:t>
+            </a:r>
+            <a:r>
+              <a:rPr lang="en-US"/>
+              <a:t> Web-based historic archive of disruptions in the public transit system</a:t>
             </a:r>
           </a:p>
           <a:p>
@@ -4578,12 +4585,14 @@
               </a:lnSpc>
             </a:pPr>
             <a:r>
-              <a:rPr lang="en-US" dirty="0" err="1"/>
-              <a:t>Openmeteo</a:t>
-            </a:r>
-            <a:r>
-              <a:rPr lang="en-US" dirty="0"/>
-              <a:t>: API for real-time and historic weather data</a:t>
+              <a:rPr lang="en-US" dirty="0">
+                <a:hlinkClick r:id="rId3"/>
+              </a:rPr>
+              <a:t>Openmeteo:</a:t>
+            </a:r>
+            <a:r>
+              <a:rPr lang="en-US"/>
+              <a:t> API for real-time and historic weather data</a:t>
             </a:r>
           </a:p>
           <a:p>
@@ -4593,8 +4602,14 @@
               </a:lnSpc>
             </a:pPr>
             <a:r>
-              <a:rPr lang="en-US" dirty="0"/>
-              <a:t>Data.gv.at: publicly available datasets from Austrian open government data </a:t>
+              <a:rPr lang="en-US" dirty="0">
+                <a:hlinkClick r:id="rId4"/>
+              </a:rPr>
+              <a:t>Data.gv.at:</a:t>
+            </a:r>
+            <a:r>
+              <a:rPr lang="en-US"/>
+              <a:t> publicly available datasets from Austrian open government data </a:t>
             </a:r>
           </a:p>
         </p:txBody>

--- a/dsi_project.pptx
+++ b/dsi_project.pptx
@@ -8,14 +8,24 @@
     <p:sldId id="256" r:id="rId2"/>
     <p:sldId id="257" r:id="rId3"/>
     <p:sldId id="259" r:id="rId4"/>
-    <p:sldId id="261" r:id="rId5"/>
-    <p:sldId id="262" r:id="rId6"/>
-    <p:sldId id="263" r:id="rId7"/>
-    <p:sldId id="264" r:id="rId8"/>
-    <p:sldId id="265" r:id="rId9"/>
-    <p:sldId id="271" r:id="rId10"/>
-    <p:sldId id="272" r:id="rId11"/>
-    <p:sldId id="269" r:id="rId12"/>
+    <p:sldId id="273" r:id="rId5"/>
+    <p:sldId id="274" r:id="rId6"/>
+    <p:sldId id="275" r:id="rId7"/>
+    <p:sldId id="276" r:id="rId8"/>
+    <p:sldId id="277" r:id="rId9"/>
+    <p:sldId id="278" r:id="rId10"/>
+    <p:sldId id="279" r:id="rId11"/>
+    <p:sldId id="280" r:id="rId12"/>
+    <p:sldId id="281" r:id="rId13"/>
+    <p:sldId id="282" r:id="rId14"/>
+    <p:sldId id="261" r:id="rId15"/>
+    <p:sldId id="262" r:id="rId16"/>
+    <p:sldId id="263" r:id="rId17"/>
+    <p:sldId id="264" r:id="rId18"/>
+    <p:sldId id="265" r:id="rId19"/>
+    <p:sldId id="271" r:id="rId20"/>
+    <p:sldId id="272" r:id="rId21"/>
+    <p:sldId id="269" r:id="rId22"/>
   </p:sldIdLst>
   <p:sldSz cx="12192000" cy="6858000"/>
   <p:notesSz cx="6858000" cy="9144000"/>
@@ -300,7 +310,7 @@
           <a:p>
             <a:fld id="{1CC2C9B9-B4B7-45CC-A7EB-16F8BADE9045}" type="slidenum">
               <a:rPr lang="en-US" smtClean="0"/>
-              <a:t>‹#›</a:t>
+              <a:t>‹Nr.›</a:t>
             </a:fld>
             <a:endParaRPr lang="en-US"/>
           </a:p>
@@ -548,7 +558,7 @@
           <a:p>
             <a:fld id="{1CC2C9B9-B4B7-45CC-A7EB-16F8BADE9045}" type="slidenum">
               <a:rPr lang="en-US" smtClean="0"/>
-              <a:t>‹#›</a:t>
+              <a:t>‹Nr.›</a:t>
             </a:fld>
             <a:endParaRPr lang="en-US"/>
           </a:p>
@@ -756,7 +766,7 @@
           <a:p>
             <a:fld id="{1CC2C9B9-B4B7-45CC-A7EB-16F8BADE9045}" type="slidenum">
               <a:rPr lang="en-US" smtClean="0"/>
-              <a:t>‹#›</a:t>
+              <a:t>‹Nr.›</a:t>
             </a:fld>
             <a:endParaRPr lang="en-US"/>
           </a:p>
@@ -954,7 +964,7 @@
           <a:p>
             <a:fld id="{1CC2C9B9-B4B7-45CC-A7EB-16F8BADE9045}" type="slidenum">
               <a:rPr lang="en-US" smtClean="0"/>
-              <a:t>‹#›</a:t>
+              <a:t>‹Nr.›</a:t>
             </a:fld>
             <a:endParaRPr lang="en-US"/>
           </a:p>
@@ -1231,7 +1241,7 @@
           <a:p>
             <a:fld id="{1CC2C9B9-B4B7-45CC-A7EB-16F8BADE9045}" type="slidenum">
               <a:rPr lang="en-US" smtClean="0"/>
-              <a:t>‹#›</a:t>
+              <a:t>‹Nr.›</a:t>
             </a:fld>
             <a:endParaRPr lang="en-US"/>
           </a:p>
@@ -1501,7 +1511,7 @@
           <a:p>
             <a:fld id="{1CC2C9B9-B4B7-45CC-A7EB-16F8BADE9045}" type="slidenum">
               <a:rPr lang="en-US" smtClean="0"/>
-              <a:t>‹#›</a:t>
+              <a:t>‹Nr.›</a:t>
             </a:fld>
             <a:endParaRPr lang="en-US"/>
           </a:p>
@@ -1917,7 +1927,7 @@
           <a:p>
             <a:fld id="{1CC2C9B9-B4B7-45CC-A7EB-16F8BADE9045}" type="slidenum">
               <a:rPr lang="en-US" smtClean="0"/>
-              <a:t>‹#›</a:t>
+              <a:t>‹Nr.›</a:t>
             </a:fld>
             <a:endParaRPr lang="en-US"/>
           </a:p>
@@ -2150,7 +2160,7 @@
           <a:p>
             <a:fld id="{1CC2C9B9-B4B7-45CC-A7EB-16F8BADE9045}" type="slidenum">
               <a:rPr lang="en-US" smtClean="0"/>
-              <a:t>‹#›</a:t>
+              <a:t>‹Nr.›</a:t>
             </a:fld>
             <a:endParaRPr lang="en-US"/>
           </a:p>
@@ -2263,7 +2273,7 @@
           <a:p>
             <a:fld id="{1CC2C9B9-B4B7-45CC-A7EB-16F8BADE9045}" type="slidenum">
               <a:rPr lang="en-US" smtClean="0"/>
-              <a:t>‹#›</a:t>
+              <a:t>‹Nr.›</a:t>
             </a:fld>
             <a:endParaRPr lang="en-US"/>
           </a:p>
@@ -2580,7 +2590,7 @@
           <a:p>
             <a:fld id="{1CC2C9B9-B4B7-45CC-A7EB-16F8BADE9045}" type="slidenum">
               <a:rPr lang="en-US" smtClean="0"/>
-              <a:t>‹#›</a:t>
+              <a:t>‹Nr.›</a:t>
             </a:fld>
             <a:endParaRPr lang="en-US"/>
           </a:p>
@@ -2933,7 +2943,7 @@
           <a:p>
             <a:fld id="{1CC2C9B9-B4B7-45CC-A7EB-16F8BADE9045}" type="slidenum">
               <a:rPr lang="en-US" smtClean="0"/>
-              <a:t>‹#›</a:t>
+              <a:t>‹Nr.›</a:t>
             </a:fld>
             <a:endParaRPr lang="en-US"/>
           </a:p>
@@ -3265,7 +3275,7 @@
           <a:p>
             <a:fld id="{1CC2C9B9-B4B7-45CC-A7EB-16F8BADE9045}" type="slidenum">
               <a:rPr lang="en-US" smtClean="0"/>
-              <a:t>‹#›</a:t>
+              <a:t>‹Nr.›</a:t>
             </a:fld>
             <a:endParaRPr lang="en-US"/>
           </a:p>
@@ -3879,6 +3889,2209 @@
   <p:cSld>
     <p:spTree>
       <p:nvGrpSpPr>
+        <p:cNvPr id="1" name=""/>
+        <p:cNvGrpSpPr/>
+        <p:nvPr/>
+      </p:nvGrpSpPr>
+      <p:grpSpPr>
+        <a:xfrm>
+          <a:off x="0" y="0"/>
+          <a:ext cx="0" cy="0"/>
+          <a:chOff x="0" y="0"/>
+          <a:chExt cx="0" cy="0"/>
+        </a:xfrm>
+      </p:grpSpPr>
+      <p:sp>
+        <p:nvSpPr>
+          <p:cNvPr id="2" name="Title 1">
+            <a:extLst>
+              <a:ext uri="{FF2B5EF4-FFF2-40B4-BE49-F238E27FC236}">
+                <a16:creationId xmlns:a16="http://schemas.microsoft.com/office/drawing/2014/main" id="{A90CA53F-33DA-6E04-C8EF-9BBE16D597C7}"/>
+              </a:ext>
+            </a:extLst>
+          </p:cNvPr>
+          <p:cNvSpPr>
+            <a:spLocks noGrp="1"/>
+          </p:cNvSpPr>
+          <p:nvPr>
+            <p:ph type="title"/>
+          </p:nvPr>
+        </p:nvSpPr>
+        <p:spPr/>
+        <p:txBody>
+          <a:bodyPr vert="horz" lIns="91440" tIns="45720" rIns="91440" bIns="45720" rtlCol="0" anchor="t">
+            <a:normAutofit/>
+          </a:bodyPr>
+          <a:lstStyle/>
+          <a:p>
+            <a:r>
+              <a:rPr lang="en-US" dirty="0"/>
+              <a:t>Data Pipeline</a:t>
+            </a:r>
+          </a:p>
+        </p:txBody>
+      </p:sp>
+      <p:pic>
+        <p:nvPicPr>
+          <p:cNvPr id="4" name="Content Placeholder 3" descr="A screenshot of a computer&#10;&#10;Description automatically generated">
+            <a:extLst>
+              <a:ext uri="{FF2B5EF4-FFF2-40B4-BE49-F238E27FC236}">
+                <a16:creationId xmlns:a16="http://schemas.microsoft.com/office/drawing/2014/main" id="{EEC6733A-0D3C-D279-BCFF-26D1A53C0DCE}"/>
+              </a:ext>
+            </a:extLst>
+          </p:cNvPr>
+          <p:cNvPicPr>
+            <a:picLocks noGrp="1" noChangeAspect="1"/>
+          </p:cNvPicPr>
+          <p:nvPr>
+            <p:ph idx="1"/>
+          </p:nvPr>
+        </p:nvPicPr>
+        <p:blipFill>
+          <a:blip r:embed="rId2"/>
+          <a:stretch>
+            <a:fillRect/>
+          </a:stretch>
+        </p:blipFill>
+        <p:spPr>
+          <a:xfrm>
+            <a:off x="2035703" y="1560053"/>
+            <a:ext cx="8146989" cy="4212901"/>
+          </a:xfrm>
+        </p:spPr>
+      </p:pic>
+      <p:sp>
+        <p:nvSpPr>
+          <p:cNvPr id="3" name="Pfeil: nach rechts 2">
+            <a:extLst>
+              <a:ext uri="{FF2B5EF4-FFF2-40B4-BE49-F238E27FC236}">
+                <a16:creationId xmlns:a16="http://schemas.microsoft.com/office/drawing/2014/main" id="{7B442DD6-4A6B-A4BE-D20F-9987EAD88A70}"/>
+              </a:ext>
+            </a:extLst>
+          </p:cNvPr>
+          <p:cNvSpPr/>
+          <p:nvPr/>
+        </p:nvSpPr>
+        <p:spPr>
+          <a:xfrm>
+            <a:off x="5491900" y="3617071"/>
+            <a:ext cx="651821" cy="233459"/>
+          </a:xfrm>
+          <a:prstGeom prst="rightArrow">
+            <a:avLst/>
+          </a:prstGeom>
+        </p:spPr>
+        <p:style>
+          <a:lnRef idx="2">
+            <a:schemeClr val="accent1">
+              <a:shade val="15000"/>
+            </a:schemeClr>
+          </a:lnRef>
+          <a:fillRef idx="1">
+            <a:schemeClr val="accent1"/>
+          </a:fillRef>
+          <a:effectRef idx="0">
+            <a:schemeClr val="accent1"/>
+          </a:effectRef>
+          <a:fontRef idx="minor">
+            <a:schemeClr val="lt1"/>
+          </a:fontRef>
+        </p:style>
+        <p:txBody>
+          <a:bodyPr rtlCol="0" anchor="ctr"/>
+          <a:lstStyle/>
+          <a:p>
+            <a:pPr algn="ctr"/>
+            <a:endParaRPr lang="de-AT"/>
+          </a:p>
+        </p:txBody>
+      </p:sp>
+    </p:spTree>
+    <p:extLst>
+      <p:ext uri="{BB962C8B-B14F-4D97-AF65-F5344CB8AC3E}">
+        <p14:creationId xmlns:p14="http://schemas.microsoft.com/office/powerpoint/2010/main" val="2147922704"/>
+      </p:ext>
+    </p:extLst>
+  </p:cSld>
+  <p:clrMapOvr>
+    <a:masterClrMapping/>
+  </p:clrMapOvr>
+  <mc:AlternateContent xmlns:mc="http://schemas.openxmlformats.org/markup-compatibility/2006">
+    <mc:Choice xmlns:p159="http://schemas.microsoft.com/office/powerpoint/2015/09/main" Requires="p159">
+      <p:transition xmlns:p14="http://schemas.microsoft.com/office/powerpoint/2010/main" spd="slow" p14:dur="2000">
+        <p159:morph option="byObject"/>
+      </p:transition>
+    </mc:Choice>
+    <mc:Fallback>
+      <p:transition spd="slow">
+        <p:fade/>
+      </p:transition>
+    </mc:Fallback>
+  </mc:AlternateContent>
+</p:sld>
+</file>
+
+<file path=ppt/slides/slide11.xml><?xml version="1.0" encoding="utf-8"?>
+<p:sld xmlns:a="http://schemas.openxmlformats.org/drawingml/2006/main" xmlns:r="http://schemas.openxmlformats.org/officeDocument/2006/relationships" xmlns:p="http://schemas.openxmlformats.org/presentationml/2006/main">
+  <p:cSld>
+    <p:spTree>
+      <p:nvGrpSpPr>
+        <p:cNvPr id="1" name=""/>
+        <p:cNvGrpSpPr/>
+        <p:nvPr/>
+      </p:nvGrpSpPr>
+      <p:grpSpPr>
+        <a:xfrm>
+          <a:off x="0" y="0"/>
+          <a:ext cx="0" cy="0"/>
+          <a:chOff x="0" y="0"/>
+          <a:chExt cx="0" cy="0"/>
+        </a:xfrm>
+      </p:grpSpPr>
+      <p:sp>
+        <p:nvSpPr>
+          <p:cNvPr id="2" name="Title 1">
+            <a:extLst>
+              <a:ext uri="{FF2B5EF4-FFF2-40B4-BE49-F238E27FC236}">
+                <a16:creationId xmlns:a16="http://schemas.microsoft.com/office/drawing/2014/main" id="{A90CA53F-33DA-6E04-C8EF-9BBE16D597C7}"/>
+              </a:ext>
+            </a:extLst>
+          </p:cNvPr>
+          <p:cNvSpPr>
+            <a:spLocks noGrp="1"/>
+          </p:cNvSpPr>
+          <p:nvPr>
+            <p:ph type="title"/>
+          </p:nvPr>
+        </p:nvSpPr>
+        <p:spPr/>
+        <p:txBody>
+          <a:bodyPr vert="horz" lIns="91440" tIns="45720" rIns="91440" bIns="45720" rtlCol="0" anchor="t">
+            <a:normAutofit/>
+          </a:bodyPr>
+          <a:lstStyle/>
+          <a:p>
+            <a:r>
+              <a:rPr lang="en-US" dirty="0"/>
+              <a:t>Data Pipeline</a:t>
+            </a:r>
+          </a:p>
+        </p:txBody>
+      </p:sp>
+      <p:pic>
+        <p:nvPicPr>
+          <p:cNvPr id="4" name="Content Placeholder 3" descr="A screenshot of a computer&#10;&#10;Description automatically generated">
+            <a:extLst>
+              <a:ext uri="{FF2B5EF4-FFF2-40B4-BE49-F238E27FC236}">
+                <a16:creationId xmlns:a16="http://schemas.microsoft.com/office/drawing/2014/main" id="{EEC6733A-0D3C-D279-BCFF-26D1A53C0DCE}"/>
+              </a:ext>
+            </a:extLst>
+          </p:cNvPr>
+          <p:cNvPicPr>
+            <a:picLocks noGrp="1" noChangeAspect="1"/>
+          </p:cNvPicPr>
+          <p:nvPr>
+            <p:ph idx="1"/>
+          </p:nvPr>
+        </p:nvPicPr>
+        <p:blipFill>
+          <a:blip r:embed="rId2"/>
+          <a:stretch>
+            <a:fillRect/>
+          </a:stretch>
+        </p:blipFill>
+        <p:spPr>
+          <a:xfrm>
+            <a:off x="2035703" y="1560053"/>
+            <a:ext cx="8146989" cy="4212901"/>
+          </a:xfrm>
+        </p:spPr>
+      </p:pic>
+      <p:sp>
+        <p:nvSpPr>
+          <p:cNvPr id="3" name="Pfeil: nach rechts 2">
+            <a:extLst>
+              <a:ext uri="{FF2B5EF4-FFF2-40B4-BE49-F238E27FC236}">
+                <a16:creationId xmlns:a16="http://schemas.microsoft.com/office/drawing/2014/main" id="{7B442DD6-4A6B-A4BE-D20F-9987EAD88A70}"/>
+              </a:ext>
+            </a:extLst>
+          </p:cNvPr>
+          <p:cNvSpPr/>
+          <p:nvPr/>
+        </p:nvSpPr>
+        <p:spPr>
+          <a:xfrm>
+            <a:off x="7477719" y="3386162"/>
+            <a:ext cx="651821" cy="233459"/>
+          </a:xfrm>
+          <a:prstGeom prst="rightArrow">
+            <a:avLst/>
+          </a:prstGeom>
+        </p:spPr>
+        <p:style>
+          <a:lnRef idx="2">
+            <a:schemeClr val="accent1">
+              <a:shade val="15000"/>
+            </a:schemeClr>
+          </a:lnRef>
+          <a:fillRef idx="1">
+            <a:schemeClr val="accent1"/>
+          </a:fillRef>
+          <a:effectRef idx="0">
+            <a:schemeClr val="accent1"/>
+          </a:effectRef>
+          <a:fontRef idx="minor">
+            <a:schemeClr val="lt1"/>
+          </a:fontRef>
+        </p:style>
+        <p:txBody>
+          <a:bodyPr rtlCol="0" anchor="ctr"/>
+          <a:lstStyle/>
+          <a:p>
+            <a:pPr algn="ctr"/>
+            <a:endParaRPr lang="de-AT"/>
+          </a:p>
+        </p:txBody>
+      </p:sp>
+      <p:sp>
+        <p:nvSpPr>
+          <p:cNvPr id="5" name="Pfeil: nach rechts 4">
+            <a:extLst>
+              <a:ext uri="{FF2B5EF4-FFF2-40B4-BE49-F238E27FC236}">
+                <a16:creationId xmlns:a16="http://schemas.microsoft.com/office/drawing/2014/main" id="{6ADE9F20-0843-8F99-2C95-94A4E472E2F1}"/>
+              </a:ext>
+            </a:extLst>
+          </p:cNvPr>
+          <p:cNvSpPr/>
+          <p:nvPr/>
+        </p:nvSpPr>
+        <p:spPr>
+          <a:xfrm rot="1397645">
+            <a:off x="7582651" y="2915385"/>
+            <a:ext cx="651821" cy="233459"/>
+          </a:xfrm>
+          <a:prstGeom prst="rightArrow">
+            <a:avLst/>
+          </a:prstGeom>
+        </p:spPr>
+        <p:style>
+          <a:lnRef idx="2">
+            <a:schemeClr val="accent1">
+              <a:shade val="15000"/>
+            </a:schemeClr>
+          </a:lnRef>
+          <a:fillRef idx="1">
+            <a:schemeClr val="accent1"/>
+          </a:fillRef>
+          <a:effectRef idx="0">
+            <a:schemeClr val="accent1"/>
+          </a:effectRef>
+          <a:fontRef idx="minor">
+            <a:schemeClr val="lt1"/>
+          </a:fontRef>
+        </p:style>
+        <p:txBody>
+          <a:bodyPr rtlCol="0" anchor="ctr"/>
+          <a:lstStyle/>
+          <a:p>
+            <a:pPr algn="ctr"/>
+            <a:endParaRPr lang="de-AT"/>
+          </a:p>
+        </p:txBody>
+      </p:sp>
+    </p:spTree>
+    <p:extLst>
+      <p:ext uri="{BB962C8B-B14F-4D97-AF65-F5344CB8AC3E}">
+        <p14:creationId xmlns:p14="http://schemas.microsoft.com/office/powerpoint/2010/main" val="1789294904"/>
+      </p:ext>
+    </p:extLst>
+  </p:cSld>
+  <p:clrMapOvr>
+    <a:masterClrMapping/>
+  </p:clrMapOvr>
+  <mc:AlternateContent xmlns:mc="http://schemas.openxmlformats.org/markup-compatibility/2006">
+    <mc:Choice xmlns:p159="http://schemas.microsoft.com/office/powerpoint/2015/09/main" Requires="p159">
+      <p:transition xmlns:p14="http://schemas.microsoft.com/office/powerpoint/2010/main" spd="slow" p14:dur="2000">
+        <p159:morph option="byObject"/>
+      </p:transition>
+    </mc:Choice>
+    <mc:Fallback>
+      <p:transition spd="slow">
+        <p:fade/>
+      </p:transition>
+    </mc:Fallback>
+  </mc:AlternateContent>
+</p:sld>
+</file>
+
+<file path=ppt/slides/slide12.xml><?xml version="1.0" encoding="utf-8"?>
+<p:sld xmlns:a="http://schemas.openxmlformats.org/drawingml/2006/main" xmlns:r="http://schemas.openxmlformats.org/officeDocument/2006/relationships" xmlns:p="http://schemas.openxmlformats.org/presentationml/2006/main">
+  <p:cSld>
+    <p:spTree>
+      <p:nvGrpSpPr>
+        <p:cNvPr id="1" name=""/>
+        <p:cNvGrpSpPr/>
+        <p:nvPr/>
+      </p:nvGrpSpPr>
+      <p:grpSpPr>
+        <a:xfrm>
+          <a:off x="0" y="0"/>
+          <a:ext cx="0" cy="0"/>
+          <a:chOff x="0" y="0"/>
+          <a:chExt cx="0" cy="0"/>
+        </a:xfrm>
+      </p:grpSpPr>
+      <p:sp>
+        <p:nvSpPr>
+          <p:cNvPr id="2" name="Title 1">
+            <a:extLst>
+              <a:ext uri="{FF2B5EF4-FFF2-40B4-BE49-F238E27FC236}">
+                <a16:creationId xmlns:a16="http://schemas.microsoft.com/office/drawing/2014/main" id="{A90CA53F-33DA-6E04-C8EF-9BBE16D597C7}"/>
+              </a:ext>
+            </a:extLst>
+          </p:cNvPr>
+          <p:cNvSpPr>
+            <a:spLocks noGrp="1"/>
+          </p:cNvSpPr>
+          <p:nvPr>
+            <p:ph type="title"/>
+          </p:nvPr>
+        </p:nvSpPr>
+        <p:spPr/>
+        <p:txBody>
+          <a:bodyPr vert="horz" lIns="91440" tIns="45720" rIns="91440" bIns="45720" rtlCol="0" anchor="t">
+            <a:normAutofit/>
+          </a:bodyPr>
+          <a:lstStyle/>
+          <a:p>
+            <a:r>
+              <a:rPr lang="en-US" dirty="0"/>
+              <a:t>Data Pipeline</a:t>
+            </a:r>
+          </a:p>
+        </p:txBody>
+      </p:sp>
+      <p:pic>
+        <p:nvPicPr>
+          <p:cNvPr id="4" name="Content Placeholder 3" descr="A screenshot of a computer&#10;&#10;Description automatically generated">
+            <a:extLst>
+              <a:ext uri="{FF2B5EF4-FFF2-40B4-BE49-F238E27FC236}">
+                <a16:creationId xmlns:a16="http://schemas.microsoft.com/office/drawing/2014/main" id="{EEC6733A-0D3C-D279-BCFF-26D1A53C0DCE}"/>
+              </a:ext>
+            </a:extLst>
+          </p:cNvPr>
+          <p:cNvPicPr>
+            <a:picLocks noGrp="1" noChangeAspect="1"/>
+          </p:cNvPicPr>
+          <p:nvPr>
+            <p:ph idx="1"/>
+          </p:nvPr>
+        </p:nvPicPr>
+        <p:blipFill>
+          <a:blip r:embed="rId2"/>
+          <a:stretch>
+            <a:fillRect/>
+          </a:stretch>
+        </p:blipFill>
+        <p:spPr>
+          <a:xfrm>
+            <a:off x="2035703" y="1560053"/>
+            <a:ext cx="8146989" cy="4212901"/>
+          </a:xfrm>
+        </p:spPr>
+      </p:pic>
+      <p:sp>
+        <p:nvSpPr>
+          <p:cNvPr id="3" name="Pfeil: nach rechts 2">
+            <a:extLst>
+              <a:ext uri="{FF2B5EF4-FFF2-40B4-BE49-F238E27FC236}">
+                <a16:creationId xmlns:a16="http://schemas.microsoft.com/office/drawing/2014/main" id="{7B442DD6-4A6B-A4BE-D20F-9987EAD88A70}"/>
+              </a:ext>
+            </a:extLst>
+          </p:cNvPr>
+          <p:cNvSpPr/>
+          <p:nvPr/>
+        </p:nvSpPr>
+        <p:spPr>
+          <a:xfrm rot="7484473">
+            <a:off x="8068846" y="4025786"/>
+            <a:ext cx="651821" cy="233459"/>
+          </a:xfrm>
+          <a:prstGeom prst="rightArrow">
+            <a:avLst/>
+          </a:prstGeom>
+        </p:spPr>
+        <p:style>
+          <a:lnRef idx="2">
+            <a:schemeClr val="accent1">
+              <a:shade val="15000"/>
+            </a:schemeClr>
+          </a:lnRef>
+          <a:fillRef idx="1">
+            <a:schemeClr val="accent1"/>
+          </a:fillRef>
+          <a:effectRef idx="0">
+            <a:schemeClr val="accent1"/>
+          </a:effectRef>
+          <a:fontRef idx="minor">
+            <a:schemeClr val="lt1"/>
+          </a:fontRef>
+        </p:style>
+        <p:txBody>
+          <a:bodyPr rtlCol="0" anchor="ctr"/>
+          <a:lstStyle/>
+          <a:p>
+            <a:pPr algn="ctr"/>
+            <a:endParaRPr lang="de-AT"/>
+          </a:p>
+        </p:txBody>
+      </p:sp>
+    </p:spTree>
+    <p:extLst>
+      <p:ext uri="{BB962C8B-B14F-4D97-AF65-F5344CB8AC3E}">
+        <p14:creationId xmlns:p14="http://schemas.microsoft.com/office/powerpoint/2010/main" val="3533292703"/>
+      </p:ext>
+    </p:extLst>
+  </p:cSld>
+  <p:clrMapOvr>
+    <a:masterClrMapping/>
+  </p:clrMapOvr>
+  <mc:AlternateContent xmlns:mc="http://schemas.openxmlformats.org/markup-compatibility/2006">
+    <mc:Choice xmlns:p159="http://schemas.microsoft.com/office/powerpoint/2015/09/main" Requires="p159">
+      <p:transition xmlns:p14="http://schemas.microsoft.com/office/powerpoint/2010/main" spd="slow" p14:dur="2000">
+        <p159:morph option="byObject"/>
+      </p:transition>
+    </mc:Choice>
+    <mc:Fallback>
+      <p:transition spd="slow">
+        <p:fade/>
+      </p:transition>
+    </mc:Fallback>
+  </mc:AlternateContent>
+</p:sld>
+</file>
+
+<file path=ppt/slides/slide13.xml><?xml version="1.0" encoding="utf-8"?>
+<p:sld xmlns:a="http://schemas.openxmlformats.org/drawingml/2006/main" xmlns:r="http://schemas.openxmlformats.org/officeDocument/2006/relationships" xmlns:p="http://schemas.openxmlformats.org/presentationml/2006/main">
+  <p:cSld>
+    <p:spTree>
+      <p:nvGrpSpPr>
+        <p:cNvPr id="1" name=""/>
+        <p:cNvGrpSpPr/>
+        <p:nvPr/>
+      </p:nvGrpSpPr>
+      <p:grpSpPr>
+        <a:xfrm>
+          <a:off x="0" y="0"/>
+          <a:ext cx="0" cy="0"/>
+          <a:chOff x="0" y="0"/>
+          <a:chExt cx="0" cy="0"/>
+        </a:xfrm>
+      </p:grpSpPr>
+      <p:sp>
+        <p:nvSpPr>
+          <p:cNvPr id="2" name="Title 1">
+            <a:extLst>
+              <a:ext uri="{FF2B5EF4-FFF2-40B4-BE49-F238E27FC236}">
+                <a16:creationId xmlns:a16="http://schemas.microsoft.com/office/drawing/2014/main" id="{A90CA53F-33DA-6E04-C8EF-9BBE16D597C7}"/>
+              </a:ext>
+            </a:extLst>
+          </p:cNvPr>
+          <p:cNvSpPr>
+            <a:spLocks noGrp="1"/>
+          </p:cNvSpPr>
+          <p:nvPr>
+            <p:ph type="title"/>
+          </p:nvPr>
+        </p:nvSpPr>
+        <p:spPr/>
+        <p:txBody>
+          <a:bodyPr vert="horz" lIns="91440" tIns="45720" rIns="91440" bIns="45720" rtlCol="0" anchor="t">
+            <a:normAutofit/>
+          </a:bodyPr>
+          <a:lstStyle/>
+          <a:p>
+            <a:r>
+              <a:rPr lang="en-US" dirty="0"/>
+              <a:t>Data Pipeline</a:t>
+            </a:r>
+          </a:p>
+        </p:txBody>
+      </p:sp>
+      <p:pic>
+        <p:nvPicPr>
+          <p:cNvPr id="4" name="Content Placeholder 3" descr="A screenshot of a computer&#10;&#10;Description automatically generated">
+            <a:extLst>
+              <a:ext uri="{FF2B5EF4-FFF2-40B4-BE49-F238E27FC236}">
+                <a16:creationId xmlns:a16="http://schemas.microsoft.com/office/drawing/2014/main" id="{EEC6733A-0D3C-D279-BCFF-26D1A53C0DCE}"/>
+              </a:ext>
+            </a:extLst>
+          </p:cNvPr>
+          <p:cNvPicPr>
+            <a:picLocks noGrp="1" noChangeAspect="1"/>
+          </p:cNvPicPr>
+          <p:nvPr>
+            <p:ph idx="1"/>
+          </p:nvPr>
+        </p:nvPicPr>
+        <p:blipFill>
+          <a:blip r:embed="rId2"/>
+          <a:stretch>
+            <a:fillRect/>
+          </a:stretch>
+        </p:blipFill>
+        <p:spPr>
+          <a:xfrm>
+            <a:off x="2035703" y="1560053"/>
+            <a:ext cx="8146989" cy="4212901"/>
+          </a:xfrm>
+        </p:spPr>
+      </p:pic>
+      <p:sp>
+        <p:nvSpPr>
+          <p:cNvPr id="3" name="Pfeil: nach rechts 2">
+            <a:extLst>
+              <a:ext uri="{FF2B5EF4-FFF2-40B4-BE49-F238E27FC236}">
+                <a16:creationId xmlns:a16="http://schemas.microsoft.com/office/drawing/2014/main" id="{7B442DD6-4A6B-A4BE-D20F-9987EAD88A70}"/>
+              </a:ext>
+            </a:extLst>
+          </p:cNvPr>
+          <p:cNvSpPr/>
+          <p:nvPr/>
+        </p:nvSpPr>
+        <p:spPr>
+          <a:xfrm>
+            <a:off x="8262810" y="4635386"/>
+            <a:ext cx="651821" cy="233459"/>
+          </a:xfrm>
+          <a:prstGeom prst="rightArrow">
+            <a:avLst/>
+          </a:prstGeom>
+        </p:spPr>
+        <p:style>
+          <a:lnRef idx="2">
+            <a:schemeClr val="accent1">
+              <a:shade val="15000"/>
+            </a:schemeClr>
+          </a:lnRef>
+          <a:fillRef idx="1">
+            <a:schemeClr val="accent1"/>
+          </a:fillRef>
+          <a:effectRef idx="0">
+            <a:schemeClr val="accent1"/>
+          </a:effectRef>
+          <a:fontRef idx="minor">
+            <a:schemeClr val="lt1"/>
+          </a:fontRef>
+        </p:style>
+        <p:txBody>
+          <a:bodyPr rtlCol="0" anchor="ctr"/>
+          <a:lstStyle/>
+          <a:p>
+            <a:pPr algn="ctr"/>
+            <a:endParaRPr lang="de-AT"/>
+          </a:p>
+        </p:txBody>
+      </p:sp>
+    </p:spTree>
+    <p:extLst>
+      <p:ext uri="{BB962C8B-B14F-4D97-AF65-F5344CB8AC3E}">
+        <p14:creationId xmlns:p14="http://schemas.microsoft.com/office/powerpoint/2010/main" val="418981892"/>
+      </p:ext>
+    </p:extLst>
+  </p:cSld>
+  <p:clrMapOvr>
+    <a:masterClrMapping/>
+  </p:clrMapOvr>
+  <mc:AlternateContent xmlns:mc="http://schemas.openxmlformats.org/markup-compatibility/2006">
+    <mc:Choice xmlns:p159="http://schemas.microsoft.com/office/powerpoint/2015/09/main" Requires="p159">
+      <p:transition xmlns:p14="http://schemas.microsoft.com/office/powerpoint/2010/main" spd="slow" p14:dur="2000">
+        <p159:morph option="byObject"/>
+      </p:transition>
+    </mc:Choice>
+    <mc:Fallback>
+      <p:transition spd="slow">
+        <p:fade/>
+      </p:transition>
+    </mc:Fallback>
+  </mc:AlternateContent>
+</p:sld>
+</file>
+
+<file path=ppt/slides/slide14.xml><?xml version="1.0" encoding="utf-8"?>
+<p:sld xmlns:a="http://schemas.openxmlformats.org/drawingml/2006/main" xmlns:r="http://schemas.openxmlformats.org/officeDocument/2006/relationships" xmlns:p="http://schemas.openxmlformats.org/presentationml/2006/main">
+  <p:cSld>
+    <p:spTree>
+      <p:nvGrpSpPr>
+        <p:cNvPr id="1" name="">
+          <a:extLst>
+            <a:ext uri="{FF2B5EF4-FFF2-40B4-BE49-F238E27FC236}">
+              <a16:creationId xmlns:a16="http://schemas.microsoft.com/office/drawing/2014/main" id="{EE39828C-2502-3D86-1228-69ED3A317FF6}"/>
+            </a:ext>
+          </a:extLst>
+        </p:cNvPr>
+        <p:cNvGrpSpPr/>
+        <p:nvPr/>
+      </p:nvGrpSpPr>
+      <p:grpSpPr>
+        <a:xfrm>
+          <a:off x="0" y="0"/>
+          <a:ext cx="0" cy="0"/>
+          <a:chOff x="0" y="0"/>
+          <a:chExt cx="0" cy="0"/>
+        </a:xfrm>
+      </p:grpSpPr>
+      <p:sp>
+        <p:nvSpPr>
+          <p:cNvPr id="2" name="Title 1">
+            <a:extLst>
+              <a:ext uri="{FF2B5EF4-FFF2-40B4-BE49-F238E27FC236}">
+                <a16:creationId xmlns:a16="http://schemas.microsoft.com/office/drawing/2014/main" id="{39B49A00-21D7-84F1-756E-8BF22EDA3381}"/>
+              </a:ext>
+            </a:extLst>
+          </p:cNvPr>
+          <p:cNvSpPr>
+            <a:spLocks noGrp="1"/>
+          </p:cNvSpPr>
+          <p:nvPr>
+            <p:ph type="title"/>
+          </p:nvPr>
+        </p:nvSpPr>
+        <p:spPr/>
+        <p:txBody>
+          <a:bodyPr vert="horz" lIns="91440" tIns="45720" rIns="91440" bIns="45720" rtlCol="0" anchor="t">
+            <a:normAutofit/>
+          </a:bodyPr>
+          <a:lstStyle/>
+          <a:p>
+            <a:r>
+              <a:rPr lang="en-US" dirty="0"/>
+              <a:t>DATA SOURCES</a:t>
+            </a:r>
+          </a:p>
+        </p:txBody>
+      </p:sp>
+      <p:sp>
+        <p:nvSpPr>
+          <p:cNvPr id="3" name="Content Placeholder 2">
+            <a:extLst>
+              <a:ext uri="{FF2B5EF4-FFF2-40B4-BE49-F238E27FC236}">
+                <a16:creationId xmlns:a16="http://schemas.microsoft.com/office/drawing/2014/main" id="{00FCD6A8-C52A-C5A7-6CC6-F43C7D5EF831}"/>
+              </a:ext>
+            </a:extLst>
+          </p:cNvPr>
+          <p:cNvSpPr>
+            <a:spLocks noGrp="1"/>
+          </p:cNvSpPr>
+          <p:nvPr>
+            <p:ph idx="1"/>
+          </p:nvPr>
+        </p:nvSpPr>
+        <p:spPr>
+          <a:xfrm>
+            <a:off x="1620444" y="2077807"/>
+            <a:ext cx="8977509" cy="3141785"/>
+          </a:xfrm>
+        </p:spPr>
+        <p:txBody>
+          <a:bodyPr vert="horz" lIns="91440" tIns="45720" rIns="91440" bIns="45720" rtlCol="0" anchor="t">
+            <a:normAutofit/>
+          </a:bodyPr>
+          <a:lstStyle/>
+          <a:p>
+            <a:pPr>
+              <a:lnSpc>
+                <a:spcPct val="200000"/>
+              </a:lnSpc>
+            </a:pPr>
+            <a:r>
+              <a:rPr lang="en-US" dirty="0">
+                <a:hlinkClick r:id="rId2"/>
+              </a:rPr>
+              <a:t>Öffi.at:</a:t>
+            </a:r>
+            <a:r>
+              <a:rPr lang="en-US"/>
+              <a:t> Web-based historic archive of disruptions in the public transit system</a:t>
+            </a:r>
+          </a:p>
+          <a:p>
+            <a:pPr>
+              <a:lnSpc>
+                <a:spcPct val="200000"/>
+              </a:lnSpc>
+            </a:pPr>
+            <a:r>
+              <a:rPr lang="en-US" dirty="0">
+                <a:hlinkClick r:id="rId3"/>
+              </a:rPr>
+              <a:t>Openmeteo:</a:t>
+            </a:r>
+            <a:r>
+              <a:rPr lang="en-US"/>
+              <a:t> API for real-time and historic weather data</a:t>
+            </a:r>
+          </a:p>
+          <a:p>
+            <a:pPr>
+              <a:lnSpc>
+                <a:spcPct val="200000"/>
+              </a:lnSpc>
+            </a:pPr>
+            <a:r>
+              <a:rPr lang="en-US" dirty="0">
+                <a:hlinkClick r:id="rId4"/>
+              </a:rPr>
+              <a:t>Data.gv.at:</a:t>
+            </a:r>
+            <a:r>
+              <a:rPr lang="en-US"/>
+              <a:t> publicly available datasets from Austrian open government data </a:t>
+            </a:r>
+          </a:p>
+        </p:txBody>
+      </p:sp>
+    </p:spTree>
+    <p:extLst>
+      <p:ext uri="{BB962C8B-B14F-4D97-AF65-F5344CB8AC3E}">
+        <p14:creationId xmlns:p14="http://schemas.microsoft.com/office/powerpoint/2010/main" val="117861478"/>
+      </p:ext>
+    </p:extLst>
+  </p:cSld>
+  <p:clrMapOvr>
+    <a:masterClrMapping/>
+  </p:clrMapOvr>
+</p:sld>
+</file>
+
+<file path=ppt/slides/slide15.xml><?xml version="1.0" encoding="utf-8"?>
+<p:sld xmlns:a="http://schemas.openxmlformats.org/drawingml/2006/main" xmlns:r="http://schemas.openxmlformats.org/officeDocument/2006/relationships" xmlns:p="http://schemas.openxmlformats.org/presentationml/2006/main">
+  <p:cSld>
+    <p:spTree>
+      <p:nvGrpSpPr>
+        <p:cNvPr id="1" name="">
+          <a:extLst>
+            <a:ext uri="{FF2B5EF4-FFF2-40B4-BE49-F238E27FC236}">
+              <a16:creationId xmlns:a16="http://schemas.microsoft.com/office/drawing/2014/main" id="{2EA387BD-DE39-A7AE-82F9-78F22390B6C1}"/>
+            </a:ext>
+          </a:extLst>
+        </p:cNvPr>
+        <p:cNvGrpSpPr/>
+        <p:nvPr/>
+      </p:nvGrpSpPr>
+      <p:grpSpPr>
+        <a:xfrm>
+          <a:off x="0" y="0"/>
+          <a:ext cx="0" cy="0"/>
+          <a:chOff x="0" y="0"/>
+          <a:chExt cx="0" cy="0"/>
+        </a:xfrm>
+      </p:grpSpPr>
+      <p:sp>
+        <p:nvSpPr>
+          <p:cNvPr id="2" name="Title 1">
+            <a:extLst>
+              <a:ext uri="{FF2B5EF4-FFF2-40B4-BE49-F238E27FC236}">
+                <a16:creationId xmlns:a16="http://schemas.microsoft.com/office/drawing/2014/main" id="{44664721-4254-2926-F530-E192CDD1DAA1}"/>
+              </a:ext>
+            </a:extLst>
+          </p:cNvPr>
+          <p:cNvSpPr>
+            <a:spLocks noGrp="1"/>
+          </p:cNvSpPr>
+          <p:nvPr>
+            <p:ph type="title"/>
+          </p:nvPr>
+        </p:nvSpPr>
+        <p:spPr/>
+        <p:txBody>
+          <a:bodyPr vert="horz" lIns="91440" tIns="45720" rIns="91440" bIns="45720" rtlCol="0" anchor="t">
+            <a:normAutofit/>
+          </a:bodyPr>
+          <a:lstStyle/>
+          <a:p>
+            <a:r>
+              <a:rPr lang="en-US" dirty="0"/>
+              <a:t>Data collection</a:t>
+            </a:r>
+          </a:p>
+        </p:txBody>
+      </p:sp>
+      <p:sp>
+        <p:nvSpPr>
+          <p:cNvPr id="3" name="Content Placeholder 2">
+            <a:extLst>
+              <a:ext uri="{FF2B5EF4-FFF2-40B4-BE49-F238E27FC236}">
+                <a16:creationId xmlns:a16="http://schemas.microsoft.com/office/drawing/2014/main" id="{1E9D48B9-C26D-4652-CCDA-957417B2A065}"/>
+              </a:ext>
+            </a:extLst>
+          </p:cNvPr>
+          <p:cNvSpPr>
+            <a:spLocks noGrp="1"/>
+          </p:cNvSpPr>
+          <p:nvPr>
+            <p:ph idx="1"/>
+          </p:nvPr>
+        </p:nvSpPr>
+        <p:spPr>
+          <a:xfrm>
+            <a:off x="1620444" y="2077807"/>
+            <a:ext cx="8977509" cy="3141785"/>
+          </a:xfrm>
+        </p:spPr>
+        <p:txBody>
+          <a:bodyPr vert="horz" lIns="91440" tIns="45720" rIns="91440" bIns="45720" rtlCol="0" anchor="t">
+            <a:normAutofit/>
+          </a:bodyPr>
+          <a:lstStyle/>
+          <a:p>
+            <a:pPr>
+              <a:lnSpc>
+                <a:spcPct val="100000"/>
+              </a:lnSpc>
+              <a:spcAft>
+                <a:spcPts val="1500"/>
+              </a:spcAft>
+            </a:pPr>
+            <a:r>
+              <a:rPr lang="en-US" dirty="0"/>
+              <a:t>Data from Öffi.at is scraped using </a:t>
+            </a:r>
+            <a:r>
+              <a:rPr lang="en-US" dirty="0" err="1"/>
+              <a:t>BeautifulSoup</a:t>
+            </a:r>
+            <a:endParaRPr lang="en-US" dirty="0"/>
+          </a:p>
+          <a:p>
+            <a:pPr>
+              <a:lnSpc>
+                <a:spcPct val="100000"/>
+              </a:lnSpc>
+              <a:spcAft>
+                <a:spcPts val="1500"/>
+              </a:spcAft>
+            </a:pPr>
+            <a:r>
+              <a:rPr lang="en-US" dirty="0"/>
+              <a:t>Weather data is collected via calls to </a:t>
+            </a:r>
+            <a:r>
+              <a:rPr lang="en-US" dirty="0" err="1"/>
+              <a:t>Openmeteo's</a:t>
+            </a:r>
+            <a:r>
+              <a:rPr lang="en-US" dirty="0"/>
+              <a:t> API for the timestamps collected from Öffi.at</a:t>
+            </a:r>
+          </a:p>
+          <a:p>
+            <a:pPr>
+              <a:lnSpc>
+                <a:spcPct val="100000"/>
+              </a:lnSpc>
+              <a:spcAft>
+                <a:spcPts val="1500"/>
+              </a:spcAft>
+            </a:pPr>
+            <a:r>
+              <a:rPr lang="en-US" dirty="0"/>
+              <a:t>All of this is streamed to </a:t>
+            </a:r>
+            <a:r>
+              <a:rPr lang="en-US" dirty="0" err="1"/>
+              <a:t>kafka</a:t>
+            </a:r>
+            <a:endParaRPr lang="en-US" dirty="0"/>
+          </a:p>
+          <a:p>
+            <a:pPr>
+              <a:lnSpc>
+                <a:spcPct val="100000"/>
+              </a:lnSpc>
+              <a:spcAft>
+                <a:spcPts val="1500"/>
+              </a:spcAft>
+            </a:pPr>
+            <a:r>
+              <a:rPr lang="en-US" dirty="0"/>
+              <a:t>Geographic information is imported from a csv file from Data.gv.at directly into the database</a:t>
+            </a:r>
+          </a:p>
+        </p:txBody>
+      </p:sp>
+    </p:spTree>
+    <p:extLst>
+      <p:ext uri="{BB962C8B-B14F-4D97-AF65-F5344CB8AC3E}">
+        <p14:creationId xmlns:p14="http://schemas.microsoft.com/office/powerpoint/2010/main" val="3232179073"/>
+      </p:ext>
+    </p:extLst>
+  </p:cSld>
+  <p:clrMapOvr>
+    <a:masterClrMapping/>
+  </p:clrMapOvr>
+</p:sld>
+</file>
+
+<file path=ppt/slides/slide16.xml><?xml version="1.0" encoding="utf-8"?>
+<p:sld xmlns:a="http://schemas.openxmlformats.org/drawingml/2006/main" xmlns:r="http://schemas.openxmlformats.org/officeDocument/2006/relationships" xmlns:p="http://schemas.openxmlformats.org/presentationml/2006/main">
+  <p:cSld>
+    <p:spTree>
+      <p:nvGrpSpPr>
+        <p:cNvPr id="1" name="">
+          <a:extLst>
+            <a:ext uri="{FF2B5EF4-FFF2-40B4-BE49-F238E27FC236}">
+              <a16:creationId xmlns:a16="http://schemas.microsoft.com/office/drawing/2014/main" id="{9F20C1F8-140E-7441-0B57-F97834D04646}"/>
+            </a:ext>
+          </a:extLst>
+        </p:cNvPr>
+        <p:cNvGrpSpPr/>
+        <p:nvPr/>
+      </p:nvGrpSpPr>
+      <p:grpSpPr>
+        <a:xfrm>
+          <a:off x="0" y="0"/>
+          <a:ext cx="0" cy="0"/>
+          <a:chOff x="0" y="0"/>
+          <a:chExt cx="0" cy="0"/>
+        </a:xfrm>
+      </p:grpSpPr>
+      <p:sp>
+        <p:nvSpPr>
+          <p:cNvPr id="2" name="Title 1">
+            <a:extLst>
+              <a:ext uri="{FF2B5EF4-FFF2-40B4-BE49-F238E27FC236}">
+                <a16:creationId xmlns:a16="http://schemas.microsoft.com/office/drawing/2014/main" id="{83C3D121-4CC6-893B-4E86-18DD31C97E20}"/>
+              </a:ext>
+            </a:extLst>
+          </p:cNvPr>
+          <p:cNvSpPr>
+            <a:spLocks noGrp="1"/>
+          </p:cNvSpPr>
+          <p:nvPr>
+            <p:ph type="title"/>
+          </p:nvPr>
+        </p:nvSpPr>
+        <p:spPr/>
+        <p:txBody>
+          <a:bodyPr vert="horz" lIns="91440" tIns="45720" rIns="91440" bIns="45720" rtlCol="0" anchor="t">
+            <a:normAutofit/>
+          </a:bodyPr>
+          <a:lstStyle/>
+          <a:p>
+            <a:r>
+              <a:rPr lang="en-US" dirty="0"/>
+              <a:t>Data processing</a:t>
+            </a:r>
+          </a:p>
+        </p:txBody>
+      </p:sp>
+      <p:sp>
+        <p:nvSpPr>
+          <p:cNvPr id="3" name="Content Placeholder 2">
+            <a:extLst>
+              <a:ext uri="{FF2B5EF4-FFF2-40B4-BE49-F238E27FC236}">
+                <a16:creationId xmlns:a16="http://schemas.microsoft.com/office/drawing/2014/main" id="{72430F1E-196F-DB31-8046-7F5736C54D52}"/>
+              </a:ext>
+            </a:extLst>
+          </p:cNvPr>
+          <p:cNvSpPr>
+            <a:spLocks noGrp="1"/>
+          </p:cNvSpPr>
+          <p:nvPr>
+            <p:ph idx="1"/>
+          </p:nvPr>
+        </p:nvSpPr>
+        <p:spPr>
+          <a:xfrm>
+            <a:off x="1620444" y="2077807"/>
+            <a:ext cx="8977509" cy="3141785"/>
+          </a:xfrm>
+        </p:spPr>
+        <p:txBody>
+          <a:bodyPr vert="horz" lIns="91440" tIns="45720" rIns="91440" bIns="45720" rtlCol="0" anchor="t">
+            <a:normAutofit/>
+          </a:bodyPr>
+          <a:lstStyle/>
+          <a:p>
+            <a:pPr>
+              <a:lnSpc>
+                <a:spcPct val="200000"/>
+              </a:lnSpc>
+            </a:pPr>
+            <a:r>
+              <a:rPr lang="en-US" dirty="0"/>
+              <a:t>Delay data and Weather data are streamed to two </a:t>
+            </a:r>
+            <a:r>
+              <a:rPr lang="en-US" dirty="0" err="1"/>
+              <a:t>kafka</a:t>
+            </a:r>
+            <a:r>
+              <a:rPr lang="en-US" dirty="0"/>
+              <a:t> topics</a:t>
+            </a:r>
+          </a:p>
+          <a:p>
+            <a:pPr>
+              <a:lnSpc>
+                <a:spcPct val="200000"/>
+              </a:lnSpc>
+            </a:pPr>
+            <a:r>
+              <a:rPr lang="en-US" dirty="0"/>
+              <a:t>Delay data is consumed to get timestamps for weather data</a:t>
+            </a:r>
+          </a:p>
+          <a:p>
+            <a:pPr>
+              <a:lnSpc>
+                <a:spcPct val="200000"/>
+              </a:lnSpc>
+              <a:spcAft>
+                <a:spcPts val="1000"/>
+              </a:spcAft>
+            </a:pPr>
+            <a:r>
+              <a:rPr lang="en-US" dirty="0"/>
+              <a:t>Then both are consumed and written to the database</a:t>
+            </a:r>
+          </a:p>
+          <a:p>
+            <a:pPr>
+              <a:lnSpc>
+                <a:spcPct val="100000"/>
+              </a:lnSpc>
+            </a:pPr>
+            <a:r>
+              <a:rPr lang="en-US" dirty="0"/>
+              <a:t>In addition, the number of delays for a given day or at a given station is added to the respective table</a:t>
+            </a:r>
+          </a:p>
+        </p:txBody>
+      </p:sp>
+    </p:spTree>
+    <p:extLst>
+      <p:ext uri="{BB962C8B-B14F-4D97-AF65-F5344CB8AC3E}">
+        <p14:creationId xmlns:p14="http://schemas.microsoft.com/office/powerpoint/2010/main" val="846772185"/>
+      </p:ext>
+    </p:extLst>
+  </p:cSld>
+  <p:clrMapOvr>
+    <a:masterClrMapping/>
+  </p:clrMapOvr>
+</p:sld>
+</file>
+
+<file path=ppt/slides/slide17.xml><?xml version="1.0" encoding="utf-8"?>
+<p:sld xmlns:a="http://schemas.openxmlformats.org/drawingml/2006/main" xmlns:r="http://schemas.openxmlformats.org/officeDocument/2006/relationships" xmlns:p="http://schemas.openxmlformats.org/presentationml/2006/main">
+  <p:cSld>
+    <p:spTree>
+      <p:nvGrpSpPr>
+        <p:cNvPr id="1" name="">
+          <a:extLst>
+            <a:ext uri="{FF2B5EF4-FFF2-40B4-BE49-F238E27FC236}">
+              <a16:creationId xmlns:a16="http://schemas.microsoft.com/office/drawing/2014/main" id="{A6DF7905-7659-0E2D-0F2B-CAAEF1506D6A}"/>
+            </a:ext>
+          </a:extLst>
+        </p:cNvPr>
+        <p:cNvGrpSpPr/>
+        <p:nvPr/>
+      </p:nvGrpSpPr>
+      <p:grpSpPr>
+        <a:xfrm>
+          <a:off x="0" y="0"/>
+          <a:ext cx="0" cy="0"/>
+          <a:chOff x="0" y="0"/>
+          <a:chExt cx="0" cy="0"/>
+        </a:xfrm>
+      </p:grpSpPr>
+      <p:sp>
+        <p:nvSpPr>
+          <p:cNvPr id="2" name="Title 1">
+            <a:extLst>
+              <a:ext uri="{FF2B5EF4-FFF2-40B4-BE49-F238E27FC236}">
+                <a16:creationId xmlns:a16="http://schemas.microsoft.com/office/drawing/2014/main" id="{CCCF778D-726B-3F4B-2ADD-2377D9B877E2}"/>
+              </a:ext>
+            </a:extLst>
+          </p:cNvPr>
+          <p:cNvSpPr>
+            <a:spLocks noGrp="1"/>
+          </p:cNvSpPr>
+          <p:nvPr>
+            <p:ph type="title"/>
+          </p:nvPr>
+        </p:nvSpPr>
+        <p:spPr/>
+        <p:txBody>
+          <a:bodyPr vert="horz" lIns="91440" tIns="45720" rIns="91440" bIns="45720" rtlCol="0" anchor="t">
+            <a:normAutofit/>
+          </a:bodyPr>
+          <a:lstStyle/>
+          <a:p>
+            <a:r>
+              <a:rPr lang="en-US" dirty="0"/>
+              <a:t>Data Storage</a:t>
+            </a:r>
+          </a:p>
+        </p:txBody>
+      </p:sp>
+      <p:sp>
+        <p:nvSpPr>
+          <p:cNvPr id="4" name="Text Placeholder 3">
+            <a:extLst>
+              <a:ext uri="{FF2B5EF4-FFF2-40B4-BE49-F238E27FC236}">
+                <a16:creationId xmlns:a16="http://schemas.microsoft.com/office/drawing/2014/main" id="{F220020C-47FC-6EBD-1E26-500F130D11F6}"/>
+              </a:ext>
+            </a:extLst>
+          </p:cNvPr>
+          <p:cNvSpPr>
+            <a:spLocks noGrp="1"/>
+          </p:cNvSpPr>
+          <p:nvPr>
+            <p:ph type="body" sz="half" idx="2"/>
+          </p:nvPr>
+        </p:nvSpPr>
+        <p:spPr>
+          <a:xfrm>
+            <a:off x="1380121" y="1608315"/>
+            <a:ext cx="3858151" cy="2072549"/>
+          </a:xfrm>
+        </p:spPr>
+        <p:txBody>
+          <a:bodyPr>
+            <a:normAutofit/>
+          </a:bodyPr>
+          <a:lstStyle/>
+          <a:p>
+            <a:pPr marL="342900" indent="-342900">
+              <a:buChar char="•"/>
+            </a:pPr>
+            <a:r>
+              <a:rPr lang="en-US" dirty="0"/>
+              <a:t>All Data is stored in a </a:t>
+            </a:r>
+            <a:r>
+              <a:rPr lang="en-US" dirty="0" err="1"/>
+              <a:t>postgreSQL</a:t>
+            </a:r>
+            <a:r>
+              <a:rPr lang="en-US" dirty="0"/>
+              <a:t> database</a:t>
+            </a:r>
+          </a:p>
+          <a:p>
+            <a:pPr marL="342900" indent="-342900">
+              <a:buChar char="•"/>
+            </a:pPr>
+            <a:r>
+              <a:rPr lang="en-US" dirty="0"/>
+              <a:t>3 Tables:</a:t>
+            </a:r>
+          </a:p>
+          <a:p>
+            <a:pPr marL="342900" indent="-342900">
+              <a:buChar char="•"/>
+            </a:pPr>
+            <a:endParaRPr lang="en-US" dirty="0"/>
+          </a:p>
+        </p:txBody>
+      </p:sp>
+      <p:sp>
+        <p:nvSpPr>
+          <p:cNvPr id="6" name="Content Placeholder 5">
+            <a:extLst>
+              <a:ext uri="{FF2B5EF4-FFF2-40B4-BE49-F238E27FC236}">
+                <a16:creationId xmlns:a16="http://schemas.microsoft.com/office/drawing/2014/main" id="{DFA50E0E-BE39-57C0-7FCD-9517A484298A}"/>
+              </a:ext>
+            </a:extLst>
+          </p:cNvPr>
+          <p:cNvSpPr>
+            <a:spLocks noGrp="1"/>
+          </p:cNvSpPr>
+          <p:nvPr>
+            <p:ph idx="1"/>
+          </p:nvPr>
+        </p:nvSpPr>
+        <p:spPr>
+          <a:xfrm>
+            <a:off x="5547459" y="941445"/>
+            <a:ext cx="6263471" cy="5484984"/>
+          </a:xfrm>
+          <a:effectLst/>
+        </p:spPr>
+        <p:txBody>
+          <a:bodyPr vert="horz" lIns="91440" tIns="45720" rIns="91440" bIns="45720" rtlCol="0" anchor="t">
+            <a:normAutofit fontScale="92500" lnSpcReduction="20000"/>
+          </a:bodyPr>
+          <a:lstStyle/>
+          <a:p>
+            <a:pPr>
+              <a:spcBef>
+                <a:spcPts val="1500"/>
+              </a:spcBef>
+            </a:pPr>
+            <a:r>
+              <a:rPr lang="en-US" sz="1800" dirty="0"/>
+              <a:t>Delays:</a:t>
+            </a:r>
+            <a:endParaRPr lang="en-US" dirty="0"/>
+          </a:p>
+          <a:p>
+            <a:pPr lvl="1">
+              <a:buFont typeface="Courier New" panose="020B0604020202020204" pitchFamily="34" charset="0"/>
+              <a:buChar char="o"/>
+            </a:pPr>
+            <a:r>
+              <a:rPr lang="en-US" sz="1400" dirty="0"/>
+              <a:t>Title </a:t>
+            </a:r>
+          </a:p>
+          <a:p>
+            <a:pPr lvl="1">
+              <a:buFont typeface="Courier New" panose="020B0604020202020204" pitchFamily="34" charset="0"/>
+              <a:buChar char="o"/>
+            </a:pPr>
+            <a:r>
+              <a:rPr lang="en-US" sz="1400" dirty="0"/>
+              <a:t>Fixed</a:t>
+            </a:r>
+          </a:p>
+          <a:p>
+            <a:pPr lvl="1">
+              <a:buFont typeface="Courier New" panose="020B0604020202020204" pitchFamily="34" charset="0"/>
+              <a:buChar char="o"/>
+            </a:pPr>
+            <a:r>
+              <a:rPr lang="en-US" sz="1400" dirty="0"/>
+              <a:t>Affected Lines</a:t>
+            </a:r>
+          </a:p>
+          <a:p>
+            <a:pPr lvl="1">
+              <a:buFont typeface="Courier New" panose="020B0604020202020204" pitchFamily="34" charset="0"/>
+              <a:buChar char="o"/>
+            </a:pPr>
+            <a:r>
+              <a:rPr lang="en-US" sz="1400" dirty="0"/>
+              <a:t>Affected Station</a:t>
+            </a:r>
+          </a:p>
+          <a:p>
+            <a:pPr lvl="1">
+              <a:buFont typeface="Courier New" panose="020B0604020202020204" pitchFamily="34" charset="0"/>
+              <a:buChar char="o"/>
+            </a:pPr>
+            <a:r>
+              <a:rPr lang="en-US" sz="1400" dirty="0"/>
+              <a:t>Timestamps (start, end)</a:t>
+            </a:r>
+          </a:p>
+          <a:p>
+            <a:pPr>
+              <a:spcBef>
+                <a:spcPts val="1500"/>
+              </a:spcBef>
+            </a:pPr>
+            <a:r>
+              <a:rPr lang="en-US" sz="1800" dirty="0"/>
+              <a:t>Weather:</a:t>
+            </a:r>
+          </a:p>
+          <a:p>
+            <a:pPr lvl="1">
+              <a:buFont typeface="Courier New" panose="020B0604020202020204" pitchFamily="34" charset="0"/>
+              <a:buChar char="o"/>
+            </a:pPr>
+            <a:r>
+              <a:rPr lang="en-US" sz="1400" dirty="0"/>
+              <a:t>Timestamp</a:t>
+            </a:r>
+          </a:p>
+          <a:p>
+            <a:pPr lvl="1">
+              <a:buFont typeface="Courier New" panose="020B0604020202020204" pitchFamily="34" charset="0"/>
+              <a:buChar char="o"/>
+            </a:pPr>
+            <a:r>
+              <a:rPr lang="en-US" sz="1400" dirty="0"/>
+              <a:t>WMO classification Code</a:t>
+            </a:r>
+          </a:p>
+          <a:p>
+            <a:pPr lvl="1">
+              <a:buFont typeface="Courier New" panose="020B0604020202020204" pitchFamily="34" charset="0"/>
+              <a:buChar char="o"/>
+            </a:pPr>
+            <a:r>
+              <a:rPr lang="en-US" sz="1400" dirty="0"/>
+              <a:t>Temperature</a:t>
+            </a:r>
+          </a:p>
+          <a:p>
+            <a:pPr lvl="1">
+              <a:buFont typeface="Courier New" panose="020B0604020202020204" pitchFamily="34" charset="0"/>
+              <a:buChar char="o"/>
+            </a:pPr>
+            <a:r>
+              <a:rPr lang="en-US" sz="1400" dirty="0">
+                <a:ea typeface="+mn-lt"/>
+                <a:cs typeface="+mn-lt"/>
+              </a:rPr>
+              <a:t>Precipitation</a:t>
+            </a:r>
+            <a:endParaRPr lang="en-US" sz="1400" dirty="0"/>
+          </a:p>
+          <a:p>
+            <a:pPr lvl="1">
+              <a:buFont typeface="Courier New" panose="020B0604020202020204" pitchFamily="34" charset="0"/>
+              <a:buChar char="o"/>
+            </a:pPr>
+            <a:r>
+              <a:rPr lang="en-US" sz="1400" dirty="0"/>
+              <a:t>Relative humidity</a:t>
+            </a:r>
+          </a:p>
+          <a:p>
+            <a:pPr lvl="1">
+              <a:buFont typeface="Courier New" panose="020B0604020202020204" pitchFamily="34" charset="0"/>
+              <a:buChar char="o"/>
+            </a:pPr>
+            <a:r>
+              <a:rPr lang="en-US" sz="1400" dirty="0"/>
+              <a:t>Wind speed</a:t>
+            </a:r>
+          </a:p>
+          <a:p>
+            <a:pPr lvl="1">
+              <a:buFont typeface="Courier New" panose="020B0604020202020204" pitchFamily="34" charset="0"/>
+              <a:buChar char="o"/>
+            </a:pPr>
+            <a:r>
+              <a:rPr lang="en-US" sz="1400" dirty="0"/>
+              <a:t>Number of </a:t>
+            </a:r>
+            <a:r>
+              <a:rPr lang="en-US" sz="1400" dirty="0">
+                <a:ea typeface="+mn-lt"/>
+                <a:cs typeface="+mn-lt"/>
+              </a:rPr>
+              <a:t>disruptions </a:t>
+            </a:r>
+            <a:r>
+              <a:rPr lang="en-US" sz="1400" dirty="0"/>
+              <a:t>on said day</a:t>
+            </a:r>
+          </a:p>
+          <a:p>
+            <a:pPr>
+              <a:spcBef>
+                <a:spcPts val="1500"/>
+              </a:spcBef>
+            </a:pPr>
+            <a:r>
+              <a:rPr lang="en-US" sz="1800" dirty="0"/>
+              <a:t>Traffic stops:</a:t>
+            </a:r>
+          </a:p>
+          <a:p>
+            <a:pPr lvl="1">
+              <a:buFont typeface="Courier New" panose="020B0604020202020204" pitchFamily="34" charset="0"/>
+              <a:buChar char="o"/>
+            </a:pPr>
+            <a:r>
+              <a:rPr lang="en-US" sz="1400" dirty="0"/>
+              <a:t>Name</a:t>
+            </a:r>
+          </a:p>
+          <a:p>
+            <a:pPr lvl="1">
+              <a:buFont typeface="Courier New" panose="020B0604020202020204" pitchFamily="34" charset="0"/>
+              <a:buChar char="o"/>
+            </a:pPr>
+            <a:r>
+              <a:rPr lang="en-US" sz="1400" dirty="0"/>
+              <a:t>Longitude</a:t>
+            </a:r>
+          </a:p>
+          <a:p>
+            <a:pPr lvl="1">
+              <a:buFont typeface="Courier New" panose="020B0604020202020204" pitchFamily="34" charset="0"/>
+              <a:buChar char="o"/>
+            </a:pPr>
+            <a:r>
+              <a:rPr lang="en-US" sz="1400" dirty="0"/>
+              <a:t>Latitude</a:t>
+            </a:r>
+          </a:p>
+          <a:p>
+            <a:pPr lvl="1">
+              <a:buFont typeface="Courier New" panose="020B0604020202020204" pitchFamily="34" charset="0"/>
+              <a:buChar char="o"/>
+            </a:pPr>
+            <a:r>
+              <a:rPr lang="en-US" sz="1400" dirty="0"/>
+              <a:t>Number of disruptions affecting said station</a:t>
+            </a:r>
+          </a:p>
+        </p:txBody>
+      </p:sp>
+      <p:pic>
+        <p:nvPicPr>
+          <p:cNvPr id="7" name="Picture 6" descr="A blue elephant with white outline&#10;&#10;Description automatically generated">
+            <a:extLst>
+              <a:ext uri="{FF2B5EF4-FFF2-40B4-BE49-F238E27FC236}">
+                <a16:creationId xmlns:a16="http://schemas.microsoft.com/office/drawing/2014/main" id="{2866BCE7-9DC0-8D18-1CC1-48BDC833C8F5}"/>
+              </a:ext>
+            </a:extLst>
+          </p:cNvPr>
+          <p:cNvPicPr>
+            <a:picLocks noChangeAspect="1"/>
+          </p:cNvPicPr>
+          <p:nvPr/>
+        </p:nvPicPr>
+        <p:blipFill>
+          <a:blip r:embed="rId2"/>
+          <a:stretch>
+            <a:fillRect/>
+          </a:stretch>
+        </p:blipFill>
+        <p:spPr>
+          <a:xfrm>
+            <a:off x="1946839" y="3427308"/>
+            <a:ext cx="2344753" cy="2139832"/>
+          </a:xfrm>
+          <a:prstGeom prst="rect">
+            <a:avLst/>
+          </a:prstGeom>
+        </p:spPr>
+      </p:pic>
+    </p:spTree>
+    <p:extLst>
+      <p:ext uri="{BB962C8B-B14F-4D97-AF65-F5344CB8AC3E}">
+        <p14:creationId xmlns:p14="http://schemas.microsoft.com/office/powerpoint/2010/main" val="3041494589"/>
+      </p:ext>
+    </p:extLst>
+  </p:cSld>
+  <p:clrMapOvr>
+    <a:masterClrMapping/>
+  </p:clrMapOvr>
+</p:sld>
+</file>
+
+<file path=ppt/slides/slide18.xml><?xml version="1.0" encoding="utf-8"?>
+<p:sld xmlns:a="http://schemas.openxmlformats.org/drawingml/2006/main" xmlns:r="http://schemas.openxmlformats.org/officeDocument/2006/relationships" xmlns:p="http://schemas.openxmlformats.org/presentationml/2006/main">
+  <p:cSld>
+    <p:spTree>
+      <p:nvGrpSpPr>
+        <p:cNvPr id="1" name="">
+          <a:extLst>
+            <a:ext uri="{FF2B5EF4-FFF2-40B4-BE49-F238E27FC236}">
+              <a16:creationId xmlns:a16="http://schemas.microsoft.com/office/drawing/2014/main" id="{55EA9D45-3E24-C289-38B5-06F74F7F46D4}"/>
+            </a:ext>
+          </a:extLst>
+        </p:cNvPr>
+        <p:cNvGrpSpPr/>
+        <p:nvPr/>
+      </p:nvGrpSpPr>
+      <p:grpSpPr>
+        <a:xfrm>
+          <a:off x="0" y="0"/>
+          <a:ext cx="0" cy="0"/>
+          <a:chOff x="0" y="0"/>
+          <a:chExt cx="0" cy="0"/>
+        </a:xfrm>
+      </p:grpSpPr>
+      <p:sp>
+        <p:nvSpPr>
+          <p:cNvPr id="2" name="Title 1">
+            <a:extLst>
+              <a:ext uri="{FF2B5EF4-FFF2-40B4-BE49-F238E27FC236}">
+                <a16:creationId xmlns:a16="http://schemas.microsoft.com/office/drawing/2014/main" id="{BEBF40F9-E0D2-9BF8-2CF8-173FCB20BB0B}"/>
+              </a:ext>
+            </a:extLst>
+          </p:cNvPr>
+          <p:cNvSpPr>
+            <a:spLocks noGrp="1"/>
+          </p:cNvSpPr>
+          <p:nvPr>
+            <p:ph type="title"/>
+          </p:nvPr>
+        </p:nvSpPr>
+        <p:spPr/>
+        <p:txBody>
+          <a:bodyPr vert="horz" lIns="91440" tIns="45720" rIns="91440" bIns="45720" rtlCol="0" anchor="t">
+            <a:normAutofit/>
+          </a:bodyPr>
+          <a:lstStyle/>
+          <a:p>
+            <a:r>
+              <a:rPr lang="en-US" dirty="0"/>
+              <a:t>Data Visualization</a:t>
+            </a:r>
+          </a:p>
+        </p:txBody>
+      </p:sp>
+      <p:sp>
+        <p:nvSpPr>
+          <p:cNvPr id="3" name="Content Placeholder 2">
+            <a:extLst>
+              <a:ext uri="{FF2B5EF4-FFF2-40B4-BE49-F238E27FC236}">
+                <a16:creationId xmlns:a16="http://schemas.microsoft.com/office/drawing/2014/main" id="{D9F7BE32-DB33-A763-E157-9EE34FBEEE86}"/>
+              </a:ext>
+            </a:extLst>
+          </p:cNvPr>
+          <p:cNvSpPr>
+            <a:spLocks noGrp="1"/>
+          </p:cNvSpPr>
+          <p:nvPr>
+            <p:ph idx="1"/>
+          </p:nvPr>
+        </p:nvSpPr>
+        <p:spPr>
+          <a:xfrm>
+            <a:off x="1620444" y="2077807"/>
+            <a:ext cx="4747341" cy="3419523"/>
+          </a:xfrm>
+        </p:spPr>
+        <p:txBody>
+          <a:bodyPr vert="horz" lIns="91440" tIns="45720" rIns="91440" bIns="45720" rtlCol="0" anchor="t">
+            <a:normAutofit lnSpcReduction="10000"/>
+          </a:bodyPr>
+          <a:lstStyle/>
+          <a:p>
+            <a:pPr>
+              <a:lnSpc>
+                <a:spcPct val="100000"/>
+              </a:lnSpc>
+            </a:pPr>
+            <a:r>
+              <a:rPr lang="en-US" dirty="0"/>
+              <a:t>Data is analyzed using Grafana</a:t>
+            </a:r>
+            <a:endParaRPr lang="en-US"/>
+          </a:p>
+          <a:p>
+            <a:pPr>
+              <a:lnSpc>
+                <a:spcPct val="100000"/>
+              </a:lnSpc>
+              <a:spcBef>
+                <a:spcPts val="1500"/>
+              </a:spcBef>
+              <a:spcAft>
+                <a:spcPts val="300"/>
+              </a:spcAft>
+            </a:pPr>
+            <a:r>
+              <a:rPr lang="en-US" dirty="0"/>
+              <a:t>We can analyze:</a:t>
+            </a:r>
+          </a:p>
+          <a:p>
+            <a:pPr lvl="1">
+              <a:lnSpc>
+                <a:spcPct val="100000"/>
+              </a:lnSpc>
+              <a:buFont typeface="Courier New" panose="020B0604020202020204" pitchFamily="34" charset="0"/>
+              <a:buChar char="o"/>
+            </a:pPr>
+            <a:r>
+              <a:rPr lang="en-US" dirty="0"/>
+              <a:t> Heatmaps for disruptions</a:t>
+            </a:r>
+          </a:p>
+          <a:p>
+            <a:pPr lvl="1">
+              <a:lnSpc>
+                <a:spcPct val="100000"/>
+              </a:lnSpc>
+              <a:buFont typeface="Courier New" panose="020B0604020202020204" pitchFamily="34" charset="0"/>
+              <a:buChar char="o"/>
+            </a:pPr>
+            <a:r>
+              <a:rPr lang="en-US" dirty="0"/>
+              <a:t>Time-series graphs of different weather metrics and disruptions</a:t>
+            </a:r>
+          </a:p>
+          <a:p>
+            <a:pPr lvl="1">
+              <a:lnSpc>
+                <a:spcPct val="100000"/>
+              </a:lnSpc>
+              <a:buFont typeface="Courier New" panose="020B0604020202020204" pitchFamily="34" charset="0"/>
+              <a:buChar char="o"/>
+            </a:pPr>
+            <a:r>
+              <a:rPr lang="en-US" dirty="0"/>
+              <a:t>Total and relative numbers of delays</a:t>
+            </a:r>
+          </a:p>
+          <a:p>
+            <a:pPr lvl="1">
+              <a:lnSpc>
+                <a:spcPct val="100000"/>
+              </a:lnSpc>
+              <a:buFont typeface="Courier New" panose="020B0604020202020204" pitchFamily="34" charset="0"/>
+              <a:buChar char="o"/>
+            </a:pPr>
+            <a:r>
+              <a:rPr lang="en-US" dirty="0"/>
+              <a:t>Detailed information on all tables</a:t>
+            </a:r>
+          </a:p>
+          <a:p>
+            <a:pPr>
+              <a:lnSpc>
+                <a:spcPct val="100000"/>
+              </a:lnSpc>
+              <a:spcBef>
+                <a:spcPts val="1500"/>
+              </a:spcBef>
+              <a:spcAft>
+                <a:spcPts val="300"/>
+              </a:spcAft>
+            </a:pPr>
+            <a:r>
+              <a:rPr lang="en-US" dirty="0"/>
+              <a:t>In addition, we can filter for:</a:t>
+            </a:r>
+          </a:p>
+          <a:p>
+            <a:pPr lvl="1">
+              <a:lnSpc>
+                <a:spcPct val="100000"/>
+              </a:lnSpc>
+              <a:buFont typeface="Courier New" panose="020B0604020202020204" pitchFamily="34" charset="0"/>
+              <a:buChar char="o"/>
+            </a:pPr>
+            <a:r>
+              <a:rPr lang="en-US" dirty="0"/>
+              <a:t>Specific stations</a:t>
+            </a:r>
+          </a:p>
+          <a:p>
+            <a:pPr lvl="1">
+              <a:lnSpc>
+                <a:spcPct val="100000"/>
+              </a:lnSpc>
+              <a:buFont typeface="Courier New" panose="020B0604020202020204" pitchFamily="34" charset="0"/>
+              <a:buChar char="o"/>
+            </a:pPr>
+            <a:r>
+              <a:rPr lang="en-US" dirty="0"/>
+              <a:t>Specific timeframes</a:t>
+            </a:r>
+          </a:p>
+        </p:txBody>
+      </p:sp>
+      <p:pic>
+        <p:nvPicPr>
+          <p:cNvPr id="4" name="Picture 3" descr="A screenshot of a computer&#10;&#10;Description automatically generated">
+            <a:extLst>
+              <a:ext uri="{FF2B5EF4-FFF2-40B4-BE49-F238E27FC236}">
+                <a16:creationId xmlns:a16="http://schemas.microsoft.com/office/drawing/2014/main" id="{95AB6C8F-2AF8-4164-E173-51B4A75912D1}"/>
+              </a:ext>
+            </a:extLst>
+          </p:cNvPr>
+          <p:cNvPicPr>
+            <a:picLocks noChangeAspect="1"/>
+          </p:cNvPicPr>
+          <p:nvPr/>
+        </p:nvPicPr>
+        <p:blipFill rotWithShape="1">
+          <a:blip r:embed="rId2"/>
+          <a:srcRect t="45614" r="49504" b="251"/>
+          <a:stretch/>
+        </p:blipFill>
+        <p:spPr>
+          <a:xfrm>
+            <a:off x="7138587" y="1357212"/>
+            <a:ext cx="3447526" cy="2078864"/>
+          </a:xfrm>
+          <a:prstGeom prst="rect">
+            <a:avLst/>
+          </a:prstGeom>
+        </p:spPr>
+      </p:pic>
+      <p:pic>
+        <p:nvPicPr>
+          <p:cNvPr id="5" name="Picture 4">
+            <a:extLst>
+              <a:ext uri="{FF2B5EF4-FFF2-40B4-BE49-F238E27FC236}">
+                <a16:creationId xmlns:a16="http://schemas.microsoft.com/office/drawing/2014/main" id="{9D5875B0-C720-548A-6327-06B582472DF0}"/>
+              </a:ext>
+            </a:extLst>
+          </p:cNvPr>
+          <p:cNvPicPr>
+            <a:picLocks noChangeAspect="1"/>
+          </p:cNvPicPr>
+          <p:nvPr/>
+        </p:nvPicPr>
+        <p:blipFill>
+          <a:blip r:embed="rId3"/>
+          <a:stretch>
+            <a:fillRect/>
+          </a:stretch>
+        </p:blipFill>
+        <p:spPr>
+          <a:xfrm>
+            <a:off x="6612487" y="3821438"/>
+            <a:ext cx="4514673" cy="1714768"/>
+          </a:xfrm>
+          <a:prstGeom prst="rect">
+            <a:avLst/>
+          </a:prstGeom>
+        </p:spPr>
+      </p:pic>
+    </p:spTree>
+    <p:extLst>
+      <p:ext uri="{BB962C8B-B14F-4D97-AF65-F5344CB8AC3E}">
+        <p14:creationId xmlns:p14="http://schemas.microsoft.com/office/powerpoint/2010/main" val="3362842486"/>
+      </p:ext>
+    </p:extLst>
+  </p:cSld>
+  <p:clrMapOvr>
+    <a:masterClrMapping/>
+  </p:clrMapOvr>
+</p:sld>
+</file>
+
+<file path=ppt/slides/slide19.xml><?xml version="1.0" encoding="utf-8"?>
+<p:sld xmlns:a="http://schemas.openxmlformats.org/drawingml/2006/main" xmlns:r="http://schemas.openxmlformats.org/officeDocument/2006/relationships" xmlns:p="http://schemas.openxmlformats.org/presentationml/2006/main">
+  <p:cSld>
+    <p:spTree>
+      <p:nvGrpSpPr>
+        <p:cNvPr id="1" name="">
+          <a:extLst>
+            <a:ext uri="{FF2B5EF4-FFF2-40B4-BE49-F238E27FC236}">
+              <a16:creationId xmlns:a16="http://schemas.microsoft.com/office/drawing/2014/main" id="{480EA8C7-8C0B-76A0-1DCB-016B54E8854E}"/>
+            </a:ext>
+          </a:extLst>
+        </p:cNvPr>
+        <p:cNvGrpSpPr/>
+        <p:nvPr/>
+      </p:nvGrpSpPr>
+      <p:grpSpPr>
+        <a:xfrm>
+          <a:off x="0" y="0"/>
+          <a:ext cx="0" cy="0"/>
+          <a:chOff x="0" y="0"/>
+          <a:chExt cx="0" cy="0"/>
+        </a:xfrm>
+      </p:grpSpPr>
+      <p:sp>
+        <p:nvSpPr>
+          <p:cNvPr id="2" name="Title 1">
+            <a:extLst>
+              <a:ext uri="{FF2B5EF4-FFF2-40B4-BE49-F238E27FC236}">
+                <a16:creationId xmlns:a16="http://schemas.microsoft.com/office/drawing/2014/main" id="{7CE64E12-1E79-9C16-F0ED-A0E3E0FB9C6B}"/>
+              </a:ext>
+            </a:extLst>
+          </p:cNvPr>
+          <p:cNvSpPr>
+            <a:spLocks noGrp="1"/>
+          </p:cNvSpPr>
+          <p:nvPr>
+            <p:ph type="title"/>
+          </p:nvPr>
+        </p:nvSpPr>
+        <p:spPr/>
+        <p:txBody>
+          <a:bodyPr vert="horz" lIns="91440" tIns="45720" rIns="91440" bIns="45720" rtlCol="0" anchor="t">
+            <a:normAutofit/>
+          </a:bodyPr>
+          <a:lstStyle/>
+          <a:p>
+            <a:r>
+              <a:rPr lang="en-US" dirty="0"/>
+              <a:t>Containers</a:t>
+            </a:r>
+          </a:p>
+        </p:txBody>
+      </p:sp>
+      <p:sp>
+        <p:nvSpPr>
+          <p:cNvPr id="4" name="Text Placeholder 3">
+            <a:extLst>
+              <a:ext uri="{FF2B5EF4-FFF2-40B4-BE49-F238E27FC236}">
+                <a16:creationId xmlns:a16="http://schemas.microsoft.com/office/drawing/2014/main" id="{69717EA4-3C5A-8C9B-A2E3-EBA61EA33B12}"/>
+              </a:ext>
+            </a:extLst>
+          </p:cNvPr>
+          <p:cNvSpPr>
+            <a:spLocks noGrp="1"/>
+          </p:cNvSpPr>
+          <p:nvPr>
+            <p:ph type="body" sz="half" idx="2"/>
+          </p:nvPr>
+        </p:nvSpPr>
+        <p:spPr>
+          <a:xfrm>
+            <a:off x="1380121" y="1928782"/>
+            <a:ext cx="3858151" cy="2072549"/>
+          </a:xfrm>
+        </p:spPr>
+        <p:txBody>
+          <a:bodyPr>
+            <a:normAutofit lnSpcReduction="10000"/>
+          </a:bodyPr>
+          <a:lstStyle/>
+          <a:p>
+            <a:endParaRPr lang="en-US" dirty="0">
+              <a:ea typeface="+mn-lt"/>
+              <a:cs typeface="+mn-lt"/>
+            </a:endParaRPr>
+          </a:p>
+          <a:p>
+            <a:pPr marL="285750" indent="-285750">
+              <a:buChar char="•"/>
+            </a:pPr>
+            <a:r>
+              <a:rPr lang="en-US" dirty="0">
+                <a:ea typeface="+mn-lt"/>
+                <a:cs typeface="+mn-lt"/>
+              </a:rPr>
+              <a:t>Every part of the system is containerized</a:t>
+            </a:r>
+            <a:endParaRPr lang="en-US" dirty="0"/>
+          </a:p>
+          <a:p>
+            <a:pPr marL="285750" indent="-285750">
+              <a:buChar char="•"/>
+            </a:pPr>
+            <a:r>
+              <a:rPr lang="en-US" dirty="0"/>
+              <a:t>Docker is used here</a:t>
+            </a:r>
+          </a:p>
+          <a:p>
+            <a:pPr marL="342900" indent="-342900">
+              <a:buChar char="•"/>
+            </a:pPr>
+            <a:r>
+              <a:rPr lang="en-US" dirty="0"/>
+              <a:t>In total, there are 10 containers:</a:t>
+            </a:r>
+          </a:p>
+          <a:p>
+            <a:pPr marL="342900" indent="-342900">
+              <a:buChar char="•"/>
+            </a:pPr>
+            <a:endParaRPr lang="en-US" dirty="0"/>
+          </a:p>
+        </p:txBody>
+      </p:sp>
+      <p:sp>
+        <p:nvSpPr>
+          <p:cNvPr id="6" name="Content Placeholder 5">
+            <a:extLst>
+              <a:ext uri="{FF2B5EF4-FFF2-40B4-BE49-F238E27FC236}">
+                <a16:creationId xmlns:a16="http://schemas.microsoft.com/office/drawing/2014/main" id="{5D3FB8A0-9800-1112-21EB-839205D13FAF}"/>
+              </a:ext>
+            </a:extLst>
+          </p:cNvPr>
+          <p:cNvSpPr>
+            <a:spLocks noGrp="1"/>
+          </p:cNvSpPr>
+          <p:nvPr>
+            <p:ph idx="1"/>
+          </p:nvPr>
+        </p:nvSpPr>
+        <p:spPr>
+          <a:xfrm>
+            <a:off x="5761104" y="920080"/>
+            <a:ext cx="6017495" cy="5012117"/>
+          </a:xfrm>
+        </p:spPr>
+        <p:txBody>
+          <a:bodyPr vert="horz" lIns="91440" tIns="45720" rIns="91440" bIns="45720" rtlCol="0" anchor="t">
+            <a:noAutofit/>
+          </a:bodyPr>
+          <a:lstStyle/>
+          <a:p>
+            <a:pPr>
+              <a:spcAft>
+                <a:spcPts val="1000"/>
+              </a:spcAft>
+            </a:pPr>
+            <a:r>
+              <a:rPr lang="en-US" sz="2000" err="1">
+                <a:ea typeface="+mn-lt"/>
+                <a:cs typeface="+mn-lt"/>
+              </a:rPr>
+              <a:t>dsi_kafka_producer_weather</a:t>
+            </a:r>
+            <a:r>
+              <a:rPr lang="en-US" sz="2000" dirty="0">
+                <a:ea typeface="+mn-lt"/>
+                <a:cs typeface="+mn-lt"/>
+              </a:rPr>
+              <a:t>: Container running custom Python script for fetching weather data </a:t>
+            </a:r>
+            <a:endParaRPr lang="en-US" sz="2000">
+              <a:ea typeface="+mn-lt"/>
+              <a:cs typeface="+mn-lt"/>
+            </a:endParaRPr>
+          </a:p>
+          <a:p>
+            <a:pPr>
+              <a:spcAft>
+                <a:spcPts val="1000"/>
+              </a:spcAft>
+            </a:pPr>
+            <a:r>
+              <a:rPr lang="en-US" sz="2000" err="1">
+                <a:ea typeface="+mn-lt"/>
+                <a:cs typeface="+mn-lt"/>
+              </a:rPr>
+              <a:t>dsi_kafka_producer_delays</a:t>
+            </a:r>
+            <a:r>
+              <a:rPr lang="en-US" sz="2000" dirty="0">
+                <a:ea typeface="+mn-lt"/>
+                <a:cs typeface="+mn-lt"/>
+              </a:rPr>
+              <a:t>: Container running custom Python script for fetching disruption data</a:t>
+            </a:r>
+            <a:endParaRPr lang="en-US" sz="2000"/>
+          </a:p>
+          <a:p>
+            <a:pPr>
+              <a:spcAft>
+                <a:spcPts val="1000"/>
+              </a:spcAft>
+            </a:pPr>
+            <a:r>
+              <a:rPr lang="en-US" sz="2000" err="1">
+                <a:ea typeface="+mn-lt"/>
+                <a:cs typeface="+mn-lt"/>
+              </a:rPr>
+              <a:t>dsi_init_kafka</a:t>
+            </a:r>
+            <a:r>
+              <a:rPr lang="en-US" sz="2000" dirty="0">
+                <a:ea typeface="+mn-lt"/>
+                <a:cs typeface="+mn-lt"/>
+              </a:rPr>
+              <a:t>: Used to create required topics in Kafka on startup</a:t>
+            </a:r>
+          </a:p>
+          <a:p>
+            <a:pPr>
+              <a:spcAft>
+                <a:spcPts val="1000"/>
+              </a:spcAft>
+            </a:pPr>
+            <a:r>
+              <a:rPr lang="en-US" sz="2000" dirty="0">
+                <a:ea typeface="+mn-lt"/>
+                <a:cs typeface="+mn-lt"/>
+              </a:rPr>
+              <a:t>dsi_kafka_00: This container hosts the Apache Kafka</a:t>
+            </a:r>
+          </a:p>
+          <a:p>
+            <a:pPr>
+              <a:spcAft>
+                <a:spcPts val="1000"/>
+              </a:spcAft>
+            </a:pPr>
+            <a:r>
+              <a:rPr lang="en-US" sz="2000" err="1">
+                <a:ea typeface="+mn-lt"/>
+                <a:cs typeface="+mn-lt"/>
+              </a:rPr>
+              <a:t>dsi_kafka_consumer</a:t>
+            </a:r>
+            <a:r>
+              <a:rPr lang="en-US" sz="2000" dirty="0">
+                <a:ea typeface="+mn-lt"/>
+                <a:cs typeface="+mn-lt"/>
+              </a:rPr>
+              <a:t>: Container running custom Python script to handle reading from Kafka and writing to PostgreSQL</a:t>
+            </a:r>
+          </a:p>
+        </p:txBody>
+      </p:sp>
+      <p:pic>
+        <p:nvPicPr>
+          <p:cNvPr id="3" name="Picture 2" descr="A blue letters on a black background&#10;&#10;Description automatically generated">
+            <a:extLst>
+              <a:ext uri="{FF2B5EF4-FFF2-40B4-BE49-F238E27FC236}">
+                <a16:creationId xmlns:a16="http://schemas.microsoft.com/office/drawing/2014/main" id="{206F4C5A-9F75-0E2E-94F7-CF904FED6ABA}"/>
+              </a:ext>
+            </a:extLst>
+          </p:cNvPr>
+          <p:cNvPicPr>
+            <a:picLocks noChangeAspect="1"/>
+          </p:cNvPicPr>
+          <p:nvPr/>
+        </p:nvPicPr>
+        <p:blipFill>
+          <a:blip r:embed="rId2"/>
+          <a:stretch>
+            <a:fillRect/>
+          </a:stretch>
+        </p:blipFill>
+        <p:spPr>
+          <a:xfrm>
+            <a:off x="1231174" y="4127842"/>
+            <a:ext cx="3590925" cy="923925"/>
+          </a:xfrm>
+          <a:prstGeom prst="rect">
+            <a:avLst/>
+          </a:prstGeom>
+        </p:spPr>
+      </p:pic>
+    </p:spTree>
+    <p:extLst>
+      <p:ext uri="{BB962C8B-B14F-4D97-AF65-F5344CB8AC3E}">
+        <p14:creationId xmlns:p14="http://schemas.microsoft.com/office/powerpoint/2010/main" val="1241498464"/>
+      </p:ext>
+    </p:extLst>
+  </p:cSld>
+  <p:clrMapOvr>
+    <a:masterClrMapping/>
+  </p:clrMapOvr>
+</p:sld>
+</file>
+
+<file path=ppt/slides/slide2.xml><?xml version="1.0" encoding="utf-8"?>
+<p:sld xmlns:a="http://schemas.openxmlformats.org/drawingml/2006/main" xmlns:r="http://schemas.openxmlformats.org/officeDocument/2006/relationships" xmlns:p="http://schemas.openxmlformats.org/presentationml/2006/main">
+  <p:cSld>
+    <p:spTree>
+      <p:nvGrpSpPr>
+        <p:cNvPr id="1" name=""/>
+        <p:cNvGrpSpPr/>
+        <p:nvPr/>
+      </p:nvGrpSpPr>
+      <p:grpSpPr>
+        <a:xfrm>
+          <a:off x="0" y="0"/>
+          <a:ext cx="0" cy="0"/>
+          <a:chOff x="0" y="0"/>
+          <a:chExt cx="0" cy="0"/>
+        </a:xfrm>
+      </p:grpSpPr>
+      <p:sp>
+        <p:nvSpPr>
+          <p:cNvPr id="2" name="Title 1">
+            <a:extLst>
+              <a:ext uri="{FF2B5EF4-FFF2-40B4-BE49-F238E27FC236}">
+                <a16:creationId xmlns:a16="http://schemas.microsoft.com/office/drawing/2014/main" id="{CB1A0E62-8BAE-37CA-7807-4D7019A7D50E}"/>
+              </a:ext>
+            </a:extLst>
+          </p:cNvPr>
+          <p:cNvSpPr>
+            <a:spLocks noGrp="1"/>
+          </p:cNvSpPr>
+          <p:nvPr>
+            <p:ph type="title"/>
+          </p:nvPr>
+        </p:nvSpPr>
+        <p:spPr/>
+        <p:txBody>
+          <a:bodyPr vert="horz" lIns="91440" tIns="45720" rIns="91440" bIns="45720" rtlCol="0" anchor="t">
+            <a:normAutofit/>
+          </a:bodyPr>
+          <a:lstStyle/>
+          <a:p>
+            <a:r>
+              <a:rPr lang="en-US" dirty="0"/>
+              <a:t>Concept</a:t>
+            </a:r>
+          </a:p>
+        </p:txBody>
+      </p:sp>
+      <p:sp>
+        <p:nvSpPr>
+          <p:cNvPr id="3" name="Content Placeholder 2">
+            <a:extLst>
+              <a:ext uri="{FF2B5EF4-FFF2-40B4-BE49-F238E27FC236}">
+                <a16:creationId xmlns:a16="http://schemas.microsoft.com/office/drawing/2014/main" id="{D9796C04-BBEC-0E61-9DE0-977CD6440FAC}"/>
+              </a:ext>
+            </a:extLst>
+          </p:cNvPr>
+          <p:cNvSpPr>
+            <a:spLocks noGrp="1"/>
+          </p:cNvSpPr>
+          <p:nvPr>
+            <p:ph idx="1"/>
+          </p:nvPr>
+        </p:nvSpPr>
+        <p:spPr>
+          <a:xfrm>
+            <a:off x="1620444" y="2077807"/>
+            <a:ext cx="8977509" cy="3141785"/>
+          </a:xfrm>
+        </p:spPr>
+        <p:txBody>
+          <a:bodyPr vert="horz" lIns="91440" tIns="45720" rIns="91440" bIns="45720" rtlCol="0" anchor="t">
+            <a:normAutofit/>
+          </a:bodyPr>
+          <a:lstStyle/>
+          <a:p>
+            <a:pPr>
+              <a:lnSpc>
+                <a:spcPct val="200000"/>
+              </a:lnSpc>
+            </a:pPr>
+            <a:r>
+              <a:rPr lang="en-US"/>
+              <a:t>Use historic data on disruptions in the public transit system in Vienna</a:t>
+            </a:r>
+          </a:p>
+          <a:p>
+            <a:pPr>
+              <a:lnSpc>
+                <a:spcPct val="200000"/>
+              </a:lnSpc>
+            </a:pPr>
+            <a:r>
+              <a:rPr lang="en-US"/>
+              <a:t>Combine with weather data and geographic data</a:t>
+            </a:r>
+          </a:p>
+          <a:p>
+            <a:pPr>
+              <a:lnSpc>
+                <a:spcPct val="200000"/>
+              </a:lnSpc>
+            </a:pPr>
+            <a:r>
+              <a:rPr lang="en-US" dirty="0"/>
+              <a:t>Try to </a:t>
+            </a:r>
+            <a:r>
+              <a:rPr lang="en-US"/>
+              <a:t>recognize</a:t>
+            </a:r>
+            <a:r>
+              <a:rPr lang="en-US" dirty="0"/>
+              <a:t> patterns</a:t>
+            </a:r>
+          </a:p>
+        </p:txBody>
+      </p:sp>
+    </p:spTree>
+    <p:extLst>
+      <p:ext uri="{BB962C8B-B14F-4D97-AF65-F5344CB8AC3E}">
+        <p14:creationId xmlns:p14="http://schemas.microsoft.com/office/powerpoint/2010/main" val="2170909605"/>
+      </p:ext>
+    </p:extLst>
+  </p:cSld>
+  <p:clrMapOvr>
+    <a:masterClrMapping/>
+  </p:clrMapOvr>
+</p:sld>
+</file>
+
+<file path=ppt/slides/slide20.xml><?xml version="1.0" encoding="utf-8"?>
+<p:sld xmlns:a="http://schemas.openxmlformats.org/drawingml/2006/main" xmlns:r="http://schemas.openxmlformats.org/officeDocument/2006/relationships" xmlns:p="http://schemas.openxmlformats.org/presentationml/2006/main">
+  <p:cSld>
+    <p:spTree>
+      <p:nvGrpSpPr>
         <p:cNvPr id="1" name="">
           <a:extLst>
             <a:ext uri="{FF2B5EF4-FFF2-40B4-BE49-F238E27FC236}">
@@ -4204,7 +6417,7 @@
 </p:sld>
 </file>
 
-<file path=ppt/slides/slide11.xml><?xml version="1.0" encoding="utf-8"?>
+<file path=ppt/slides/slide21.xml><?xml version="1.0" encoding="utf-8"?>
 <p:sld xmlns:a="http://schemas.openxmlformats.org/drawingml/2006/main" xmlns:r="http://schemas.openxmlformats.org/officeDocument/2006/relationships" xmlns:p="http://schemas.openxmlformats.org/presentationml/2006/main">
   <p:cSld>
     <p:spTree>
@@ -4253,136 +6466,6 @@
     <p:extLst>
       <p:ext uri="{BB962C8B-B14F-4D97-AF65-F5344CB8AC3E}">
         <p14:creationId xmlns:p14="http://schemas.microsoft.com/office/powerpoint/2010/main" val="1001565791"/>
-      </p:ext>
-    </p:extLst>
-  </p:cSld>
-  <p:clrMapOvr>
-    <a:masterClrMapping/>
-  </p:clrMapOvr>
-</p:sld>
-</file>
-
-<file path=ppt/slides/slide2.xml><?xml version="1.0" encoding="utf-8"?>
-<p:sld xmlns:a="http://schemas.openxmlformats.org/drawingml/2006/main" xmlns:r="http://schemas.openxmlformats.org/officeDocument/2006/relationships" xmlns:p="http://schemas.openxmlformats.org/presentationml/2006/main">
-  <p:cSld>
-    <p:spTree>
-      <p:nvGrpSpPr>
-        <p:cNvPr id="1" name=""/>
-        <p:cNvGrpSpPr/>
-        <p:nvPr/>
-      </p:nvGrpSpPr>
-      <p:grpSpPr>
-        <a:xfrm>
-          <a:off x="0" y="0"/>
-          <a:ext cx="0" cy="0"/>
-          <a:chOff x="0" y="0"/>
-          <a:chExt cx="0" cy="0"/>
-        </a:xfrm>
-      </p:grpSpPr>
-      <p:sp>
-        <p:nvSpPr>
-          <p:cNvPr id="2" name="Title 1">
-            <a:extLst>
-              <a:ext uri="{FF2B5EF4-FFF2-40B4-BE49-F238E27FC236}">
-                <a16:creationId xmlns:a16="http://schemas.microsoft.com/office/drawing/2014/main" id="{CB1A0E62-8BAE-37CA-7807-4D7019A7D50E}"/>
-              </a:ext>
-            </a:extLst>
-          </p:cNvPr>
-          <p:cNvSpPr>
-            <a:spLocks noGrp="1"/>
-          </p:cNvSpPr>
-          <p:nvPr>
-            <p:ph type="title"/>
-          </p:nvPr>
-        </p:nvSpPr>
-        <p:spPr/>
-        <p:txBody>
-          <a:bodyPr vert="horz" lIns="91440" tIns="45720" rIns="91440" bIns="45720" rtlCol="0" anchor="t">
-            <a:normAutofit/>
-          </a:bodyPr>
-          <a:lstStyle/>
-          <a:p>
-            <a:r>
-              <a:rPr lang="en-US" dirty="0"/>
-              <a:t>Concept</a:t>
-            </a:r>
-          </a:p>
-        </p:txBody>
-      </p:sp>
-      <p:sp>
-        <p:nvSpPr>
-          <p:cNvPr id="3" name="Content Placeholder 2">
-            <a:extLst>
-              <a:ext uri="{FF2B5EF4-FFF2-40B4-BE49-F238E27FC236}">
-                <a16:creationId xmlns:a16="http://schemas.microsoft.com/office/drawing/2014/main" id="{D9796C04-BBEC-0E61-9DE0-977CD6440FAC}"/>
-              </a:ext>
-            </a:extLst>
-          </p:cNvPr>
-          <p:cNvSpPr>
-            <a:spLocks noGrp="1"/>
-          </p:cNvSpPr>
-          <p:nvPr>
-            <p:ph idx="1"/>
-          </p:nvPr>
-        </p:nvSpPr>
-        <p:spPr>
-          <a:xfrm>
-            <a:off x="1620444" y="2077807"/>
-            <a:ext cx="8977509" cy="3141785"/>
-          </a:xfrm>
-        </p:spPr>
-        <p:txBody>
-          <a:bodyPr vert="horz" lIns="91440" tIns="45720" rIns="91440" bIns="45720" rtlCol="0" anchor="t">
-            <a:normAutofit/>
-          </a:bodyPr>
-          <a:lstStyle/>
-          <a:p>
-            <a:pPr>
-              <a:lnSpc>
-                <a:spcPct val="200000"/>
-              </a:lnSpc>
-            </a:pPr>
-            <a:r>
-              <a:rPr lang="en-US"/>
-              <a:t>Use historic data on disruptions in the public transit system in Vienna</a:t>
-            </a:r>
-          </a:p>
-          <a:p>
-            <a:pPr>
-              <a:lnSpc>
-                <a:spcPct val="200000"/>
-              </a:lnSpc>
-            </a:pPr>
-            <a:r>
-              <a:rPr lang="en-US"/>
-              <a:t>Combine with weather data and geographic data</a:t>
-            </a:r>
-          </a:p>
-          <a:p>
-            <a:pPr>
-              <a:lnSpc>
-                <a:spcPct val="200000"/>
-              </a:lnSpc>
-            </a:pPr>
-            <a:r>
-              <a:rPr lang="en-US" dirty="0"/>
-              <a:t>Try to </a:t>
-            </a:r>
-            <a:r>
-              <a:rPr lang="en-US"/>
-              <a:t>recognize</a:t>
-            </a:r>
-            <a:r>
-              <a:rPr lang="en-US" dirty="0"/>
-              <a:t> patterns</a:t>
-            </a:r>
-          </a:p>
-        </p:txBody>
-      </p:sp>
-    </p:spTree>
-    <p:extLst>
-      <p:ext uri="{BB962C8B-B14F-4D97-AF65-F5344CB8AC3E}">
-        <p14:creationId xmlns:p14="http://schemas.microsoft.com/office/powerpoint/2010/main" val="2170909605"/>
       </p:ext>
     </p:extLst>
   </p:cSld>
@@ -4468,6 +6551,52 @@
           </a:xfrm>
         </p:spPr>
       </p:pic>
+      <p:sp>
+        <p:nvSpPr>
+          <p:cNvPr id="3" name="Pfeil: nach rechts 2">
+            <a:extLst>
+              <a:ext uri="{FF2B5EF4-FFF2-40B4-BE49-F238E27FC236}">
+                <a16:creationId xmlns:a16="http://schemas.microsoft.com/office/drawing/2014/main" id="{7B442DD6-4A6B-A4BE-D20F-9987EAD88A70}"/>
+              </a:ext>
+            </a:extLst>
+          </p:cNvPr>
+          <p:cNvSpPr/>
+          <p:nvPr/>
+        </p:nvSpPr>
+        <p:spPr>
+          <a:xfrm>
+            <a:off x="3892470" y="4550977"/>
+            <a:ext cx="3090221" cy="233459"/>
+          </a:xfrm>
+          <a:prstGeom prst="rightArrow">
+            <a:avLst/>
+          </a:prstGeom>
+        </p:spPr>
+        <p:style>
+          <a:lnRef idx="2">
+            <a:schemeClr val="accent1">
+              <a:shade val="15000"/>
+            </a:schemeClr>
+          </a:lnRef>
+          <a:fillRef idx="1">
+            <a:schemeClr val="accent1"/>
+          </a:fillRef>
+          <a:effectRef idx="0">
+            <a:schemeClr val="accent1"/>
+          </a:effectRef>
+          <a:fontRef idx="minor">
+            <a:schemeClr val="lt1"/>
+          </a:fontRef>
+        </p:style>
+        <p:txBody>
+          <a:bodyPr rtlCol="0" anchor="ctr"/>
+          <a:lstStyle/>
+          <a:p>
+            <a:pPr algn="ctr"/>
+            <a:endParaRPr lang="de-AT"/>
+          </a:p>
+        </p:txBody>
+      </p:sp>
     </p:spTree>
     <p:extLst>
       <p:ext uri="{BB962C8B-B14F-4D97-AF65-F5344CB8AC3E}">
@@ -4486,13 +6615,7 @@
   <p:cSld>
     <p:spTree>
       <p:nvGrpSpPr>
-        <p:cNvPr id="1" name="">
-          <a:extLst>
-            <a:ext uri="{FF2B5EF4-FFF2-40B4-BE49-F238E27FC236}">
-              <a16:creationId xmlns:a16="http://schemas.microsoft.com/office/drawing/2014/main" id="{EE39828C-2502-3D86-1228-69ED3A317FF6}"/>
-            </a:ext>
-          </a:extLst>
-        </p:cNvPr>
+        <p:cNvPr id="1" name=""/>
         <p:cNvGrpSpPr/>
         <p:nvPr/>
       </p:nvGrpSpPr>
@@ -4509,7 +6632,7 @@
           <p:cNvPr id="2" name="Title 1">
             <a:extLst>
               <a:ext uri="{FF2B5EF4-FFF2-40B4-BE49-F238E27FC236}">
-                <a16:creationId xmlns:a16="http://schemas.microsoft.com/office/drawing/2014/main" id="{39B49A00-21D7-84F1-756E-8BF22EDA3381}"/>
+                <a16:creationId xmlns:a16="http://schemas.microsoft.com/office/drawing/2014/main" id="{A90CA53F-33DA-6E04-C8EF-9BBE16D597C7}"/>
               </a:ext>
             </a:extLst>
           </p:cNvPr>
@@ -4529,95 +6652,90 @@
           <a:p>
             <a:r>
               <a:rPr lang="en-US" dirty="0"/>
-              <a:t>DATA SOURCES</a:t>
-            </a:r>
-          </a:p>
-        </p:txBody>
-      </p:sp>
-      <p:sp>
-        <p:nvSpPr>
-          <p:cNvPr id="3" name="Content Placeholder 2">
-            <a:extLst>
-              <a:ext uri="{FF2B5EF4-FFF2-40B4-BE49-F238E27FC236}">
-                <a16:creationId xmlns:a16="http://schemas.microsoft.com/office/drawing/2014/main" id="{00FCD6A8-C52A-C5A7-6CC6-F43C7D5EF831}"/>
-              </a:ext>
-            </a:extLst>
-          </p:cNvPr>
-          <p:cNvSpPr>
-            <a:spLocks noGrp="1"/>
-          </p:cNvSpPr>
+              <a:t>Data Pipeline</a:t>
+            </a:r>
+          </a:p>
+        </p:txBody>
+      </p:sp>
+      <p:pic>
+        <p:nvPicPr>
+          <p:cNvPr id="4" name="Content Placeholder 3" descr="A screenshot of a computer&#10;&#10;Description automatically generated">
+            <a:extLst>
+              <a:ext uri="{FF2B5EF4-FFF2-40B4-BE49-F238E27FC236}">
+                <a16:creationId xmlns:a16="http://schemas.microsoft.com/office/drawing/2014/main" id="{EEC6733A-0D3C-D279-BCFF-26D1A53C0DCE}"/>
+              </a:ext>
+            </a:extLst>
+          </p:cNvPr>
+          <p:cNvPicPr>
+            <a:picLocks noGrp="1" noChangeAspect="1"/>
+          </p:cNvPicPr>
           <p:nvPr>
             <p:ph idx="1"/>
           </p:nvPr>
-        </p:nvSpPr>
+        </p:nvPicPr>
+        <p:blipFill>
+          <a:blip r:embed="rId2"/>
+          <a:stretch>
+            <a:fillRect/>
+          </a:stretch>
+        </p:blipFill>
         <p:spPr>
           <a:xfrm>
-            <a:off x="1620444" y="2077807"/>
-            <a:ext cx="8977509" cy="3141785"/>
+            <a:off x="2035703" y="1560053"/>
+            <a:ext cx="8146989" cy="4212901"/>
           </a:xfrm>
         </p:spPr>
-        <p:txBody>
-          <a:bodyPr vert="horz" lIns="91440" tIns="45720" rIns="91440" bIns="45720" rtlCol="0" anchor="t">
-            <a:normAutofit/>
-          </a:bodyPr>
-          <a:lstStyle/>
-          <a:p>
-            <a:pPr>
-              <a:lnSpc>
-                <a:spcPct val="200000"/>
-              </a:lnSpc>
-            </a:pPr>
-            <a:r>
-              <a:rPr lang="en-US" dirty="0">
-                <a:hlinkClick r:id="rId2"/>
-              </a:rPr>
-              <a:t>Öffi.at:</a:t>
-            </a:r>
-            <a:r>
-              <a:rPr lang="en-US"/>
-              <a:t> Web-based historic archive of disruptions in the public transit system</a:t>
-            </a:r>
-          </a:p>
-          <a:p>
-            <a:pPr>
-              <a:lnSpc>
-                <a:spcPct val="200000"/>
-              </a:lnSpc>
-            </a:pPr>
-            <a:r>
-              <a:rPr lang="en-US" dirty="0">
-                <a:hlinkClick r:id="rId3"/>
-              </a:rPr>
-              <a:t>Openmeteo:</a:t>
-            </a:r>
-            <a:r>
-              <a:rPr lang="en-US"/>
-              <a:t> API for real-time and historic weather data</a:t>
-            </a:r>
-          </a:p>
-          <a:p>
-            <a:pPr>
-              <a:lnSpc>
-                <a:spcPct val="200000"/>
-              </a:lnSpc>
-            </a:pPr>
-            <a:r>
-              <a:rPr lang="en-US" dirty="0">
-                <a:hlinkClick r:id="rId4"/>
-              </a:rPr>
-              <a:t>Data.gv.at:</a:t>
-            </a:r>
-            <a:r>
-              <a:rPr lang="en-US"/>
-              <a:t> publicly available datasets from Austrian open government data </a:t>
-            </a:r>
+      </p:pic>
+      <p:sp>
+        <p:nvSpPr>
+          <p:cNvPr id="3" name="Pfeil: nach rechts 2">
+            <a:extLst>
+              <a:ext uri="{FF2B5EF4-FFF2-40B4-BE49-F238E27FC236}">
+                <a16:creationId xmlns:a16="http://schemas.microsoft.com/office/drawing/2014/main" id="{7B442DD6-4A6B-A4BE-D20F-9987EAD88A70}"/>
+              </a:ext>
+            </a:extLst>
+          </p:cNvPr>
+          <p:cNvSpPr/>
+          <p:nvPr/>
+        </p:nvSpPr>
+        <p:spPr>
+          <a:xfrm rot="11274512">
+            <a:off x="3476833" y="2307024"/>
+            <a:ext cx="651821" cy="233459"/>
+          </a:xfrm>
+          <a:prstGeom prst="rightArrow">
+            <a:avLst/>
+          </a:prstGeom>
+        </p:spPr>
+        <p:style>
+          <a:lnRef idx="2">
+            <a:schemeClr val="accent1">
+              <a:shade val="15000"/>
+            </a:schemeClr>
+          </a:lnRef>
+          <a:fillRef idx="1">
+            <a:schemeClr val="accent1"/>
+          </a:fillRef>
+          <a:effectRef idx="0">
+            <a:schemeClr val="accent1"/>
+          </a:effectRef>
+          <a:fontRef idx="minor">
+            <a:schemeClr val="lt1"/>
+          </a:fontRef>
+        </p:style>
+        <p:txBody>
+          <a:bodyPr rtlCol="0" anchor="ctr"/>
+          <a:lstStyle/>
+          <a:p>
+            <a:pPr algn="ctr"/>
+            <a:endParaRPr lang="de-AT"/>
           </a:p>
         </p:txBody>
       </p:sp>
     </p:spTree>
     <p:extLst>
       <p:ext uri="{BB962C8B-B14F-4D97-AF65-F5344CB8AC3E}">
-        <p14:creationId xmlns:p14="http://schemas.microsoft.com/office/powerpoint/2010/main" val="117861478"/>
+        <p14:creationId xmlns:p14="http://schemas.microsoft.com/office/powerpoint/2010/main" val="3856090854"/>
       </p:ext>
     </p:extLst>
   </p:cSld>
@@ -4632,13 +6750,7 @@
   <p:cSld>
     <p:spTree>
       <p:nvGrpSpPr>
-        <p:cNvPr id="1" name="">
-          <a:extLst>
-            <a:ext uri="{FF2B5EF4-FFF2-40B4-BE49-F238E27FC236}">
-              <a16:creationId xmlns:a16="http://schemas.microsoft.com/office/drawing/2014/main" id="{2EA387BD-DE39-A7AE-82F9-78F22390B6C1}"/>
-            </a:ext>
-          </a:extLst>
-        </p:cNvPr>
+        <p:cNvPr id="1" name=""/>
         <p:cNvGrpSpPr/>
         <p:nvPr/>
       </p:nvGrpSpPr>
@@ -4655,7 +6767,7 @@
           <p:cNvPr id="2" name="Title 1">
             <a:extLst>
               <a:ext uri="{FF2B5EF4-FFF2-40B4-BE49-F238E27FC236}">
-                <a16:creationId xmlns:a16="http://schemas.microsoft.com/office/drawing/2014/main" id="{44664721-4254-2926-F530-E192CDD1DAA1}"/>
+                <a16:creationId xmlns:a16="http://schemas.microsoft.com/office/drawing/2014/main" id="{A90CA53F-33DA-6E04-C8EF-9BBE16D597C7}"/>
               </a:ext>
             </a:extLst>
           </p:cNvPr>
@@ -4675,124 +6787,108 @@
           <a:p>
             <a:r>
               <a:rPr lang="en-US" dirty="0"/>
-              <a:t>Data collection</a:t>
-            </a:r>
-          </a:p>
-        </p:txBody>
-      </p:sp>
-      <p:sp>
-        <p:nvSpPr>
-          <p:cNvPr id="3" name="Content Placeholder 2">
-            <a:extLst>
-              <a:ext uri="{FF2B5EF4-FFF2-40B4-BE49-F238E27FC236}">
-                <a16:creationId xmlns:a16="http://schemas.microsoft.com/office/drawing/2014/main" id="{1E9D48B9-C26D-4652-CCDA-957417B2A065}"/>
-              </a:ext>
-            </a:extLst>
-          </p:cNvPr>
-          <p:cNvSpPr>
-            <a:spLocks noGrp="1"/>
-          </p:cNvSpPr>
+              <a:t>Data Pipeline</a:t>
+            </a:r>
+          </a:p>
+        </p:txBody>
+      </p:sp>
+      <p:pic>
+        <p:nvPicPr>
+          <p:cNvPr id="4" name="Content Placeholder 3" descr="A screenshot of a computer&#10;&#10;Description automatically generated">
+            <a:extLst>
+              <a:ext uri="{FF2B5EF4-FFF2-40B4-BE49-F238E27FC236}">
+                <a16:creationId xmlns:a16="http://schemas.microsoft.com/office/drawing/2014/main" id="{EEC6733A-0D3C-D279-BCFF-26D1A53C0DCE}"/>
+              </a:ext>
+            </a:extLst>
+          </p:cNvPr>
+          <p:cNvPicPr>
+            <a:picLocks noGrp="1" noChangeAspect="1"/>
+          </p:cNvPicPr>
           <p:nvPr>
             <p:ph idx="1"/>
           </p:nvPr>
-        </p:nvSpPr>
+        </p:nvPicPr>
+        <p:blipFill>
+          <a:blip r:embed="rId2"/>
+          <a:stretch>
+            <a:fillRect/>
+          </a:stretch>
+        </p:blipFill>
         <p:spPr>
           <a:xfrm>
-            <a:off x="1620444" y="2077807"/>
-            <a:ext cx="8977509" cy="3141785"/>
+            <a:off x="2035703" y="1560053"/>
+            <a:ext cx="8146989" cy="4212901"/>
           </a:xfrm>
         </p:spPr>
-        <p:txBody>
-          <a:bodyPr vert="horz" lIns="91440" tIns="45720" rIns="91440" bIns="45720" rtlCol="0" anchor="t">
-            <a:normAutofit/>
-          </a:bodyPr>
-          <a:lstStyle/>
-          <a:p>
-            <a:pPr>
-              <a:lnSpc>
-                <a:spcPct val="100000"/>
-              </a:lnSpc>
-              <a:spcAft>
-                <a:spcPts val="1500"/>
-              </a:spcAft>
-            </a:pPr>
-            <a:r>
-              <a:rPr lang="en-US" dirty="0"/>
-              <a:t>Data from Öffi.at is scraped using </a:t>
-            </a:r>
-            <a:r>
-              <a:rPr lang="en-US" dirty="0" err="1"/>
-              <a:t>BeautifulSoup</a:t>
-            </a:r>
-            <a:endParaRPr lang="en-US" dirty="0"/>
-          </a:p>
-          <a:p>
-            <a:pPr>
-              <a:lnSpc>
-                <a:spcPct val="100000"/>
-              </a:lnSpc>
-              <a:spcAft>
-                <a:spcPts val="1500"/>
-              </a:spcAft>
-            </a:pPr>
-            <a:r>
-              <a:rPr lang="en-US" dirty="0"/>
-              <a:t>Weather data is collected via calls to </a:t>
-            </a:r>
-            <a:r>
-              <a:rPr lang="en-US" dirty="0" err="1"/>
-              <a:t>Openmeteo's</a:t>
-            </a:r>
-            <a:r>
-              <a:rPr lang="en-US" dirty="0"/>
-              <a:t> API for the timestamps collected from Öffi.at</a:t>
-            </a:r>
-          </a:p>
-          <a:p>
-            <a:pPr>
-              <a:lnSpc>
-                <a:spcPct val="100000"/>
-              </a:lnSpc>
-              <a:spcAft>
-                <a:spcPts val="1500"/>
-              </a:spcAft>
-            </a:pPr>
-            <a:r>
-              <a:rPr lang="en-US" dirty="0"/>
-              <a:t>All of this is streamed to </a:t>
-            </a:r>
-            <a:r>
-              <a:rPr lang="en-US" dirty="0" err="1"/>
-              <a:t>kafka</a:t>
-            </a:r>
-            <a:endParaRPr lang="en-US" dirty="0"/>
-          </a:p>
-          <a:p>
-            <a:pPr>
-              <a:lnSpc>
-                <a:spcPct val="100000"/>
-              </a:lnSpc>
-              <a:spcAft>
-                <a:spcPts val="1500"/>
-              </a:spcAft>
-            </a:pPr>
-            <a:r>
-              <a:rPr lang="en-US" dirty="0"/>
-              <a:t>Geographic information is imported from a csv file from Data.gv.at directly into the database</a:t>
-            </a:r>
+      </p:pic>
+      <p:sp>
+        <p:nvSpPr>
+          <p:cNvPr id="3" name="Pfeil: nach rechts 2">
+            <a:extLst>
+              <a:ext uri="{FF2B5EF4-FFF2-40B4-BE49-F238E27FC236}">
+                <a16:creationId xmlns:a16="http://schemas.microsoft.com/office/drawing/2014/main" id="{7B442DD6-4A6B-A4BE-D20F-9987EAD88A70}"/>
+              </a:ext>
+            </a:extLst>
+          </p:cNvPr>
+          <p:cNvSpPr/>
+          <p:nvPr/>
+        </p:nvSpPr>
+        <p:spPr>
+          <a:xfrm rot="415989">
+            <a:off x="3550723" y="2321382"/>
+            <a:ext cx="651821" cy="233459"/>
+          </a:xfrm>
+          <a:prstGeom prst="rightArrow">
+            <a:avLst/>
+          </a:prstGeom>
+        </p:spPr>
+        <p:style>
+          <a:lnRef idx="2">
+            <a:schemeClr val="accent1">
+              <a:shade val="15000"/>
+            </a:schemeClr>
+          </a:lnRef>
+          <a:fillRef idx="1">
+            <a:schemeClr val="accent1"/>
+          </a:fillRef>
+          <a:effectRef idx="0">
+            <a:schemeClr val="accent1"/>
+          </a:effectRef>
+          <a:fontRef idx="minor">
+            <a:schemeClr val="lt1"/>
+          </a:fontRef>
+        </p:style>
+        <p:txBody>
+          <a:bodyPr rtlCol="0" anchor="ctr"/>
+          <a:lstStyle/>
+          <a:p>
+            <a:pPr algn="ctr"/>
+            <a:endParaRPr lang="de-AT"/>
           </a:p>
         </p:txBody>
       </p:sp>
     </p:spTree>
     <p:extLst>
       <p:ext uri="{BB962C8B-B14F-4D97-AF65-F5344CB8AC3E}">
-        <p14:creationId xmlns:p14="http://schemas.microsoft.com/office/powerpoint/2010/main" val="3232179073"/>
+        <p14:creationId xmlns:p14="http://schemas.microsoft.com/office/powerpoint/2010/main" val="3510190924"/>
       </p:ext>
     </p:extLst>
   </p:cSld>
   <p:clrMapOvr>
     <a:masterClrMapping/>
   </p:clrMapOvr>
+  <mc:AlternateContent xmlns:mc="http://schemas.openxmlformats.org/markup-compatibility/2006">
+    <mc:Choice xmlns:p159="http://schemas.microsoft.com/office/powerpoint/2015/09/main" Requires="p159">
+      <p:transition xmlns:p14="http://schemas.microsoft.com/office/powerpoint/2010/main" spd="slow" p14:dur="2000">
+        <p159:morph option="byObject"/>
+      </p:transition>
+    </mc:Choice>
+    <mc:Fallback>
+      <p:transition spd="slow">
+        <p:fade/>
+      </p:transition>
+    </mc:Fallback>
+  </mc:AlternateContent>
 </p:sld>
 </file>
 
@@ -4801,13 +6897,7 @@
   <p:cSld>
     <p:spTree>
       <p:nvGrpSpPr>
-        <p:cNvPr id="1" name="">
-          <a:extLst>
-            <a:ext uri="{FF2B5EF4-FFF2-40B4-BE49-F238E27FC236}">
-              <a16:creationId xmlns:a16="http://schemas.microsoft.com/office/drawing/2014/main" id="{9F20C1F8-140E-7441-0B57-F97834D04646}"/>
-            </a:ext>
-          </a:extLst>
-        </p:cNvPr>
+        <p:cNvPr id="1" name=""/>
         <p:cNvGrpSpPr/>
         <p:nvPr/>
       </p:nvGrpSpPr>
@@ -4824,7 +6914,7 @@
           <p:cNvPr id="2" name="Title 1">
             <a:extLst>
               <a:ext uri="{FF2B5EF4-FFF2-40B4-BE49-F238E27FC236}">
-                <a16:creationId xmlns:a16="http://schemas.microsoft.com/office/drawing/2014/main" id="{83C3D121-4CC6-893B-4E86-18DD31C97E20}"/>
+                <a16:creationId xmlns:a16="http://schemas.microsoft.com/office/drawing/2014/main" id="{A90CA53F-33DA-6E04-C8EF-9BBE16D597C7}"/>
               </a:ext>
             </a:extLst>
           </p:cNvPr>
@@ -4844,105 +6934,108 @@
           <a:p>
             <a:r>
               <a:rPr lang="en-US" dirty="0"/>
-              <a:t>Data processing</a:t>
-            </a:r>
-          </a:p>
-        </p:txBody>
-      </p:sp>
-      <p:sp>
-        <p:nvSpPr>
-          <p:cNvPr id="3" name="Content Placeholder 2">
-            <a:extLst>
-              <a:ext uri="{FF2B5EF4-FFF2-40B4-BE49-F238E27FC236}">
-                <a16:creationId xmlns:a16="http://schemas.microsoft.com/office/drawing/2014/main" id="{72430F1E-196F-DB31-8046-7F5736C54D52}"/>
-              </a:ext>
-            </a:extLst>
-          </p:cNvPr>
-          <p:cNvSpPr>
-            <a:spLocks noGrp="1"/>
-          </p:cNvSpPr>
+              <a:t>Data Pipeline</a:t>
+            </a:r>
+          </a:p>
+        </p:txBody>
+      </p:sp>
+      <p:pic>
+        <p:nvPicPr>
+          <p:cNvPr id="4" name="Content Placeholder 3" descr="A screenshot of a computer&#10;&#10;Description automatically generated">
+            <a:extLst>
+              <a:ext uri="{FF2B5EF4-FFF2-40B4-BE49-F238E27FC236}">
+                <a16:creationId xmlns:a16="http://schemas.microsoft.com/office/drawing/2014/main" id="{EEC6733A-0D3C-D279-BCFF-26D1A53C0DCE}"/>
+              </a:ext>
+            </a:extLst>
+          </p:cNvPr>
+          <p:cNvPicPr>
+            <a:picLocks noGrp="1" noChangeAspect="1"/>
+          </p:cNvPicPr>
           <p:nvPr>
             <p:ph idx="1"/>
           </p:nvPr>
-        </p:nvSpPr>
+        </p:nvPicPr>
+        <p:blipFill>
+          <a:blip r:embed="rId2"/>
+          <a:stretch>
+            <a:fillRect/>
+          </a:stretch>
+        </p:blipFill>
         <p:spPr>
           <a:xfrm>
-            <a:off x="1620444" y="2077807"/>
-            <a:ext cx="8977509" cy="3141785"/>
+            <a:off x="2035703" y="1560053"/>
+            <a:ext cx="8146989" cy="4212901"/>
           </a:xfrm>
         </p:spPr>
-        <p:txBody>
-          <a:bodyPr vert="horz" lIns="91440" tIns="45720" rIns="91440" bIns="45720" rtlCol="0" anchor="t">
-            <a:normAutofit/>
-          </a:bodyPr>
-          <a:lstStyle/>
-          <a:p>
-            <a:pPr>
-              <a:lnSpc>
-                <a:spcPct val="200000"/>
-              </a:lnSpc>
-            </a:pPr>
-            <a:r>
-              <a:rPr lang="en-US" dirty="0"/>
-              <a:t>Delay data and Weather data are streamed to two </a:t>
-            </a:r>
-            <a:r>
-              <a:rPr lang="en-US" dirty="0" err="1"/>
-              <a:t>kafka</a:t>
-            </a:r>
-            <a:r>
-              <a:rPr lang="en-US" dirty="0"/>
-              <a:t> topics</a:t>
-            </a:r>
-          </a:p>
-          <a:p>
-            <a:pPr>
-              <a:lnSpc>
-                <a:spcPct val="200000"/>
-              </a:lnSpc>
-            </a:pPr>
-            <a:r>
-              <a:rPr lang="en-US" dirty="0"/>
-              <a:t>Delay data is consumed to get timestamps for weather data</a:t>
-            </a:r>
-          </a:p>
-          <a:p>
-            <a:pPr>
-              <a:lnSpc>
-                <a:spcPct val="200000"/>
-              </a:lnSpc>
-              <a:spcAft>
-                <a:spcPts val="1000"/>
-              </a:spcAft>
-            </a:pPr>
-            <a:r>
-              <a:rPr lang="en-US" dirty="0"/>
-              <a:t>Then both are consumed and written to the database</a:t>
-            </a:r>
-          </a:p>
-          <a:p>
-            <a:pPr>
-              <a:lnSpc>
-                <a:spcPct val="100000"/>
-              </a:lnSpc>
-            </a:pPr>
-            <a:r>
-              <a:rPr lang="en-US" dirty="0"/>
-              <a:t>In addition, the number of delays for a given day or at a given station is added to the respective table</a:t>
-            </a:r>
+      </p:pic>
+      <p:sp>
+        <p:nvSpPr>
+          <p:cNvPr id="3" name="Pfeil: nach rechts 2">
+            <a:extLst>
+              <a:ext uri="{FF2B5EF4-FFF2-40B4-BE49-F238E27FC236}">
+                <a16:creationId xmlns:a16="http://schemas.microsoft.com/office/drawing/2014/main" id="{7B442DD6-4A6B-A4BE-D20F-9987EAD88A70}"/>
+              </a:ext>
+            </a:extLst>
+          </p:cNvPr>
+          <p:cNvSpPr/>
+          <p:nvPr/>
+        </p:nvSpPr>
+        <p:spPr>
+          <a:xfrm rot="415989">
+            <a:off x="5536541" y="2443257"/>
+            <a:ext cx="651821" cy="233459"/>
+          </a:xfrm>
+          <a:prstGeom prst="rightArrow">
+            <a:avLst/>
+          </a:prstGeom>
+        </p:spPr>
+        <p:style>
+          <a:lnRef idx="2">
+            <a:schemeClr val="accent1">
+              <a:shade val="15000"/>
+            </a:schemeClr>
+          </a:lnRef>
+          <a:fillRef idx="1">
+            <a:schemeClr val="accent1"/>
+          </a:fillRef>
+          <a:effectRef idx="0">
+            <a:schemeClr val="accent1"/>
+          </a:effectRef>
+          <a:fontRef idx="minor">
+            <a:schemeClr val="lt1"/>
+          </a:fontRef>
+        </p:style>
+        <p:txBody>
+          <a:bodyPr rtlCol="0" anchor="ctr"/>
+          <a:lstStyle/>
+          <a:p>
+            <a:pPr algn="ctr"/>
+            <a:endParaRPr lang="de-AT"/>
           </a:p>
         </p:txBody>
       </p:sp>
     </p:spTree>
     <p:extLst>
       <p:ext uri="{BB962C8B-B14F-4D97-AF65-F5344CB8AC3E}">
-        <p14:creationId xmlns:p14="http://schemas.microsoft.com/office/powerpoint/2010/main" val="846772185"/>
+        <p14:creationId xmlns:p14="http://schemas.microsoft.com/office/powerpoint/2010/main" val="1050426519"/>
       </p:ext>
     </p:extLst>
   </p:cSld>
   <p:clrMapOvr>
     <a:masterClrMapping/>
   </p:clrMapOvr>
+  <mc:AlternateContent xmlns:mc="http://schemas.openxmlformats.org/markup-compatibility/2006">
+    <mc:Choice xmlns:p159="http://schemas.microsoft.com/office/powerpoint/2015/09/main" Requires="p159">
+      <p:transition xmlns:p14="http://schemas.microsoft.com/office/powerpoint/2010/main" spd="slow" p14:dur="2000">
+        <p159:morph option="byObject"/>
+      </p:transition>
+    </mc:Choice>
+    <mc:Fallback>
+      <p:transition spd="slow">
+        <p:fade/>
+      </p:transition>
+    </mc:Fallback>
+  </mc:AlternateContent>
 </p:sld>
 </file>
 
@@ -4951,13 +7044,7 @@
   <p:cSld>
     <p:spTree>
       <p:nvGrpSpPr>
-        <p:cNvPr id="1" name="">
-          <a:extLst>
-            <a:ext uri="{FF2B5EF4-FFF2-40B4-BE49-F238E27FC236}">
-              <a16:creationId xmlns:a16="http://schemas.microsoft.com/office/drawing/2014/main" id="{A6DF7905-7659-0E2D-0F2B-CAAEF1506D6A}"/>
-            </a:ext>
-          </a:extLst>
-        </p:cNvPr>
+        <p:cNvPr id="1" name=""/>
         <p:cNvGrpSpPr/>
         <p:nvPr/>
       </p:nvGrpSpPr>
@@ -4974,7 +7061,7 @@
           <p:cNvPr id="2" name="Title 1">
             <a:extLst>
               <a:ext uri="{FF2B5EF4-FFF2-40B4-BE49-F238E27FC236}">
-                <a16:creationId xmlns:a16="http://schemas.microsoft.com/office/drawing/2014/main" id="{CCCF778D-726B-3F4B-2ADD-2377D9B877E2}"/>
+                <a16:creationId xmlns:a16="http://schemas.microsoft.com/office/drawing/2014/main" id="{A90CA53F-33DA-6E04-C8EF-9BBE16D597C7}"/>
               </a:ext>
             </a:extLst>
           </p:cNvPr>
@@ -4994,324 +7081,26 @@
           <a:p>
             <a:r>
               <a:rPr lang="en-US" dirty="0"/>
-              <a:t>Data Storage</a:t>
-            </a:r>
-          </a:p>
-        </p:txBody>
-      </p:sp>
-      <p:sp>
-        <p:nvSpPr>
-          <p:cNvPr id="4" name="Text Placeholder 3">
-            <a:extLst>
-              <a:ext uri="{FF2B5EF4-FFF2-40B4-BE49-F238E27FC236}">
-                <a16:creationId xmlns:a16="http://schemas.microsoft.com/office/drawing/2014/main" id="{F220020C-47FC-6EBD-1E26-500F130D11F6}"/>
-              </a:ext>
-            </a:extLst>
-          </p:cNvPr>
-          <p:cNvSpPr>
-            <a:spLocks noGrp="1"/>
-          </p:cNvSpPr>
-          <p:nvPr>
-            <p:ph type="body" sz="half" idx="2"/>
-          </p:nvPr>
-        </p:nvSpPr>
-        <p:spPr>
-          <a:xfrm>
-            <a:off x="1380121" y="1608315"/>
-            <a:ext cx="3858151" cy="2072549"/>
-          </a:xfrm>
-        </p:spPr>
-        <p:txBody>
-          <a:bodyPr>
-            <a:normAutofit/>
-          </a:bodyPr>
-          <a:lstStyle/>
-          <a:p>
-            <a:pPr marL="342900" indent="-342900">
-              <a:buChar char="•"/>
-            </a:pPr>
-            <a:r>
-              <a:rPr lang="en-US" dirty="0"/>
-              <a:t>All Data is stored in a </a:t>
-            </a:r>
-            <a:r>
-              <a:rPr lang="en-US" dirty="0" err="1"/>
-              <a:t>postgreSQL</a:t>
-            </a:r>
-            <a:r>
-              <a:rPr lang="en-US" dirty="0"/>
-              <a:t> database</a:t>
-            </a:r>
-          </a:p>
-          <a:p>
-            <a:pPr marL="342900" indent="-342900">
-              <a:buChar char="•"/>
-            </a:pPr>
-            <a:r>
-              <a:rPr lang="en-US" dirty="0"/>
-              <a:t>3 Tables:</a:t>
-            </a:r>
-          </a:p>
-          <a:p>
-            <a:pPr marL="342900" indent="-342900">
-              <a:buChar char="•"/>
-            </a:pPr>
-            <a:endParaRPr lang="en-US" dirty="0"/>
-          </a:p>
-        </p:txBody>
-      </p:sp>
-      <p:sp>
-        <p:nvSpPr>
-          <p:cNvPr id="6" name="Content Placeholder 5">
-            <a:extLst>
-              <a:ext uri="{FF2B5EF4-FFF2-40B4-BE49-F238E27FC236}">
-                <a16:creationId xmlns:a16="http://schemas.microsoft.com/office/drawing/2014/main" id="{DFA50E0E-BE39-57C0-7FCD-9517A484298A}"/>
-              </a:ext>
-            </a:extLst>
-          </p:cNvPr>
-          <p:cNvSpPr>
-            <a:spLocks noGrp="1"/>
-          </p:cNvSpPr>
-          <p:nvPr>
-            <p:ph idx="1"/>
-          </p:nvPr>
-        </p:nvSpPr>
-        <p:spPr>
-          <a:xfrm>
-            <a:off x="5547459" y="941445"/>
-            <a:ext cx="6263471" cy="5484984"/>
-          </a:xfrm>
-          <a:effectLst/>
-        </p:spPr>
-        <p:txBody>
-          <a:bodyPr vert="horz" lIns="91440" tIns="45720" rIns="91440" bIns="45720" rtlCol="0" anchor="t">
-            <a:normAutofit fontScale="92500" lnSpcReduction="20000"/>
-          </a:bodyPr>
-          <a:lstStyle/>
-          <a:p>
-            <a:pPr>
-              <a:spcBef>
-                <a:spcPts val="1500"/>
-              </a:spcBef>
-            </a:pPr>
-            <a:r>
-              <a:rPr lang="en-US" sz="1800" dirty="0"/>
-              <a:t>Delays:</a:t>
-            </a:r>
-            <a:endParaRPr lang="en-US" dirty="0"/>
-          </a:p>
-          <a:p>
-            <a:pPr lvl="1">
-              <a:buFont typeface="Courier New" panose="020B0604020202020204" pitchFamily="34" charset="0"/>
-              <a:buChar char="o"/>
-            </a:pPr>
-            <a:r>
-              <a:rPr lang="en-US" sz="1400" dirty="0"/>
-              <a:t>Title </a:t>
-            </a:r>
-          </a:p>
-          <a:p>
-            <a:pPr lvl="1">
-              <a:buFont typeface="Courier New" panose="020B0604020202020204" pitchFamily="34" charset="0"/>
-              <a:buChar char="o"/>
-            </a:pPr>
-            <a:r>
-              <a:rPr lang="en-US" sz="1400" dirty="0"/>
-              <a:t>Fixed</a:t>
-            </a:r>
-          </a:p>
-          <a:p>
-            <a:pPr lvl="1">
-              <a:buFont typeface="Courier New" panose="020B0604020202020204" pitchFamily="34" charset="0"/>
-              <a:buChar char="o"/>
-            </a:pPr>
-            <a:r>
-              <a:rPr lang="en-US" sz="1400" dirty="0"/>
-              <a:t>Affected Lines</a:t>
-            </a:r>
-          </a:p>
-          <a:p>
-            <a:pPr lvl="1">
-              <a:buFont typeface="Courier New" panose="020B0604020202020204" pitchFamily="34" charset="0"/>
-              <a:buChar char="o"/>
-            </a:pPr>
-            <a:r>
-              <a:rPr lang="en-US" sz="1400" dirty="0"/>
-              <a:t>Affected Station</a:t>
-            </a:r>
-          </a:p>
-          <a:p>
-            <a:pPr lvl="1">
-              <a:buFont typeface="Courier New" panose="020B0604020202020204" pitchFamily="34" charset="0"/>
-              <a:buChar char="o"/>
-            </a:pPr>
-            <a:r>
-              <a:rPr lang="en-US" sz="1400" dirty="0"/>
-              <a:t>Timestamps (start, end)</a:t>
-            </a:r>
-          </a:p>
-          <a:p>
-            <a:pPr>
-              <a:spcBef>
-                <a:spcPts val="1500"/>
-              </a:spcBef>
-            </a:pPr>
-            <a:r>
-              <a:rPr lang="en-US" sz="1800" dirty="0"/>
-              <a:t>Weather:</a:t>
-            </a:r>
-          </a:p>
-          <a:p>
-            <a:pPr lvl="1">
-              <a:buFont typeface="Courier New" panose="020B0604020202020204" pitchFamily="34" charset="0"/>
-              <a:buChar char="o"/>
-            </a:pPr>
-            <a:r>
-              <a:rPr lang="en-US" sz="1400" dirty="0"/>
-              <a:t>Timestamp</a:t>
-            </a:r>
-          </a:p>
-          <a:p>
-            <a:pPr lvl="1">
-              <a:buFont typeface="Courier New" panose="020B0604020202020204" pitchFamily="34" charset="0"/>
-              <a:buChar char="o"/>
-            </a:pPr>
-            <a:r>
-              <a:rPr lang="en-US" sz="1400" dirty="0"/>
-              <a:t>WMO classification Code</a:t>
-            </a:r>
-          </a:p>
-          <a:p>
-            <a:pPr lvl="1">
-              <a:buFont typeface="Courier New" panose="020B0604020202020204" pitchFamily="34" charset="0"/>
-              <a:buChar char="o"/>
-            </a:pPr>
-            <a:r>
-              <a:rPr lang="en-US" sz="1400" dirty="0"/>
-              <a:t>Temperature</a:t>
-            </a:r>
-          </a:p>
-          <a:p>
-            <a:pPr lvl="1">
-              <a:buFont typeface="Courier New" panose="020B0604020202020204" pitchFamily="34" charset="0"/>
-              <a:buChar char="o"/>
-            </a:pPr>
-            <a:r>
-              <a:rPr lang="en-US" sz="1400" dirty="0">
-                <a:ea typeface="+mn-lt"/>
-                <a:cs typeface="+mn-lt"/>
-              </a:rPr>
-              <a:t>Precipitation</a:t>
-            </a:r>
-            <a:endParaRPr lang="en-US" sz="1400" dirty="0"/>
-          </a:p>
-          <a:p>
-            <a:pPr lvl="1">
-              <a:buFont typeface="Courier New" panose="020B0604020202020204" pitchFamily="34" charset="0"/>
-              <a:buChar char="o"/>
-            </a:pPr>
-            <a:r>
-              <a:rPr lang="en-US" sz="1400" dirty="0"/>
-              <a:t>Relative humidity</a:t>
-            </a:r>
-          </a:p>
-          <a:p>
-            <a:pPr lvl="1">
-              <a:buFont typeface="Courier New" panose="020B0604020202020204" pitchFamily="34" charset="0"/>
-              <a:buChar char="o"/>
-            </a:pPr>
-            <a:r>
-              <a:rPr lang="en-US" sz="1400" dirty="0"/>
-              <a:t>Wind speed</a:t>
-            </a:r>
-          </a:p>
-          <a:p>
-            <a:pPr lvl="1">
-              <a:buFont typeface="Courier New" panose="020B0604020202020204" pitchFamily="34" charset="0"/>
-              <a:buChar char="o"/>
-            </a:pPr>
-            <a:r>
-              <a:rPr lang="en-US" sz="1400" dirty="0"/>
-              <a:t>Number of </a:t>
-            </a:r>
-            <a:r>
-              <a:rPr lang="en-US" sz="1400" dirty="0">
-                <a:ea typeface="+mn-lt"/>
-                <a:cs typeface="+mn-lt"/>
-              </a:rPr>
-              <a:t>disruptions </a:t>
-            </a:r>
-            <a:r>
-              <a:rPr lang="en-US" sz="1400" dirty="0"/>
-              <a:t>on said day</a:t>
-            </a:r>
-          </a:p>
-          <a:p>
-            <a:pPr>
-              <a:spcBef>
-                <a:spcPts val="1500"/>
-              </a:spcBef>
-            </a:pPr>
-            <a:r>
-              <a:rPr lang="en-US" sz="1800" dirty="0"/>
-              <a:t>Traffic stops:</a:t>
-            </a:r>
-          </a:p>
-          <a:p>
-            <a:pPr lvl="1">
-              <a:buFont typeface="Courier New" panose="020B0604020202020204" pitchFamily="34" charset="0"/>
-              <a:buChar char="o"/>
-            </a:pPr>
-            <a:r>
-              <a:rPr lang="en-US" sz="1400" dirty="0"/>
-              <a:t>Name</a:t>
-            </a:r>
-          </a:p>
-          <a:p>
-            <a:pPr lvl="1">
-              <a:buFont typeface="Courier New" panose="020B0604020202020204" pitchFamily="34" charset="0"/>
-              <a:buChar char="o"/>
-            </a:pPr>
-            <a:r>
-              <a:rPr lang="en-US" sz="1400" dirty="0"/>
-              <a:t>Longitude</a:t>
-            </a:r>
-          </a:p>
-          <a:p>
-            <a:pPr lvl="1">
-              <a:buFont typeface="Courier New" panose="020B0604020202020204" pitchFamily="34" charset="0"/>
-              <a:buChar char="o"/>
-            </a:pPr>
-            <a:r>
-              <a:rPr lang="en-US" sz="1400" dirty="0"/>
-              <a:t>Latitude</a:t>
-            </a:r>
-          </a:p>
-          <a:p>
-            <a:pPr lvl="1">
-              <a:buFont typeface="Courier New" panose="020B0604020202020204" pitchFamily="34" charset="0"/>
-              <a:buChar char="o"/>
-            </a:pPr>
-            <a:r>
-              <a:rPr lang="en-US" sz="1400" dirty="0"/>
-              <a:t>Number of disruptions affecting said station</a:t>
+              <a:t>Data Pipeline</a:t>
             </a:r>
           </a:p>
         </p:txBody>
       </p:sp>
       <p:pic>
         <p:nvPicPr>
-          <p:cNvPr id="7" name="Picture 6" descr="A blue elephant with white outline&#10;&#10;Description automatically generated">
-            <a:extLst>
-              <a:ext uri="{FF2B5EF4-FFF2-40B4-BE49-F238E27FC236}">
-                <a16:creationId xmlns:a16="http://schemas.microsoft.com/office/drawing/2014/main" id="{2866BCE7-9DC0-8D18-1CC1-48BDC833C8F5}"/>
+          <p:cNvPr id="4" name="Content Placeholder 3" descr="A screenshot of a computer&#10;&#10;Description automatically generated">
+            <a:extLst>
+              <a:ext uri="{FF2B5EF4-FFF2-40B4-BE49-F238E27FC236}">
+                <a16:creationId xmlns:a16="http://schemas.microsoft.com/office/drawing/2014/main" id="{EEC6733A-0D3C-D279-BCFF-26D1A53C0DCE}"/>
               </a:ext>
             </a:extLst>
           </p:cNvPr>
           <p:cNvPicPr>
-            <a:picLocks noChangeAspect="1"/>
+            <a:picLocks noGrp="1" noChangeAspect="1"/>
           </p:cNvPicPr>
-          <p:nvPr/>
+          <p:nvPr>
+            <p:ph idx="1"/>
+          </p:nvPr>
         </p:nvPicPr>
         <p:blipFill>
           <a:blip r:embed="rId2"/>
@@ -5321,24 +7110,79 @@
         </p:blipFill>
         <p:spPr>
           <a:xfrm>
-            <a:off x="1946839" y="3427308"/>
-            <a:ext cx="2344753" cy="2139832"/>
+            <a:off x="2035703" y="1560053"/>
+            <a:ext cx="8146989" cy="4212901"/>
           </a:xfrm>
-          <a:prstGeom prst="rect">
+        </p:spPr>
+      </p:pic>
+      <p:sp>
+        <p:nvSpPr>
+          <p:cNvPr id="3" name="Pfeil: nach rechts 2">
+            <a:extLst>
+              <a:ext uri="{FF2B5EF4-FFF2-40B4-BE49-F238E27FC236}">
+                <a16:creationId xmlns:a16="http://schemas.microsoft.com/office/drawing/2014/main" id="{7B442DD6-4A6B-A4BE-D20F-9987EAD88A70}"/>
+              </a:ext>
+            </a:extLst>
+          </p:cNvPr>
+          <p:cNvSpPr/>
+          <p:nvPr/>
+        </p:nvSpPr>
+        <p:spPr>
+          <a:xfrm rot="10402305">
+            <a:off x="5353353" y="3034384"/>
+            <a:ext cx="651821" cy="233459"/>
+          </a:xfrm>
+          <a:prstGeom prst="rightArrow">
             <a:avLst/>
           </a:prstGeom>
         </p:spPr>
-      </p:pic>
+        <p:style>
+          <a:lnRef idx="2">
+            <a:schemeClr val="accent1">
+              <a:shade val="15000"/>
+            </a:schemeClr>
+          </a:lnRef>
+          <a:fillRef idx="1">
+            <a:schemeClr val="accent1"/>
+          </a:fillRef>
+          <a:effectRef idx="0">
+            <a:schemeClr val="accent1"/>
+          </a:effectRef>
+          <a:fontRef idx="minor">
+            <a:schemeClr val="lt1"/>
+          </a:fontRef>
+        </p:style>
+        <p:txBody>
+          <a:bodyPr rtlCol="0" anchor="ctr"/>
+          <a:lstStyle/>
+          <a:p>
+            <a:pPr algn="ctr"/>
+            <a:endParaRPr lang="de-AT"/>
+          </a:p>
+        </p:txBody>
+      </p:sp>
     </p:spTree>
     <p:extLst>
       <p:ext uri="{BB962C8B-B14F-4D97-AF65-F5344CB8AC3E}">
-        <p14:creationId xmlns:p14="http://schemas.microsoft.com/office/powerpoint/2010/main" val="3041494589"/>
+        <p14:creationId xmlns:p14="http://schemas.microsoft.com/office/powerpoint/2010/main" val="1146991492"/>
       </p:ext>
     </p:extLst>
   </p:cSld>
   <p:clrMapOvr>
     <a:masterClrMapping/>
   </p:clrMapOvr>
+  <mc:AlternateContent xmlns:mc="http://schemas.openxmlformats.org/markup-compatibility/2006">
+    <mc:Choice xmlns:p159="http://schemas.microsoft.com/office/powerpoint/2015/09/main" Requires="p159">
+      <p:transition xmlns:p14="http://schemas.microsoft.com/office/powerpoint/2010/main" spd="slow" p14:dur="2000">
+        <p159:morph option="byObject"/>
+      </p:transition>
+    </mc:Choice>
+    <mc:Fallback>
+      <p:transition spd="slow">
+        <p:fade/>
+      </p:transition>
+    </mc:Fallback>
+  </mc:AlternateContent>
 </p:sld>
 </file>
 
@@ -5347,13 +7191,7 @@
   <p:cSld>
     <p:spTree>
       <p:nvGrpSpPr>
-        <p:cNvPr id="1" name="">
-          <a:extLst>
-            <a:ext uri="{FF2B5EF4-FFF2-40B4-BE49-F238E27FC236}">
-              <a16:creationId xmlns:a16="http://schemas.microsoft.com/office/drawing/2014/main" id="{55EA9D45-3E24-C289-38B5-06F74F7F46D4}"/>
-            </a:ext>
-          </a:extLst>
-        </p:cNvPr>
+        <p:cNvPr id="1" name=""/>
         <p:cNvGrpSpPr/>
         <p:nvPr/>
       </p:nvGrpSpPr>
@@ -5370,7 +7208,7 @@
           <p:cNvPr id="2" name="Title 1">
             <a:extLst>
               <a:ext uri="{FF2B5EF4-FFF2-40B4-BE49-F238E27FC236}">
-                <a16:creationId xmlns:a16="http://schemas.microsoft.com/office/drawing/2014/main" id="{BEBF40F9-E0D2-9BF8-2CF8-173FCB20BB0B}"/>
+                <a16:creationId xmlns:a16="http://schemas.microsoft.com/office/drawing/2014/main" id="{A90CA53F-33DA-6E04-C8EF-9BBE16D597C7}"/>
               </a:ext>
             </a:extLst>
           </p:cNvPr>
@@ -5390,233 +7228,108 @@
           <a:p>
             <a:r>
               <a:rPr lang="en-US" dirty="0"/>
-              <a:t>Data Visualization</a:t>
-            </a:r>
-          </a:p>
-        </p:txBody>
-      </p:sp>
-      <p:sp>
-        <p:nvSpPr>
-          <p:cNvPr id="3" name="Content Placeholder 2">
-            <a:extLst>
-              <a:ext uri="{FF2B5EF4-FFF2-40B4-BE49-F238E27FC236}">
-                <a16:creationId xmlns:a16="http://schemas.microsoft.com/office/drawing/2014/main" id="{D9F7BE32-DB33-A763-E157-9EE34FBEEE86}"/>
-              </a:ext>
-            </a:extLst>
-          </p:cNvPr>
-          <p:cNvSpPr>
-            <a:spLocks noGrp="1"/>
-          </p:cNvSpPr>
-          <p:nvPr>
-            <p:ph idx="1"/>
-          </p:nvPr>
-        </p:nvSpPr>
-        <p:spPr>
-          <a:xfrm>
-            <a:off x="1620444" y="2077807"/>
-            <a:ext cx="4747341" cy="3419523"/>
-          </a:xfrm>
-        </p:spPr>
-        <p:txBody>
-          <a:bodyPr vert="horz" lIns="91440" tIns="45720" rIns="91440" bIns="45720" rtlCol="0" anchor="t">
-            <a:normAutofit lnSpcReduction="10000"/>
-          </a:bodyPr>
-          <a:lstStyle/>
-          <a:p>
-            <a:pPr>
-              <a:lnSpc>
-                <a:spcPct val="100000"/>
-              </a:lnSpc>
-            </a:pPr>
-            <a:r>
-              <a:rPr lang="en-US" dirty="0"/>
-              <a:t>Data is analyzed using Grafana</a:t>
-            </a:r>
-            <a:endParaRPr lang="en-US"/>
-          </a:p>
-          <a:p>
-            <a:pPr>
-              <a:lnSpc>
-                <a:spcPct val="100000"/>
-              </a:lnSpc>
-              <a:spcBef>
-                <a:spcPts val="1500"/>
-              </a:spcBef>
-              <a:spcAft>
-                <a:spcPts val="300"/>
-              </a:spcAft>
-            </a:pPr>
-            <a:r>
-              <a:rPr lang="en-US" dirty="0"/>
-              <a:t>We can analyze:</a:t>
-            </a:r>
-          </a:p>
-          <a:p>
-            <a:pPr lvl="1">
-              <a:lnSpc>
-                <a:spcPct val="100000"/>
-              </a:lnSpc>
-              <a:buFont typeface="Courier New" panose="020B0604020202020204" pitchFamily="34" charset="0"/>
-              <a:buChar char="o"/>
-            </a:pPr>
-            <a:r>
-              <a:rPr lang="en-US" dirty="0"/>
-              <a:t> Heatmaps for disruptions</a:t>
-            </a:r>
-          </a:p>
-          <a:p>
-            <a:pPr lvl="1">
-              <a:lnSpc>
-                <a:spcPct val="100000"/>
-              </a:lnSpc>
-              <a:buFont typeface="Courier New" panose="020B0604020202020204" pitchFamily="34" charset="0"/>
-              <a:buChar char="o"/>
-            </a:pPr>
-            <a:r>
-              <a:rPr lang="en-US" dirty="0"/>
-              <a:t>Time-series graphs of different weather metrics and disruptions</a:t>
-            </a:r>
-          </a:p>
-          <a:p>
-            <a:pPr lvl="1">
-              <a:lnSpc>
-                <a:spcPct val="100000"/>
-              </a:lnSpc>
-              <a:buFont typeface="Courier New" panose="020B0604020202020204" pitchFamily="34" charset="0"/>
-              <a:buChar char="o"/>
-            </a:pPr>
-            <a:r>
-              <a:rPr lang="en-US" dirty="0"/>
-              <a:t>Total and relative numbers of delays</a:t>
-            </a:r>
-          </a:p>
-          <a:p>
-            <a:pPr lvl="1">
-              <a:lnSpc>
-                <a:spcPct val="100000"/>
-              </a:lnSpc>
-              <a:buFont typeface="Courier New" panose="020B0604020202020204" pitchFamily="34" charset="0"/>
-              <a:buChar char="o"/>
-            </a:pPr>
-            <a:r>
-              <a:rPr lang="en-US" dirty="0"/>
-              <a:t>Detailed information on all tables</a:t>
-            </a:r>
-          </a:p>
-          <a:p>
-            <a:pPr>
-              <a:lnSpc>
-                <a:spcPct val="100000"/>
-              </a:lnSpc>
-              <a:spcBef>
-                <a:spcPts val="1500"/>
-              </a:spcBef>
-              <a:spcAft>
-                <a:spcPts val="300"/>
-              </a:spcAft>
-            </a:pPr>
-            <a:r>
-              <a:rPr lang="en-US" dirty="0"/>
-              <a:t>In addition, we can filter for:</a:t>
-            </a:r>
-          </a:p>
-          <a:p>
-            <a:pPr lvl="1">
-              <a:lnSpc>
-                <a:spcPct val="100000"/>
-              </a:lnSpc>
-              <a:buFont typeface="Courier New" panose="020B0604020202020204" pitchFamily="34" charset="0"/>
-              <a:buChar char="o"/>
-            </a:pPr>
-            <a:r>
-              <a:rPr lang="en-US" dirty="0"/>
-              <a:t>Specific stations</a:t>
-            </a:r>
-          </a:p>
-          <a:p>
-            <a:pPr lvl="1">
-              <a:lnSpc>
-                <a:spcPct val="100000"/>
-              </a:lnSpc>
-              <a:buFont typeface="Courier New" panose="020B0604020202020204" pitchFamily="34" charset="0"/>
-              <a:buChar char="o"/>
-            </a:pPr>
-            <a:r>
-              <a:rPr lang="en-US" dirty="0"/>
-              <a:t>Specific timeframes</a:t>
+              <a:t>Data Pipeline</a:t>
             </a:r>
           </a:p>
         </p:txBody>
       </p:sp>
       <p:pic>
         <p:nvPicPr>
-          <p:cNvPr id="4" name="Picture 3" descr="A screenshot of a computer&#10;&#10;Description automatically generated">
-            <a:extLst>
-              <a:ext uri="{FF2B5EF4-FFF2-40B4-BE49-F238E27FC236}">
-                <a16:creationId xmlns:a16="http://schemas.microsoft.com/office/drawing/2014/main" id="{95AB6C8F-2AF8-4164-E173-51B4A75912D1}"/>
+          <p:cNvPr id="4" name="Content Placeholder 3" descr="A screenshot of a computer&#10;&#10;Description automatically generated">
+            <a:extLst>
+              <a:ext uri="{FF2B5EF4-FFF2-40B4-BE49-F238E27FC236}">
+                <a16:creationId xmlns:a16="http://schemas.microsoft.com/office/drawing/2014/main" id="{EEC6733A-0D3C-D279-BCFF-26D1A53C0DCE}"/>
               </a:ext>
             </a:extLst>
           </p:cNvPr>
           <p:cNvPicPr>
-            <a:picLocks noChangeAspect="1"/>
+            <a:picLocks noGrp="1" noChangeAspect="1"/>
           </p:cNvPicPr>
-          <p:nvPr/>
-        </p:nvPicPr>
-        <p:blipFill rotWithShape="1">
-          <a:blip r:embed="rId2"/>
-          <a:srcRect t="45614" r="49504" b="251"/>
-          <a:stretch/>
-        </p:blipFill>
-        <p:spPr>
-          <a:xfrm>
-            <a:off x="7138587" y="1357212"/>
-            <a:ext cx="3447526" cy="2078864"/>
-          </a:xfrm>
-          <a:prstGeom prst="rect">
-            <a:avLst/>
-          </a:prstGeom>
-        </p:spPr>
-      </p:pic>
-      <p:pic>
-        <p:nvPicPr>
-          <p:cNvPr id="5" name="Picture 4">
-            <a:extLst>
-              <a:ext uri="{FF2B5EF4-FFF2-40B4-BE49-F238E27FC236}">
-                <a16:creationId xmlns:a16="http://schemas.microsoft.com/office/drawing/2014/main" id="{9D5875B0-C720-548A-6327-06B582472DF0}"/>
-              </a:ext>
-            </a:extLst>
-          </p:cNvPr>
-          <p:cNvPicPr>
-            <a:picLocks noChangeAspect="1"/>
-          </p:cNvPicPr>
-          <p:nvPr/>
+          <p:nvPr>
+            <p:ph idx="1"/>
+          </p:nvPr>
         </p:nvPicPr>
         <p:blipFill>
-          <a:blip r:embed="rId3"/>
+          <a:blip r:embed="rId2"/>
           <a:stretch>
             <a:fillRect/>
           </a:stretch>
         </p:blipFill>
         <p:spPr>
           <a:xfrm>
-            <a:off x="6612487" y="3821438"/>
-            <a:ext cx="4514673" cy="1714768"/>
+            <a:off x="2035703" y="1560053"/>
+            <a:ext cx="8146989" cy="4212901"/>
           </a:xfrm>
-          <a:prstGeom prst="rect">
+        </p:spPr>
+      </p:pic>
+      <p:sp>
+        <p:nvSpPr>
+          <p:cNvPr id="3" name="Pfeil: nach rechts 2">
+            <a:extLst>
+              <a:ext uri="{FF2B5EF4-FFF2-40B4-BE49-F238E27FC236}">
+                <a16:creationId xmlns:a16="http://schemas.microsoft.com/office/drawing/2014/main" id="{7B442DD6-4A6B-A4BE-D20F-9987EAD88A70}"/>
+              </a:ext>
+            </a:extLst>
+          </p:cNvPr>
+          <p:cNvSpPr/>
+          <p:nvPr/>
+        </p:nvSpPr>
+        <p:spPr>
+          <a:xfrm rot="10800000">
+            <a:off x="3413717" y="3256853"/>
+            <a:ext cx="651821" cy="233459"/>
+          </a:xfrm>
+          <a:prstGeom prst="rightArrow">
             <a:avLst/>
           </a:prstGeom>
         </p:spPr>
-      </p:pic>
+        <p:style>
+          <a:lnRef idx="2">
+            <a:schemeClr val="accent1">
+              <a:shade val="15000"/>
+            </a:schemeClr>
+          </a:lnRef>
+          <a:fillRef idx="1">
+            <a:schemeClr val="accent1"/>
+          </a:fillRef>
+          <a:effectRef idx="0">
+            <a:schemeClr val="accent1"/>
+          </a:effectRef>
+          <a:fontRef idx="minor">
+            <a:schemeClr val="lt1"/>
+          </a:fontRef>
+        </p:style>
+        <p:txBody>
+          <a:bodyPr rtlCol="0" anchor="ctr"/>
+          <a:lstStyle/>
+          <a:p>
+            <a:pPr algn="ctr"/>
+            <a:endParaRPr lang="de-AT"/>
+          </a:p>
+        </p:txBody>
+      </p:sp>
     </p:spTree>
     <p:extLst>
       <p:ext uri="{BB962C8B-B14F-4D97-AF65-F5344CB8AC3E}">
-        <p14:creationId xmlns:p14="http://schemas.microsoft.com/office/powerpoint/2010/main" val="3362842486"/>
+        <p14:creationId xmlns:p14="http://schemas.microsoft.com/office/powerpoint/2010/main" val="3718307434"/>
       </p:ext>
     </p:extLst>
   </p:cSld>
   <p:clrMapOvr>
     <a:masterClrMapping/>
   </p:clrMapOvr>
+  <mc:AlternateContent xmlns:mc="http://schemas.openxmlformats.org/markup-compatibility/2006">
+    <mc:Choice xmlns:p159="http://schemas.microsoft.com/office/powerpoint/2015/09/main" Requires="p159">
+      <p:transition xmlns:p14="http://schemas.microsoft.com/office/powerpoint/2010/main" spd="slow" p14:dur="2000">
+        <p159:morph option="byObject"/>
+      </p:transition>
+    </mc:Choice>
+    <mc:Fallback>
+      <p:transition spd="slow">
+        <p:fade/>
+      </p:transition>
+    </mc:Fallback>
+  </mc:AlternateContent>
 </p:sld>
 </file>
 
@@ -5625,13 +7338,7 @@
   <p:cSld>
     <p:spTree>
       <p:nvGrpSpPr>
-        <p:cNvPr id="1" name="">
-          <a:extLst>
-            <a:ext uri="{FF2B5EF4-FFF2-40B4-BE49-F238E27FC236}">
-              <a16:creationId xmlns:a16="http://schemas.microsoft.com/office/drawing/2014/main" id="{480EA8C7-8C0B-76A0-1DCB-016B54E8854E}"/>
-            </a:ext>
-          </a:extLst>
-        </p:cNvPr>
+        <p:cNvPr id="1" name=""/>
         <p:cNvGrpSpPr/>
         <p:nvPr/>
       </p:nvGrpSpPr>
@@ -5648,7 +7355,7 @@
           <p:cNvPr id="2" name="Title 1">
             <a:extLst>
               <a:ext uri="{FF2B5EF4-FFF2-40B4-BE49-F238E27FC236}">
-                <a16:creationId xmlns:a16="http://schemas.microsoft.com/office/drawing/2014/main" id="{7CE64E12-1E79-9C16-F0ED-A0E3E0FB9C6B}"/>
+                <a16:creationId xmlns:a16="http://schemas.microsoft.com/office/drawing/2014/main" id="{A90CA53F-33DA-6E04-C8EF-9BBE16D597C7}"/>
               </a:ext>
             </a:extLst>
           </p:cNvPr>
@@ -5668,228 +7375,26 @@
           <a:p>
             <a:r>
               <a:rPr lang="en-US" dirty="0"/>
-              <a:t>Containers</a:t>
-            </a:r>
-          </a:p>
-        </p:txBody>
-      </p:sp>
-      <p:sp>
-        <p:nvSpPr>
-          <p:cNvPr id="4" name="Text Placeholder 3">
-            <a:extLst>
-              <a:ext uri="{FF2B5EF4-FFF2-40B4-BE49-F238E27FC236}">
-                <a16:creationId xmlns:a16="http://schemas.microsoft.com/office/drawing/2014/main" id="{69717EA4-3C5A-8C9B-A2E3-EBA61EA33B12}"/>
-              </a:ext>
-            </a:extLst>
-          </p:cNvPr>
-          <p:cNvSpPr>
-            <a:spLocks noGrp="1"/>
-          </p:cNvSpPr>
-          <p:nvPr>
-            <p:ph type="body" sz="half" idx="2"/>
-          </p:nvPr>
-        </p:nvSpPr>
-        <p:spPr>
-          <a:xfrm>
-            <a:off x="1380121" y="1928782"/>
-            <a:ext cx="3858151" cy="2072549"/>
-          </a:xfrm>
-        </p:spPr>
-        <p:txBody>
-          <a:bodyPr>
-            <a:normAutofit lnSpcReduction="10000"/>
-          </a:bodyPr>
-          <a:lstStyle/>
-          <a:p>
-            <a:endParaRPr lang="en-US" dirty="0">
-              <a:ea typeface="+mn-lt"/>
-              <a:cs typeface="+mn-lt"/>
-            </a:endParaRPr>
-          </a:p>
-          <a:p>
-            <a:pPr marL="285750" indent="-285750">
-              <a:buChar char="•"/>
-            </a:pPr>
-            <a:r>
-              <a:rPr lang="en-US" dirty="0">
-                <a:ea typeface="+mn-lt"/>
-                <a:cs typeface="+mn-lt"/>
-              </a:rPr>
-              <a:t>Every part of the system is containerized</a:t>
-            </a:r>
-            <a:endParaRPr lang="en-US" dirty="0"/>
-          </a:p>
-          <a:p>
-            <a:pPr marL="285750" indent="-285750">
-              <a:buChar char="•"/>
-            </a:pPr>
-            <a:r>
-              <a:rPr lang="en-US" dirty="0"/>
-              <a:t>Docker is used here</a:t>
-            </a:r>
-          </a:p>
-          <a:p>
-            <a:pPr marL="342900" indent="-342900">
-              <a:buChar char="•"/>
-            </a:pPr>
-            <a:r>
-              <a:rPr lang="en-US" dirty="0"/>
-              <a:t>In total, there are 10 containers:</a:t>
-            </a:r>
-          </a:p>
-          <a:p>
-            <a:pPr marL="342900" indent="-342900">
-              <a:buChar char="•"/>
-            </a:pPr>
-            <a:endParaRPr lang="en-US" dirty="0"/>
-          </a:p>
-        </p:txBody>
-      </p:sp>
-      <p:sp>
-        <p:nvSpPr>
-          <p:cNvPr id="6" name="Content Placeholder 5">
-            <a:extLst>
-              <a:ext uri="{FF2B5EF4-FFF2-40B4-BE49-F238E27FC236}">
-                <a16:creationId xmlns:a16="http://schemas.microsoft.com/office/drawing/2014/main" id="{5D3FB8A0-9800-1112-21EB-839205D13FAF}"/>
-              </a:ext>
-            </a:extLst>
-          </p:cNvPr>
-          <p:cNvSpPr>
-            <a:spLocks noGrp="1"/>
-          </p:cNvSpPr>
-          <p:nvPr>
-            <p:ph idx="1"/>
-          </p:nvPr>
-        </p:nvSpPr>
-        <p:spPr>
-          <a:xfrm>
-            <a:off x="5761104" y="920080"/>
-            <a:ext cx="6017495" cy="5012117"/>
-          </a:xfrm>
-        </p:spPr>
-        <p:txBody>
-          <a:bodyPr vert="horz" lIns="91440" tIns="45720" rIns="91440" bIns="45720" rtlCol="0" anchor="t">
-            <a:noAutofit/>
-          </a:bodyPr>
-          <a:lstStyle/>
-          <a:p>
-            <a:pPr>
-              <a:spcAft>
-                <a:spcPts val="1000"/>
-              </a:spcAft>
-            </a:pPr>
-            <a:r>
-              <a:rPr lang="en-US" sz="2000" err="1">
-                <a:ea typeface="+mn-lt"/>
-                <a:cs typeface="+mn-lt"/>
-              </a:rPr>
-              <a:t>dsi_kafka_producer_weather</a:t>
-            </a:r>
-            <a:r>
-              <a:rPr lang="en-US" sz="2000" dirty="0">
-                <a:ea typeface="+mn-lt"/>
-                <a:cs typeface="+mn-lt"/>
-              </a:rPr>
-              <a:t>: Container running custom Python script for fetching weather data </a:t>
-            </a:r>
-            <a:endParaRPr lang="en-US" sz="2000">
-              <a:ea typeface="+mn-lt"/>
-              <a:cs typeface="+mn-lt"/>
-            </a:endParaRPr>
-          </a:p>
-          <a:p>
-            <a:pPr>
-              <a:spcAft>
-                <a:spcPts val="1000"/>
-              </a:spcAft>
-            </a:pPr>
-            <a:r>
-              <a:rPr lang="en-US" sz="2000" err="1">
-                <a:ea typeface="+mn-lt"/>
-                <a:cs typeface="+mn-lt"/>
-              </a:rPr>
-              <a:t>dsi_kafka_producer_delays</a:t>
-            </a:r>
-            <a:r>
-              <a:rPr lang="en-US" sz="2000" dirty="0">
-                <a:ea typeface="+mn-lt"/>
-                <a:cs typeface="+mn-lt"/>
-              </a:rPr>
-              <a:t>: Container running custom Python script for fetching disruption data</a:t>
-            </a:r>
-            <a:endParaRPr lang="en-US" sz="2000"/>
-          </a:p>
-          <a:p>
-            <a:pPr>
-              <a:spcAft>
-                <a:spcPts val="1000"/>
-              </a:spcAft>
-            </a:pPr>
-            <a:r>
-              <a:rPr lang="en-US" sz="2000" err="1">
-                <a:ea typeface="+mn-lt"/>
-                <a:cs typeface="+mn-lt"/>
-              </a:rPr>
-              <a:t>dsi_init_kafka</a:t>
-            </a:r>
-            <a:r>
-              <a:rPr lang="en-US" sz="2000" dirty="0">
-                <a:ea typeface="+mn-lt"/>
-                <a:cs typeface="+mn-lt"/>
-              </a:rPr>
-              <a:t>: Used to create required topics in Kafka on startup</a:t>
-            </a:r>
-          </a:p>
-          <a:p>
-            <a:pPr>
-              <a:spcAft>
-                <a:spcPts val="1000"/>
-              </a:spcAft>
-            </a:pPr>
-            <a:r>
-              <a:rPr lang="en-US" sz="2000" dirty="0">
-                <a:ea typeface="+mn-lt"/>
-                <a:cs typeface="+mn-lt"/>
-              </a:rPr>
-              <a:t>dsi_kafka_00: This container hosts the Apache Kafka</a:t>
-            </a:r>
-          </a:p>
-          <a:p>
-            <a:pPr>
-              <a:spcAft>
-                <a:spcPts val="1000"/>
-              </a:spcAft>
-            </a:pPr>
-            <a:r>
-              <a:rPr lang="en-US" sz="2000" err="1">
-                <a:ea typeface="+mn-lt"/>
-                <a:cs typeface="+mn-lt"/>
-              </a:rPr>
-              <a:t>dsi_kafka_consumer</a:t>
-            </a:r>
-            <a:r>
-              <a:rPr lang="en-US" sz="2000" dirty="0">
-                <a:ea typeface="+mn-lt"/>
-                <a:cs typeface="+mn-lt"/>
-              </a:rPr>
-              <a:t>: Container running custom Python script to handle reading from Kafka and writing to PostgreSQL</a:t>
+              <a:t>Data Pipeline</a:t>
             </a:r>
           </a:p>
         </p:txBody>
       </p:sp>
       <p:pic>
         <p:nvPicPr>
-          <p:cNvPr id="3" name="Picture 2" descr="A blue letters on a black background&#10;&#10;Description automatically generated">
-            <a:extLst>
-              <a:ext uri="{FF2B5EF4-FFF2-40B4-BE49-F238E27FC236}">
-                <a16:creationId xmlns:a16="http://schemas.microsoft.com/office/drawing/2014/main" id="{206F4C5A-9F75-0E2E-94F7-CF904FED6ABA}"/>
+          <p:cNvPr id="4" name="Content Placeholder 3" descr="A screenshot of a computer&#10;&#10;Description automatically generated">
+            <a:extLst>
+              <a:ext uri="{FF2B5EF4-FFF2-40B4-BE49-F238E27FC236}">
+                <a16:creationId xmlns:a16="http://schemas.microsoft.com/office/drawing/2014/main" id="{EEC6733A-0D3C-D279-BCFF-26D1A53C0DCE}"/>
               </a:ext>
             </a:extLst>
           </p:cNvPr>
           <p:cNvPicPr>
-            <a:picLocks noChangeAspect="1"/>
+            <a:picLocks noGrp="1" noChangeAspect="1"/>
           </p:cNvPicPr>
-          <p:nvPr/>
+          <p:nvPr>
+            <p:ph idx="1"/>
+          </p:nvPr>
         </p:nvPicPr>
         <p:blipFill>
           <a:blip r:embed="rId2"/>
@@ -5899,24 +7404,79 @@
         </p:blipFill>
         <p:spPr>
           <a:xfrm>
-            <a:off x="1231174" y="4127842"/>
-            <a:ext cx="3590925" cy="923925"/>
+            <a:off x="2035703" y="1560053"/>
+            <a:ext cx="8146989" cy="4212901"/>
           </a:xfrm>
-          <a:prstGeom prst="rect">
+        </p:spPr>
+      </p:pic>
+      <p:sp>
+        <p:nvSpPr>
+          <p:cNvPr id="3" name="Pfeil: nach rechts 2">
+            <a:extLst>
+              <a:ext uri="{FF2B5EF4-FFF2-40B4-BE49-F238E27FC236}">
+                <a16:creationId xmlns:a16="http://schemas.microsoft.com/office/drawing/2014/main" id="{7B442DD6-4A6B-A4BE-D20F-9987EAD88A70}"/>
+              </a:ext>
+            </a:extLst>
+          </p:cNvPr>
+          <p:cNvSpPr/>
+          <p:nvPr/>
+        </p:nvSpPr>
+        <p:spPr>
+          <a:xfrm>
+            <a:off x="3395245" y="3589362"/>
+            <a:ext cx="651821" cy="233459"/>
+          </a:xfrm>
+          <a:prstGeom prst="rightArrow">
             <a:avLst/>
           </a:prstGeom>
         </p:spPr>
-      </p:pic>
+        <p:style>
+          <a:lnRef idx="2">
+            <a:schemeClr val="accent1">
+              <a:shade val="15000"/>
+            </a:schemeClr>
+          </a:lnRef>
+          <a:fillRef idx="1">
+            <a:schemeClr val="accent1"/>
+          </a:fillRef>
+          <a:effectRef idx="0">
+            <a:schemeClr val="accent1"/>
+          </a:effectRef>
+          <a:fontRef idx="minor">
+            <a:schemeClr val="lt1"/>
+          </a:fontRef>
+        </p:style>
+        <p:txBody>
+          <a:bodyPr rtlCol="0" anchor="ctr"/>
+          <a:lstStyle/>
+          <a:p>
+            <a:pPr algn="ctr"/>
+            <a:endParaRPr lang="de-AT"/>
+          </a:p>
+        </p:txBody>
+      </p:sp>
     </p:spTree>
     <p:extLst>
       <p:ext uri="{BB962C8B-B14F-4D97-AF65-F5344CB8AC3E}">
-        <p14:creationId xmlns:p14="http://schemas.microsoft.com/office/powerpoint/2010/main" val="1241498464"/>
+        <p14:creationId xmlns:p14="http://schemas.microsoft.com/office/powerpoint/2010/main" val="1600161337"/>
       </p:ext>
     </p:extLst>
   </p:cSld>
   <p:clrMapOvr>
     <a:masterClrMapping/>
   </p:clrMapOvr>
+  <mc:AlternateContent xmlns:mc="http://schemas.openxmlformats.org/markup-compatibility/2006">
+    <mc:Choice xmlns:p159="http://schemas.microsoft.com/office/powerpoint/2015/09/main" Requires="p159">
+      <p:transition xmlns:p14="http://schemas.microsoft.com/office/powerpoint/2010/main" spd="slow" p14:dur="2000">
+        <p159:morph option="byObject"/>
+      </p:transition>
+    </mc:Choice>
+    <mc:Fallback>
+      <p:transition spd="slow">
+        <p:fade/>
+      </p:transition>
+    </mc:Fallback>
+  </mc:AlternateContent>
 </p:sld>
 </file>
 

--- a/dsi_project.pptx
+++ b/dsi_project.pptx
@@ -8,24 +8,14 @@
     <p:sldId id="256" r:id="rId2"/>
     <p:sldId id="257" r:id="rId3"/>
     <p:sldId id="259" r:id="rId4"/>
-    <p:sldId id="273" r:id="rId5"/>
-    <p:sldId id="274" r:id="rId6"/>
-    <p:sldId id="275" r:id="rId7"/>
-    <p:sldId id="276" r:id="rId8"/>
-    <p:sldId id="277" r:id="rId9"/>
-    <p:sldId id="278" r:id="rId10"/>
-    <p:sldId id="279" r:id="rId11"/>
-    <p:sldId id="280" r:id="rId12"/>
-    <p:sldId id="281" r:id="rId13"/>
-    <p:sldId id="282" r:id="rId14"/>
-    <p:sldId id="261" r:id="rId15"/>
-    <p:sldId id="262" r:id="rId16"/>
-    <p:sldId id="263" r:id="rId17"/>
-    <p:sldId id="264" r:id="rId18"/>
-    <p:sldId id="265" r:id="rId19"/>
-    <p:sldId id="271" r:id="rId20"/>
-    <p:sldId id="272" r:id="rId21"/>
-    <p:sldId id="269" r:id="rId22"/>
+    <p:sldId id="261" r:id="rId5"/>
+    <p:sldId id="262" r:id="rId6"/>
+    <p:sldId id="263" r:id="rId7"/>
+    <p:sldId id="264" r:id="rId8"/>
+    <p:sldId id="265" r:id="rId9"/>
+    <p:sldId id="271" r:id="rId10"/>
+    <p:sldId id="272" r:id="rId11"/>
+    <p:sldId id="269" r:id="rId12"/>
   </p:sldIdLst>
   <p:sldSz cx="12192000" cy="6858000"/>
   <p:notesSz cx="6858000" cy="9144000"/>
@@ -136,7 +126,11 @@
 <p1510:revInfo xmlns:a="http://schemas.openxmlformats.org/drawingml/2006/main" xmlns:r="http://schemas.openxmlformats.org/officeDocument/2006/relationships" xmlns:p1510="http://schemas.microsoft.com/office/powerpoint/2015/10/main">
   <p1510:revLst>
     <p1510:client id="{17F025F2-6883-4484-53CD-D3371CC20C5A}" v="3" dt="2024-01-16T16:32:58.245"/>
+    <p1510:client id="{1851519D-714E-4423-A4BC-BC8391EE9532}" v="43" dt="2024-01-17T15:36:20.393"/>
+    <p1510:client id="{1F586168-FEF6-4A0B-BB1F-8FE7FD95DAC3}" v="82" dt="2024-01-17T12:24:43.881"/>
+    <p1510:client id="{268A0708-4CAB-8F87-2667-B64DE069B7D0}" v="22" dt="2024-01-17T12:30:18.905"/>
     <p1510:client id="{36ADF428-A04E-49FA-ACD3-07F5BDAB3344}" v="1992" dt="2024-01-16T18:08:35.397"/>
+    <p1510:client id="{596833B2-209C-3612-21C8-3CD26D4B7983}" v="5" dt="2024-01-17T12:26:12.064"/>
     <p1510:client id="{C4A7C7C5-AB9D-4E2E-8BF9-0DCC6330972E}" v="183" dt="2024-01-16T16:29:46.195"/>
     <p1510:client id="{D004ADBA-3F6A-5421-9AA5-5F24F07F1C4B}" v="3" dt="2024-01-17T10:03:04.184"/>
     <p1510:client id="{E32CE0FC-9341-47BD-A522-8D244D75405C}" v="17" dt="2024-01-17T09:55:14.454"/>
@@ -227,7 +221,7 @@
           </a:lstStyle>
           <a:p>
             <a:r>
-              <a:rPr lang="en-US" dirty="0"/>
+              <a:rPr lang="en-US"/>
               <a:t>Click to edit Master subtitle style</a:t>
             </a:r>
           </a:p>
@@ -310,7 +304,7 @@
           <a:p>
             <a:fld id="{1CC2C9B9-B4B7-45CC-A7EB-16F8BADE9045}" type="slidenum">
               <a:rPr lang="en-US" smtClean="0"/>
-              <a:t>‹Nr.›</a:t>
+              <a:t>‹#›</a:t>
             </a:fld>
             <a:endParaRPr lang="en-US"/>
           </a:p>
@@ -350,7 +344,7 @@
           </a:lstStyle>
           <a:p>
             <a:r>
-              <a:rPr lang="en-US" dirty="0"/>
+              <a:rPr lang="en-US"/>
               <a:t>Click to edit Master title style</a:t>
             </a:r>
           </a:p>
@@ -413,7 +407,7 @@
           <a:lstStyle/>
           <a:p>
             <a:r>
-              <a:rPr lang="en-US" dirty="0"/>
+              <a:rPr lang="en-US"/>
               <a:t>Click to edit Master title style</a:t>
             </a:r>
           </a:p>
@@ -447,35 +441,35 @@
           <a:p>
             <a:pPr lvl="0"/>
             <a:r>
-              <a:rPr lang="en-US" dirty="0"/>
+              <a:rPr lang="en-US"/>
               <a:t>Click to edit Master text styles</a:t>
             </a:r>
           </a:p>
           <a:p>
             <a:pPr lvl="1"/>
             <a:r>
-              <a:rPr lang="en-US" dirty="0"/>
+              <a:rPr lang="en-US"/>
               <a:t>Second level</a:t>
             </a:r>
           </a:p>
           <a:p>
             <a:pPr lvl="2"/>
             <a:r>
-              <a:rPr lang="en-US" dirty="0"/>
+              <a:rPr lang="en-US"/>
               <a:t>Third level</a:t>
             </a:r>
           </a:p>
           <a:p>
             <a:pPr lvl="3"/>
             <a:r>
-              <a:rPr lang="en-US" dirty="0"/>
+              <a:rPr lang="en-US"/>
               <a:t>Fourth level</a:t>
             </a:r>
           </a:p>
           <a:p>
             <a:pPr lvl="4"/>
             <a:r>
-              <a:rPr lang="en-US" dirty="0"/>
+              <a:rPr lang="en-US"/>
               <a:t>Fifth level</a:t>
             </a:r>
           </a:p>
@@ -558,7 +552,7 @@
           <a:p>
             <a:fld id="{1CC2C9B9-B4B7-45CC-A7EB-16F8BADE9045}" type="slidenum">
               <a:rPr lang="en-US" smtClean="0"/>
-              <a:t>‹Nr.›</a:t>
+              <a:t>‹#›</a:t>
             </a:fld>
             <a:endParaRPr lang="en-US"/>
           </a:p>
@@ -621,7 +615,7 @@
           <a:lstStyle/>
           <a:p>
             <a:r>
-              <a:rPr lang="en-US" dirty="0"/>
+              <a:rPr lang="en-US"/>
               <a:t>Click to edit Master title style</a:t>
             </a:r>
           </a:p>
@@ -655,35 +649,35 @@
           <a:p>
             <a:pPr lvl="0"/>
             <a:r>
-              <a:rPr lang="en-US" dirty="0"/>
+              <a:rPr lang="en-US"/>
               <a:t>Click to edit Master text styles</a:t>
             </a:r>
           </a:p>
           <a:p>
             <a:pPr lvl="1"/>
             <a:r>
-              <a:rPr lang="en-US" dirty="0"/>
+              <a:rPr lang="en-US"/>
               <a:t>Second level</a:t>
             </a:r>
           </a:p>
           <a:p>
             <a:pPr lvl="2"/>
             <a:r>
-              <a:rPr lang="en-US" dirty="0"/>
+              <a:rPr lang="en-US"/>
               <a:t>Third level</a:t>
             </a:r>
           </a:p>
           <a:p>
             <a:pPr lvl="3"/>
             <a:r>
-              <a:rPr lang="en-US" dirty="0"/>
+              <a:rPr lang="en-US"/>
               <a:t>Fourth level</a:t>
             </a:r>
           </a:p>
           <a:p>
             <a:pPr lvl="4"/>
             <a:r>
-              <a:rPr lang="en-US" dirty="0"/>
+              <a:rPr lang="en-US"/>
               <a:t>Fifth level</a:t>
             </a:r>
           </a:p>
@@ -766,7 +760,7 @@
           <a:p>
             <a:fld id="{1CC2C9B9-B4B7-45CC-A7EB-16F8BADE9045}" type="slidenum">
               <a:rPr lang="en-US" smtClean="0"/>
-              <a:t>‹Nr.›</a:t>
+              <a:t>‹#›</a:t>
             </a:fld>
             <a:endParaRPr lang="en-US"/>
           </a:p>
@@ -964,7 +958,7 @@
           <a:p>
             <a:fld id="{1CC2C9B9-B4B7-45CC-A7EB-16F8BADE9045}" type="slidenum">
               <a:rPr lang="en-US" smtClean="0"/>
-              <a:t>‹Nr.›</a:t>
+              <a:t>‹#›</a:t>
             </a:fld>
             <a:endParaRPr lang="en-US"/>
           </a:p>
@@ -1033,7 +1027,7 @@
           </a:lstStyle>
           <a:p>
             <a:r>
-              <a:rPr lang="en-US" dirty="0"/>
+              <a:rPr lang="en-US"/>
               <a:t>Click to edit Master title style</a:t>
             </a:r>
           </a:p>
@@ -1158,7 +1152,7 @@
           <a:p>
             <a:pPr lvl="0"/>
             <a:r>
-              <a:rPr lang="en-US" dirty="0"/>
+              <a:rPr lang="en-US"/>
               <a:t>Click to edit Master text styles</a:t>
             </a:r>
           </a:p>
@@ -1241,7 +1235,7 @@
           <a:p>
             <a:fld id="{1CC2C9B9-B4B7-45CC-A7EB-16F8BADE9045}" type="slidenum">
               <a:rPr lang="en-US" smtClean="0"/>
-              <a:t>‹Nr.›</a:t>
+              <a:t>‹#›</a:t>
             </a:fld>
             <a:endParaRPr lang="en-US"/>
           </a:p>
@@ -1304,7 +1298,7 @@
           <a:lstStyle/>
           <a:p>
             <a:r>
-              <a:rPr lang="en-US" dirty="0"/>
+              <a:rPr lang="en-US"/>
               <a:t>Click to edit Master title style</a:t>
             </a:r>
           </a:p>
@@ -1338,35 +1332,35 @@
           <a:p>
             <a:pPr lvl="0"/>
             <a:r>
-              <a:rPr lang="en-US" dirty="0"/>
+              <a:rPr lang="en-US"/>
               <a:t>Click to edit Master text styles</a:t>
             </a:r>
           </a:p>
           <a:p>
             <a:pPr lvl="1"/>
             <a:r>
-              <a:rPr lang="en-US" dirty="0"/>
+              <a:rPr lang="en-US"/>
               <a:t>Second level</a:t>
             </a:r>
           </a:p>
           <a:p>
             <a:pPr lvl="2"/>
             <a:r>
-              <a:rPr lang="en-US" dirty="0"/>
+              <a:rPr lang="en-US"/>
               <a:t>Third level</a:t>
             </a:r>
           </a:p>
           <a:p>
             <a:pPr lvl="3"/>
             <a:r>
-              <a:rPr lang="en-US" dirty="0"/>
+              <a:rPr lang="en-US"/>
               <a:t>Fourth level</a:t>
             </a:r>
           </a:p>
           <a:p>
             <a:pPr lvl="4"/>
             <a:r>
-              <a:rPr lang="en-US" dirty="0"/>
+              <a:rPr lang="en-US"/>
               <a:t>Fifth level</a:t>
             </a:r>
           </a:p>
@@ -1400,35 +1394,35 @@
           <a:p>
             <a:pPr lvl="0"/>
             <a:r>
-              <a:rPr lang="en-US" dirty="0"/>
+              <a:rPr lang="en-US"/>
               <a:t>Click to edit Master text styles</a:t>
             </a:r>
           </a:p>
           <a:p>
             <a:pPr lvl="1"/>
             <a:r>
-              <a:rPr lang="en-US" dirty="0"/>
+              <a:rPr lang="en-US"/>
               <a:t>Second level</a:t>
             </a:r>
           </a:p>
           <a:p>
             <a:pPr lvl="2"/>
             <a:r>
-              <a:rPr lang="en-US" dirty="0"/>
+              <a:rPr lang="en-US"/>
               <a:t>Third level</a:t>
             </a:r>
           </a:p>
           <a:p>
             <a:pPr lvl="3"/>
             <a:r>
-              <a:rPr lang="en-US" dirty="0"/>
+              <a:rPr lang="en-US"/>
               <a:t>Fourth level</a:t>
             </a:r>
           </a:p>
           <a:p>
             <a:pPr lvl="4"/>
             <a:r>
-              <a:rPr lang="en-US" dirty="0"/>
+              <a:rPr lang="en-US"/>
               <a:t>Fifth level</a:t>
             </a:r>
           </a:p>
@@ -1511,7 +1505,7 @@
           <a:p>
             <a:fld id="{1CC2C9B9-B4B7-45CC-A7EB-16F8BADE9045}" type="slidenum">
               <a:rPr lang="en-US" smtClean="0"/>
-              <a:t>‹Nr.›</a:t>
+              <a:t>‹#›</a:t>
             </a:fld>
             <a:endParaRPr lang="en-US"/>
           </a:p>
@@ -1574,7 +1568,7 @@
           <a:lstStyle/>
           <a:p>
             <a:r>
-              <a:rPr lang="en-US" dirty="0"/>
+              <a:rPr lang="en-US"/>
               <a:t>Click to edit Master title style</a:t>
             </a:r>
           </a:p>
@@ -1647,7 +1641,7 @@
           <a:p>
             <a:pPr lvl="0"/>
             <a:r>
-              <a:rPr lang="en-US" dirty="0"/>
+              <a:rPr lang="en-US"/>
               <a:t>Click to edit Master text styles</a:t>
             </a:r>
           </a:p>
@@ -1681,35 +1675,35 @@
           <a:p>
             <a:pPr lvl="0"/>
             <a:r>
-              <a:rPr lang="en-US" dirty="0"/>
+              <a:rPr lang="en-US"/>
               <a:t>Click to edit Master text styles</a:t>
             </a:r>
           </a:p>
           <a:p>
             <a:pPr lvl="1"/>
             <a:r>
-              <a:rPr lang="en-US" dirty="0"/>
+              <a:rPr lang="en-US"/>
               <a:t>Second level</a:t>
             </a:r>
           </a:p>
           <a:p>
             <a:pPr lvl="2"/>
             <a:r>
-              <a:rPr lang="en-US" dirty="0"/>
+              <a:rPr lang="en-US"/>
               <a:t>Third level</a:t>
             </a:r>
           </a:p>
           <a:p>
             <a:pPr lvl="3"/>
             <a:r>
-              <a:rPr lang="en-US" dirty="0"/>
+              <a:rPr lang="en-US"/>
               <a:t>Fourth level</a:t>
             </a:r>
           </a:p>
           <a:p>
             <a:pPr lvl="4"/>
             <a:r>
-              <a:rPr lang="en-US" dirty="0"/>
+              <a:rPr lang="en-US"/>
               <a:t>Fifth level</a:t>
             </a:r>
           </a:p>
@@ -1782,7 +1776,7 @@
           <a:p>
             <a:pPr lvl="0"/>
             <a:r>
-              <a:rPr lang="en-US" dirty="0"/>
+              <a:rPr lang="en-US"/>
               <a:t>Click to edit Master text styles</a:t>
             </a:r>
           </a:p>
@@ -1816,35 +1810,35 @@
           <a:p>
             <a:pPr lvl="0"/>
             <a:r>
-              <a:rPr lang="en-US" dirty="0"/>
+              <a:rPr lang="en-US"/>
               <a:t>Click to edit Master text styles</a:t>
             </a:r>
           </a:p>
           <a:p>
             <a:pPr lvl="1"/>
             <a:r>
-              <a:rPr lang="en-US" dirty="0"/>
+              <a:rPr lang="en-US"/>
               <a:t>Second level</a:t>
             </a:r>
           </a:p>
           <a:p>
             <a:pPr lvl="2"/>
             <a:r>
-              <a:rPr lang="en-US" dirty="0"/>
+              <a:rPr lang="en-US"/>
               <a:t>Third level</a:t>
             </a:r>
           </a:p>
           <a:p>
             <a:pPr lvl="3"/>
             <a:r>
-              <a:rPr lang="en-US" dirty="0"/>
+              <a:rPr lang="en-US"/>
               <a:t>Fourth level</a:t>
             </a:r>
           </a:p>
           <a:p>
             <a:pPr lvl="4"/>
             <a:r>
-              <a:rPr lang="en-US" dirty="0"/>
+              <a:rPr lang="en-US"/>
               <a:t>Fifth level</a:t>
             </a:r>
           </a:p>
@@ -1927,7 +1921,7 @@
           <a:p>
             <a:fld id="{1CC2C9B9-B4B7-45CC-A7EB-16F8BADE9045}" type="slidenum">
               <a:rPr lang="en-US" smtClean="0"/>
-              <a:t>‹Nr.›</a:t>
+              <a:t>‹#›</a:t>
             </a:fld>
             <a:endParaRPr lang="en-US"/>
           </a:p>
@@ -2160,7 +2154,7 @@
           <a:p>
             <a:fld id="{1CC2C9B9-B4B7-45CC-A7EB-16F8BADE9045}" type="slidenum">
               <a:rPr lang="en-US" smtClean="0"/>
-              <a:t>‹Nr.›</a:t>
+              <a:t>‹#›</a:t>
             </a:fld>
             <a:endParaRPr lang="en-US"/>
           </a:p>
@@ -2273,7 +2267,7 @@
           <a:p>
             <a:fld id="{1CC2C9B9-B4B7-45CC-A7EB-16F8BADE9045}" type="slidenum">
               <a:rPr lang="en-US" smtClean="0"/>
-              <a:t>‹Nr.›</a:t>
+              <a:t>‹#›</a:t>
             </a:fld>
             <a:endParaRPr lang="en-US"/>
           </a:p>
@@ -2342,7 +2336,7 @@
           </a:lstStyle>
           <a:p>
             <a:r>
-              <a:rPr lang="en-US" dirty="0"/>
+              <a:rPr lang="en-US"/>
               <a:t>Click to edit Master title style</a:t>
             </a:r>
           </a:p>
@@ -2406,35 +2400,35 @@
           <a:p>
             <a:pPr lvl="0"/>
             <a:r>
-              <a:rPr lang="en-US" dirty="0"/>
+              <a:rPr lang="en-US"/>
               <a:t>Click to edit Master text styles</a:t>
             </a:r>
           </a:p>
           <a:p>
             <a:pPr lvl="1"/>
             <a:r>
-              <a:rPr lang="en-US" dirty="0"/>
+              <a:rPr lang="en-US"/>
               <a:t>Second level</a:t>
             </a:r>
           </a:p>
           <a:p>
             <a:pPr lvl="2"/>
             <a:r>
-              <a:rPr lang="en-US" dirty="0"/>
+              <a:rPr lang="en-US"/>
               <a:t>Third level</a:t>
             </a:r>
           </a:p>
           <a:p>
             <a:pPr lvl="3"/>
             <a:r>
-              <a:rPr lang="en-US" dirty="0"/>
+              <a:rPr lang="en-US"/>
               <a:t>Fourth level</a:t>
             </a:r>
           </a:p>
           <a:p>
             <a:pPr lvl="4"/>
             <a:r>
-              <a:rPr lang="en-US" dirty="0"/>
+              <a:rPr lang="en-US"/>
               <a:t>Fifth level</a:t>
             </a:r>
           </a:p>
@@ -2507,7 +2501,7 @@
           <a:p>
             <a:pPr lvl="0"/>
             <a:r>
-              <a:rPr lang="en-US" dirty="0"/>
+              <a:rPr lang="en-US"/>
               <a:t>Click to edit Master text styles</a:t>
             </a:r>
           </a:p>
@@ -2590,7 +2584,7 @@
           <a:p>
             <a:fld id="{1CC2C9B9-B4B7-45CC-A7EB-16F8BADE9045}" type="slidenum">
               <a:rPr lang="en-US" smtClean="0"/>
-              <a:t>‹Nr.›</a:t>
+              <a:t>‹#›</a:t>
             </a:fld>
             <a:endParaRPr lang="en-US"/>
           </a:p>
@@ -2717,7 +2711,7 @@
           </a:lstStyle>
           <a:p>
             <a:r>
-              <a:rPr lang="en-US" dirty="0"/>
+              <a:rPr lang="en-US"/>
               <a:t>Click to edit Master title style</a:t>
             </a:r>
           </a:p>
@@ -2860,7 +2854,7 @@
           <a:p>
             <a:pPr lvl="0"/>
             <a:r>
-              <a:rPr lang="en-US" dirty="0"/>
+              <a:rPr lang="en-US"/>
               <a:t>Click to edit Master text styles</a:t>
             </a:r>
           </a:p>
@@ -2943,7 +2937,7 @@
           <a:p>
             <a:fld id="{1CC2C9B9-B4B7-45CC-A7EB-16F8BADE9045}" type="slidenum">
               <a:rPr lang="en-US" smtClean="0"/>
-              <a:t>‹Nr.›</a:t>
+              <a:t>‹#›</a:t>
             </a:fld>
             <a:endParaRPr lang="en-US"/>
           </a:p>
@@ -3074,7 +3068,7 @@
           <a:lstStyle/>
           <a:p>
             <a:r>
-              <a:rPr lang="en-US" dirty="0"/>
+              <a:rPr lang="en-US"/>
               <a:t>Click to edit Master title style</a:t>
             </a:r>
           </a:p>
@@ -3113,35 +3107,35 @@
           <a:p>
             <a:pPr lvl="0"/>
             <a:r>
-              <a:rPr lang="en-US" dirty="0"/>
+              <a:rPr lang="en-US"/>
               <a:t>Click to edit Master text styles</a:t>
             </a:r>
           </a:p>
           <a:p>
             <a:pPr lvl="1"/>
             <a:r>
-              <a:rPr lang="en-US" dirty="0"/>
+              <a:rPr lang="en-US"/>
               <a:t>Second level</a:t>
             </a:r>
           </a:p>
           <a:p>
             <a:pPr lvl="2"/>
             <a:r>
-              <a:rPr lang="en-US" dirty="0"/>
+              <a:rPr lang="en-US"/>
               <a:t>Third level</a:t>
             </a:r>
           </a:p>
           <a:p>
             <a:pPr lvl="3"/>
             <a:r>
-              <a:rPr lang="en-US" dirty="0"/>
+              <a:rPr lang="en-US"/>
               <a:t>Fourth level</a:t>
             </a:r>
           </a:p>
           <a:p>
             <a:pPr lvl="4"/>
             <a:r>
-              <a:rPr lang="en-US" dirty="0"/>
+              <a:rPr lang="en-US"/>
               <a:t>Fifth level</a:t>
             </a:r>
           </a:p>
@@ -3275,7 +3269,7 @@
           <a:p>
             <a:fld id="{1CC2C9B9-B4B7-45CC-A7EB-16F8BADE9045}" type="slidenum">
               <a:rPr lang="en-US" smtClean="0"/>
-              <a:t>‹Nr.›</a:t>
+              <a:t>‹#›</a:t>
             </a:fld>
             <a:endParaRPr lang="en-US"/>
           </a:p>
@@ -3660,65 +3654,44 @@
           <a:chExt cx="0" cy="0"/>
         </a:xfrm>
       </p:grpSpPr>
-      <p:pic>
-        <p:nvPicPr>
-          <p:cNvPr id="4" name="Picture 3">
-            <a:extLst>
-              <a:ext uri="{FF2B5EF4-FFF2-40B4-BE49-F238E27FC236}">
-                <a16:creationId xmlns:a16="http://schemas.microsoft.com/office/drawing/2014/main" id="{3C9B030A-7E45-F69E-D36D-E5CAEC0CCFB3}"/>
-              </a:ext>
-            </a:extLst>
-          </p:cNvPr>
-          <p:cNvPicPr>
-            <a:picLocks noChangeAspect="1"/>
-          </p:cNvPicPr>
-          <p:nvPr/>
-        </p:nvPicPr>
-        <p:blipFill rotWithShape="1">
-          <a:blip r:embed="rId2"/>
-          <a:srcRect l="8590" r="47863" b="1"/>
-          <a:stretch/>
-        </p:blipFill>
+      <p:sp>
+        <p:nvSpPr>
+          <p:cNvPr id="2" name="Titel 1"/>
+          <p:cNvSpPr>
+            <a:spLocks noGrp="1"/>
+          </p:cNvSpPr>
+          <p:nvPr>
+            <p:ph type="ctrTitle"/>
+          </p:nvPr>
+        </p:nvSpPr>
         <p:spPr>
           <a:xfrm>
-            <a:off x="7543800" y="10"/>
-            <a:ext cx="4648202" cy="6857990"/>
-          </a:xfrm>
-          <a:prstGeom prst="rect">
-            <a:avLst/>
-          </a:prstGeom>
-          <a:noFill/>
-        </p:spPr>
-      </p:pic>
-      <p:sp>
-        <p:nvSpPr>
-          <p:cNvPr id="2" name="Titel 1"/>
-          <p:cNvSpPr>
-            <a:spLocks noGrp="1"/>
-          </p:cNvSpPr>
-          <p:nvPr>
-            <p:ph type="ctrTitle"/>
-          </p:nvPr>
-        </p:nvSpPr>
-        <p:spPr>
-          <a:xfrm>
-            <a:off x="745044" y="3846183"/>
-            <a:ext cx="4669094" cy="725817"/>
+            <a:off x="745044" y="3853304"/>
+            <a:ext cx="4669094" cy="675967"/>
           </a:xfrm>
           <a:solidFill>
             <a:schemeClr val="bg2"/>
           </a:solidFill>
         </p:spPr>
         <p:txBody>
-          <a:bodyPr anchor="b">
+          <a:bodyPr vert="horz" lIns="91440" tIns="45720" rIns="91440" bIns="45720" rtlCol="0" anchor="ctr">
             <a:noAutofit/>
           </a:bodyPr>
           <a:lstStyle/>
           <a:p>
+            <a:pPr>
+              <a:lnSpc>
+                <a:spcPct val="110000"/>
+              </a:lnSpc>
+              <a:spcBef>
+                <a:spcPts val="500"/>
+              </a:spcBef>
+            </a:pPr>
             <a:r>
               <a:rPr lang="de-DE" sz="4400" dirty="0"/>
               <a:t>Wiener Linien</a:t>
             </a:r>
+            <a:endParaRPr lang="en-US"/>
           </a:p>
         </p:txBody>
       </p:sp>
@@ -3741,7 +3714,7 @@
         <p:spPr>
           <a:xfrm>
             <a:off x="743191" y="4403045"/>
-            <a:ext cx="4628349" cy="451968"/>
+            <a:ext cx="4628349" cy="487575"/>
           </a:xfrm>
         </p:spPr>
         <p:txBody>
@@ -3801,7 +3774,7 @@
               </a:pPr>
               <a:t>1/17/2024</a:t>
             </a:fld>
-            <a:endParaRPr lang="en-US" dirty="0"/>
+            <a:endParaRPr lang="en-US"/>
           </a:p>
         </p:txBody>
       </p:sp>
@@ -3837,7 +3810,7 @@
               </a:spcAft>
             </a:pPr>
             <a:fld id="{1437450A-6C25-4B4D-B27D-E1E9B2CE4682}" type="slidenum">
-              <a:rPr lang="en-US" smtClean="0">
+              <a:rPr lang="en-US" dirty="0" smtClean="0">
                 <a:solidFill>
                   <a:srgbClr val="FFFFFF"/>
                 </a:solidFill>
@@ -3856,7 +3829,7 @@
               </a:pPr>
               <a:t>1</a:t>
             </a:fld>
-            <a:endParaRPr lang="en-US">
+            <a:endParaRPr lang="en-US" dirty="0">
               <a:solidFill>
                 <a:srgbClr val="FFFFFF"/>
               </a:solidFill>
@@ -3871,6 +3844,36 @@
           </a:p>
         </p:txBody>
       </p:sp>
+      <p:pic>
+        <p:nvPicPr>
+          <p:cNvPr id="5" name="Picture 4" descr="Interior of empty bus">
+            <a:extLst>
+              <a:ext uri="{FF2B5EF4-FFF2-40B4-BE49-F238E27FC236}">
+                <a16:creationId xmlns:a16="http://schemas.microsoft.com/office/drawing/2014/main" id="{69B98581-4B7C-FA37-6A32-33DB0A4AD24B}"/>
+              </a:ext>
+            </a:extLst>
+          </p:cNvPr>
+          <p:cNvPicPr>
+            <a:picLocks noChangeAspect="1"/>
+          </p:cNvPicPr>
+          <p:nvPr/>
+        </p:nvPicPr>
+        <p:blipFill>
+          <a:blip r:embed="rId2"/>
+          <a:stretch>
+            <a:fillRect/>
+          </a:stretch>
+        </p:blipFill>
+        <p:spPr>
+          <a:xfrm>
+            <a:off x="6079354" y="0"/>
+            <a:ext cx="6115050" cy="6858000"/>
+          </a:xfrm>
+          <a:prstGeom prst="rect">
+            <a:avLst/>
+          </a:prstGeom>
+        </p:spPr>
+      </p:pic>
     </p:spTree>
     <p:extLst>
       <p:ext uri="{BB962C8B-B14F-4D97-AF65-F5344CB8AC3E}">
@@ -3889,6 +3892,336 @@
   <p:cSld>
     <p:spTree>
       <p:nvGrpSpPr>
+        <p:cNvPr id="1" name="">
+          <a:extLst>
+            <a:ext uri="{FF2B5EF4-FFF2-40B4-BE49-F238E27FC236}">
+              <a16:creationId xmlns:a16="http://schemas.microsoft.com/office/drawing/2014/main" id="{98D148B9-47C4-67D7-D7C8-1CA848B078A4}"/>
+            </a:ext>
+          </a:extLst>
+        </p:cNvPr>
+        <p:cNvGrpSpPr/>
+        <p:nvPr/>
+      </p:nvGrpSpPr>
+      <p:grpSpPr>
+        <a:xfrm>
+          <a:off x="0" y="0"/>
+          <a:ext cx="0" cy="0"/>
+          <a:chOff x="0" y="0"/>
+          <a:chExt cx="0" cy="0"/>
+        </a:xfrm>
+      </p:grpSpPr>
+      <p:sp>
+        <p:nvSpPr>
+          <p:cNvPr id="2" name="Title 1">
+            <a:extLst>
+              <a:ext uri="{FF2B5EF4-FFF2-40B4-BE49-F238E27FC236}">
+                <a16:creationId xmlns:a16="http://schemas.microsoft.com/office/drawing/2014/main" id="{F10D4DC9-1B7B-F044-931E-78723D4069DF}"/>
+              </a:ext>
+            </a:extLst>
+          </p:cNvPr>
+          <p:cNvSpPr>
+            <a:spLocks noGrp="1"/>
+          </p:cNvSpPr>
+          <p:nvPr>
+            <p:ph type="title"/>
+          </p:nvPr>
+        </p:nvSpPr>
+        <p:spPr/>
+        <p:txBody>
+          <a:bodyPr vert="horz" lIns="91440" tIns="45720" rIns="91440" bIns="45720" rtlCol="0" anchor="t">
+            <a:normAutofit/>
+          </a:bodyPr>
+          <a:lstStyle/>
+          <a:p>
+            <a:r>
+              <a:rPr lang="en-US"/>
+              <a:t>Containers Pt. 2</a:t>
+            </a:r>
+          </a:p>
+        </p:txBody>
+      </p:sp>
+      <p:sp>
+        <p:nvSpPr>
+          <p:cNvPr id="4" name="Text Placeholder 3">
+            <a:extLst>
+              <a:ext uri="{FF2B5EF4-FFF2-40B4-BE49-F238E27FC236}">
+                <a16:creationId xmlns:a16="http://schemas.microsoft.com/office/drawing/2014/main" id="{171C040D-5BF6-F0DC-6B0A-3EE7DC12287B}"/>
+              </a:ext>
+            </a:extLst>
+          </p:cNvPr>
+          <p:cNvSpPr>
+            <a:spLocks noGrp="1"/>
+          </p:cNvSpPr>
+          <p:nvPr>
+            <p:ph type="body" sz="half" idx="2"/>
+          </p:nvPr>
+        </p:nvSpPr>
+        <p:spPr>
+          <a:xfrm>
+            <a:off x="1380121" y="2064090"/>
+            <a:ext cx="3858151" cy="1282064"/>
+          </a:xfrm>
+        </p:spPr>
+        <p:txBody>
+          <a:bodyPr>
+            <a:normAutofit/>
+          </a:bodyPr>
+          <a:lstStyle/>
+          <a:p>
+            <a:pPr marL="285750" indent="-285750">
+              <a:buChar char="•"/>
+            </a:pPr>
+            <a:r>
+              <a:rPr lang="en-US">
+                <a:ea typeface="+mn-lt"/>
+                <a:cs typeface="+mn-lt"/>
+              </a:rPr>
+              <a:t>Remaining 5 containers:</a:t>
+            </a:r>
+          </a:p>
+          <a:p>
+            <a:pPr marL="342900" indent="-342900">
+              <a:buChar char="•"/>
+            </a:pPr>
+            <a:endParaRPr lang="en-US"/>
+          </a:p>
+          <a:p>
+            <a:pPr marL="342900" indent="-342900">
+              <a:buChar char="•"/>
+            </a:pPr>
+            <a:endParaRPr lang="en-US"/>
+          </a:p>
+        </p:txBody>
+      </p:sp>
+      <p:sp>
+        <p:nvSpPr>
+          <p:cNvPr id="6" name="Content Placeholder 5">
+            <a:extLst>
+              <a:ext uri="{FF2B5EF4-FFF2-40B4-BE49-F238E27FC236}">
+                <a16:creationId xmlns:a16="http://schemas.microsoft.com/office/drawing/2014/main" id="{5DFBE3FE-B6E3-A7C9-99F3-232D6A5F217B}"/>
+              </a:ext>
+            </a:extLst>
+          </p:cNvPr>
+          <p:cNvSpPr>
+            <a:spLocks noGrp="1"/>
+          </p:cNvSpPr>
+          <p:nvPr>
+            <p:ph idx="1"/>
+          </p:nvPr>
+        </p:nvSpPr>
+        <p:spPr>
+          <a:xfrm>
+            <a:off x="5761104" y="920080"/>
+            <a:ext cx="6017495" cy="5489257"/>
+          </a:xfrm>
+        </p:spPr>
+        <p:txBody>
+          <a:bodyPr vert="horz" lIns="91440" tIns="45720" rIns="91440" bIns="45720" rtlCol="0" anchor="t">
+            <a:noAutofit/>
+          </a:bodyPr>
+          <a:lstStyle/>
+          <a:p>
+            <a:pPr>
+              <a:spcAft>
+                <a:spcPts val="1000"/>
+              </a:spcAft>
+            </a:pPr>
+            <a:r>
+              <a:rPr lang="en-US" sz="2000" err="1">
+                <a:ea typeface="+mn-lt"/>
+                <a:cs typeface="+mn-lt"/>
+              </a:rPr>
+              <a:t>dsi_psotgres_setup_table</a:t>
+            </a:r>
+            <a:r>
+              <a:rPr lang="en-US" sz="2000">
+                <a:ea typeface="+mn-lt"/>
+                <a:cs typeface="+mn-lt"/>
+              </a:rPr>
+              <a:t>: Container for creating and setting up tables in </a:t>
+            </a:r>
+            <a:r>
+              <a:rPr lang="en-US" sz="2000" err="1">
+                <a:ea typeface="+mn-lt"/>
+                <a:cs typeface="+mn-lt"/>
+              </a:rPr>
+              <a:t>postgreSQL</a:t>
+            </a:r>
+            <a:r>
+              <a:rPr lang="en-US" sz="2000">
+                <a:ea typeface="+mn-lt"/>
+                <a:cs typeface="+mn-lt"/>
+              </a:rPr>
+              <a:t> </a:t>
+            </a:r>
+            <a:endParaRPr lang="en-US" sz="2000">
+              <a:cs typeface="Arial"/>
+            </a:endParaRPr>
+          </a:p>
+          <a:p>
+            <a:pPr>
+              <a:spcAft>
+                <a:spcPts val="1000"/>
+              </a:spcAft>
+            </a:pPr>
+            <a:r>
+              <a:rPr lang="en-US" sz="2000" err="1">
+                <a:ea typeface="+mn-lt"/>
+                <a:cs typeface="+mn-lt"/>
+              </a:rPr>
+              <a:t>dsi_postgres</a:t>
+            </a:r>
+            <a:r>
+              <a:rPr lang="en-US" sz="2000">
+                <a:ea typeface="+mn-lt"/>
+                <a:cs typeface="+mn-lt"/>
+              </a:rPr>
+              <a:t>: The </a:t>
+            </a:r>
+            <a:r>
+              <a:rPr lang="en-US" sz="2000" err="1">
+                <a:ea typeface="+mn-lt"/>
+                <a:cs typeface="+mn-lt"/>
+              </a:rPr>
+              <a:t>postgreSQL</a:t>
+            </a:r>
+            <a:r>
+              <a:rPr lang="en-US" sz="2000">
+                <a:ea typeface="+mn-lt"/>
+                <a:cs typeface="+mn-lt"/>
+              </a:rPr>
+              <a:t> database used to store our final data </a:t>
+            </a:r>
+            <a:endParaRPr lang="en-US" sz="2000"/>
+          </a:p>
+          <a:p>
+            <a:pPr>
+              <a:spcAft>
+                <a:spcPts val="1000"/>
+              </a:spcAft>
+            </a:pPr>
+            <a:r>
+              <a:rPr lang="en-US" sz="2000" err="1">
+                <a:ea typeface="+mn-lt"/>
+                <a:cs typeface="+mn-lt"/>
+              </a:rPr>
+              <a:t>dsi_grafana</a:t>
+            </a:r>
+            <a:r>
+              <a:rPr lang="en-US" sz="2000">
+                <a:ea typeface="+mn-lt"/>
+                <a:cs typeface="+mn-lt"/>
+              </a:rPr>
+              <a:t>: Contains the visualization tool we use to get our results </a:t>
+            </a:r>
+          </a:p>
+          <a:p>
+            <a:pPr>
+              <a:spcAft>
+                <a:spcPts val="1000"/>
+              </a:spcAft>
+            </a:pPr>
+            <a:r>
+              <a:rPr lang="en-US" sz="2000" err="1">
+                <a:ea typeface="+mn-lt"/>
+                <a:cs typeface="+mn-lt"/>
+              </a:rPr>
+              <a:t>dsi_prometheus</a:t>
+            </a:r>
+            <a:r>
+              <a:rPr lang="en-US" sz="2000">
+                <a:ea typeface="+mn-lt"/>
+                <a:cs typeface="+mn-lt"/>
+              </a:rPr>
+              <a:t>: Used to store metrics </a:t>
+            </a:r>
+            <a:endParaRPr lang="en-US" sz="2000"/>
+          </a:p>
+          <a:p>
+            <a:pPr>
+              <a:spcAft>
+                <a:spcPts val="1000"/>
+              </a:spcAft>
+            </a:pPr>
+            <a:r>
+              <a:rPr lang="en-US" sz="2000" err="1">
+                <a:ea typeface="+mn-lt"/>
+                <a:cs typeface="+mn-lt"/>
+              </a:rPr>
+              <a:t>dsi_exporter_postgres</a:t>
+            </a:r>
+            <a:r>
+              <a:rPr lang="en-US" sz="2000">
+                <a:ea typeface="+mn-lt"/>
+                <a:cs typeface="+mn-lt"/>
+              </a:rPr>
+              <a:t>: Used to gather </a:t>
+            </a:r>
+            <a:r>
+              <a:rPr lang="en-US" sz="2000" err="1">
+                <a:ea typeface="+mn-lt"/>
+                <a:cs typeface="+mn-lt"/>
+              </a:rPr>
+              <a:t>postgres</a:t>
+            </a:r>
+            <a:r>
+              <a:rPr lang="en-US" sz="2000">
+                <a:ea typeface="+mn-lt"/>
+                <a:cs typeface="+mn-lt"/>
+              </a:rPr>
+              <a:t> metrics (just for fun)</a:t>
+            </a:r>
+          </a:p>
+        </p:txBody>
+      </p:sp>
+      <p:pic>
+        <p:nvPicPr>
+          <p:cNvPr id="3" name="Picture 2" descr="A blue letters on a black background&#10;&#10;Description automatically generated">
+            <a:extLst>
+              <a:ext uri="{FF2B5EF4-FFF2-40B4-BE49-F238E27FC236}">
+                <a16:creationId xmlns:a16="http://schemas.microsoft.com/office/drawing/2014/main" id="{EE44F479-949B-B6BC-DB1A-AEBC96D53E90}"/>
+              </a:ext>
+            </a:extLst>
+          </p:cNvPr>
+          <p:cNvPicPr>
+            <a:picLocks noChangeAspect="1"/>
+          </p:cNvPicPr>
+          <p:nvPr/>
+        </p:nvPicPr>
+        <p:blipFill>
+          <a:blip r:embed="rId2"/>
+          <a:stretch>
+            <a:fillRect/>
+          </a:stretch>
+        </p:blipFill>
+        <p:spPr>
+          <a:xfrm>
+            <a:off x="1231174" y="4127842"/>
+            <a:ext cx="3590925" cy="923925"/>
+          </a:xfrm>
+          <a:prstGeom prst="rect">
+            <a:avLst/>
+          </a:prstGeom>
+        </p:spPr>
+      </p:pic>
+    </p:spTree>
+    <p:extLst>
+      <p:ext uri="{BB962C8B-B14F-4D97-AF65-F5344CB8AC3E}">
+        <p14:creationId xmlns:p14="http://schemas.microsoft.com/office/powerpoint/2010/main" val="1644027078"/>
+      </p:ext>
+    </p:extLst>
+  </p:cSld>
+  <p:clrMapOvr>
+    <a:masterClrMapping/>
+  </p:clrMapOvr>
+</p:sld>
+</file>
+
+<file path=ppt/slides/slide11.xml><?xml version="1.0" encoding="utf-8"?>
+<p:sld xmlns:a="http://schemas.openxmlformats.org/drawingml/2006/main" xmlns:r="http://schemas.openxmlformats.org/officeDocument/2006/relationships" xmlns:p="http://schemas.openxmlformats.org/presentationml/2006/main">
+  <p:cSld>
+    <p:spTree>
+      <p:nvGrpSpPr>
         <p:cNvPr id="1" name=""/>
         <p:cNvGrpSpPr/>
         <p:nvPr/>
@@ -3903,10 +4236,68 @@
       </p:grpSpPr>
       <p:sp>
         <p:nvSpPr>
+          <p:cNvPr id="3" name="Title 2">
+            <a:extLst>
+              <a:ext uri="{FF2B5EF4-FFF2-40B4-BE49-F238E27FC236}">
+                <a16:creationId xmlns:a16="http://schemas.microsoft.com/office/drawing/2014/main" id="{389459CB-A0E8-FE8D-1C26-7E84EC49005D}"/>
+              </a:ext>
+            </a:extLst>
+          </p:cNvPr>
+          <p:cNvSpPr>
+            <a:spLocks noGrp="1"/>
+          </p:cNvSpPr>
+          <p:nvPr>
+            <p:ph type="ctrTitle"/>
+          </p:nvPr>
+        </p:nvSpPr>
+        <p:spPr/>
+        <p:txBody>
+          <a:bodyPr/>
+          <a:lstStyle/>
+          <a:p>
+            <a:r>
+              <a:rPr lang="en-US"/>
+              <a:t>Live Demonstration</a:t>
+            </a:r>
+          </a:p>
+        </p:txBody>
+      </p:sp>
+    </p:spTree>
+    <p:extLst>
+      <p:ext uri="{BB962C8B-B14F-4D97-AF65-F5344CB8AC3E}">
+        <p14:creationId xmlns:p14="http://schemas.microsoft.com/office/powerpoint/2010/main" val="1001565791"/>
+      </p:ext>
+    </p:extLst>
+  </p:cSld>
+  <p:clrMapOvr>
+    <a:masterClrMapping/>
+  </p:clrMapOvr>
+</p:sld>
+</file>
+
+<file path=ppt/slides/slide2.xml><?xml version="1.0" encoding="utf-8"?>
+<p:sld xmlns:a="http://schemas.openxmlformats.org/drawingml/2006/main" xmlns:r="http://schemas.openxmlformats.org/officeDocument/2006/relationships" xmlns:p="http://schemas.openxmlformats.org/presentationml/2006/main">
+  <p:cSld>
+    <p:spTree>
+      <p:nvGrpSpPr>
+        <p:cNvPr id="1" name=""/>
+        <p:cNvGrpSpPr/>
+        <p:nvPr/>
+      </p:nvGrpSpPr>
+      <p:grpSpPr>
+        <a:xfrm>
+          <a:off x="0" y="0"/>
+          <a:ext cx="0" cy="0"/>
+          <a:chOff x="0" y="0"/>
+          <a:chExt cx="0" cy="0"/>
+        </a:xfrm>
+      </p:grpSpPr>
+      <p:sp>
+        <p:nvSpPr>
           <p:cNvPr id="2" name="Title 1">
             <a:extLst>
               <a:ext uri="{FF2B5EF4-FFF2-40B4-BE49-F238E27FC236}">
-                <a16:creationId xmlns:a16="http://schemas.microsoft.com/office/drawing/2014/main" id="{A90CA53F-33DA-6E04-C8EF-9BBE16D597C7}"/>
+                <a16:creationId xmlns:a16="http://schemas.microsoft.com/office/drawing/2014/main" id="{CB1A0E62-8BAE-37CA-7807-4D7019A7D50E}"/>
               </a:ext>
             </a:extLst>
           </p:cNvPr>
@@ -3925,7 +4316,129 @@
           <a:lstStyle/>
           <a:p>
             <a:r>
-              <a:rPr lang="en-US" dirty="0"/>
+              <a:rPr lang="en-US"/>
+              <a:t>Concept</a:t>
+            </a:r>
+          </a:p>
+        </p:txBody>
+      </p:sp>
+      <p:sp>
+        <p:nvSpPr>
+          <p:cNvPr id="3" name="Content Placeholder 2">
+            <a:extLst>
+              <a:ext uri="{FF2B5EF4-FFF2-40B4-BE49-F238E27FC236}">
+                <a16:creationId xmlns:a16="http://schemas.microsoft.com/office/drawing/2014/main" id="{D9796C04-BBEC-0E61-9DE0-977CD6440FAC}"/>
+              </a:ext>
+            </a:extLst>
+          </p:cNvPr>
+          <p:cNvSpPr>
+            <a:spLocks noGrp="1"/>
+          </p:cNvSpPr>
+          <p:nvPr>
+            <p:ph idx="1"/>
+          </p:nvPr>
+        </p:nvSpPr>
+        <p:spPr>
+          <a:xfrm>
+            <a:off x="1620444" y="2077807"/>
+            <a:ext cx="8977509" cy="3141785"/>
+          </a:xfrm>
+        </p:spPr>
+        <p:txBody>
+          <a:bodyPr vert="horz" lIns="91440" tIns="45720" rIns="91440" bIns="45720" rtlCol="0" anchor="t">
+            <a:normAutofit/>
+          </a:bodyPr>
+          <a:lstStyle/>
+          <a:p>
+            <a:pPr>
+              <a:lnSpc>
+                <a:spcPct val="200000"/>
+              </a:lnSpc>
+            </a:pPr>
+            <a:r>
+              <a:rPr lang="en-US"/>
+              <a:t>Use historic data on disruptions in the public transit system in Vienna</a:t>
+            </a:r>
+          </a:p>
+          <a:p>
+            <a:pPr>
+              <a:lnSpc>
+                <a:spcPct val="200000"/>
+              </a:lnSpc>
+            </a:pPr>
+            <a:r>
+              <a:rPr lang="en-US"/>
+              <a:t>Combine with weather data and geographic data</a:t>
+            </a:r>
+          </a:p>
+          <a:p>
+            <a:pPr>
+              <a:lnSpc>
+                <a:spcPct val="200000"/>
+              </a:lnSpc>
+            </a:pPr>
+            <a:r>
+              <a:rPr lang="en-US"/>
+              <a:t>Try to recognize patterns</a:t>
+            </a:r>
+          </a:p>
+        </p:txBody>
+      </p:sp>
+    </p:spTree>
+    <p:extLst>
+      <p:ext uri="{BB962C8B-B14F-4D97-AF65-F5344CB8AC3E}">
+        <p14:creationId xmlns:p14="http://schemas.microsoft.com/office/powerpoint/2010/main" val="2170909605"/>
+      </p:ext>
+    </p:extLst>
+  </p:cSld>
+  <p:clrMapOvr>
+    <a:masterClrMapping/>
+  </p:clrMapOvr>
+</p:sld>
+</file>
+
+<file path=ppt/slides/slide3.xml><?xml version="1.0" encoding="utf-8"?>
+<p:sld xmlns:a="http://schemas.openxmlformats.org/drawingml/2006/main" xmlns:r="http://schemas.openxmlformats.org/officeDocument/2006/relationships" xmlns:p="http://schemas.openxmlformats.org/presentationml/2006/main">
+  <p:cSld>
+    <p:spTree>
+      <p:nvGrpSpPr>
+        <p:cNvPr id="1" name=""/>
+        <p:cNvGrpSpPr/>
+        <p:nvPr/>
+      </p:nvGrpSpPr>
+      <p:grpSpPr>
+        <a:xfrm>
+          <a:off x="0" y="0"/>
+          <a:ext cx="0" cy="0"/>
+          <a:chOff x="0" y="0"/>
+          <a:chExt cx="0" cy="0"/>
+        </a:xfrm>
+      </p:grpSpPr>
+      <p:sp>
+        <p:nvSpPr>
+          <p:cNvPr id="2" name="Title 1">
+            <a:extLst>
+              <a:ext uri="{FF2B5EF4-FFF2-40B4-BE49-F238E27FC236}">
+                <a16:creationId xmlns:a16="http://schemas.microsoft.com/office/drawing/2014/main" id="{A90CA53F-33DA-6E04-C8EF-9BBE16D597C7}"/>
+              </a:ext>
+            </a:extLst>
+          </p:cNvPr>
+          <p:cNvSpPr>
+            <a:spLocks noGrp="1"/>
+          </p:cNvSpPr>
+          <p:nvPr>
+            <p:ph type="title"/>
+          </p:nvPr>
+        </p:nvSpPr>
+        <p:spPr/>
+        <p:txBody>
+          <a:bodyPr vert="horz" lIns="91440" tIns="45720" rIns="91440" bIns="45720" rtlCol="0" anchor="t">
+            <a:normAutofit/>
+          </a:bodyPr>
+          <a:lstStyle/>
+          <a:p>
+            <a:r>
+              <a:rPr lang="en-US"/>
               <a:t>Data Pipeline</a:t>
             </a:r>
           </a:p>
@@ -3966,6 +4479,892 @@
             <a:extLst>
               <a:ext uri="{FF2B5EF4-FFF2-40B4-BE49-F238E27FC236}">
                 <a16:creationId xmlns:a16="http://schemas.microsoft.com/office/drawing/2014/main" id="{7B442DD6-4A6B-A4BE-D20F-9987EAD88A70}"/>
+              </a:ext>
+            </a:extLst>
+          </p:cNvPr>
+          <p:cNvSpPr/>
+          <p:nvPr/>
+        </p:nvSpPr>
+        <p:spPr>
+          <a:xfrm>
+            <a:off x="3892470" y="4550977"/>
+            <a:ext cx="3090221" cy="233459"/>
+          </a:xfrm>
+          <a:prstGeom prst="rightArrow">
+            <a:avLst/>
+          </a:prstGeom>
+        </p:spPr>
+        <p:style>
+          <a:lnRef idx="2">
+            <a:schemeClr val="accent1">
+              <a:shade val="15000"/>
+            </a:schemeClr>
+          </a:lnRef>
+          <a:fillRef idx="1">
+            <a:schemeClr val="accent1"/>
+          </a:fillRef>
+          <a:effectRef idx="0">
+            <a:schemeClr val="accent1"/>
+          </a:effectRef>
+          <a:fontRef idx="minor">
+            <a:schemeClr val="lt1"/>
+          </a:fontRef>
+        </p:style>
+        <p:txBody>
+          <a:bodyPr rtlCol="0" anchor="ctr"/>
+          <a:lstStyle/>
+          <a:p>
+            <a:pPr algn="ctr"/>
+            <a:endParaRPr lang="de-AT"/>
+          </a:p>
+        </p:txBody>
+      </p:sp>
+      <p:sp>
+        <p:nvSpPr>
+          <p:cNvPr id="5" name="Pfeil: nach rechts 2">
+            <a:extLst>
+              <a:ext uri="{FF2B5EF4-FFF2-40B4-BE49-F238E27FC236}">
+                <a16:creationId xmlns:a16="http://schemas.microsoft.com/office/drawing/2014/main" id="{7D74BAF6-EDA7-B06F-658D-FCFDB2063486}"/>
+              </a:ext>
+            </a:extLst>
+          </p:cNvPr>
+          <p:cNvSpPr/>
+          <p:nvPr/>
+        </p:nvSpPr>
+        <p:spPr>
+          <a:xfrm rot="11274512">
+            <a:off x="3476833" y="2307024"/>
+            <a:ext cx="651821" cy="233459"/>
+          </a:xfrm>
+          <a:prstGeom prst="rightArrow">
+            <a:avLst/>
+          </a:prstGeom>
+        </p:spPr>
+        <p:style>
+          <a:lnRef idx="2">
+            <a:schemeClr val="accent1">
+              <a:shade val="15000"/>
+            </a:schemeClr>
+          </a:lnRef>
+          <a:fillRef idx="1">
+            <a:schemeClr val="accent1"/>
+          </a:fillRef>
+          <a:effectRef idx="0">
+            <a:schemeClr val="accent1"/>
+          </a:effectRef>
+          <a:fontRef idx="minor">
+            <a:schemeClr val="lt1"/>
+          </a:fontRef>
+        </p:style>
+        <p:txBody>
+          <a:bodyPr rtlCol="0" anchor="ctr"/>
+          <a:lstStyle>
+            <a:defPPr>
+              <a:defRPr lang="de-DE"/>
+            </a:defPPr>
+            <a:lvl1pPr marL="0" algn="l" defTabSz="914400" rtl="0" eaLnBrk="1" latinLnBrk="0" hangingPunct="1">
+              <a:defRPr sz="1800" kern="1200">
+                <a:solidFill>
+                  <a:schemeClr val="lt1"/>
+                </a:solidFill>
+                <a:latin typeface="+mn-lt"/>
+                <a:ea typeface="+mn-ea"/>
+                <a:cs typeface="+mn-cs"/>
+              </a:defRPr>
+            </a:lvl1pPr>
+            <a:lvl2pPr marL="457200" algn="l" defTabSz="914400" rtl="0" eaLnBrk="1" latinLnBrk="0" hangingPunct="1">
+              <a:defRPr sz="1800" kern="1200">
+                <a:solidFill>
+                  <a:schemeClr val="lt1"/>
+                </a:solidFill>
+                <a:latin typeface="+mn-lt"/>
+                <a:ea typeface="+mn-ea"/>
+                <a:cs typeface="+mn-cs"/>
+              </a:defRPr>
+            </a:lvl2pPr>
+            <a:lvl3pPr marL="914400" algn="l" defTabSz="914400" rtl="0" eaLnBrk="1" latinLnBrk="0" hangingPunct="1">
+              <a:defRPr sz="1800" kern="1200">
+                <a:solidFill>
+                  <a:schemeClr val="lt1"/>
+                </a:solidFill>
+                <a:latin typeface="+mn-lt"/>
+                <a:ea typeface="+mn-ea"/>
+                <a:cs typeface="+mn-cs"/>
+              </a:defRPr>
+            </a:lvl3pPr>
+            <a:lvl4pPr marL="1371600" algn="l" defTabSz="914400" rtl="0" eaLnBrk="1" latinLnBrk="0" hangingPunct="1">
+              <a:defRPr sz="1800" kern="1200">
+                <a:solidFill>
+                  <a:schemeClr val="lt1"/>
+                </a:solidFill>
+                <a:latin typeface="+mn-lt"/>
+                <a:ea typeface="+mn-ea"/>
+                <a:cs typeface="+mn-cs"/>
+              </a:defRPr>
+            </a:lvl4pPr>
+            <a:lvl5pPr marL="1828800" algn="l" defTabSz="914400" rtl="0" eaLnBrk="1" latinLnBrk="0" hangingPunct="1">
+              <a:defRPr sz="1800" kern="1200">
+                <a:solidFill>
+                  <a:schemeClr val="lt1"/>
+                </a:solidFill>
+                <a:latin typeface="+mn-lt"/>
+                <a:ea typeface="+mn-ea"/>
+                <a:cs typeface="+mn-cs"/>
+              </a:defRPr>
+            </a:lvl5pPr>
+            <a:lvl6pPr marL="2286000" algn="l" defTabSz="914400" rtl="0" eaLnBrk="1" latinLnBrk="0" hangingPunct="1">
+              <a:defRPr sz="1800" kern="1200">
+                <a:solidFill>
+                  <a:schemeClr val="lt1"/>
+                </a:solidFill>
+                <a:latin typeface="+mn-lt"/>
+                <a:ea typeface="+mn-ea"/>
+                <a:cs typeface="+mn-cs"/>
+              </a:defRPr>
+            </a:lvl6pPr>
+            <a:lvl7pPr marL="2743200" algn="l" defTabSz="914400" rtl="0" eaLnBrk="1" latinLnBrk="0" hangingPunct="1">
+              <a:defRPr sz="1800" kern="1200">
+                <a:solidFill>
+                  <a:schemeClr val="lt1"/>
+                </a:solidFill>
+                <a:latin typeface="+mn-lt"/>
+                <a:ea typeface="+mn-ea"/>
+                <a:cs typeface="+mn-cs"/>
+              </a:defRPr>
+            </a:lvl7pPr>
+            <a:lvl8pPr marL="3200400" algn="l" defTabSz="914400" rtl="0" eaLnBrk="1" latinLnBrk="0" hangingPunct="1">
+              <a:defRPr sz="1800" kern="1200">
+                <a:solidFill>
+                  <a:schemeClr val="lt1"/>
+                </a:solidFill>
+                <a:latin typeface="+mn-lt"/>
+                <a:ea typeface="+mn-ea"/>
+                <a:cs typeface="+mn-cs"/>
+              </a:defRPr>
+            </a:lvl8pPr>
+            <a:lvl9pPr marL="3657600" algn="l" defTabSz="914400" rtl="0" eaLnBrk="1" latinLnBrk="0" hangingPunct="1">
+              <a:defRPr sz="1800" kern="1200">
+                <a:solidFill>
+                  <a:schemeClr val="lt1"/>
+                </a:solidFill>
+                <a:latin typeface="+mn-lt"/>
+                <a:ea typeface="+mn-ea"/>
+                <a:cs typeface="+mn-cs"/>
+              </a:defRPr>
+            </a:lvl9pPr>
+          </a:lstStyle>
+          <a:p>
+            <a:pPr algn="ctr"/>
+            <a:endParaRPr lang="de-AT"/>
+          </a:p>
+        </p:txBody>
+      </p:sp>
+      <p:sp>
+        <p:nvSpPr>
+          <p:cNvPr id="6" name="Pfeil: nach rechts 2">
+            <a:extLst>
+              <a:ext uri="{FF2B5EF4-FFF2-40B4-BE49-F238E27FC236}">
+                <a16:creationId xmlns:a16="http://schemas.microsoft.com/office/drawing/2014/main" id="{C268DD32-957D-1887-5A4A-1EB83A23FC79}"/>
+              </a:ext>
+            </a:extLst>
+          </p:cNvPr>
+          <p:cNvSpPr/>
+          <p:nvPr/>
+        </p:nvSpPr>
+        <p:spPr>
+          <a:xfrm rot="480000">
+            <a:off x="3602384" y="2347212"/>
+            <a:ext cx="651821" cy="233459"/>
+          </a:xfrm>
+          <a:prstGeom prst="rightArrow">
+            <a:avLst/>
+          </a:prstGeom>
+        </p:spPr>
+        <p:style>
+          <a:lnRef idx="2">
+            <a:schemeClr val="accent1">
+              <a:shade val="15000"/>
+            </a:schemeClr>
+          </a:lnRef>
+          <a:fillRef idx="1">
+            <a:schemeClr val="accent1"/>
+          </a:fillRef>
+          <a:effectRef idx="0">
+            <a:schemeClr val="accent1"/>
+          </a:effectRef>
+          <a:fontRef idx="minor">
+            <a:schemeClr val="lt1"/>
+          </a:fontRef>
+        </p:style>
+        <p:txBody>
+          <a:bodyPr rtlCol="0" anchor="ctr"/>
+          <a:lstStyle>
+            <a:defPPr>
+              <a:defRPr lang="de-DE"/>
+            </a:defPPr>
+            <a:lvl1pPr marL="0" algn="l" defTabSz="914400" rtl="0" eaLnBrk="1" latinLnBrk="0" hangingPunct="1">
+              <a:defRPr sz="1800" kern="1200">
+                <a:solidFill>
+                  <a:schemeClr val="lt1"/>
+                </a:solidFill>
+                <a:latin typeface="+mn-lt"/>
+                <a:ea typeface="+mn-ea"/>
+                <a:cs typeface="+mn-cs"/>
+              </a:defRPr>
+            </a:lvl1pPr>
+            <a:lvl2pPr marL="457200" algn="l" defTabSz="914400" rtl="0" eaLnBrk="1" latinLnBrk="0" hangingPunct="1">
+              <a:defRPr sz="1800" kern="1200">
+                <a:solidFill>
+                  <a:schemeClr val="lt1"/>
+                </a:solidFill>
+                <a:latin typeface="+mn-lt"/>
+                <a:ea typeface="+mn-ea"/>
+                <a:cs typeface="+mn-cs"/>
+              </a:defRPr>
+            </a:lvl2pPr>
+            <a:lvl3pPr marL="914400" algn="l" defTabSz="914400" rtl="0" eaLnBrk="1" latinLnBrk="0" hangingPunct="1">
+              <a:defRPr sz="1800" kern="1200">
+                <a:solidFill>
+                  <a:schemeClr val="lt1"/>
+                </a:solidFill>
+                <a:latin typeface="+mn-lt"/>
+                <a:ea typeface="+mn-ea"/>
+                <a:cs typeface="+mn-cs"/>
+              </a:defRPr>
+            </a:lvl3pPr>
+            <a:lvl4pPr marL="1371600" algn="l" defTabSz="914400" rtl="0" eaLnBrk="1" latinLnBrk="0" hangingPunct="1">
+              <a:defRPr sz="1800" kern="1200">
+                <a:solidFill>
+                  <a:schemeClr val="lt1"/>
+                </a:solidFill>
+                <a:latin typeface="+mn-lt"/>
+                <a:ea typeface="+mn-ea"/>
+                <a:cs typeface="+mn-cs"/>
+              </a:defRPr>
+            </a:lvl4pPr>
+            <a:lvl5pPr marL="1828800" algn="l" defTabSz="914400" rtl="0" eaLnBrk="1" latinLnBrk="0" hangingPunct="1">
+              <a:defRPr sz="1800" kern="1200">
+                <a:solidFill>
+                  <a:schemeClr val="lt1"/>
+                </a:solidFill>
+                <a:latin typeface="+mn-lt"/>
+                <a:ea typeface="+mn-ea"/>
+                <a:cs typeface="+mn-cs"/>
+              </a:defRPr>
+            </a:lvl5pPr>
+            <a:lvl6pPr marL="2286000" algn="l" defTabSz="914400" rtl="0" eaLnBrk="1" latinLnBrk="0" hangingPunct="1">
+              <a:defRPr sz="1800" kern="1200">
+                <a:solidFill>
+                  <a:schemeClr val="lt1"/>
+                </a:solidFill>
+                <a:latin typeface="+mn-lt"/>
+                <a:ea typeface="+mn-ea"/>
+                <a:cs typeface="+mn-cs"/>
+              </a:defRPr>
+            </a:lvl6pPr>
+            <a:lvl7pPr marL="2743200" algn="l" defTabSz="914400" rtl="0" eaLnBrk="1" latinLnBrk="0" hangingPunct="1">
+              <a:defRPr sz="1800" kern="1200">
+                <a:solidFill>
+                  <a:schemeClr val="lt1"/>
+                </a:solidFill>
+                <a:latin typeface="+mn-lt"/>
+                <a:ea typeface="+mn-ea"/>
+                <a:cs typeface="+mn-cs"/>
+              </a:defRPr>
+            </a:lvl7pPr>
+            <a:lvl8pPr marL="3200400" algn="l" defTabSz="914400" rtl="0" eaLnBrk="1" latinLnBrk="0" hangingPunct="1">
+              <a:defRPr sz="1800" kern="1200">
+                <a:solidFill>
+                  <a:schemeClr val="lt1"/>
+                </a:solidFill>
+                <a:latin typeface="+mn-lt"/>
+                <a:ea typeface="+mn-ea"/>
+                <a:cs typeface="+mn-cs"/>
+              </a:defRPr>
+            </a:lvl8pPr>
+            <a:lvl9pPr marL="3657600" algn="l" defTabSz="914400" rtl="0" eaLnBrk="1" latinLnBrk="0" hangingPunct="1">
+              <a:defRPr sz="1800" kern="1200">
+                <a:solidFill>
+                  <a:schemeClr val="lt1"/>
+                </a:solidFill>
+                <a:latin typeface="+mn-lt"/>
+                <a:ea typeface="+mn-ea"/>
+                <a:cs typeface="+mn-cs"/>
+              </a:defRPr>
+            </a:lvl9pPr>
+          </a:lstStyle>
+          <a:p>
+            <a:pPr algn="ctr"/>
+            <a:endParaRPr lang="de-AT"/>
+          </a:p>
+        </p:txBody>
+      </p:sp>
+      <p:sp>
+        <p:nvSpPr>
+          <p:cNvPr id="7" name="Pfeil: nach rechts 2">
+            <a:extLst>
+              <a:ext uri="{FF2B5EF4-FFF2-40B4-BE49-F238E27FC236}">
+                <a16:creationId xmlns:a16="http://schemas.microsoft.com/office/drawing/2014/main" id="{EAB3F12C-DE34-08E4-DC9A-9073E9E53F92}"/>
+              </a:ext>
+            </a:extLst>
+          </p:cNvPr>
+          <p:cNvSpPr/>
+          <p:nvPr/>
+        </p:nvSpPr>
+        <p:spPr>
+          <a:xfrm rot="415989">
+            <a:off x="5536541" y="2443257"/>
+            <a:ext cx="651821" cy="233459"/>
+          </a:xfrm>
+          <a:prstGeom prst="rightArrow">
+            <a:avLst/>
+          </a:prstGeom>
+        </p:spPr>
+        <p:style>
+          <a:lnRef idx="2">
+            <a:schemeClr val="accent1">
+              <a:shade val="15000"/>
+            </a:schemeClr>
+          </a:lnRef>
+          <a:fillRef idx="1">
+            <a:schemeClr val="accent1"/>
+          </a:fillRef>
+          <a:effectRef idx="0">
+            <a:schemeClr val="accent1"/>
+          </a:effectRef>
+          <a:fontRef idx="minor">
+            <a:schemeClr val="lt1"/>
+          </a:fontRef>
+        </p:style>
+        <p:txBody>
+          <a:bodyPr rtlCol="0" anchor="ctr"/>
+          <a:lstStyle>
+            <a:defPPr>
+              <a:defRPr lang="de-DE"/>
+            </a:defPPr>
+            <a:lvl1pPr marL="0" algn="l" defTabSz="914400" rtl="0" eaLnBrk="1" latinLnBrk="0" hangingPunct="1">
+              <a:defRPr sz="1800" kern="1200">
+                <a:solidFill>
+                  <a:schemeClr val="lt1"/>
+                </a:solidFill>
+                <a:latin typeface="+mn-lt"/>
+                <a:ea typeface="+mn-ea"/>
+                <a:cs typeface="+mn-cs"/>
+              </a:defRPr>
+            </a:lvl1pPr>
+            <a:lvl2pPr marL="457200" algn="l" defTabSz="914400" rtl="0" eaLnBrk="1" latinLnBrk="0" hangingPunct="1">
+              <a:defRPr sz="1800" kern="1200">
+                <a:solidFill>
+                  <a:schemeClr val="lt1"/>
+                </a:solidFill>
+                <a:latin typeface="+mn-lt"/>
+                <a:ea typeface="+mn-ea"/>
+                <a:cs typeface="+mn-cs"/>
+              </a:defRPr>
+            </a:lvl2pPr>
+            <a:lvl3pPr marL="914400" algn="l" defTabSz="914400" rtl="0" eaLnBrk="1" latinLnBrk="0" hangingPunct="1">
+              <a:defRPr sz="1800" kern="1200">
+                <a:solidFill>
+                  <a:schemeClr val="lt1"/>
+                </a:solidFill>
+                <a:latin typeface="+mn-lt"/>
+                <a:ea typeface="+mn-ea"/>
+                <a:cs typeface="+mn-cs"/>
+              </a:defRPr>
+            </a:lvl3pPr>
+            <a:lvl4pPr marL="1371600" algn="l" defTabSz="914400" rtl="0" eaLnBrk="1" latinLnBrk="0" hangingPunct="1">
+              <a:defRPr sz="1800" kern="1200">
+                <a:solidFill>
+                  <a:schemeClr val="lt1"/>
+                </a:solidFill>
+                <a:latin typeface="+mn-lt"/>
+                <a:ea typeface="+mn-ea"/>
+                <a:cs typeface="+mn-cs"/>
+              </a:defRPr>
+            </a:lvl4pPr>
+            <a:lvl5pPr marL="1828800" algn="l" defTabSz="914400" rtl="0" eaLnBrk="1" latinLnBrk="0" hangingPunct="1">
+              <a:defRPr sz="1800" kern="1200">
+                <a:solidFill>
+                  <a:schemeClr val="lt1"/>
+                </a:solidFill>
+                <a:latin typeface="+mn-lt"/>
+                <a:ea typeface="+mn-ea"/>
+                <a:cs typeface="+mn-cs"/>
+              </a:defRPr>
+            </a:lvl5pPr>
+            <a:lvl6pPr marL="2286000" algn="l" defTabSz="914400" rtl="0" eaLnBrk="1" latinLnBrk="0" hangingPunct="1">
+              <a:defRPr sz="1800" kern="1200">
+                <a:solidFill>
+                  <a:schemeClr val="lt1"/>
+                </a:solidFill>
+                <a:latin typeface="+mn-lt"/>
+                <a:ea typeface="+mn-ea"/>
+                <a:cs typeface="+mn-cs"/>
+              </a:defRPr>
+            </a:lvl6pPr>
+            <a:lvl7pPr marL="2743200" algn="l" defTabSz="914400" rtl="0" eaLnBrk="1" latinLnBrk="0" hangingPunct="1">
+              <a:defRPr sz="1800" kern="1200">
+                <a:solidFill>
+                  <a:schemeClr val="lt1"/>
+                </a:solidFill>
+                <a:latin typeface="+mn-lt"/>
+                <a:ea typeface="+mn-ea"/>
+                <a:cs typeface="+mn-cs"/>
+              </a:defRPr>
+            </a:lvl7pPr>
+            <a:lvl8pPr marL="3200400" algn="l" defTabSz="914400" rtl="0" eaLnBrk="1" latinLnBrk="0" hangingPunct="1">
+              <a:defRPr sz="1800" kern="1200">
+                <a:solidFill>
+                  <a:schemeClr val="lt1"/>
+                </a:solidFill>
+                <a:latin typeface="+mn-lt"/>
+                <a:ea typeface="+mn-ea"/>
+                <a:cs typeface="+mn-cs"/>
+              </a:defRPr>
+            </a:lvl8pPr>
+            <a:lvl9pPr marL="3657600" algn="l" defTabSz="914400" rtl="0" eaLnBrk="1" latinLnBrk="0" hangingPunct="1">
+              <a:defRPr sz="1800" kern="1200">
+                <a:solidFill>
+                  <a:schemeClr val="lt1"/>
+                </a:solidFill>
+                <a:latin typeface="+mn-lt"/>
+                <a:ea typeface="+mn-ea"/>
+                <a:cs typeface="+mn-cs"/>
+              </a:defRPr>
+            </a:lvl9pPr>
+          </a:lstStyle>
+          <a:p>
+            <a:pPr algn="ctr"/>
+            <a:endParaRPr lang="de-AT"/>
+          </a:p>
+        </p:txBody>
+      </p:sp>
+      <p:sp>
+        <p:nvSpPr>
+          <p:cNvPr id="8" name="Pfeil: nach rechts 2">
+            <a:extLst>
+              <a:ext uri="{FF2B5EF4-FFF2-40B4-BE49-F238E27FC236}">
+                <a16:creationId xmlns:a16="http://schemas.microsoft.com/office/drawing/2014/main" id="{C3FC9B15-7DC0-DF0D-EC36-5CF2D569B4BF}"/>
+              </a:ext>
+            </a:extLst>
+          </p:cNvPr>
+          <p:cNvSpPr/>
+          <p:nvPr/>
+        </p:nvSpPr>
+        <p:spPr>
+          <a:xfrm rot="10402305">
+            <a:off x="5353353" y="3034384"/>
+            <a:ext cx="651821" cy="233459"/>
+          </a:xfrm>
+          <a:prstGeom prst="rightArrow">
+            <a:avLst/>
+          </a:prstGeom>
+        </p:spPr>
+        <p:style>
+          <a:lnRef idx="2">
+            <a:schemeClr val="accent1">
+              <a:shade val="15000"/>
+            </a:schemeClr>
+          </a:lnRef>
+          <a:fillRef idx="1">
+            <a:schemeClr val="accent1"/>
+          </a:fillRef>
+          <a:effectRef idx="0">
+            <a:schemeClr val="accent1"/>
+          </a:effectRef>
+          <a:fontRef idx="minor">
+            <a:schemeClr val="lt1"/>
+          </a:fontRef>
+        </p:style>
+        <p:txBody>
+          <a:bodyPr rtlCol="0" anchor="ctr"/>
+          <a:lstStyle>
+            <a:defPPr>
+              <a:defRPr lang="de-DE"/>
+            </a:defPPr>
+            <a:lvl1pPr marL="0" algn="l" defTabSz="914400" rtl="0" eaLnBrk="1" latinLnBrk="0" hangingPunct="1">
+              <a:defRPr sz="1800" kern="1200">
+                <a:solidFill>
+                  <a:schemeClr val="lt1"/>
+                </a:solidFill>
+                <a:latin typeface="+mn-lt"/>
+                <a:ea typeface="+mn-ea"/>
+                <a:cs typeface="+mn-cs"/>
+              </a:defRPr>
+            </a:lvl1pPr>
+            <a:lvl2pPr marL="457200" algn="l" defTabSz="914400" rtl="0" eaLnBrk="1" latinLnBrk="0" hangingPunct="1">
+              <a:defRPr sz="1800" kern="1200">
+                <a:solidFill>
+                  <a:schemeClr val="lt1"/>
+                </a:solidFill>
+                <a:latin typeface="+mn-lt"/>
+                <a:ea typeface="+mn-ea"/>
+                <a:cs typeface="+mn-cs"/>
+              </a:defRPr>
+            </a:lvl2pPr>
+            <a:lvl3pPr marL="914400" algn="l" defTabSz="914400" rtl="0" eaLnBrk="1" latinLnBrk="0" hangingPunct="1">
+              <a:defRPr sz="1800" kern="1200">
+                <a:solidFill>
+                  <a:schemeClr val="lt1"/>
+                </a:solidFill>
+                <a:latin typeface="+mn-lt"/>
+                <a:ea typeface="+mn-ea"/>
+                <a:cs typeface="+mn-cs"/>
+              </a:defRPr>
+            </a:lvl3pPr>
+            <a:lvl4pPr marL="1371600" algn="l" defTabSz="914400" rtl="0" eaLnBrk="1" latinLnBrk="0" hangingPunct="1">
+              <a:defRPr sz="1800" kern="1200">
+                <a:solidFill>
+                  <a:schemeClr val="lt1"/>
+                </a:solidFill>
+                <a:latin typeface="+mn-lt"/>
+                <a:ea typeface="+mn-ea"/>
+                <a:cs typeface="+mn-cs"/>
+              </a:defRPr>
+            </a:lvl4pPr>
+            <a:lvl5pPr marL="1828800" algn="l" defTabSz="914400" rtl="0" eaLnBrk="1" latinLnBrk="0" hangingPunct="1">
+              <a:defRPr sz="1800" kern="1200">
+                <a:solidFill>
+                  <a:schemeClr val="lt1"/>
+                </a:solidFill>
+                <a:latin typeface="+mn-lt"/>
+                <a:ea typeface="+mn-ea"/>
+                <a:cs typeface="+mn-cs"/>
+              </a:defRPr>
+            </a:lvl5pPr>
+            <a:lvl6pPr marL="2286000" algn="l" defTabSz="914400" rtl="0" eaLnBrk="1" latinLnBrk="0" hangingPunct="1">
+              <a:defRPr sz="1800" kern="1200">
+                <a:solidFill>
+                  <a:schemeClr val="lt1"/>
+                </a:solidFill>
+                <a:latin typeface="+mn-lt"/>
+                <a:ea typeface="+mn-ea"/>
+                <a:cs typeface="+mn-cs"/>
+              </a:defRPr>
+            </a:lvl6pPr>
+            <a:lvl7pPr marL="2743200" algn="l" defTabSz="914400" rtl="0" eaLnBrk="1" latinLnBrk="0" hangingPunct="1">
+              <a:defRPr sz="1800" kern="1200">
+                <a:solidFill>
+                  <a:schemeClr val="lt1"/>
+                </a:solidFill>
+                <a:latin typeface="+mn-lt"/>
+                <a:ea typeface="+mn-ea"/>
+                <a:cs typeface="+mn-cs"/>
+              </a:defRPr>
+            </a:lvl7pPr>
+            <a:lvl8pPr marL="3200400" algn="l" defTabSz="914400" rtl="0" eaLnBrk="1" latinLnBrk="0" hangingPunct="1">
+              <a:defRPr sz="1800" kern="1200">
+                <a:solidFill>
+                  <a:schemeClr val="lt1"/>
+                </a:solidFill>
+                <a:latin typeface="+mn-lt"/>
+                <a:ea typeface="+mn-ea"/>
+                <a:cs typeface="+mn-cs"/>
+              </a:defRPr>
+            </a:lvl8pPr>
+            <a:lvl9pPr marL="3657600" algn="l" defTabSz="914400" rtl="0" eaLnBrk="1" latinLnBrk="0" hangingPunct="1">
+              <a:defRPr sz="1800" kern="1200">
+                <a:solidFill>
+                  <a:schemeClr val="lt1"/>
+                </a:solidFill>
+                <a:latin typeface="+mn-lt"/>
+                <a:ea typeface="+mn-ea"/>
+                <a:cs typeface="+mn-cs"/>
+              </a:defRPr>
+            </a:lvl9pPr>
+          </a:lstStyle>
+          <a:p>
+            <a:pPr algn="ctr"/>
+            <a:endParaRPr lang="de-AT"/>
+          </a:p>
+        </p:txBody>
+      </p:sp>
+      <p:sp>
+        <p:nvSpPr>
+          <p:cNvPr id="9" name="Pfeil: nach rechts 2">
+            <a:extLst>
+              <a:ext uri="{FF2B5EF4-FFF2-40B4-BE49-F238E27FC236}">
+                <a16:creationId xmlns:a16="http://schemas.microsoft.com/office/drawing/2014/main" id="{718D79C8-4836-E608-EE16-4626C7964FEF}"/>
+              </a:ext>
+            </a:extLst>
+          </p:cNvPr>
+          <p:cNvSpPr/>
+          <p:nvPr/>
+        </p:nvSpPr>
+        <p:spPr>
+          <a:xfrm rot="10800000">
+            <a:off x="3413717" y="3256853"/>
+            <a:ext cx="651821" cy="233459"/>
+          </a:xfrm>
+          <a:prstGeom prst="rightArrow">
+            <a:avLst/>
+          </a:prstGeom>
+        </p:spPr>
+        <p:style>
+          <a:lnRef idx="2">
+            <a:schemeClr val="accent1">
+              <a:shade val="15000"/>
+            </a:schemeClr>
+          </a:lnRef>
+          <a:fillRef idx="1">
+            <a:schemeClr val="accent1"/>
+          </a:fillRef>
+          <a:effectRef idx="0">
+            <a:schemeClr val="accent1"/>
+          </a:effectRef>
+          <a:fontRef idx="minor">
+            <a:schemeClr val="lt1"/>
+          </a:fontRef>
+        </p:style>
+        <p:txBody>
+          <a:bodyPr rtlCol="0" anchor="ctr"/>
+          <a:lstStyle>
+            <a:defPPr>
+              <a:defRPr lang="de-DE"/>
+            </a:defPPr>
+            <a:lvl1pPr marL="0" algn="l" defTabSz="914400" rtl="0" eaLnBrk="1" latinLnBrk="0" hangingPunct="1">
+              <a:defRPr sz="1800" kern="1200">
+                <a:solidFill>
+                  <a:schemeClr val="lt1"/>
+                </a:solidFill>
+                <a:latin typeface="+mn-lt"/>
+                <a:ea typeface="+mn-ea"/>
+                <a:cs typeface="+mn-cs"/>
+              </a:defRPr>
+            </a:lvl1pPr>
+            <a:lvl2pPr marL="457200" algn="l" defTabSz="914400" rtl="0" eaLnBrk="1" latinLnBrk="0" hangingPunct="1">
+              <a:defRPr sz="1800" kern="1200">
+                <a:solidFill>
+                  <a:schemeClr val="lt1"/>
+                </a:solidFill>
+                <a:latin typeface="+mn-lt"/>
+                <a:ea typeface="+mn-ea"/>
+                <a:cs typeface="+mn-cs"/>
+              </a:defRPr>
+            </a:lvl2pPr>
+            <a:lvl3pPr marL="914400" algn="l" defTabSz="914400" rtl="0" eaLnBrk="1" latinLnBrk="0" hangingPunct="1">
+              <a:defRPr sz="1800" kern="1200">
+                <a:solidFill>
+                  <a:schemeClr val="lt1"/>
+                </a:solidFill>
+                <a:latin typeface="+mn-lt"/>
+                <a:ea typeface="+mn-ea"/>
+                <a:cs typeface="+mn-cs"/>
+              </a:defRPr>
+            </a:lvl3pPr>
+            <a:lvl4pPr marL="1371600" algn="l" defTabSz="914400" rtl="0" eaLnBrk="1" latinLnBrk="0" hangingPunct="1">
+              <a:defRPr sz="1800" kern="1200">
+                <a:solidFill>
+                  <a:schemeClr val="lt1"/>
+                </a:solidFill>
+                <a:latin typeface="+mn-lt"/>
+                <a:ea typeface="+mn-ea"/>
+                <a:cs typeface="+mn-cs"/>
+              </a:defRPr>
+            </a:lvl4pPr>
+            <a:lvl5pPr marL="1828800" algn="l" defTabSz="914400" rtl="0" eaLnBrk="1" latinLnBrk="0" hangingPunct="1">
+              <a:defRPr sz="1800" kern="1200">
+                <a:solidFill>
+                  <a:schemeClr val="lt1"/>
+                </a:solidFill>
+                <a:latin typeface="+mn-lt"/>
+                <a:ea typeface="+mn-ea"/>
+                <a:cs typeface="+mn-cs"/>
+              </a:defRPr>
+            </a:lvl5pPr>
+            <a:lvl6pPr marL="2286000" algn="l" defTabSz="914400" rtl="0" eaLnBrk="1" latinLnBrk="0" hangingPunct="1">
+              <a:defRPr sz="1800" kern="1200">
+                <a:solidFill>
+                  <a:schemeClr val="lt1"/>
+                </a:solidFill>
+                <a:latin typeface="+mn-lt"/>
+                <a:ea typeface="+mn-ea"/>
+                <a:cs typeface="+mn-cs"/>
+              </a:defRPr>
+            </a:lvl6pPr>
+            <a:lvl7pPr marL="2743200" algn="l" defTabSz="914400" rtl="0" eaLnBrk="1" latinLnBrk="0" hangingPunct="1">
+              <a:defRPr sz="1800" kern="1200">
+                <a:solidFill>
+                  <a:schemeClr val="lt1"/>
+                </a:solidFill>
+                <a:latin typeface="+mn-lt"/>
+                <a:ea typeface="+mn-ea"/>
+                <a:cs typeface="+mn-cs"/>
+              </a:defRPr>
+            </a:lvl7pPr>
+            <a:lvl8pPr marL="3200400" algn="l" defTabSz="914400" rtl="0" eaLnBrk="1" latinLnBrk="0" hangingPunct="1">
+              <a:defRPr sz="1800" kern="1200">
+                <a:solidFill>
+                  <a:schemeClr val="lt1"/>
+                </a:solidFill>
+                <a:latin typeface="+mn-lt"/>
+                <a:ea typeface="+mn-ea"/>
+                <a:cs typeface="+mn-cs"/>
+              </a:defRPr>
+            </a:lvl8pPr>
+            <a:lvl9pPr marL="3657600" algn="l" defTabSz="914400" rtl="0" eaLnBrk="1" latinLnBrk="0" hangingPunct="1">
+              <a:defRPr sz="1800" kern="1200">
+                <a:solidFill>
+                  <a:schemeClr val="lt1"/>
+                </a:solidFill>
+                <a:latin typeface="+mn-lt"/>
+                <a:ea typeface="+mn-ea"/>
+                <a:cs typeface="+mn-cs"/>
+              </a:defRPr>
+            </a:lvl9pPr>
+          </a:lstStyle>
+          <a:p>
+            <a:pPr algn="ctr"/>
+            <a:endParaRPr lang="de-AT"/>
+          </a:p>
+        </p:txBody>
+      </p:sp>
+      <p:sp>
+        <p:nvSpPr>
+          <p:cNvPr id="10" name="Pfeil: nach rechts 2">
+            <a:extLst>
+              <a:ext uri="{FF2B5EF4-FFF2-40B4-BE49-F238E27FC236}">
+                <a16:creationId xmlns:a16="http://schemas.microsoft.com/office/drawing/2014/main" id="{665B6E92-B2A1-CBD1-2DDE-117CD217FD5B}"/>
+              </a:ext>
+            </a:extLst>
+          </p:cNvPr>
+          <p:cNvSpPr/>
+          <p:nvPr/>
+        </p:nvSpPr>
+        <p:spPr>
+          <a:xfrm>
+            <a:off x="3395245" y="3589362"/>
+            <a:ext cx="651821" cy="233459"/>
+          </a:xfrm>
+          <a:prstGeom prst="rightArrow">
+            <a:avLst/>
+          </a:prstGeom>
+        </p:spPr>
+        <p:style>
+          <a:lnRef idx="2">
+            <a:schemeClr val="accent1">
+              <a:shade val="15000"/>
+            </a:schemeClr>
+          </a:lnRef>
+          <a:fillRef idx="1">
+            <a:schemeClr val="accent1"/>
+          </a:fillRef>
+          <a:effectRef idx="0">
+            <a:schemeClr val="accent1"/>
+          </a:effectRef>
+          <a:fontRef idx="minor">
+            <a:schemeClr val="lt1"/>
+          </a:fontRef>
+        </p:style>
+        <p:txBody>
+          <a:bodyPr rtlCol="0" anchor="ctr"/>
+          <a:lstStyle>
+            <a:defPPr>
+              <a:defRPr lang="de-DE"/>
+            </a:defPPr>
+            <a:lvl1pPr marL="0" algn="l" defTabSz="914400" rtl="0" eaLnBrk="1" latinLnBrk="0" hangingPunct="1">
+              <a:defRPr sz="1800" kern="1200">
+                <a:solidFill>
+                  <a:schemeClr val="lt1"/>
+                </a:solidFill>
+                <a:latin typeface="+mn-lt"/>
+                <a:ea typeface="+mn-ea"/>
+                <a:cs typeface="+mn-cs"/>
+              </a:defRPr>
+            </a:lvl1pPr>
+            <a:lvl2pPr marL="457200" algn="l" defTabSz="914400" rtl="0" eaLnBrk="1" latinLnBrk="0" hangingPunct="1">
+              <a:defRPr sz="1800" kern="1200">
+                <a:solidFill>
+                  <a:schemeClr val="lt1"/>
+                </a:solidFill>
+                <a:latin typeface="+mn-lt"/>
+                <a:ea typeface="+mn-ea"/>
+                <a:cs typeface="+mn-cs"/>
+              </a:defRPr>
+            </a:lvl2pPr>
+            <a:lvl3pPr marL="914400" algn="l" defTabSz="914400" rtl="0" eaLnBrk="1" latinLnBrk="0" hangingPunct="1">
+              <a:defRPr sz="1800" kern="1200">
+                <a:solidFill>
+                  <a:schemeClr val="lt1"/>
+                </a:solidFill>
+                <a:latin typeface="+mn-lt"/>
+                <a:ea typeface="+mn-ea"/>
+                <a:cs typeface="+mn-cs"/>
+              </a:defRPr>
+            </a:lvl3pPr>
+            <a:lvl4pPr marL="1371600" algn="l" defTabSz="914400" rtl="0" eaLnBrk="1" latinLnBrk="0" hangingPunct="1">
+              <a:defRPr sz="1800" kern="1200">
+                <a:solidFill>
+                  <a:schemeClr val="lt1"/>
+                </a:solidFill>
+                <a:latin typeface="+mn-lt"/>
+                <a:ea typeface="+mn-ea"/>
+                <a:cs typeface="+mn-cs"/>
+              </a:defRPr>
+            </a:lvl4pPr>
+            <a:lvl5pPr marL="1828800" algn="l" defTabSz="914400" rtl="0" eaLnBrk="1" latinLnBrk="0" hangingPunct="1">
+              <a:defRPr sz="1800" kern="1200">
+                <a:solidFill>
+                  <a:schemeClr val="lt1"/>
+                </a:solidFill>
+                <a:latin typeface="+mn-lt"/>
+                <a:ea typeface="+mn-ea"/>
+                <a:cs typeface="+mn-cs"/>
+              </a:defRPr>
+            </a:lvl5pPr>
+            <a:lvl6pPr marL="2286000" algn="l" defTabSz="914400" rtl="0" eaLnBrk="1" latinLnBrk="0" hangingPunct="1">
+              <a:defRPr sz="1800" kern="1200">
+                <a:solidFill>
+                  <a:schemeClr val="lt1"/>
+                </a:solidFill>
+                <a:latin typeface="+mn-lt"/>
+                <a:ea typeface="+mn-ea"/>
+                <a:cs typeface="+mn-cs"/>
+              </a:defRPr>
+            </a:lvl6pPr>
+            <a:lvl7pPr marL="2743200" algn="l" defTabSz="914400" rtl="0" eaLnBrk="1" latinLnBrk="0" hangingPunct="1">
+              <a:defRPr sz="1800" kern="1200">
+                <a:solidFill>
+                  <a:schemeClr val="lt1"/>
+                </a:solidFill>
+                <a:latin typeface="+mn-lt"/>
+                <a:ea typeface="+mn-ea"/>
+                <a:cs typeface="+mn-cs"/>
+              </a:defRPr>
+            </a:lvl7pPr>
+            <a:lvl8pPr marL="3200400" algn="l" defTabSz="914400" rtl="0" eaLnBrk="1" latinLnBrk="0" hangingPunct="1">
+              <a:defRPr sz="1800" kern="1200">
+                <a:solidFill>
+                  <a:schemeClr val="lt1"/>
+                </a:solidFill>
+                <a:latin typeface="+mn-lt"/>
+                <a:ea typeface="+mn-ea"/>
+                <a:cs typeface="+mn-cs"/>
+              </a:defRPr>
+            </a:lvl8pPr>
+            <a:lvl9pPr marL="3657600" algn="l" defTabSz="914400" rtl="0" eaLnBrk="1" latinLnBrk="0" hangingPunct="1">
+              <a:defRPr sz="1800" kern="1200">
+                <a:solidFill>
+                  <a:schemeClr val="lt1"/>
+                </a:solidFill>
+                <a:latin typeface="+mn-lt"/>
+                <a:ea typeface="+mn-ea"/>
+                <a:cs typeface="+mn-cs"/>
+              </a:defRPr>
+            </a:lvl9pPr>
+          </a:lstStyle>
+          <a:p>
+            <a:pPr algn="ctr"/>
+            <a:endParaRPr lang="de-AT"/>
+          </a:p>
+        </p:txBody>
+      </p:sp>
+      <p:sp>
+        <p:nvSpPr>
+          <p:cNvPr id="12" name="Pfeil: nach rechts 2">
+            <a:extLst>
+              <a:ext uri="{FF2B5EF4-FFF2-40B4-BE49-F238E27FC236}">
+                <a16:creationId xmlns:a16="http://schemas.microsoft.com/office/drawing/2014/main" id="{93ED72C8-BE3E-A032-2101-C1655C994F9C}"/>
               </a:ext>
             </a:extLst>
           </p:cNvPr>
@@ -4006,113 +5405,12 @@
           </a:p>
         </p:txBody>
       </p:sp>
-    </p:spTree>
-    <p:extLst>
-      <p:ext uri="{BB962C8B-B14F-4D97-AF65-F5344CB8AC3E}">
-        <p14:creationId xmlns:p14="http://schemas.microsoft.com/office/powerpoint/2010/main" val="2147922704"/>
-      </p:ext>
-    </p:extLst>
-  </p:cSld>
-  <p:clrMapOvr>
-    <a:masterClrMapping/>
-  </p:clrMapOvr>
-  <mc:AlternateContent xmlns:mc="http://schemas.openxmlformats.org/markup-compatibility/2006">
-    <mc:Choice xmlns:p159="http://schemas.microsoft.com/office/powerpoint/2015/09/main" Requires="p159">
-      <p:transition xmlns:p14="http://schemas.microsoft.com/office/powerpoint/2010/main" spd="slow" p14:dur="2000">
-        <p159:morph option="byObject"/>
-      </p:transition>
-    </mc:Choice>
-    <mc:Fallback>
-      <p:transition spd="slow">
-        <p:fade/>
-      </p:transition>
-    </mc:Fallback>
-  </mc:AlternateContent>
-</p:sld>
-</file>
-
-<file path=ppt/slides/slide11.xml><?xml version="1.0" encoding="utf-8"?>
-<p:sld xmlns:a="http://schemas.openxmlformats.org/drawingml/2006/main" xmlns:r="http://schemas.openxmlformats.org/officeDocument/2006/relationships" xmlns:p="http://schemas.openxmlformats.org/presentationml/2006/main">
-  <p:cSld>
-    <p:spTree>
-      <p:nvGrpSpPr>
-        <p:cNvPr id="1" name=""/>
-        <p:cNvGrpSpPr/>
-        <p:nvPr/>
-      </p:nvGrpSpPr>
-      <p:grpSpPr>
-        <a:xfrm>
-          <a:off x="0" y="0"/>
-          <a:ext cx="0" cy="0"/>
-          <a:chOff x="0" y="0"/>
-          <a:chExt cx="0" cy="0"/>
-        </a:xfrm>
-      </p:grpSpPr>
-      <p:sp>
-        <p:nvSpPr>
-          <p:cNvPr id="2" name="Title 1">
-            <a:extLst>
-              <a:ext uri="{FF2B5EF4-FFF2-40B4-BE49-F238E27FC236}">
-                <a16:creationId xmlns:a16="http://schemas.microsoft.com/office/drawing/2014/main" id="{A90CA53F-33DA-6E04-C8EF-9BBE16D597C7}"/>
-              </a:ext>
-            </a:extLst>
-          </p:cNvPr>
-          <p:cNvSpPr>
-            <a:spLocks noGrp="1"/>
-          </p:cNvSpPr>
-          <p:nvPr>
-            <p:ph type="title"/>
-          </p:nvPr>
-        </p:nvSpPr>
-        <p:spPr/>
-        <p:txBody>
-          <a:bodyPr vert="horz" lIns="91440" tIns="45720" rIns="91440" bIns="45720" rtlCol="0" anchor="t">
-            <a:normAutofit/>
-          </a:bodyPr>
-          <a:lstStyle/>
-          <a:p>
-            <a:r>
-              <a:rPr lang="en-US" dirty="0"/>
-              <a:t>Data Pipeline</a:t>
-            </a:r>
-          </a:p>
-        </p:txBody>
-      </p:sp>
-      <p:pic>
-        <p:nvPicPr>
-          <p:cNvPr id="4" name="Content Placeholder 3" descr="A screenshot of a computer&#10;&#10;Description automatically generated">
-            <a:extLst>
-              <a:ext uri="{FF2B5EF4-FFF2-40B4-BE49-F238E27FC236}">
-                <a16:creationId xmlns:a16="http://schemas.microsoft.com/office/drawing/2014/main" id="{EEC6733A-0D3C-D279-BCFF-26D1A53C0DCE}"/>
-              </a:ext>
-            </a:extLst>
-          </p:cNvPr>
-          <p:cNvPicPr>
-            <a:picLocks noGrp="1" noChangeAspect="1"/>
-          </p:cNvPicPr>
-          <p:nvPr>
-            <p:ph idx="1"/>
-          </p:nvPr>
-        </p:nvPicPr>
-        <p:blipFill>
-          <a:blip r:embed="rId2"/>
-          <a:stretch>
-            <a:fillRect/>
-          </a:stretch>
-        </p:blipFill>
-        <p:spPr>
-          <a:xfrm>
-            <a:off x="2035703" y="1560053"/>
-            <a:ext cx="8146989" cy="4212901"/>
-          </a:xfrm>
-        </p:spPr>
-      </p:pic>
-      <p:sp>
-        <p:nvSpPr>
-          <p:cNvPr id="3" name="Pfeil: nach rechts 2">
-            <a:extLst>
-              <a:ext uri="{FF2B5EF4-FFF2-40B4-BE49-F238E27FC236}">
-                <a16:creationId xmlns:a16="http://schemas.microsoft.com/office/drawing/2014/main" id="{7B442DD6-4A6B-A4BE-D20F-9987EAD88A70}"/>
+      <p:sp>
+        <p:nvSpPr>
+          <p:cNvPr id="14" name="Pfeil: nach rechts 2">
+            <a:extLst>
+              <a:ext uri="{FF2B5EF4-FFF2-40B4-BE49-F238E27FC236}">
+                <a16:creationId xmlns:a16="http://schemas.microsoft.com/office/drawing/2014/main" id="{602E6E24-9429-FB61-F919-7C137E786EEC}"/>
               </a:ext>
             </a:extLst>
           </p:cNvPr>
@@ -4155,10 +5453,10 @@
       </p:sp>
       <p:sp>
         <p:nvSpPr>
-          <p:cNvPr id="5" name="Pfeil: nach rechts 4">
-            <a:extLst>
-              <a:ext uri="{FF2B5EF4-FFF2-40B4-BE49-F238E27FC236}">
-                <a16:creationId xmlns:a16="http://schemas.microsoft.com/office/drawing/2014/main" id="{6ADE9F20-0843-8F99-2C95-94A4E472E2F1}"/>
+          <p:cNvPr id="16" name="Pfeil: nach rechts 4">
+            <a:extLst>
+              <a:ext uri="{FF2B5EF4-FFF2-40B4-BE49-F238E27FC236}">
+                <a16:creationId xmlns:a16="http://schemas.microsoft.com/office/drawing/2014/main" id="{713336BA-A5E7-E503-2F99-347B123EF99E}"/>
               </a:ext>
             </a:extLst>
           </p:cNvPr>
@@ -4199,113 +5497,12 @@
           </a:p>
         </p:txBody>
       </p:sp>
-    </p:spTree>
-    <p:extLst>
-      <p:ext uri="{BB962C8B-B14F-4D97-AF65-F5344CB8AC3E}">
-        <p14:creationId xmlns:p14="http://schemas.microsoft.com/office/powerpoint/2010/main" val="1789294904"/>
-      </p:ext>
-    </p:extLst>
-  </p:cSld>
-  <p:clrMapOvr>
-    <a:masterClrMapping/>
-  </p:clrMapOvr>
-  <mc:AlternateContent xmlns:mc="http://schemas.openxmlformats.org/markup-compatibility/2006">
-    <mc:Choice xmlns:p159="http://schemas.microsoft.com/office/powerpoint/2015/09/main" Requires="p159">
-      <p:transition xmlns:p14="http://schemas.microsoft.com/office/powerpoint/2010/main" spd="slow" p14:dur="2000">
-        <p159:morph option="byObject"/>
-      </p:transition>
-    </mc:Choice>
-    <mc:Fallback>
-      <p:transition spd="slow">
-        <p:fade/>
-      </p:transition>
-    </mc:Fallback>
-  </mc:AlternateContent>
-</p:sld>
-</file>
-
-<file path=ppt/slides/slide12.xml><?xml version="1.0" encoding="utf-8"?>
-<p:sld xmlns:a="http://schemas.openxmlformats.org/drawingml/2006/main" xmlns:r="http://schemas.openxmlformats.org/officeDocument/2006/relationships" xmlns:p="http://schemas.openxmlformats.org/presentationml/2006/main">
-  <p:cSld>
-    <p:spTree>
-      <p:nvGrpSpPr>
-        <p:cNvPr id="1" name=""/>
-        <p:cNvGrpSpPr/>
-        <p:nvPr/>
-      </p:nvGrpSpPr>
-      <p:grpSpPr>
-        <a:xfrm>
-          <a:off x="0" y="0"/>
-          <a:ext cx="0" cy="0"/>
-          <a:chOff x="0" y="0"/>
-          <a:chExt cx="0" cy="0"/>
-        </a:xfrm>
-      </p:grpSpPr>
-      <p:sp>
-        <p:nvSpPr>
-          <p:cNvPr id="2" name="Title 1">
-            <a:extLst>
-              <a:ext uri="{FF2B5EF4-FFF2-40B4-BE49-F238E27FC236}">
-                <a16:creationId xmlns:a16="http://schemas.microsoft.com/office/drawing/2014/main" id="{A90CA53F-33DA-6E04-C8EF-9BBE16D597C7}"/>
-              </a:ext>
-            </a:extLst>
-          </p:cNvPr>
-          <p:cNvSpPr>
-            <a:spLocks noGrp="1"/>
-          </p:cNvSpPr>
-          <p:nvPr>
-            <p:ph type="title"/>
-          </p:nvPr>
-        </p:nvSpPr>
-        <p:spPr/>
-        <p:txBody>
-          <a:bodyPr vert="horz" lIns="91440" tIns="45720" rIns="91440" bIns="45720" rtlCol="0" anchor="t">
-            <a:normAutofit/>
-          </a:bodyPr>
-          <a:lstStyle/>
-          <a:p>
-            <a:r>
-              <a:rPr lang="en-US" dirty="0"/>
-              <a:t>Data Pipeline</a:t>
-            </a:r>
-          </a:p>
-        </p:txBody>
-      </p:sp>
-      <p:pic>
-        <p:nvPicPr>
-          <p:cNvPr id="4" name="Content Placeholder 3" descr="A screenshot of a computer&#10;&#10;Description automatically generated">
-            <a:extLst>
-              <a:ext uri="{FF2B5EF4-FFF2-40B4-BE49-F238E27FC236}">
-                <a16:creationId xmlns:a16="http://schemas.microsoft.com/office/drawing/2014/main" id="{EEC6733A-0D3C-D279-BCFF-26D1A53C0DCE}"/>
-              </a:ext>
-            </a:extLst>
-          </p:cNvPr>
-          <p:cNvPicPr>
-            <a:picLocks noGrp="1" noChangeAspect="1"/>
-          </p:cNvPicPr>
-          <p:nvPr>
-            <p:ph idx="1"/>
-          </p:nvPr>
-        </p:nvPicPr>
-        <p:blipFill>
-          <a:blip r:embed="rId2"/>
-          <a:stretch>
-            <a:fillRect/>
-          </a:stretch>
-        </p:blipFill>
-        <p:spPr>
-          <a:xfrm>
-            <a:off x="2035703" y="1560053"/>
-            <a:ext cx="8146989" cy="4212901"/>
-          </a:xfrm>
-        </p:spPr>
-      </p:pic>
-      <p:sp>
-        <p:nvSpPr>
-          <p:cNvPr id="3" name="Pfeil: nach rechts 2">
-            <a:extLst>
-              <a:ext uri="{FF2B5EF4-FFF2-40B4-BE49-F238E27FC236}">
-                <a16:creationId xmlns:a16="http://schemas.microsoft.com/office/drawing/2014/main" id="{7B442DD6-4A6B-A4BE-D20F-9987EAD88A70}"/>
+      <p:sp>
+        <p:nvSpPr>
+          <p:cNvPr id="18" name="Pfeil: nach rechts 2">
+            <a:extLst>
+              <a:ext uri="{FF2B5EF4-FFF2-40B4-BE49-F238E27FC236}">
+                <a16:creationId xmlns:a16="http://schemas.microsoft.com/office/drawing/2014/main" id="{E5C8FF73-3A21-4608-1716-DB7C26589484}"/>
               </a:ext>
             </a:extLst>
           </p:cNvPr>
@@ -4346,113 +5543,12 @@
           </a:p>
         </p:txBody>
       </p:sp>
-    </p:spTree>
-    <p:extLst>
-      <p:ext uri="{BB962C8B-B14F-4D97-AF65-F5344CB8AC3E}">
-        <p14:creationId xmlns:p14="http://schemas.microsoft.com/office/powerpoint/2010/main" val="3533292703"/>
-      </p:ext>
-    </p:extLst>
-  </p:cSld>
-  <p:clrMapOvr>
-    <a:masterClrMapping/>
-  </p:clrMapOvr>
-  <mc:AlternateContent xmlns:mc="http://schemas.openxmlformats.org/markup-compatibility/2006">
-    <mc:Choice xmlns:p159="http://schemas.microsoft.com/office/powerpoint/2015/09/main" Requires="p159">
-      <p:transition xmlns:p14="http://schemas.microsoft.com/office/powerpoint/2010/main" spd="slow" p14:dur="2000">
-        <p159:morph option="byObject"/>
-      </p:transition>
-    </mc:Choice>
-    <mc:Fallback>
-      <p:transition spd="slow">
-        <p:fade/>
-      </p:transition>
-    </mc:Fallback>
-  </mc:AlternateContent>
-</p:sld>
-</file>
-
-<file path=ppt/slides/slide13.xml><?xml version="1.0" encoding="utf-8"?>
-<p:sld xmlns:a="http://schemas.openxmlformats.org/drawingml/2006/main" xmlns:r="http://schemas.openxmlformats.org/officeDocument/2006/relationships" xmlns:p="http://schemas.openxmlformats.org/presentationml/2006/main">
-  <p:cSld>
-    <p:spTree>
-      <p:nvGrpSpPr>
-        <p:cNvPr id="1" name=""/>
-        <p:cNvGrpSpPr/>
-        <p:nvPr/>
-      </p:nvGrpSpPr>
-      <p:grpSpPr>
-        <a:xfrm>
-          <a:off x="0" y="0"/>
-          <a:ext cx="0" cy="0"/>
-          <a:chOff x="0" y="0"/>
-          <a:chExt cx="0" cy="0"/>
-        </a:xfrm>
-      </p:grpSpPr>
-      <p:sp>
-        <p:nvSpPr>
-          <p:cNvPr id="2" name="Title 1">
-            <a:extLst>
-              <a:ext uri="{FF2B5EF4-FFF2-40B4-BE49-F238E27FC236}">
-                <a16:creationId xmlns:a16="http://schemas.microsoft.com/office/drawing/2014/main" id="{A90CA53F-33DA-6E04-C8EF-9BBE16D597C7}"/>
-              </a:ext>
-            </a:extLst>
-          </p:cNvPr>
-          <p:cNvSpPr>
-            <a:spLocks noGrp="1"/>
-          </p:cNvSpPr>
-          <p:nvPr>
-            <p:ph type="title"/>
-          </p:nvPr>
-        </p:nvSpPr>
-        <p:spPr/>
-        <p:txBody>
-          <a:bodyPr vert="horz" lIns="91440" tIns="45720" rIns="91440" bIns="45720" rtlCol="0" anchor="t">
-            <a:normAutofit/>
-          </a:bodyPr>
-          <a:lstStyle/>
-          <a:p>
-            <a:r>
-              <a:rPr lang="en-US" dirty="0"/>
-              <a:t>Data Pipeline</a:t>
-            </a:r>
-          </a:p>
-        </p:txBody>
-      </p:sp>
-      <p:pic>
-        <p:nvPicPr>
-          <p:cNvPr id="4" name="Content Placeholder 3" descr="A screenshot of a computer&#10;&#10;Description automatically generated">
-            <a:extLst>
-              <a:ext uri="{FF2B5EF4-FFF2-40B4-BE49-F238E27FC236}">
-                <a16:creationId xmlns:a16="http://schemas.microsoft.com/office/drawing/2014/main" id="{EEC6733A-0D3C-D279-BCFF-26D1A53C0DCE}"/>
-              </a:ext>
-            </a:extLst>
-          </p:cNvPr>
-          <p:cNvPicPr>
-            <a:picLocks noGrp="1" noChangeAspect="1"/>
-          </p:cNvPicPr>
-          <p:nvPr>
-            <p:ph idx="1"/>
-          </p:nvPr>
-        </p:nvPicPr>
-        <p:blipFill>
-          <a:blip r:embed="rId2"/>
-          <a:stretch>
-            <a:fillRect/>
-          </a:stretch>
-        </p:blipFill>
-        <p:spPr>
-          <a:xfrm>
-            <a:off x="2035703" y="1560053"/>
-            <a:ext cx="8146989" cy="4212901"/>
-          </a:xfrm>
-        </p:spPr>
-      </p:pic>
-      <p:sp>
-        <p:nvSpPr>
-          <p:cNvPr id="3" name="Pfeil: nach rechts 2">
-            <a:extLst>
-              <a:ext uri="{FF2B5EF4-FFF2-40B4-BE49-F238E27FC236}">
-                <a16:creationId xmlns:a16="http://schemas.microsoft.com/office/drawing/2014/main" id="{7B442DD6-4A6B-A4BE-D20F-9987EAD88A70}"/>
+      <p:sp>
+        <p:nvSpPr>
+          <p:cNvPr id="19" name="Pfeil: nach rechts 2">
+            <a:extLst>
+              <a:ext uri="{FF2B5EF4-FFF2-40B4-BE49-F238E27FC236}">
+                <a16:creationId xmlns:a16="http://schemas.microsoft.com/office/drawing/2014/main" id="{83E9643A-3D42-4D72-EDEB-9996C77C53CB}"/>
               </a:ext>
             </a:extLst>
           </p:cNvPr>
@@ -4486,7 +5582,101 @@
         </p:style>
         <p:txBody>
           <a:bodyPr rtlCol="0" anchor="ctr"/>
-          <a:lstStyle/>
+          <a:lstStyle>
+            <a:defPPr>
+              <a:defRPr lang="de-DE"/>
+            </a:defPPr>
+            <a:lvl1pPr marL="0" algn="l" defTabSz="914400" rtl="0" eaLnBrk="1" latinLnBrk="0" hangingPunct="1">
+              <a:defRPr sz="1800" kern="1200">
+                <a:solidFill>
+                  <a:schemeClr val="lt1"/>
+                </a:solidFill>
+                <a:latin typeface="+mn-lt"/>
+                <a:ea typeface="+mn-ea"/>
+                <a:cs typeface="+mn-cs"/>
+              </a:defRPr>
+            </a:lvl1pPr>
+            <a:lvl2pPr marL="457200" algn="l" defTabSz="914400" rtl="0" eaLnBrk="1" latinLnBrk="0" hangingPunct="1">
+              <a:defRPr sz="1800" kern="1200">
+                <a:solidFill>
+                  <a:schemeClr val="lt1"/>
+                </a:solidFill>
+                <a:latin typeface="+mn-lt"/>
+                <a:ea typeface="+mn-ea"/>
+                <a:cs typeface="+mn-cs"/>
+              </a:defRPr>
+            </a:lvl2pPr>
+            <a:lvl3pPr marL="914400" algn="l" defTabSz="914400" rtl="0" eaLnBrk="1" latinLnBrk="0" hangingPunct="1">
+              <a:defRPr sz="1800" kern="1200">
+                <a:solidFill>
+                  <a:schemeClr val="lt1"/>
+                </a:solidFill>
+                <a:latin typeface="+mn-lt"/>
+                <a:ea typeface="+mn-ea"/>
+                <a:cs typeface="+mn-cs"/>
+              </a:defRPr>
+            </a:lvl3pPr>
+            <a:lvl4pPr marL="1371600" algn="l" defTabSz="914400" rtl="0" eaLnBrk="1" latinLnBrk="0" hangingPunct="1">
+              <a:defRPr sz="1800" kern="1200">
+                <a:solidFill>
+                  <a:schemeClr val="lt1"/>
+                </a:solidFill>
+                <a:latin typeface="+mn-lt"/>
+                <a:ea typeface="+mn-ea"/>
+                <a:cs typeface="+mn-cs"/>
+              </a:defRPr>
+            </a:lvl4pPr>
+            <a:lvl5pPr marL="1828800" algn="l" defTabSz="914400" rtl="0" eaLnBrk="1" latinLnBrk="0" hangingPunct="1">
+              <a:defRPr sz="1800" kern="1200">
+                <a:solidFill>
+                  <a:schemeClr val="lt1"/>
+                </a:solidFill>
+                <a:latin typeface="+mn-lt"/>
+                <a:ea typeface="+mn-ea"/>
+                <a:cs typeface="+mn-cs"/>
+              </a:defRPr>
+            </a:lvl5pPr>
+            <a:lvl6pPr marL="2286000" algn="l" defTabSz="914400" rtl="0" eaLnBrk="1" latinLnBrk="0" hangingPunct="1">
+              <a:defRPr sz="1800" kern="1200">
+                <a:solidFill>
+                  <a:schemeClr val="lt1"/>
+                </a:solidFill>
+                <a:latin typeface="+mn-lt"/>
+                <a:ea typeface="+mn-ea"/>
+                <a:cs typeface="+mn-cs"/>
+              </a:defRPr>
+            </a:lvl6pPr>
+            <a:lvl7pPr marL="2743200" algn="l" defTabSz="914400" rtl="0" eaLnBrk="1" latinLnBrk="0" hangingPunct="1">
+              <a:defRPr sz="1800" kern="1200">
+                <a:solidFill>
+                  <a:schemeClr val="lt1"/>
+                </a:solidFill>
+                <a:latin typeface="+mn-lt"/>
+                <a:ea typeface="+mn-ea"/>
+                <a:cs typeface="+mn-cs"/>
+              </a:defRPr>
+            </a:lvl7pPr>
+            <a:lvl8pPr marL="3200400" algn="l" defTabSz="914400" rtl="0" eaLnBrk="1" latinLnBrk="0" hangingPunct="1">
+              <a:defRPr sz="1800" kern="1200">
+                <a:solidFill>
+                  <a:schemeClr val="lt1"/>
+                </a:solidFill>
+                <a:latin typeface="+mn-lt"/>
+                <a:ea typeface="+mn-ea"/>
+                <a:cs typeface="+mn-cs"/>
+              </a:defRPr>
+            </a:lvl8pPr>
+            <a:lvl9pPr marL="3657600" algn="l" defTabSz="914400" rtl="0" eaLnBrk="1" latinLnBrk="0" hangingPunct="1">
+              <a:defRPr sz="1800" kern="1200">
+                <a:solidFill>
+                  <a:schemeClr val="lt1"/>
+                </a:solidFill>
+                <a:latin typeface="+mn-lt"/>
+                <a:ea typeface="+mn-ea"/>
+                <a:cs typeface="+mn-cs"/>
+              </a:defRPr>
+            </a:lvl9pPr>
+          </a:lstStyle>
           <a:p>
             <a:pPr algn="ctr"/>
             <a:endParaRPr lang="de-AT"/>
@@ -4496,29 +5686,1219 @@
     </p:spTree>
     <p:extLst>
       <p:ext uri="{BB962C8B-B14F-4D97-AF65-F5344CB8AC3E}">
-        <p14:creationId xmlns:p14="http://schemas.microsoft.com/office/powerpoint/2010/main" val="418981892"/>
+        <p14:creationId xmlns:p14="http://schemas.microsoft.com/office/powerpoint/2010/main" val="2889262887"/>
       </p:ext>
     </p:extLst>
   </p:cSld>
   <p:clrMapOvr>
     <a:masterClrMapping/>
   </p:clrMapOvr>
-  <mc:AlternateContent xmlns:mc="http://schemas.openxmlformats.org/markup-compatibility/2006">
-    <mc:Choice xmlns:p159="http://schemas.microsoft.com/office/powerpoint/2015/09/main" Requires="p159">
-      <p:transition xmlns:p14="http://schemas.microsoft.com/office/powerpoint/2010/main" spd="slow" p14:dur="2000">
-        <p159:morph option="byObject"/>
-      </p:transition>
-    </mc:Choice>
-    <mc:Fallback>
-      <p:transition spd="slow">
-        <p:fade/>
-      </p:transition>
-    </mc:Fallback>
-  </mc:AlternateContent>
+  <p:timing>
+    <p:tnLst>
+      <p:par>
+        <p:cTn id="1" dur="indefinite" restart="never" nodeType="tmRoot">
+          <p:childTnLst>
+            <p:seq concurrent="1" nextAc="seek">
+              <p:cTn id="2" dur="indefinite" nodeType="mainSeq">
+                <p:childTnLst>
+                  <p:par>
+                    <p:cTn id="3" fill="hold">
+                      <p:stCondLst>
+                        <p:cond delay="indefinite"/>
+                      </p:stCondLst>
+                      <p:childTnLst>
+                        <p:par>
+                          <p:cTn id="4" fill="hold">
+                            <p:stCondLst>
+                              <p:cond delay="0"/>
+                            </p:stCondLst>
+                            <p:childTnLst>
+                              <p:par>
+                                <p:cTn id="5" presetID="10" presetClass="entr" presetSubtype="0" fill="hold" grpId="0" nodeType="clickEffect">
+                                  <p:stCondLst>
+                                    <p:cond delay="0"/>
+                                  </p:stCondLst>
+                                  <p:childTnLst>
+                                    <p:set>
+                                      <p:cBhvr>
+                                        <p:cTn id="6" dur="1" fill="hold">
+                                          <p:stCondLst>
+                                            <p:cond delay="0"/>
+                                          </p:stCondLst>
+                                        </p:cTn>
+                                        <p:tgtEl>
+                                          <p:spTgt spid="5"/>
+                                        </p:tgtEl>
+                                        <p:attrNameLst>
+                                          <p:attrName>style.visibility</p:attrName>
+                                        </p:attrNameLst>
+                                      </p:cBhvr>
+                                      <p:to>
+                                        <p:strVal val="visible"/>
+                                      </p:to>
+                                    </p:set>
+                                    <p:animEffect transition="in" filter="fade">
+                                      <p:cBhvr>
+                                        <p:cTn id="7" dur="500"/>
+                                        <p:tgtEl>
+                                          <p:spTgt spid="5"/>
+                                        </p:tgtEl>
+                                      </p:cBhvr>
+                                    </p:animEffect>
+                                  </p:childTnLst>
+                                </p:cTn>
+                              </p:par>
+                            </p:childTnLst>
+                          </p:cTn>
+                        </p:par>
+                      </p:childTnLst>
+                    </p:cTn>
+                  </p:par>
+                  <p:par>
+                    <p:cTn id="8" fill="hold">
+                      <p:stCondLst>
+                        <p:cond delay="indefinite"/>
+                      </p:stCondLst>
+                      <p:childTnLst>
+                        <p:par>
+                          <p:cTn id="9" fill="hold">
+                            <p:stCondLst>
+                              <p:cond delay="0"/>
+                            </p:stCondLst>
+                            <p:childTnLst>
+                              <p:par>
+                                <p:cTn id="10" presetID="10" presetClass="exit" presetSubtype="0" fill="hold" grpId="1" nodeType="clickEffect">
+                                  <p:stCondLst>
+                                    <p:cond delay="0"/>
+                                  </p:stCondLst>
+                                  <p:childTnLst>
+                                    <p:animEffect transition="out" filter="fade">
+                                      <p:cBhvr>
+                                        <p:cTn id="11" dur="500"/>
+                                        <p:tgtEl>
+                                          <p:spTgt spid="5"/>
+                                        </p:tgtEl>
+                                      </p:cBhvr>
+                                    </p:animEffect>
+                                    <p:set>
+                                      <p:cBhvr>
+                                        <p:cTn id="12" dur="1" fill="hold">
+                                          <p:stCondLst>
+                                            <p:cond delay="499"/>
+                                          </p:stCondLst>
+                                        </p:cTn>
+                                        <p:tgtEl>
+                                          <p:spTgt spid="5"/>
+                                        </p:tgtEl>
+                                        <p:attrNameLst>
+                                          <p:attrName>style.visibility</p:attrName>
+                                        </p:attrNameLst>
+                                      </p:cBhvr>
+                                      <p:to>
+                                        <p:strVal val="hidden"/>
+                                      </p:to>
+                                    </p:set>
+                                  </p:childTnLst>
+                                </p:cTn>
+                              </p:par>
+                            </p:childTnLst>
+                          </p:cTn>
+                        </p:par>
+                        <p:par>
+                          <p:cTn id="13" fill="hold">
+                            <p:stCondLst>
+                              <p:cond delay="500"/>
+                            </p:stCondLst>
+                            <p:childTnLst>
+                              <p:par>
+                                <p:cTn id="14" presetID="10" presetClass="entr" presetSubtype="0" fill="hold" grpId="0" nodeType="afterEffect">
+                                  <p:stCondLst>
+                                    <p:cond delay="0"/>
+                                  </p:stCondLst>
+                                  <p:childTnLst>
+                                    <p:set>
+                                      <p:cBhvr>
+                                        <p:cTn id="15" dur="1" fill="hold">
+                                          <p:stCondLst>
+                                            <p:cond delay="0"/>
+                                          </p:stCondLst>
+                                        </p:cTn>
+                                        <p:tgtEl>
+                                          <p:spTgt spid="6"/>
+                                        </p:tgtEl>
+                                        <p:attrNameLst>
+                                          <p:attrName>style.visibility</p:attrName>
+                                        </p:attrNameLst>
+                                      </p:cBhvr>
+                                      <p:to>
+                                        <p:strVal val="visible"/>
+                                      </p:to>
+                                    </p:set>
+                                    <p:animEffect transition="in" filter="fade">
+                                      <p:cBhvr>
+                                        <p:cTn id="16" dur="500"/>
+                                        <p:tgtEl>
+                                          <p:spTgt spid="6"/>
+                                        </p:tgtEl>
+                                      </p:cBhvr>
+                                    </p:animEffect>
+                                  </p:childTnLst>
+                                </p:cTn>
+                              </p:par>
+                            </p:childTnLst>
+                          </p:cTn>
+                        </p:par>
+                      </p:childTnLst>
+                    </p:cTn>
+                  </p:par>
+                  <p:par>
+                    <p:cTn id="17" fill="hold">
+                      <p:stCondLst>
+                        <p:cond delay="indefinite"/>
+                      </p:stCondLst>
+                      <p:childTnLst>
+                        <p:par>
+                          <p:cTn id="18" fill="hold">
+                            <p:stCondLst>
+                              <p:cond delay="0"/>
+                            </p:stCondLst>
+                            <p:childTnLst>
+                              <p:par>
+                                <p:cTn id="19" presetID="10" presetClass="exit" presetSubtype="0" fill="hold" grpId="1" nodeType="clickEffect">
+                                  <p:stCondLst>
+                                    <p:cond delay="0"/>
+                                  </p:stCondLst>
+                                  <p:childTnLst>
+                                    <p:animEffect transition="out" filter="fade">
+                                      <p:cBhvr>
+                                        <p:cTn id="20" dur="500"/>
+                                        <p:tgtEl>
+                                          <p:spTgt spid="6"/>
+                                        </p:tgtEl>
+                                      </p:cBhvr>
+                                    </p:animEffect>
+                                    <p:set>
+                                      <p:cBhvr>
+                                        <p:cTn id="21" dur="1" fill="hold">
+                                          <p:stCondLst>
+                                            <p:cond delay="499"/>
+                                          </p:stCondLst>
+                                        </p:cTn>
+                                        <p:tgtEl>
+                                          <p:spTgt spid="6"/>
+                                        </p:tgtEl>
+                                        <p:attrNameLst>
+                                          <p:attrName>style.visibility</p:attrName>
+                                        </p:attrNameLst>
+                                      </p:cBhvr>
+                                      <p:to>
+                                        <p:strVal val="hidden"/>
+                                      </p:to>
+                                    </p:set>
+                                  </p:childTnLst>
+                                </p:cTn>
+                              </p:par>
+                            </p:childTnLst>
+                          </p:cTn>
+                        </p:par>
+                        <p:par>
+                          <p:cTn id="22" fill="hold">
+                            <p:stCondLst>
+                              <p:cond delay="500"/>
+                            </p:stCondLst>
+                            <p:childTnLst>
+                              <p:par>
+                                <p:cTn id="23" presetID="10" presetClass="entr" presetSubtype="0" fill="hold" grpId="0" nodeType="afterEffect">
+                                  <p:stCondLst>
+                                    <p:cond delay="0"/>
+                                  </p:stCondLst>
+                                  <p:childTnLst>
+                                    <p:set>
+                                      <p:cBhvr>
+                                        <p:cTn id="24" dur="1" fill="hold">
+                                          <p:stCondLst>
+                                            <p:cond delay="0"/>
+                                          </p:stCondLst>
+                                        </p:cTn>
+                                        <p:tgtEl>
+                                          <p:spTgt spid="7"/>
+                                        </p:tgtEl>
+                                        <p:attrNameLst>
+                                          <p:attrName>style.visibility</p:attrName>
+                                        </p:attrNameLst>
+                                      </p:cBhvr>
+                                      <p:to>
+                                        <p:strVal val="visible"/>
+                                      </p:to>
+                                    </p:set>
+                                    <p:animEffect transition="in" filter="fade">
+                                      <p:cBhvr>
+                                        <p:cTn id="25" dur="500"/>
+                                        <p:tgtEl>
+                                          <p:spTgt spid="7"/>
+                                        </p:tgtEl>
+                                      </p:cBhvr>
+                                    </p:animEffect>
+                                  </p:childTnLst>
+                                </p:cTn>
+                              </p:par>
+                            </p:childTnLst>
+                          </p:cTn>
+                        </p:par>
+                      </p:childTnLst>
+                    </p:cTn>
+                  </p:par>
+                  <p:par>
+                    <p:cTn id="26" fill="hold">
+                      <p:stCondLst>
+                        <p:cond delay="indefinite"/>
+                      </p:stCondLst>
+                      <p:childTnLst>
+                        <p:par>
+                          <p:cTn id="27" fill="hold">
+                            <p:stCondLst>
+                              <p:cond delay="0"/>
+                            </p:stCondLst>
+                            <p:childTnLst>
+                              <p:par>
+                                <p:cTn id="28" presetID="10" presetClass="exit" presetSubtype="0" fill="hold" grpId="1" nodeType="clickEffect">
+                                  <p:stCondLst>
+                                    <p:cond delay="0"/>
+                                  </p:stCondLst>
+                                  <p:childTnLst>
+                                    <p:animEffect transition="out" filter="fade">
+                                      <p:cBhvr>
+                                        <p:cTn id="29" dur="500"/>
+                                        <p:tgtEl>
+                                          <p:spTgt spid="7"/>
+                                        </p:tgtEl>
+                                      </p:cBhvr>
+                                    </p:animEffect>
+                                    <p:set>
+                                      <p:cBhvr>
+                                        <p:cTn id="30" dur="1" fill="hold">
+                                          <p:stCondLst>
+                                            <p:cond delay="499"/>
+                                          </p:stCondLst>
+                                        </p:cTn>
+                                        <p:tgtEl>
+                                          <p:spTgt spid="7"/>
+                                        </p:tgtEl>
+                                        <p:attrNameLst>
+                                          <p:attrName>style.visibility</p:attrName>
+                                        </p:attrNameLst>
+                                      </p:cBhvr>
+                                      <p:to>
+                                        <p:strVal val="hidden"/>
+                                      </p:to>
+                                    </p:set>
+                                  </p:childTnLst>
+                                </p:cTn>
+                              </p:par>
+                            </p:childTnLst>
+                          </p:cTn>
+                        </p:par>
+                        <p:par>
+                          <p:cTn id="31" fill="hold">
+                            <p:stCondLst>
+                              <p:cond delay="500"/>
+                            </p:stCondLst>
+                            <p:childTnLst>
+                              <p:par>
+                                <p:cTn id="32" presetID="10" presetClass="entr" presetSubtype="0" fill="hold" grpId="0" nodeType="afterEffect">
+                                  <p:stCondLst>
+                                    <p:cond delay="0"/>
+                                  </p:stCondLst>
+                                  <p:childTnLst>
+                                    <p:set>
+                                      <p:cBhvr>
+                                        <p:cTn id="33" dur="1" fill="hold">
+                                          <p:stCondLst>
+                                            <p:cond delay="0"/>
+                                          </p:stCondLst>
+                                        </p:cTn>
+                                        <p:tgtEl>
+                                          <p:spTgt spid="8"/>
+                                        </p:tgtEl>
+                                        <p:attrNameLst>
+                                          <p:attrName>style.visibility</p:attrName>
+                                        </p:attrNameLst>
+                                      </p:cBhvr>
+                                      <p:to>
+                                        <p:strVal val="visible"/>
+                                      </p:to>
+                                    </p:set>
+                                    <p:animEffect transition="in" filter="fade">
+                                      <p:cBhvr>
+                                        <p:cTn id="34" dur="500"/>
+                                        <p:tgtEl>
+                                          <p:spTgt spid="8"/>
+                                        </p:tgtEl>
+                                      </p:cBhvr>
+                                    </p:animEffect>
+                                  </p:childTnLst>
+                                </p:cTn>
+                              </p:par>
+                            </p:childTnLst>
+                          </p:cTn>
+                        </p:par>
+                      </p:childTnLst>
+                    </p:cTn>
+                  </p:par>
+                  <p:par>
+                    <p:cTn id="35" fill="hold">
+                      <p:stCondLst>
+                        <p:cond delay="indefinite"/>
+                      </p:stCondLst>
+                      <p:childTnLst>
+                        <p:par>
+                          <p:cTn id="36" fill="hold">
+                            <p:stCondLst>
+                              <p:cond delay="0"/>
+                            </p:stCondLst>
+                            <p:childTnLst>
+                              <p:par>
+                                <p:cTn id="37" presetID="10" presetClass="exit" presetSubtype="0" fill="hold" grpId="1" nodeType="clickEffect">
+                                  <p:stCondLst>
+                                    <p:cond delay="0"/>
+                                  </p:stCondLst>
+                                  <p:childTnLst>
+                                    <p:animEffect transition="out" filter="fade">
+                                      <p:cBhvr>
+                                        <p:cTn id="38" dur="500"/>
+                                        <p:tgtEl>
+                                          <p:spTgt spid="8"/>
+                                        </p:tgtEl>
+                                      </p:cBhvr>
+                                    </p:animEffect>
+                                    <p:set>
+                                      <p:cBhvr>
+                                        <p:cTn id="39" dur="1" fill="hold">
+                                          <p:stCondLst>
+                                            <p:cond delay="499"/>
+                                          </p:stCondLst>
+                                        </p:cTn>
+                                        <p:tgtEl>
+                                          <p:spTgt spid="8"/>
+                                        </p:tgtEl>
+                                        <p:attrNameLst>
+                                          <p:attrName>style.visibility</p:attrName>
+                                        </p:attrNameLst>
+                                      </p:cBhvr>
+                                      <p:to>
+                                        <p:strVal val="hidden"/>
+                                      </p:to>
+                                    </p:set>
+                                  </p:childTnLst>
+                                </p:cTn>
+                              </p:par>
+                            </p:childTnLst>
+                          </p:cTn>
+                        </p:par>
+                        <p:par>
+                          <p:cTn id="40" fill="hold">
+                            <p:stCondLst>
+                              <p:cond delay="500"/>
+                            </p:stCondLst>
+                            <p:childTnLst>
+                              <p:par>
+                                <p:cTn id="41" presetID="10" presetClass="entr" presetSubtype="0" fill="hold" grpId="0" nodeType="afterEffect">
+                                  <p:stCondLst>
+                                    <p:cond delay="0"/>
+                                  </p:stCondLst>
+                                  <p:childTnLst>
+                                    <p:set>
+                                      <p:cBhvr>
+                                        <p:cTn id="42" dur="1" fill="hold">
+                                          <p:stCondLst>
+                                            <p:cond delay="0"/>
+                                          </p:stCondLst>
+                                        </p:cTn>
+                                        <p:tgtEl>
+                                          <p:spTgt spid="9"/>
+                                        </p:tgtEl>
+                                        <p:attrNameLst>
+                                          <p:attrName>style.visibility</p:attrName>
+                                        </p:attrNameLst>
+                                      </p:cBhvr>
+                                      <p:to>
+                                        <p:strVal val="visible"/>
+                                      </p:to>
+                                    </p:set>
+                                    <p:animEffect transition="in" filter="fade">
+                                      <p:cBhvr>
+                                        <p:cTn id="43" dur="500"/>
+                                        <p:tgtEl>
+                                          <p:spTgt spid="9"/>
+                                        </p:tgtEl>
+                                      </p:cBhvr>
+                                    </p:animEffect>
+                                  </p:childTnLst>
+                                </p:cTn>
+                              </p:par>
+                            </p:childTnLst>
+                          </p:cTn>
+                        </p:par>
+                      </p:childTnLst>
+                    </p:cTn>
+                  </p:par>
+                  <p:par>
+                    <p:cTn id="44" fill="hold">
+                      <p:stCondLst>
+                        <p:cond delay="indefinite"/>
+                      </p:stCondLst>
+                      <p:childTnLst>
+                        <p:par>
+                          <p:cTn id="45" fill="hold">
+                            <p:stCondLst>
+                              <p:cond delay="0"/>
+                            </p:stCondLst>
+                            <p:childTnLst>
+                              <p:par>
+                                <p:cTn id="46" presetID="10" presetClass="exit" presetSubtype="0" fill="hold" grpId="1" nodeType="clickEffect">
+                                  <p:stCondLst>
+                                    <p:cond delay="0"/>
+                                  </p:stCondLst>
+                                  <p:childTnLst>
+                                    <p:animEffect transition="out" filter="fade">
+                                      <p:cBhvr>
+                                        <p:cTn id="47" dur="500"/>
+                                        <p:tgtEl>
+                                          <p:spTgt spid="9"/>
+                                        </p:tgtEl>
+                                      </p:cBhvr>
+                                    </p:animEffect>
+                                    <p:set>
+                                      <p:cBhvr>
+                                        <p:cTn id="48" dur="1" fill="hold">
+                                          <p:stCondLst>
+                                            <p:cond delay="499"/>
+                                          </p:stCondLst>
+                                        </p:cTn>
+                                        <p:tgtEl>
+                                          <p:spTgt spid="9"/>
+                                        </p:tgtEl>
+                                        <p:attrNameLst>
+                                          <p:attrName>style.visibility</p:attrName>
+                                        </p:attrNameLst>
+                                      </p:cBhvr>
+                                      <p:to>
+                                        <p:strVal val="hidden"/>
+                                      </p:to>
+                                    </p:set>
+                                  </p:childTnLst>
+                                </p:cTn>
+                              </p:par>
+                            </p:childTnLst>
+                          </p:cTn>
+                        </p:par>
+                        <p:par>
+                          <p:cTn id="49" fill="hold">
+                            <p:stCondLst>
+                              <p:cond delay="500"/>
+                            </p:stCondLst>
+                            <p:childTnLst>
+                              <p:par>
+                                <p:cTn id="50" presetID="10" presetClass="entr" presetSubtype="0" fill="hold" grpId="0" nodeType="afterEffect">
+                                  <p:stCondLst>
+                                    <p:cond delay="0"/>
+                                  </p:stCondLst>
+                                  <p:childTnLst>
+                                    <p:set>
+                                      <p:cBhvr>
+                                        <p:cTn id="51" dur="1" fill="hold">
+                                          <p:stCondLst>
+                                            <p:cond delay="0"/>
+                                          </p:stCondLst>
+                                        </p:cTn>
+                                        <p:tgtEl>
+                                          <p:spTgt spid="10"/>
+                                        </p:tgtEl>
+                                        <p:attrNameLst>
+                                          <p:attrName>style.visibility</p:attrName>
+                                        </p:attrNameLst>
+                                      </p:cBhvr>
+                                      <p:to>
+                                        <p:strVal val="visible"/>
+                                      </p:to>
+                                    </p:set>
+                                    <p:animEffect transition="in" filter="fade">
+                                      <p:cBhvr>
+                                        <p:cTn id="52" dur="500"/>
+                                        <p:tgtEl>
+                                          <p:spTgt spid="10"/>
+                                        </p:tgtEl>
+                                      </p:cBhvr>
+                                    </p:animEffect>
+                                  </p:childTnLst>
+                                </p:cTn>
+                              </p:par>
+                            </p:childTnLst>
+                          </p:cTn>
+                        </p:par>
+                      </p:childTnLst>
+                    </p:cTn>
+                  </p:par>
+                  <p:par>
+                    <p:cTn id="53" fill="hold">
+                      <p:stCondLst>
+                        <p:cond delay="indefinite"/>
+                      </p:stCondLst>
+                      <p:childTnLst>
+                        <p:par>
+                          <p:cTn id="54" fill="hold">
+                            <p:stCondLst>
+                              <p:cond delay="0"/>
+                            </p:stCondLst>
+                            <p:childTnLst>
+                              <p:par>
+                                <p:cTn id="55" presetID="10" presetClass="exit" presetSubtype="0" fill="hold" grpId="1" nodeType="clickEffect">
+                                  <p:stCondLst>
+                                    <p:cond delay="0"/>
+                                  </p:stCondLst>
+                                  <p:childTnLst>
+                                    <p:animEffect transition="out" filter="fade">
+                                      <p:cBhvr>
+                                        <p:cTn id="56" dur="500"/>
+                                        <p:tgtEl>
+                                          <p:spTgt spid="10"/>
+                                        </p:tgtEl>
+                                      </p:cBhvr>
+                                    </p:animEffect>
+                                    <p:set>
+                                      <p:cBhvr>
+                                        <p:cTn id="57" dur="1" fill="hold">
+                                          <p:stCondLst>
+                                            <p:cond delay="499"/>
+                                          </p:stCondLst>
+                                        </p:cTn>
+                                        <p:tgtEl>
+                                          <p:spTgt spid="10"/>
+                                        </p:tgtEl>
+                                        <p:attrNameLst>
+                                          <p:attrName>style.visibility</p:attrName>
+                                        </p:attrNameLst>
+                                      </p:cBhvr>
+                                      <p:to>
+                                        <p:strVal val="hidden"/>
+                                      </p:to>
+                                    </p:set>
+                                  </p:childTnLst>
+                                </p:cTn>
+                              </p:par>
+                            </p:childTnLst>
+                          </p:cTn>
+                        </p:par>
+                        <p:par>
+                          <p:cTn id="58" fill="hold">
+                            <p:stCondLst>
+                              <p:cond delay="500"/>
+                            </p:stCondLst>
+                            <p:childTnLst>
+                              <p:par>
+                                <p:cTn id="59" presetID="10" presetClass="entr" presetSubtype="0" fill="hold" grpId="0" nodeType="afterEffect">
+                                  <p:stCondLst>
+                                    <p:cond delay="0"/>
+                                  </p:stCondLst>
+                                  <p:childTnLst>
+                                    <p:set>
+                                      <p:cBhvr>
+                                        <p:cTn id="60" dur="1" fill="hold">
+                                          <p:stCondLst>
+                                            <p:cond delay="0"/>
+                                          </p:stCondLst>
+                                        </p:cTn>
+                                        <p:tgtEl>
+                                          <p:spTgt spid="12"/>
+                                        </p:tgtEl>
+                                        <p:attrNameLst>
+                                          <p:attrName>style.visibility</p:attrName>
+                                        </p:attrNameLst>
+                                      </p:cBhvr>
+                                      <p:to>
+                                        <p:strVal val="visible"/>
+                                      </p:to>
+                                    </p:set>
+                                    <p:animEffect transition="in" filter="fade">
+                                      <p:cBhvr>
+                                        <p:cTn id="61" dur="500"/>
+                                        <p:tgtEl>
+                                          <p:spTgt spid="12"/>
+                                        </p:tgtEl>
+                                      </p:cBhvr>
+                                    </p:animEffect>
+                                  </p:childTnLst>
+                                </p:cTn>
+                              </p:par>
+                            </p:childTnLst>
+                          </p:cTn>
+                        </p:par>
+                      </p:childTnLst>
+                    </p:cTn>
+                  </p:par>
+                  <p:par>
+                    <p:cTn id="62" fill="hold">
+                      <p:stCondLst>
+                        <p:cond delay="indefinite"/>
+                      </p:stCondLst>
+                      <p:childTnLst>
+                        <p:par>
+                          <p:cTn id="63" fill="hold">
+                            <p:stCondLst>
+                              <p:cond delay="0"/>
+                            </p:stCondLst>
+                            <p:childTnLst>
+                              <p:par>
+                                <p:cTn id="64" presetID="10" presetClass="exit" presetSubtype="0" fill="hold" grpId="1" nodeType="clickEffect">
+                                  <p:stCondLst>
+                                    <p:cond delay="0"/>
+                                  </p:stCondLst>
+                                  <p:childTnLst>
+                                    <p:animEffect transition="out" filter="fade">
+                                      <p:cBhvr>
+                                        <p:cTn id="65" dur="500"/>
+                                        <p:tgtEl>
+                                          <p:spTgt spid="12"/>
+                                        </p:tgtEl>
+                                      </p:cBhvr>
+                                    </p:animEffect>
+                                    <p:set>
+                                      <p:cBhvr>
+                                        <p:cTn id="66" dur="1" fill="hold">
+                                          <p:stCondLst>
+                                            <p:cond delay="499"/>
+                                          </p:stCondLst>
+                                        </p:cTn>
+                                        <p:tgtEl>
+                                          <p:spTgt spid="12"/>
+                                        </p:tgtEl>
+                                        <p:attrNameLst>
+                                          <p:attrName>style.visibility</p:attrName>
+                                        </p:attrNameLst>
+                                      </p:cBhvr>
+                                      <p:to>
+                                        <p:strVal val="hidden"/>
+                                      </p:to>
+                                    </p:set>
+                                  </p:childTnLst>
+                                </p:cTn>
+                              </p:par>
+                            </p:childTnLst>
+                          </p:cTn>
+                        </p:par>
+                        <p:par>
+                          <p:cTn id="67" fill="hold">
+                            <p:stCondLst>
+                              <p:cond delay="500"/>
+                            </p:stCondLst>
+                            <p:childTnLst>
+                              <p:par>
+                                <p:cTn id="68" presetID="10" presetClass="entr" presetSubtype="0" fill="hold" grpId="0" nodeType="afterEffect">
+                                  <p:stCondLst>
+                                    <p:cond delay="0"/>
+                                  </p:stCondLst>
+                                  <p:childTnLst>
+                                    <p:set>
+                                      <p:cBhvr>
+                                        <p:cTn id="69" dur="1" fill="hold">
+                                          <p:stCondLst>
+                                            <p:cond delay="0"/>
+                                          </p:stCondLst>
+                                        </p:cTn>
+                                        <p:tgtEl>
+                                          <p:spTgt spid="14"/>
+                                        </p:tgtEl>
+                                        <p:attrNameLst>
+                                          <p:attrName>style.visibility</p:attrName>
+                                        </p:attrNameLst>
+                                      </p:cBhvr>
+                                      <p:to>
+                                        <p:strVal val="visible"/>
+                                      </p:to>
+                                    </p:set>
+                                    <p:animEffect transition="in" filter="fade">
+                                      <p:cBhvr>
+                                        <p:cTn id="70" dur="500"/>
+                                        <p:tgtEl>
+                                          <p:spTgt spid="14"/>
+                                        </p:tgtEl>
+                                      </p:cBhvr>
+                                    </p:animEffect>
+                                  </p:childTnLst>
+                                </p:cTn>
+                              </p:par>
+                              <p:par>
+                                <p:cTn id="71" presetID="10" presetClass="entr" presetSubtype="0" fill="hold" grpId="0" nodeType="withEffect">
+                                  <p:stCondLst>
+                                    <p:cond delay="0"/>
+                                  </p:stCondLst>
+                                  <p:childTnLst>
+                                    <p:set>
+                                      <p:cBhvr>
+                                        <p:cTn id="72" dur="1" fill="hold">
+                                          <p:stCondLst>
+                                            <p:cond delay="0"/>
+                                          </p:stCondLst>
+                                        </p:cTn>
+                                        <p:tgtEl>
+                                          <p:spTgt spid="16"/>
+                                        </p:tgtEl>
+                                        <p:attrNameLst>
+                                          <p:attrName>style.visibility</p:attrName>
+                                        </p:attrNameLst>
+                                      </p:cBhvr>
+                                      <p:to>
+                                        <p:strVal val="visible"/>
+                                      </p:to>
+                                    </p:set>
+                                    <p:animEffect transition="in" filter="fade">
+                                      <p:cBhvr>
+                                        <p:cTn id="73" dur="500"/>
+                                        <p:tgtEl>
+                                          <p:spTgt spid="16"/>
+                                        </p:tgtEl>
+                                      </p:cBhvr>
+                                    </p:animEffect>
+                                  </p:childTnLst>
+                                </p:cTn>
+                              </p:par>
+                            </p:childTnLst>
+                          </p:cTn>
+                        </p:par>
+                      </p:childTnLst>
+                    </p:cTn>
+                  </p:par>
+                  <p:par>
+                    <p:cTn id="74" fill="hold">
+                      <p:stCondLst>
+                        <p:cond delay="indefinite"/>
+                      </p:stCondLst>
+                      <p:childTnLst>
+                        <p:par>
+                          <p:cTn id="75" fill="hold">
+                            <p:stCondLst>
+                              <p:cond delay="0"/>
+                            </p:stCondLst>
+                            <p:childTnLst>
+                              <p:par>
+                                <p:cTn id="76" presetID="10" presetClass="exit" presetSubtype="0" fill="hold" grpId="1" nodeType="clickEffect">
+                                  <p:stCondLst>
+                                    <p:cond delay="0"/>
+                                  </p:stCondLst>
+                                  <p:childTnLst>
+                                    <p:animEffect transition="out" filter="fade">
+                                      <p:cBhvr>
+                                        <p:cTn id="77" dur="500"/>
+                                        <p:tgtEl>
+                                          <p:spTgt spid="14"/>
+                                        </p:tgtEl>
+                                      </p:cBhvr>
+                                    </p:animEffect>
+                                    <p:set>
+                                      <p:cBhvr>
+                                        <p:cTn id="78" dur="1" fill="hold">
+                                          <p:stCondLst>
+                                            <p:cond delay="499"/>
+                                          </p:stCondLst>
+                                        </p:cTn>
+                                        <p:tgtEl>
+                                          <p:spTgt spid="14"/>
+                                        </p:tgtEl>
+                                        <p:attrNameLst>
+                                          <p:attrName>style.visibility</p:attrName>
+                                        </p:attrNameLst>
+                                      </p:cBhvr>
+                                      <p:to>
+                                        <p:strVal val="hidden"/>
+                                      </p:to>
+                                    </p:set>
+                                  </p:childTnLst>
+                                </p:cTn>
+                              </p:par>
+                              <p:par>
+                                <p:cTn id="79" presetID="10" presetClass="exit" presetSubtype="0" fill="hold" grpId="1" nodeType="withEffect">
+                                  <p:stCondLst>
+                                    <p:cond delay="0"/>
+                                  </p:stCondLst>
+                                  <p:childTnLst>
+                                    <p:animEffect transition="out" filter="fade">
+                                      <p:cBhvr>
+                                        <p:cTn id="80" dur="500"/>
+                                        <p:tgtEl>
+                                          <p:spTgt spid="16"/>
+                                        </p:tgtEl>
+                                      </p:cBhvr>
+                                    </p:animEffect>
+                                    <p:set>
+                                      <p:cBhvr>
+                                        <p:cTn id="81" dur="1" fill="hold">
+                                          <p:stCondLst>
+                                            <p:cond delay="499"/>
+                                          </p:stCondLst>
+                                        </p:cTn>
+                                        <p:tgtEl>
+                                          <p:spTgt spid="16"/>
+                                        </p:tgtEl>
+                                        <p:attrNameLst>
+                                          <p:attrName>style.visibility</p:attrName>
+                                        </p:attrNameLst>
+                                      </p:cBhvr>
+                                      <p:to>
+                                        <p:strVal val="hidden"/>
+                                      </p:to>
+                                    </p:set>
+                                  </p:childTnLst>
+                                </p:cTn>
+                              </p:par>
+                            </p:childTnLst>
+                          </p:cTn>
+                        </p:par>
+                        <p:par>
+                          <p:cTn id="82" fill="hold">
+                            <p:stCondLst>
+                              <p:cond delay="500"/>
+                            </p:stCondLst>
+                            <p:childTnLst>
+                              <p:par>
+                                <p:cTn id="83" presetID="10" presetClass="entr" presetSubtype="0" fill="hold" grpId="0" nodeType="afterEffect">
+                                  <p:stCondLst>
+                                    <p:cond delay="0"/>
+                                  </p:stCondLst>
+                                  <p:childTnLst>
+                                    <p:set>
+                                      <p:cBhvr>
+                                        <p:cTn id="84" dur="1" fill="hold">
+                                          <p:stCondLst>
+                                            <p:cond delay="0"/>
+                                          </p:stCondLst>
+                                        </p:cTn>
+                                        <p:tgtEl>
+                                          <p:spTgt spid="18"/>
+                                        </p:tgtEl>
+                                        <p:attrNameLst>
+                                          <p:attrName>style.visibility</p:attrName>
+                                        </p:attrNameLst>
+                                      </p:cBhvr>
+                                      <p:to>
+                                        <p:strVal val="visible"/>
+                                      </p:to>
+                                    </p:set>
+                                    <p:animEffect transition="in" filter="fade">
+                                      <p:cBhvr>
+                                        <p:cTn id="85" dur="500"/>
+                                        <p:tgtEl>
+                                          <p:spTgt spid="18"/>
+                                        </p:tgtEl>
+                                      </p:cBhvr>
+                                    </p:animEffect>
+                                  </p:childTnLst>
+                                </p:cTn>
+                              </p:par>
+                            </p:childTnLst>
+                          </p:cTn>
+                        </p:par>
+                      </p:childTnLst>
+                    </p:cTn>
+                  </p:par>
+                  <p:par>
+                    <p:cTn id="86" fill="hold">
+                      <p:stCondLst>
+                        <p:cond delay="indefinite"/>
+                      </p:stCondLst>
+                      <p:childTnLst>
+                        <p:par>
+                          <p:cTn id="87" fill="hold">
+                            <p:stCondLst>
+                              <p:cond delay="0"/>
+                            </p:stCondLst>
+                            <p:childTnLst>
+                              <p:par>
+                                <p:cTn id="88" presetID="10" presetClass="exit" presetSubtype="0" fill="hold" grpId="1" nodeType="clickEffect">
+                                  <p:stCondLst>
+                                    <p:cond delay="0"/>
+                                  </p:stCondLst>
+                                  <p:childTnLst>
+                                    <p:animEffect transition="out" filter="fade">
+                                      <p:cBhvr>
+                                        <p:cTn id="89" dur="500"/>
+                                        <p:tgtEl>
+                                          <p:spTgt spid="18"/>
+                                        </p:tgtEl>
+                                      </p:cBhvr>
+                                    </p:animEffect>
+                                    <p:set>
+                                      <p:cBhvr>
+                                        <p:cTn id="90" dur="1" fill="hold">
+                                          <p:stCondLst>
+                                            <p:cond delay="499"/>
+                                          </p:stCondLst>
+                                        </p:cTn>
+                                        <p:tgtEl>
+                                          <p:spTgt spid="18"/>
+                                        </p:tgtEl>
+                                        <p:attrNameLst>
+                                          <p:attrName>style.visibility</p:attrName>
+                                        </p:attrNameLst>
+                                      </p:cBhvr>
+                                      <p:to>
+                                        <p:strVal val="hidden"/>
+                                      </p:to>
+                                    </p:set>
+                                  </p:childTnLst>
+                                </p:cTn>
+                              </p:par>
+                            </p:childTnLst>
+                          </p:cTn>
+                        </p:par>
+                        <p:par>
+                          <p:cTn id="91" fill="hold">
+                            <p:stCondLst>
+                              <p:cond delay="500"/>
+                            </p:stCondLst>
+                            <p:childTnLst>
+                              <p:par>
+                                <p:cTn id="92" presetID="10" presetClass="entr" presetSubtype="0" fill="hold" grpId="0" nodeType="afterEffect">
+                                  <p:stCondLst>
+                                    <p:cond delay="0"/>
+                                  </p:stCondLst>
+                                  <p:childTnLst>
+                                    <p:set>
+                                      <p:cBhvr>
+                                        <p:cTn id="93" dur="1" fill="hold">
+                                          <p:stCondLst>
+                                            <p:cond delay="0"/>
+                                          </p:stCondLst>
+                                        </p:cTn>
+                                        <p:tgtEl>
+                                          <p:spTgt spid="3"/>
+                                        </p:tgtEl>
+                                        <p:attrNameLst>
+                                          <p:attrName>style.visibility</p:attrName>
+                                        </p:attrNameLst>
+                                      </p:cBhvr>
+                                      <p:to>
+                                        <p:strVal val="visible"/>
+                                      </p:to>
+                                    </p:set>
+                                    <p:animEffect transition="in" filter="fade">
+                                      <p:cBhvr>
+                                        <p:cTn id="94" dur="500"/>
+                                        <p:tgtEl>
+                                          <p:spTgt spid="3"/>
+                                        </p:tgtEl>
+                                      </p:cBhvr>
+                                    </p:animEffect>
+                                  </p:childTnLst>
+                                </p:cTn>
+                              </p:par>
+                            </p:childTnLst>
+                          </p:cTn>
+                        </p:par>
+                      </p:childTnLst>
+                    </p:cTn>
+                  </p:par>
+                  <p:par>
+                    <p:cTn id="95" fill="hold">
+                      <p:stCondLst>
+                        <p:cond delay="indefinite"/>
+                      </p:stCondLst>
+                      <p:childTnLst>
+                        <p:par>
+                          <p:cTn id="96" fill="hold">
+                            <p:stCondLst>
+                              <p:cond delay="0"/>
+                            </p:stCondLst>
+                            <p:childTnLst>
+                              <p:par>
+                                <p:cTn id="97" presetID="10" presetClass="exit" presetSubtype="0" fill="hold" grpId="1" nodeType="clickEffect">
+                                  <p:stCondLst>
+                                    <p:cond delay="0"/>
+                                  </p:stCondLst>
+                                  <p:childTnLst>
+                                    <p:animEffect transition="out" filter="fade">
+                                      <p:cBhvr>
+                                        <p:cTn id="98" dur="500"/>
+                                        <p:tgtEl>
+                                          <p:spTgt spid="3"/>
+                                        </p:tgtEl>
+                                      </p:cBhvr>
+                                    </p:animEffect>
+                                    <p:set>
+                                      <p:cBhvr>
+                                        <p:cTn id="99" dur="1" fill="hold">
+                                          <p:stCondLst>
+                                            <p:cond delay="499"/>
+                                          </p:stCondLst>
+                                        </p:cTn>
+                                        <p:tgtEl>
+                                          <p:spTgt spid="3"/>
+                                        </p:tgtEl>
+                                        <p:attrNameLst>
+                                          <p:attrName>style.visibility</p:attrName>
+                                        </p:attrNameLst>
+                                      </p:cBhvr>
+                                      <p:to>
+                                        <p:strVal val="hidden"/>
+                                      </p:to>
+                                    </p:set>
+                                  </p:childTnLst>
+                                </p:cTn>
+                              </p:par>
+                            </p:childTnLst>
+                          </p:cTn>
+                        </p:par>
+                        <p:par>
+                          <p:cTn id="100" fill="hold">
+                            <p:stCondLst>
+                              <p:cond delay="500"/>
+                            </p:stCondLst>
+                            <p:childTnLst>
+                              <p:par>
+                                <p:cTn id="101" presetID="10" presetClass="entr" presetSubtype="0" fill="hold" grpId="0" nodeType="afterEffect">
+                                  <p:stCondLst>
+                                    <p:cond delay="0"/>
+                                  </p:stCondLst>
+                                  <p:childTnLst>
+                                    <p:set>
+                                      <p:cBhvr>
+                                        <p:cTn id="102" dur="1" fill="hold">
+                                          <p:stCondLst>
+                                            <p:cond delay="0"/>
+                                          </p:stCondLst>
+                                        </p:cTn>
+                                        <p:tgtEl>
+                                          <p:spTgt spid="19"/>
+                                        </p:tgtEl>
+                                        <p:attrNameLst>
+                                          <p:attrName>style.visibility</p:attrName>
+                                        </p:attrNameLst>
+                                      </p:cBhvr>
+                                      <p:to>
+                                        <p:strVal val="visible"/>
+                                      </p:to>
+                                    </p:set>
+                                    <p:animEffect transition="in" filter="fade">
+                                      <p:cBhvr>
+                                        <p:cTn id="103" dur="500"/>
+                                        <p:tgtEl>
+                                          <p:spTgt spid="19"/>
+                                        </p:tgtEl>
+                                      </p:cBhvr>
+                                    </p:animEffect>
+                                  </p:childTnLst>
+                                </p:cTn>
+                              </p:par>
+                            </p:childTnLst>
+                          </p:cTn>
+                        </p:par>
+                      </p:childTnLst>
+                    </p:cTn>
+                  </p:par>
+                  <p:par>
+                    <p:cTn id="104" fill="hold">
+                      <p:stCondLst>
+                        <p:cond delay="indefinite"/>
+                      </p:stCondLst>
+                      <p:childTnLst>
+                        <p:par>
+                          <p:cTn id="105" fill="hold">
+                            <p:stCondLst>
+                              <p:cond delay="0"/>
+                            </p:stCondLst>
+                            <p:childTnLst>
+                              <p:par>
+                                <p:cTn id="106" presetID="10" presetClass="exit" presetSubtype="0" fill="hold" grpId="1" nodeType="clickEffect">
+                                  <p:stCondLst>
+                                    <p:cond delay="0"/>
+                                  </p:stCondLst>
+                                  <p:childTnLst>
+                                    <p:animEffect transition="out" filter="fade">
+                                      <p:cBhvr>
+                                        <p:cTn id="107" dur="500"/>
+                                        <p:tgtEl>
+                                          <p:spTgt spid="19"/>
+                                        </p:tgtEl>
+                                      </p:cBhvr>
+                                    </p:animEffect>
+                                    <p:set>
+                                      <p:cBhvr>
+                                        <p:cTn id="108" dur="1" fill="hold">
+                                          <p:stCondLst>
+                                            <p:cond delay="499"/>
+                                          </p:stCondLst>
+                                        </p:cTn>
+                                        <p:tgtEl>
+                                          <p:spTgt spid="19"/>
+                                        </p:tgtEl>
+                                        <p:attrNameLst>
+                                          <p:attrName>style.visibility</p:attrName>
+                                        </p:attrNameLst>
+                                      </p:cBhvr>
+                                      <p:to>
+                                        <p:strVal val="hidden"/>
+                                      </p:to>
+                                    </p:set>
+                                  </p:childTnLst>
+                                </p:cTn>
+                              </p:par>
+                            </p:childTnLst>
+                          </p:cTn>
+                        </p:par>
+                      </p:childTnLst>
+                    </p:cTn>
+                  </p:par>
+                </p:childTnLst>
+              </p:cTn>
+              <p:prevCondLst>
+                <p:cond evt="onPrev" delay="0">
+                  <p:tgtEl>
+                    <p:sldTgt/>
+                  </p:tgtEl>
+                </p:cond>
+              </p:prevCondLst>
+              <p:nextCondLst>
+                <p:cond evt="onNext" delay="0">
+                  <p:tgtEl>
+                    <p:sldTgt/>
+                  </p:tgtEl>
+                </p:cond>
+              </p:nextCondLst>
+            </p:seq>
+          </p:childTnLst>
+        </p:cTn>
+      </p:par>
+    </p:tnLst>
+    <p:bldLst>
+      <p:bldP spid="3" grpId="0" animBg="1"/>
+      <p:bldP spid="3" grpId="1" animBg="1"/>
+      <p:bldP spid="5" grpId="0" animBg="1"/>
+      <p:bldP spid="5" grpId="1" animBg="1"/>
+      <p:bldP spid="6" grpId="0" animBg="1"/>
+      <p:bldP spid="6" grpId="1" animBg="1"/>
+      <p:bldP spid="7" grpId="0" animBg="1"/>
+      <p:bldP spid="7" grpId="1" animBg="1"/>
+      <p:bldP spid="8" grpId="0" animBg="1"/>
+      <p:bldP spid="8" grpId="1" animBg="1"/>
+      <p:bldP spid="9" grpId="0" animBg="1"/>
+      <p:bldP spid="9" grpId="1" animBg="1"/>
+      <p:bldP spid="10" grpId="0" animBg="1"/>
+      <p:bldP spid="10" grpId="1" animBg="1"/>
+      <p:bldP spid="12" grpId="0" animBg="1"/>
+      <p:bldP spid="12" grpId="1" animBg="1"/>
+      <p:bldP spid="14" grpId="0" animBg="1"/>
+      <p:bldP spid="14" grpId="1" animBg="1"/>
+      <p:bldP spid="16" grpId="0" animBg="1"/>
+      <p:bldP spid="16" grpId="1" animBg="1"/>
+      <p:bldP spid="18" grpId="0" animBg="1"/>
+      <p:bldP spid="18" grpId="1" animBg="1"/>
+      <p:bldP spid="19" grpId="0" animBg="1"/>
+      <p:bldP spid="19" grpId="1" animBg="1"/>
+    </p:bldLst>
+  </p:timing>
 </p:sld>
 </file>
 
-<file path=ppt/slides/slide14.xml><?xml version="1.0" encoding="utf-8"?>
+<file path=ppt/slides/slide4.xml><?xml version="1.0" encoding="utf-8"?>
 <p:sld xmlns:a="http://schemas.openxmlformats.org/drawingml/2006/main" xmlns:r="http://schemas.openxmlformats.org/officeDocument/2006/relationships" xmlns:p="http://schemas.openxmlformats.org/presentationml/2006/main">
   <p:cSld>
     <p:spTree>
@@ -4565,7 +6945,7 @@
           <a:lstStyle/>
           <a:p>
             <a:r>
-              <a:rPr lang="en-US" dirty="0"/>
+              <a:rPr lang="en-US"/>
               <a:t>DATA SOURCES</a:t>
             </a:r>
           </a:p>
@@ -4605,7 +6985,7 @@
               </a:lnSpc>
             </a:pPr>
             <a:r>
-              <a:rPr lang="en-US" dirty="0">
+              <a:rPr lang="en-US">
                 <a:hlinkClick r:id="rId2"/>
               </a:rPr>
               <a:t>Öffi.at:</a:t>
@@ -4622,7 +7002,7 @@
               </a:lnSpc>
             </a:pPr>
             <a:r>
-              <a:rPr lang="en-US" dirty="0">
+              <a:rPr lang="en-US">
                 <a:hlinkClick r:id="rId3"/>
               </a:rPr>
               <a:t>Openmeteo:</a:t>
@@ -4639,7 +7019,7 @@
               </a:lnSpc>
             </a:pPr>
             <a:r>
-              <a:rPr lang="en-US" dirty="0">
+              <a:rPr lang="en-US">
                 <a:hlinkClick r:id="rId4"/>
               </a:rPr>
               <a:t>Data.gv.at:</a:t>
@@ -4664,7 +7044,7 @@
 </p:sld>
 </file>
 
-<file path=ppt/slides/slide15.xml><?xml version="1.0" encoding="utf-8"?>
+<file path=ppt/slides/slide5.xml><?xml version="1.0" encoding="utf-8"?>
 <p:sld xmlns:a="http://schemas.openxmlformats.org/drawingml/2006/main" xmlns:r="http://schemas.openxmlformats.org/officeDocument/2006/relationships" xmlns:p="http://schemas.openxmlformats.org/presentationml/2006/main">
   <p:cSld>
     <p:spTree>
@@ -4711,7 +7091,7 @@
           <a:lstStyle/>
           <a:p>
             <a:r>
-              <a:rPr lang="en-US" dirty="0"/>
+              <a:rPr lang="en-US"/>
               <a:t>Data collection</a:t>
             </a:r>
           </a:p>
@@ -4754,14 +7134,14 @@
               </a:spcAft>
             </a:pPr>
             <a:r>
-              <a:rPr lang="en-US" dirty="0"/>
+              <a:rPr lang="en-US"/>
               <a:t>Data from Öffi.at is scraped using </a:t>
             </a:r>
             <a:r>
-              <a:rPr lang="en-US" dirty="0" err="1"/>
+              <a:rPr lang="en-US" err="1"/>
               <a:t>BeautifulSoup</a:t>
             </a:r>
-            <a:endParaRPr lang="en-US" dirty="0"/>
+            <a:endParaRPr lang="en-US"/>
           </a:p>
           <a:p>
             <a:pPr>
@@ -4773,15 +7153,15 @@
               </a:spcAft>
             </a:pPr>
             <a:r>
-              <a:rPr lang="en-US" dirty="0"/>
+              <a:rPr lang="en-US"/>
               <a:t>Weather data is collected via calls to </a:t>
             </a:r>
             <a:r>
-              <a:rPr lang="en-US" dirty="0" err="1"/>
+              <a:rPr lang="en-US" err="1"/>
               <a:t>Openmeteo's</a:t>
             </a:r>
             <a:r>
-              <a:rPr lang="en-US" dirty="0"/>
+              <a:rPr lang="en-US"/>
               <a:t> API for the timestamps collected from Öffi.at</a:t>
             </a:r>
           </a:p>
@@ -4795,14 +7175,14 @@
               </a:spcAft>
             </a:pPr>
             <a:r>
-              <a:rPr lang="en-US" dirty="0"/>
+              <a:rPr lang="en-US"/>
               <a:t>All of this is streamed to </a:t>
             </a:r>
             <a:r>
-              <a:rPr lang="en-US" dirty="0" err="1"/>
+              <a:rPr lang="en-US" err="1"/>
               <a:t>kafka</a:t>
             </a:r>
-            <a:endParaRPr lang="en-US" dirty="0"/>
+            <a:endParaRPr lang="en-US"/>
           </a:p>
           <a:p>
             <a:pPr>
@@ -4814,7 +7194,7 @@
               </a:spcAft>
             </a:pPr>
             <a:r>
-              <a:rPr lang="en-US" dirty="0"/>
+              <a:rPr lang="en-US"/>
               <a:t>Geographic information is imported from a csv file from Data.gv.at directly into the database</a:t>
             </a:r>
           </a:p>
@@ -4833,7 +7213,7 @@
 </p:sld>
 </file>
 
-<file path=ppt/slides/slide16.xml><?xml version="1.0" encoding="utf-8"?>
+<file path=ppt/slides/slide6.xml><?xml version="1.0" encoding="utf-8"?>
 <p:sld xmlns:a="http://schemas.openxmlformats.org/drawingml/2006/main" xmlns:r="http://schemas.openxmlformats.org/officeDocument/2006/relationships" xmlns:p="http://schemas.openxmlformats.org/presentationml/2006/main">
   <p:cSld>
     <p:spTree>
@@ -4880,7 +7260,7 @@
           <a:lstStyle/>
           <a:p>
             <a:r>
-              <a:rPr lang="en-US" dirty="0"/>
+              <a:rPr lang="en-US"/>
               <a:t>Data processing</a:t>
             </a:r>
           </a:p>
@@ -4920,15 +7300,15 @@
               </a:lnSpc>
             </a:pPr>
             <a:r>
-              <a:rPr lang="en-US" dirty="0"/>
+              <a:rPr lang="en-US"/>
               <a:t>Delay data and Weather data are streamed to two </a:t>
             </a:r>
             <a:r>
-              <a:rPr lang="en-US" dirty="0" err="1"/>
+              <a:rPr lang="en-US" err="1"/>
               <a:t>kafka</a:t>
             </a:r>
             <a:r>
-              <a:rPr lang="en-US" dirty="0"/>
+              <a:rPr lang="en-US"/>
               <a:t> topics</a:t>
             </a:r>
           </a:p>
@@ -4939,7 +7319,7 @@
               </a:lnSpc>
             </a:pPr>
             <a:r>
-              <a:rPr lang="en-US" dirty="0"/>
+              <a:rPr lang="en-US"/>
               <a:t>Delay data is consumed to get timestamps for weather data</a:t>
             </a:r>
           </a:p>
@@ -4953,7 +7333,7 @@
               </a:spcAft>
             </a:pPr>
             <a:r>
-              <a:rPr lang="en-US" dirty="0"/>
+              <a:rPr lang="en-US"/>
               <a:t>Then both are consumed and written to the database</a:t>
             </a:r>
           </a:p>
@@ -4964,7 +7344,7 @@
               </a:lnSpc>
             </a:pPr>
             <a:r>
-              <a:rPr lang="en-US" dirty="0"/>
+              <a:rPr lang="en-US"/>
               <a:t>In addition, the number of delays for a given day or at a given station is added to the respective table</a:t>
             </a:r>
           </a:p>
@@ -4983,7 +7363,7 @@
 </p:sld>
 </file>
 
-<file path=ppt/slides/slide17.xml><?xml version="1.0" encoding="utf-8"?>
+<file path=ppt/slides/slide7.xml><?xml version="1.0" encoding="utf-8"?>
 <p:sld xmlns:a="http://schemas.openxmlformats.org/drawingml/2006/main" xmlns:r="http://schemas.openxmlformats.org/officeDocument/2006/relationships" xmlns:p="http://schemas.openxmlformats.org/presentationml/2006/main">
   <p:cSld>
     <p:spTree>
@@ -5030,7 +7410,7 @@
           <a:lstStyle/>
           <a:p>
             <a:r>
-              <a:rPr lang="en-US" dirty="0"/>
+              <a:rPr lang="en-US"/>
               <a:t>Data Storage</a:t>
             </a:r>
           </a:p>
@@ -5068,15 +7448,15 @@
               <a:buChar char="•"/>
             </a:pPr>
             <a:r>
-              <a:rPr lang="en-US" dirty="0"/>
+              <a:rPr lang="en-US"/>
               <a:t>All Data is stored in a </a:t>
             </a:r>
             <a:r>
-              <a:rPr lang="en-US" dirty="0" err="1"/>
+              <a:rPr lang="en-US" err="1"/>
               <a:t>postgreSQL</a:t>
             </a:r>
             <a:r>
-              <a:rPr lang="en-US" dirty="0"/>
+              <a:rPr lang="en-US"/>
               <a:t> database</a:t>
             </a:r>
           </a:p>
@@ -5085,7 +7465,7 @@
               <a:buChar char="•"/>
             </a:pPr>
             <a:r>
-              <a:rPr lang="en-US" dirty="0"/>
+              <a:rPr lang="en-US"/>
               <a:t>3 Tables:</a:t>
             </a:r>
           </a:p>
@@ -5093,7 +7473,7 @@
             <a:pPr marL="342900" indent="-342900">
               <a:buChar char="•"/>
             </a:pPr>
-            <a:endParaRPr lang="en-US" dirty="0"/>
+            <a:endParaRPr lang="en-US"/>
           </a:p>
         </p:txBody>
       </p:sp>
@@ -5132,10 +7512,10 @@
               </a:spcBef>
             </a:pPr>
             <a:r>
-              <a:rPr lang="en-US" sz="1800" dirty="0"/>
+              <a:rPr lang="en-US" sz="1800"/>
               <a:t>Delays:</a:t>
             </a:r>
-            <a:endParaRPr lang="en-US" dirty="0"/>
+            <a:endParaRPr lang="en-US"/>
           </a:p>
           <a:p>
             <a:pPr lvl="1">
@@ -5143,7 +7523,7 @@
               <a:buChar char="o"/>
             </a:pPr>
             <a:r>
-              <a:rPr lang="en-US" sz="1400" dirty="0"/>
+              <a:rPr lang="en-US" sz="1400"/>
               <a:t>Title </a:t>
             </a:r>
           </a:p>
@@ -5153,7 +7533,7 @@
               <a:buChar char="o"/>
             </a:pPr>
             <a:r>
-              <a:rPr lang="en-US" sz="1400" dirty="0"/>
+              <a:rPr lang="en-US" sz="1400"/>
               <a:t>Fixed</a:t>
             </a:r>
           </a:p>
@@ -5163,7 +7543,7 @@
               <a:buChar char="o"/>
             </a:pPr>
             <a:r>
-              <a:rPr lang="en-US" sz="1400" dirty="0"/>
+              <a:rPr lang="en-US" sz="1400"/>
               <a:t>Affected Lines</a:t>
             </a:r>
           </a:p>
@@ -5173,7 +7553,7 @@
               <a:buChar char="o"/>
             </a:pPr>
             <a:r>
-              <a:rPr lang="en-US" sz="1400" dirty="0"/>
+              <a:rPr lang="en-US" sz="1400"/>
               <a:t>Affected Station</a:t>
             </a:r>
           </a:p>
@@ -5183,7 +7563,7 @@
               <a:buChar char="o"/>
             </a:pPr>
             <a:r>
-              <a:rPr lang="en-US" sz="1400" dirty="0"/>
+              <a:rPr lang="en-US" sz="1400"/>
               <a:t>Timestamps (start, end)</a:t>
             </a:r>
           </a:p>
@@ -5194,7 +7574,7 @@
               </a:spcBef>
             </a:pPr>
             <a:r>
-              <a:rPr lang="en-US" sz="1800" dirty="0"/>
+              <a:rPr lang="en-US" sz="1800"/>
               <a:t>Weather:</a:t>
             </a:r>
           </a:p>
@@ -5204,7 +7584,7 @@
               <a:buChar char="o"/>
             </a:pPr>
             <a:r>
-              <a:rPr lang="en-US" sz="1400" dirty="0"/>
+              <a:rPr lang="en-US" sz="1400"/>
               <a:t>Timestamp</a:t>
             </a:r>
           </a:p>
@@ -5214,7 +7594,7 @@
               <a:buChar char="o"/>
             </a:pPr>
             <a:r>
-              <a:rPr lang="en-US" sz="1400" dirty="0"/>
+              <a:rPr lang="en-US" sz="1400"/>
               <a:t>WMO classification Code</a:t>
             </a:r>
           </a:p>
@@ -5224,7 +7604,7 @@
               <a:buChar char="o"/>
             </a:pPr>
             <a:r>
-              <a:rPr lang="en-US" sz="1400" dirty="0"/>
+              <a:rPr lang="en-US" sz="1400"/>
               <a:t>Temperature</a:t>
             </a:r>
           </a:p>
@@ -5234,13 +7614,13 @@
               <a:buChar char="o"/>
             </a:pPr>
             <a:r>
-              <a:rPr lang="en-US" sz="1400" dirty="0">
+              <a:rPr lang="en-US" sz="1400">
                 <a:ea typeface="+mn-lt"/>
                 <a:cs typeface="+mn-lt"/>
               </a:rPr>
               <a:t>Precipitation</a:t>
             </a:r>
-            <a:endParaRPr lang="en-US" sz="1400" dirty="0"/>
+            <a:endParaRPr lang="en-US" sz="1400"/>
           </a:p>
           <a:p>
             <a:pPr lvl="1">
@@ -5248,7 +7628,7 @@
               <a:buChar char="o"/>
             </a:pPr>
             <a:r>
-              <a:rPr lang="en-US" sz="1400" dirty="0"/>
+              <a:rPr lang="en-US" sz="1400"/>
               <a:t>Relative humidity</a:t>
             </a:r>
           </a:p>
@@ -5258,7 +7638,7 @@
               <a:buChar char="o"/>
             </a:pPr>
             <a:r>
-              <a:rPr lang="en-US" sz="1400" dirty="0"/>
+              <a:rPr lang="en-US" sz="1400"/>
               <a:t>Wind speed</a:t>
             </a:r>
           </a:p>
@@ -5268,18 +7648,18 @@
               <a:buChar char="o"/>
             </a:pPr>
             <a:r>
-              <a:rPr lang="en-US" sz="1400" dirty="0"/>
+              <a:rPr lang="en-US" sz="1400"/>
               <a:t>Number of </a:t>
             </a:r>
             <a:r>
-              <a:rPr lang="en-US" sz="1400" dirty="0">
+              <a:rPr lang="en-US" sz="1400">
                 <a:ea typeface="+mn-lt"/>
                 <a:cs typeface="+mn-lt"/>
               </a:rPr>
               <a:t>disruptions </a:t>
             </a:r>
             <a:r>
-              <a:rPr lang="en-US" sz="1400" dirty="0"/>
+              <a:rPr lang="en-US" sz="1400"/>
               <a:t>on said day</a:t>
             </a:r>
           </a:p>
@@ -5290,7 +7670,7 @@
               </a:spcBef>
             </a:pPr>
             <a:r>
-              <a:rPr lang="en-US" sz="1800" dirty="0"/>
+              <a:rPr lang="en-US" sz="1800"/>
               <a:t>Traffic stops:</a:t>
             </a:r>
           </a:p>
@@ -5300,7 +7680,7 @@
               <a:buChar char="o"/>
             </a:pPr>
             <a:r>
-              <a:rPr lang="en-US" sz="1400" dirty="0"/>
+              <a:rPr lang="en-US" sz="1400"/>
               <a:t>Name</a:t>
             </a:r>
           </a:p>
@@ -5310,7 +7690,7 @@
               <a:buChar char="o"/>
             </a:pPr>
             <a:r>
-              <a:rPr lang="en-US" sz="1400" dirty="0"/>
+              <a:rPr lang="en-US" sz="1400"/>
               <a:t>Longitude</a:t>
             </a:r>
           </a:p>
@@ -5320,7 +7700,7 @@
               <a:buChar char="o"/>
             </a:pPr>
             <a:r>
-              <a:rPr lang="en-US" sz="1400" dirty="0"/>
+              <a:rPr lang="en-US" sz="1400"/>
               <a:t>Latitude</a:t>
             </a:r>
           </a:p>
@@ -5330,7 +7710,7 @@
               <a:buChar char="o"/>
             </a:pPr>
             <a:r>
-              <a:rPr lang="en-US" sz="1400" dirty="0"/>
+              <a:rPr lang="en-US" sz="1400"/>
               <a:t>Number of disruptions affecting said station</a:t>
             </a:r>
           </a:p>
@@ -5379,7 +7759,7 @@
 </p:sld>
 </file>
 
-<file path=ppt/slides/slide18.xml><?xml version="1.0" encoding="utf-8"?>
+<file path=ppt/slides/slide8.xml><?xml version="1.0" encoding="utf-8"?>
 <p:sld xmlns:a="http://schemas.openxmlformats.org/drawingml/2006/main" xmlns:r="http://schemas.openxmlformats.org/officeDocument/2006/relationships" xmlns:p="http://schemas.openxmlformats.org/presentationml/2006/main">
   <p:cSld>
     <p:spTree>
@@ -5426,7 +7806,7 @@
           <a:lstStyle/>
           <a:p>
             <a:r>
-              <a:rPr lang="en-US" dirty="0"/>
+              <a:rPr lang="en-US"/>
               <a:t>Data Visualization</a:t>
             </a:r>
           </a:p>
@@ -5466,10 +7846,9 @@
               </a:lnSpc>
             </a:pPr>
             <a:r>
-              <a:rPr lang="en-US" dirty="0"/>
+              <a:rPr lang="en-US"/>
               <a:t>Data is analyzed using Grafana</a:t>
             </a:r>
-            <a:endParaRPr lang="en-US"/>
           </a:p>
           <a:p>
             <a:pPr>
@@ -5484,7 +7863,7 @@
               </a:spcAft>
             </a:pPr>
             <a:r>
-              <a:rPr lang="en-US" dirty="0"/>
+              <a:rPr lang="en-US"/>
               <a:t>We can analyze:</a:t>
             </a:r>
           </a:p>
@@ -5497,7 +7876,7 @@
               <a:buChar char="o"/>
             </a:pPr>
             <a:r>
-              <a:rPr lang="en-US" dirty="0"/>
+              <a:rPr lang="en-US"/>
               <a:t> Heatmaps for disruptions</a:t>
             </a:r>
           </a:p>
@@ -5510,7 +7889,7 @@
               <a:buChar char="o"/>
             </a:pPr>
             <a:r>
-              <a:rPr lang="en-US" dirty="0"/>
+              <a:rPr lang="en-US"/>
               <a:t>Time-series graphs of different weather metrics and disruptions</a:t>
             </a:r>
           </a:p>
@@ -5523,7 +7902,7 @@
               <a:buChar char="o"/>
             </a:pPr>
             <a:r>
-              <a:rPr lang="en-US" dirty="0"/>
+              <a:rPr lang="en-US"/>
               <a:t>Total and relative numbers of delays</a:t>
             </a:r>
           </a:p>
@@ -5536,7 +7915,7 @@
               <a:buChar char="o"/>
             </a:pPr>
             <a:r>
-              <a:rPr lang="en-US" dirty="0"/>
+              <a:rPr lang="en-US"/>
               <a:t>Detailed information on all tables</a:t>
             </a:r>
           </a:p>
@@ -5553,7 +7932,7 @@
               </a:spcAft>
             </a:pPr>
             <a:r>
-              <a:rPr lang="en-US" dirty="0"/>
+              <a:rPr lang="en-US"/>
               <a:t>In addition, we can filter for:</a:t>
             </a:r>
           </a:p>
@@ -5566,7 +7945,7 @@
               <a:buChar char="o"/>
             </a:pPr>
             <a:r>
-              <a:rPr lang="en-US" dirty="0"/>
+              <a:rPr lang="en-US"/>
               <a:t>Specific stations</a:t>
             </a:r>
           </a:p>
@@ -5579,7 +7958,7 @@
               <a:buChar char="o"/>
             </a:pPr>
             <a:r>
-              <a:rPr lang="en-US" dirty="0"/>
+              <a:rPr lang="en-US"/>
               <a:t>Specific timeframes</a:t>
             </a:r>
           </a:p>
@@ -5657,7 +8036,7 @@
 </p:sld>
 </file>
 
-<file path=ppt/slides/slide19.xml><?xml version="1.0" encoding="utf-8"?>
+<file path=ppt/slides/slide9.xml><?xml version="1.0" encoding="utf-8"?>
 <p:sld xmlns:a="http://schemas.openxmlformats.org/drawingml/2006/main" xmlns:r="http://schemas.openxmlformats.org/officeDocument/2006/relationships" xmlns:p="http://schemas.openxmlformats.org/presentationml/2006/main">
   <p:cSld>
     <p:spTree>
@@ -5704,7 +8083,7 @@
           <a:lstStyle/>
           <a:p>
             <a:r>
-              <a:rPr lang="en-US" dirty="0"/>
+              <a:rPr lang="en-US"/>
               <a:t>Containers</a:t>
             </a:r>
           </a:p>
@@ -5738,7 +8117,7 @@
           </a:bodyPr>
           <a:lstStyle/>
           <a:p>
-            <a:endParaRPr lang="en-US" dirty="0">
+            <a:endParaRPr lang="en-US">
               <a:ea typeface="+mn-lt"/>
               <a:cs typeface="+mn-lt"/>
             </a:endParaRPr>
@@ -5748,20 +8127,20 @@
               <a:buChar char="•"/>
             </a:pPr>
             <a:r>
-              <a:rPr lang="en-US" dirty="0">
+              <a:rPr lang="en-US">
                 <a:ea typeface="+mn-lt"/>
                 <a:cs typeface="+mn-lt"/>
               </a:rPr>
               <a:t>Every part of the system is containerized</a:t>
             </a:r>
-            <a:endParaRPr lang="en-US" dirty="0"/>
+            <a:endParaRPr lang="en-US"/>
           </a:p>
           <a:p>
             <a:pPr marL="285750" indent="-285750">
               <a:buChar char="•"/>
             </a:pPr>
             <a:r>
-              <a:rPr lang="en-US" dirty="0"/>
+              <a:rPr lang="en-US"/>
               <a:t>Docker is used here</a:t>
             </a:r>
           </a:p>
@@ -5770,7 +8149,7 @@
               <a:buChar char="•"/>
             </a:pPr>
             <a:r>
-              <a:rPr lang="en-US" dirty="0"/>
+              <a:rPr lang="en-US"/>
               <a:t>In total, there are 10 containers:</a:t>
             </a:r>
           </a:p>
@@ -5778,7 +8157,7 @@
             <a:pPr marL="342900" indent="-342900">
               <a:buChar char="•"/>
             </a:pPr>
-            <a:endParaRPr lang="en-US" dirty="0"/>
+            <a:endParaRPr lang="en-US"/>
           </a:p>
         </p:txBody>
       </p:sp>
@@ -5823,16 +8202,12 @@
               <a:t>dsi_kafka_producer_weather</a:t>
             </a:r>
             <a:r>
-              <a:rPr lang="en-US" sz="2000" dirty="0">
+              <a:rPr lang="en-US" sz="2000">
                 <a:ea typeface="+mn-lt"/>
                 <a:cs typeface="+mn-lt"/>
               </a:rPr>
               <a:t>: Container running custom Python script for fetching weather data </a:t>
             </a:r>
-            <a:endParaRPr lang="en-US" sz="2000">
-              <a:ea typeface="+mn-lt"/>
-              <a:cs typeface="+mn-lt"/>
-            </a:endParaRPr>
           </a:p>
           <a:p>
             <a:pPr>
@@ -5848,7 +8223,7 @@
               <a:t>dsi_kafka_producer_delays</a:t>
             </a:r>
             <a:r>
-              <a:rPr lang="en-US" sz="2000" dirty="0">
+              <a:rPr lang="en-US" sz="2000">
                 <a:ea typeface="+mn-lt"/>
                 <a:cs typeface="+mn-lt"/>
               </a:rPr>
@@ -5870,7 +8245,7 @@
               <a:t>dsi_init_kafka</a:t>
             </a:r>
             <a:r>
-              <a:rPr lang="en-US" sz="2000" dirty="0">
+              <a:rPr lang="en-US" sz="2000">
                 <a:ea typeface="+mn-lt"/>
                 <a:cs typeface="+mn-lt"/>
               </a:rPr>
@@ -5884,7 +8259,7 @@
               </a:spcAft>
             </a:pPr>
             <a:r>
-              <a:rPr lang="en-US" sz="2000" dirty="0">
+              <a:rPr lang="en-US" sz="2000">
                 <a:ea typeface="+mn-lt"/>
                 <a:cs typeface="+mn-lt"/>
               </a:rPr>
@@ -5905,7 +8280,7 @@
               <a:t>dsi_kafka_consumer</a:t>
             </a:r>
             <a:r>
-              <a:rPr lang="en-US" sz="2000" dirty="0">
+              <a:rPr lang="en-US" sz="2000">
                 <a:ea typeface="+mn-lt"/>
                 <a:cs typeface="+mn-lt"/>
               </a:rPr>
@@ -5954,1529 +8329,6 @@
   <p:clrMapOvr>
     <a:masterClrMapping/>
   </p:clrMapOvr>
-</p:sld>
-</file>
-
-<file path=ppt/slides/slide2.xml><?xml version="1.0" encoding="utf-8"?>
-<p:sld xmlns:a="http://schemas.openxmlformats.org/drawingml/2006/main" xmlns:r="http://schemas.openxmlformats.org/officeDocument/2006/relationships" xmlns:p="http://schemas.openxmlformats.org/presentationml/2006/main">
-  <p:cSld>
-    <p:spTree>
-      <p:nvGrpSpPr>
-        <p:cNvPr id="1" name=""/>
-        <p:cNvGrpSpPr/>
-        <p:nvPr/>
-      </p:nvGrpSpPr>
-      <p:grpSpPr>
-        <a:xfrm>
-          <a:off x="0" y="0"/>
-          <a:ext cx="0" cy="0"/>
-          <a:chOff x="0" y="0"/>
-          <a:chExt cx="0" cy="0"/>
-        </a:xfrm>
-      </p:grpSpPr>
-      <p:sp>
-        <p:nvSpPr>
-          <p:cNvPr id="2" name="Title 1">
-            <a:extLst>
-              <a:ext uri="{FF2B5EF4-FFF2-40B4-BE49-F238E27FC236}">
-                <a16:creationId xmlns:a16="http://schemas.microsoft.com/office/drawing/2014/main" id="{CB1A0E62-8BAE-37CA-7807-4D7019A7D50E}"/>
-              </a:ext>
-            </a:extLst>
-          </p:cNvPr>
-          <p:cNvSpPr>
-            <a:spLocks noGrp="1"/>
-          </p:cNvSpPr>
-          <p:nvPr>
-            <p:ph type="title"/>
-          </p:nvPr>
-        </p:nvSpPr>
-        <p:spPr/>
-        <p:txBody>
-          <a:bodyPr vert="horz" lIns="91440" tIns="45720" rIns="91440" bIns="45720" rtlCol="0" anchor="t">
-            <a:normAutofit/>
-          </a:bodyPr>
-          <a:lstStyle/>
-          <a:p>
-            <a:r>
-              <a:rPr lang="en-US" dirty="0"/>
-              <a:t>Concept</a:t>
-            </a:r>
-          </a:p>
-        </p:txBody>
-      </p:sp>
-      <p:sp>
-        <p:nvSpPr>
-          <p:cNvPr id="3" name="Content Placeholder 2">
-            <a:extLst>
-              <a:ext uri="{FF2B5EF4-FFF2-40B4-BE49-F238E27FC236}">
-                <a16:creationId xmlns:a16="http://schemas.microsoft.com/office/drawing/2014/main" id="{D9796C04-BBEC-0E61-9DE0-977CD6440FAC}"/>
-              </a:ext>
-            </a:extLst>
-          </p:cNvPr>
-          <p:cNvSpPr>
-            <a:spLocks noGrp="1"/>
-          </p:cNvSpPr>
-          <p:nvPr>
-            <p:ph idx="1"/>
-          </p:nvPr>
-        </p:nvSpPr>
-        <p:spPr>
-          <a:xfrm>
-            <a:off x="1620444" y="2077807"/>
-            <a:ext cx="8977509" cy="3141785"/>
-          </a:xfrm>
-        </p:spPr>
-        <p:txBody>
-          <a:bodyPr vert="horz" lIns="91440" tIns="45720" rIns="91440" bIns="45720" rtlCol="0" anchor="t">
-            <a:normAutofit/>
-          </a:bodyPr>
-          <a:lstStyle/>
-          <a:p>
-            <a:pPr>
-              <a:lnSpc>
-                <a:spcPct val="200000"/>
-              </a:lnSpc>
-            </a:pPr>
-            <a:r>
-              <a:rPr lang="en-US"/>
-              <a:t>Use historic data on disruptions in the public transit system in Vienna</a:t>
-            </a:r>
-          </a:p>
-          <a:p>
-            <a:pPr>
-              <a:lnSpc>
-                <a:spcPct val="200000"/>
-              </a:lnSpc>
-            </a:pPr>
-            <a:r>
-              <a:rPr lang="en-US"/>
-              <a:t>Combine with weather data and geographic data</a:t>
-            </a:r>
-          </a:p>
-          <a:p>
-            <a:pPr>
-              <a:lnSpc>
-                <a:spcPct val="200000"/>
-              </a:lnSpc>
-            </a:pPr>
-            <a:r>
-              <a:rPr lang="en-US" dirty="0"/>
-              <a:t>Try to </a:t>
-            </a:r>
-            <a:r>
-              <a:rPr lang="en-US"/>
-              <a:t>recognize</a:t>
-            </a:r>
-            <a:r>
-              <a:rPr lang="en-US" dirty="0"/>
-              <a:t> patterns</a:t>
-            </a:r>
-          </a:p>
-        </p:txBody>
-      </p:sp>
-    </p:spTree>
-    <p:extLst>
-      <p:ext uri="{BB962C8B-B14F-4D97-AF65-F5344CB8AC3E}">
-        <p14:creationId xmlns:p14="http://schemas.microsoft.com/office/powerpoint/2010/main" val="2170909605"/>
-      </p:ext>
-    </p:extLst>
-  </p:cSld>
-  <p:clrMapOvr>
-    <a:masterClrMapping/>
-  </p:clrMapOvr>
-</p:sld>
-</file>
-
-<file path=ppt/slides/slide20.xml><?xml version="1.0" encoding="utf-8"?>
-<p:sld xmlns:a="http://schemas.openxmlformats.org/drawingml/2006/main" xmlns:r="http://schemas.openxmlformats.org/officeDocument/2006/relationships" xmlns:p="http://schemas.openxmlformats.org/presentationml/2006/main">
-  <p:cSld>
-    <p:spTree>
-      <p:nvGrpSpPr>
-        <p:cNvPr id="1" name="">
-          <a:extLst>
-            <a:ext uri="{FF2B5EF4-FFF2-40B4-BE49-F238E27FC236}">
-              <a16:creationId xmlns:a16="http://schemas.microsoft.com/office/drawing/2014/main" id="{98D148B9-47C4-67D7-D7C8-1CA848B078A4}"/>
-            </a:ext>
-          </a:extLst>
-        </p:cNvPr>
-        <p:cNvGrpSpPr/>
-        <p:nvPr/>
-      </p:nvGrpSpPr>
-      <p:grpSpPr>
-        <a:xfrm>
-          <a:off x="0" y="0"/>
-          <a:ext cx="0" cy="0"/>
-          <a:chOff x="0" y="0"/>
-          <a:chExt cx="0" cy="0"/>
-        </a:xfrm>
-      </p:grpSpPr>
-      <p:sp>
-        <p:nvSpPr>
-          <p:cNvPr id="2" name="Title 1">
-            <a:extLst>
-              <a:ext uri="{FF2B5EF4-FFF2-40B4-BE49-F238E27FC236}">
-                <a16:creationId xmlns:a16="http://schemas.microsoft.com/office/drawing/2014/main" id="{F10D4DC9-1B7B-F044-931E-78723D4069DF}"/>
-              </a:ext>
-            </a:extLst>
-          </p:cNvPr>
-          <p:cNvSpPr>
-            <a:spLocks noGrp="1"/>
-          </p:cNvSpPr>
-          <p:nvPr>
-            <p:ph type="title"/>
-          </p:nvPr>
-        </p:nvSpPr>
-        <p:spPr/>
-        <p:txBody>
-          <a:bodyPr vert="horz" lIns="91440" tIns="45720" rIns="91440" bIns="45720" rtlCol="0" anchor="t">
-            <a:normAutofit/>
-          </a:bodyPr>
-          <a:lstStyle/>
-          <a:p>
-            <a:r>
-              <a:rPr lang="en-US" dirty="0"/>
-              <a:t>Containers Pt. 2</a:t>
-            </a:r>
-          </a:p>
-        </p:txBody>
-      </p:sp>
-      <p:sp>
-        <p:nvSpPr>
-          <p:cNvPr id="4" name="Text Placeholder 3">
-            <a:extLst>
-              <a:ext uri="{FF2B5EF4-FFF2-40B4-BE49-F238E27FC236}">
-                <a16:creationId xmlns:a16="http://schemas.microsoft.com/office/drawing/2014/main" id="{171C040D-5BF6-F0DC-6B0A-3EE7DC12287B}"/>
-              </a:ext>
-            </a:extLst>
-          </p:cNvPr>
-          <p:cNvSpPr>
-            <a:spLocks noGrp="1"/>
-          </p:cNvSpPr>
-          <p:nvPr>
-            <p:ph type="body" sz="half" idx="2"/>
-          </p:nvPr>
-        </p:nvSpPr>
-        <p:spPr>
-          <a:xfrm>
-            <a:off x="1380121" y="2064090"/>
-            <a:ext cx="3858151" cy="1282064"/>
-          </a:xfrm>
-        </p:spPr>
-        <p:txBody>
-          <a:bodyPr>
-            <a:normAutofit/>
-          </a:bodyPr>
-          <a:lstStyle/>
-          <a:p>
-            <a:pPr marL="285750" indent="-285750">
-              <a:buChar char="•"/>
-            </a:pPr>
-            <a:r>
-              <a:rPr lang="en-US" dirty="0">
-                <a:ea typeface="+mn-lt"/>
-                <a:cs typeface="+mn-lt"/>
-              </a:rPr>
-              <a:t>Remaining 5 containers:</a:t>
-            </a:r>
-          </a:p>
-          <a:p>
-            <a:pPr marL="342900" indent="-342900">
-              <a:buChar char="•"/>
-            </a:pPr>
-            <a:endParaRPr lang="en-US" dirty="0"/>
-          </a:p>
-          <a:p>
-            <a:pPr marL="342900" indent="-342900">
-              <a:buChar char="•"/>
-            </a:pPr>
-            <a:endParaRPr lang="en-US" dirty="0"/>
-          </a:p>
-        </p:txBody>
-      </p:sp>
-      <p:sp>
-        <p:nvSpPr>
-          <p:cNvPr id="6" name="Content Placeholder 5">
-            <a:extLst>
-              <a:ext uri="{FF2B5EF4-FFF2-40B4-BE49-F238E27FC236}">
-                <a16:creationId xmlns:a16="http://schemas.microsoft.com/office/drawing/2014/main" id="{5DFBE3FE-B6E3-A7C9-99F3-232D6A5F217B}"/>
-              </a:ext>
-            </a:extLst>
-          </p:cNvPr>
-          <p:cNvSpPr>
-            <a:spLocks noGrp="1"/>
-          </p:cNvSpPr>
-          <p:nvPr>
-            <p:ph idx="1"/>
-          </p:nvPr>
-        </p:nvSpPr>
-        <p:spPr>
-          <a:xfrm>
-            <a:off x="5761104" y="920080"/>
-            <a:ext cx="6017495" cy="5489257"/>
-          </a:xfrm>
-        </p:spPr>
-        <p:txBody>
-          <a:bodyPr vert="horz" lIns="91440" tIns="45720" rIns="91440" bIns="45720" rtlCol="0" anchor="t">
-            <a:noAutofit/>
-          </a:bodyPr>
-          <a:lstStyle/>
-          <a:p>
-            <a:pPr>
-              <a:spcAft>
-                <a:spcPts val="1000"/>
-              </a:spcAft>
-            </a:pPr>
-            <a:r>
-              <a:rPr lang="en-US" sz="2000" err="1">
-                <a:ea typeface="+mn-lt"/>
-                <a:cs typeface="+mn-lt"/>
-              </a:rPr>
-              <a:t>dsi_psotgres_setup_table</a:t>
-            </a:r>
-            <a:r>
-              <a:rPr lang="en-US" sz="2000" dirty="0">
-                <a:ea typeface="+mn-lt"/>
-                <a:cs typeface="+mn-lt"/>
-              </a:rPr>
-              <a:t>: Container for creating and setting up tables in </a:t>
-            </a:r>
-            <a:r>
-              <a:rPr lang="en-US" sz="2000" err="1">
-                <a:ea typeface="+mn-lt"/>
-                <a:cs typeface="+mn-lt"/>
-              </a:rPr>
-              <a:t>postgreSQL</a:t>
-            </a:r>
-            <a:r>
-              <a:rPr lang="en-US" sz="2000" dirty="0">
-                <a:ea typeface="+mn-lt"/>
-                <a:cs typeface="+mn-lt"/>
-              </a:rPr>
-              <a:t> </a:t>
-            </a:r>
-            <a:endParaRPr lang="en-US" sz="2000">
-              <a:cs typeface="Arial"/>
-            </a:endParaRPr>
-          </a:p>
-          <a:p>
-            <a:pPr>
-              <a:spcAft>
-                <a:spcPts val="1000"/>
-              </a:spcAft>
-            </a:pPr>
-            <a:r>
-              <a:rPr lang="en-US" sz="2000" err="1">
-                <a:ea typeface="+mn-lt"/>
-                <a:cs typeface="+mn-lt"/>
-              </a:rPr>
-              <a:t>dsi_postgres</a:t>
-            </a:r>
-            <a:r>
-              <a:rPr lang="en-US" sz="2000" dirty="0">
-                <a:ea typeface="+mn-lt"/>
-                <a:cs typeface="+mn-lt"/>
-              </a:rPr>
-              <a:t>: The </a:t>
-            </a:r>
-            <a:r>
-              <a:rPr lang="en-US" sz="2000" err="1">
-                <a:ea typeface="+mn-lt"/>
-                <a:cs typeface="+mn-lt"/>
-              </a:rPr>
-              <a:t>postgreSQL</a:t>
-            </a:r>
-            <a:r>
-              <a:rPr lang="en-US" sz="2000" dirty="0">
-                <a:ea typeface="+mn-lt"/>
-                <a:cs typeface="+mn-lt"/>
-              </a:rPr>
-              <a:t> database used to store our final data </a:t>
-            </a:r>
-            <a:endParaRPr lang="en-US" sz="2000"/>
-          </a:p>
-          <a:p>
-            <a:pPr>
-              <a:spcAft>
-                <a:spcPts val="1000"/>
-              </a:spcAft>
-            </a:pPr>
-            <a:r>
-              <a:rPr lang="en-US" sz="2000" err="1">
-                <a:ea typeface="+mn-lt"/>
-                <a:cs typeface="+mn-lt"/>
-              </a:rPr>
-              <a:t>dsi_grafana</a:t>
-            </a:r>
-            <a:r>
-              <a:rPr lang="en-US" sz="2000" dirty="0">
-                <a:ea typeface="+mn-lt"/>
-                <a:cs typeface="+mn-lt"/>
-              </a:rPr>
-              <a:t>: Contains the visualization tool we use to get our results </a:t>
-            </a:r>
-          </a:p>
-          <a:p>
-            <a:pPr>
-              <a:spcAft>
-                <a:spcPts val="1000"/>
-              </a:spcAft>
-            </a:pPr>
-            <a:r>
-              <a:rPr lang="en-US" sz="2000" err="1">
-                <a:ea typeface="+mn-lt"/>
-                <a:cs typeface="+mn-lt"/>
-              </a:rPr>
-              <a:t>dsi_prometheus</a:t>
-            </a:r>
-            <a:r>
-              <a:rPr lang="en-US" sz="2000" dirty="0">
-                <a:ea typeface="+mn-lt"/>
-                <a:cs typeface="+mn-lt"/>
-              </a:rPr>
-              <a:t>: Used to store metrics </a:t>
-            </a:r>
-            <a:endParaRPr lang="en-US" sz="2000"/>
-          </a:p>
-          <a:p>
-            <a:pPr>
-              <a:spcAft>
-                <a:spcPts val="1000"/>
-              </a:spcAft>
-            </a:pPr>
-            <a:r>
-              <a:rPr lang="en-US" sz="2000" err="1">
-                <a:ea typeface="+mn-lt"/>
-                <a:cs typeface="+mn-lt"/>
-              </a:rPr>
-              <a:t>dsi_exporter_postgres</a:t>
-            </a:r>
-            <a:r>
-              <a:rPr lang="en-US" sz="2000" dirty="0">
-                <a:ea typeface="+mn-lt"/>
-                <a:cs typeface="+mn-lt"/>
-              </a:rPr>
-              <a:t>: Used to gather </a:t>
-            </a:r>
-            <a:r>
-              <a:rPr lang="en-US" sz="2000" err="1">
-                <a:ea typeface="+mn-lt"/>
-                <a:cs typeface="+mn-lt"/>
-              </a:rPr>
-              <a:t>postgres</a:t>
-            </a:r>
-            <a:r>
-              <a:rPr lang="en-US" sz="2000" dirty="0">
-                <a:ea typeface="+mn-lt"/>
-                <a:cs typeface="+mn-lt"/>
-              </a:rPr>
-              <a:t> metrics (just for fun)</a:t>
-            </a:r>
-          </a:p>
-        </p:txBody>
-      </p:sp>
-      <p:pic>
-        <p:nvPicPr>
-          <p:cNvPr id="3" name="Picture 2" descr="A blue letters on a black background&#10;&#10;Description automatically generated">
-            <a:extLst>
-              <a:ext uri="{FF2B5EF4-FFF2-40B4-BE49-F238E27FC236}">
-                <a16:creationId xmlns:a16="http://schemas.microsoft.com/office/drawing/2014/main" id="{EE44F479-949B-B6BC-DB1A-AEBC96D53E90}"/>
-              </a:ext>
-            </a:extLst>
-          </p:cNvPr>
-          <p:cNvPicPr>
-            <a:picLocks noChangeAspect="1"/>
-          </p:cNvPicPr>
-          <p:nvPr/>
-        </p:nvPicPr>
-        <p:blipFill>
-          <a:blip r:embed="rId2"/>
-          <a:stretch>
-            <a:fillRect/>
-          </a:stretch>
-        </p:blipFill>
-        <p:spPr>
-          <a:xfrm>
-            <a:off x="1231174" y="4127842"/>
-            <a:ext cx="3590925" cy="923925"/>
-          </a:xfrm>
-          <a:prstGeom prst="rect">
-            <a:avLst/>
-          </a:prstGeom>
-        </p:spPr>
-      </p:pic>
-    </p:spTree>
-    <p:extLst>
-      <p:ext uri="{BB962C8B-B14F-4D97-AF65-F5344CB8AC3E}">
-        <p14:creationId xmlns:p14="http://schemas.microsoft.com/office/powerpoint/2010/main" val="1644027078"/>
-      </p:ext>
-    </p:extLst>
-  </p:cSld>
-  <p:clrMapOvr>
-    <a:masterClrMapping/>
-  </p:clrMapOvr>
-</p:sld>
-</file>
-
-<file path=ppt/slides/slide21.xml><?xml version="1.0" encoding="utf-8"?>
-<p:sld xmlns:a="http://schemas.openxmlformats.org/drawingml/2006/main" xmlns:r="http://schemas.openxmlformats.org/officeDocument/2006/relationships" xmlns:p="http://schemas.openxmlformats.org/presentationml/2006/main">
-  <p:cSld>
-    <p:spTree>
-      <p:nvGrpSpPr>
-        <p:cNvPr id="1" name=""/>
-        <p:cNvGrpSpPr/>
-        <p:nvPr/>
-      </p:nvGrpSpPr>
-      <p:grpSpPr>
-        <a:xfrm>
-          <a:off x="0" y="0"/>
-          <a:ext cx="0" cy="0"/>
-          <a:chOff x="0" y="0"/>
-          <a:chExt cx="0" cy="0"/>
-        </a:xfrm>
-      </p:grpSpPr>
-      <p:sp>
-        <p:nvSpPr>
-          <p:cNvPr id="3" name="Title 2">
-            <a:extLst>
-              <a:ext uri="{FF2B5EF4-FFF2-40B4-BE49-F238E27FC236}">
-                <a16:creationId xmlns:a16="http://schemas.microsoft.com/office/drawing/2014/main" id="{389459CB-A0E8-FE8D-1C26-7E84EC49005D}"/>
-              </a:ext>
-            </a:extLst>
-          </p:cNvPr>
-          <p:cNvSpPr>
-            <a:spLocks noGrp="1"/>
-          </p:cNvSpPr>
-          <p:nvPr>
-            <p:ph type="ctrTitle"/>
-          </p:nvPr>
-        </p:nvSpPr>
-        <p:spPr/>
-        <p:txBody>
-          <a:bodyPr/>
-          <a:lstStyle/>
-          <a:p>
-            <a:r>
-              <a:rPr lang="en-US" dirty="0"/>
-              <a:t>Live Demonstration</a:t>
-            </a:r>
-          </a:p>
-        </p:txBody>
-      </p:sp>
-    </p:spTree>
-    <p:extLst>
-      <p:ext uri="{BB962C8B-B14F-4D97-AF65-F5344CB8AC3E}">
-        <p14:creationId xmlns:p14="http://schemas.microsoft.com/office/powerpoint/2010/main" val="1001565791"/>
-      </p:ext>
-    </p:extLst>
-  </p:cSld>
-  <p:clrMapOvr>
-    <a:masterClrMapping/>
-  </p:clrMapOvr>
-</p:sld>
-</file>
-
-<file path=ppt/slides/slide3.xml><?xml version="1.0" encoding="utf-8"?>
-<p:sld xmlns:a="http://schemas.openxmlformats.org/drawingml/2006/main" xmlns:r="http://schemas.openxmlformats.org/officeDocument/2006/relationships" xmlns:p="http://schemas.openxmlformats.org/presentationml/2006/main">
-  <p:cSld>
-    <p:spTree>
-      <p:nvGrpSpPr>
-        <p:cNvPr id="1" name=""/>
-        <p:cNvGrpSpPr/>
-        <p:nvPr/>
-      </p:nvGrpSpPr>
-      <p:grpSpPr>
-        <a:xfrm>
-          <a:off x="0" y="0"/>
-          <a:ext cx="0" cy="0"/>
-          <a:chOff x="0" y="0"/>
-          <a:chExt cx="0" cy="0"/>
-        </a:xfrm>
-      </p:grpSpPr>
-      <p:sp>
-        <p:nvSpPr>
-          <p:cNvPr id="2" name="Title 1">
-            <a:extLst>
-              <a:ext uri="{FF2B5EF4-FFF2-40B4-BE49-F238E27FC236}">
-                <a16:creationId xmlns:a16="http://schemas.microsoft.com/office/drawing/2014/main" id="{A90CA53F-33DA-6E04-C8EF-9BBE16D597C7}"/>
-              </a:ext>
-            </a:extLst>
-          </p:cNvPr>
-          <p:cNvSpPr>
-            <a:spLocks noGrp="1"/>
-          </p:cNvSpPr>
-          <p:nvPr>
-            <p:ph type="title"/>
-          </p:nvPr>
-        </p:nvSpPr>
-        <p:spPr/>
-        <p:txBody>
-          <a:bodyPr vert="horz" lIns="91440" tIns="45720" rIns="91440" bIns="45720" rtlCol="0" anchor="t">
-            <a:normAutofit/>
-          </a:bodyPr>
-          <a:lstStyle/>
-          <a:p>
-            <a:r>
-              <a:rPr lang="en-US" dirty="0"/>
-              <a:t>Data Pipeline</a:t>
-            </a:r>
-          </a:p>
-        </p:txBody>
-      </p:sp>
-      <p:pic>
-        <p:nvPicPr>
-          <p:cNvPr id="4" name="Content Placeholder 3" descr="A screenshot of a computer&#10;&#10;Description automatically generated">
-            <a:extLst>
-              <a:ext uri="{FF2B5EF4-FFF2-40B4-BE49-F238E27FC236}">
-                <a16:creationId xmlns:a16="http://schemas.microsoft.com/office/drawing/2014/main" id="{EEC6733A-0D3C-D279-BCFF-26D1A53C0DCE}"/>
-              </a:ext>
-            </a:extLst>
-          </p:cNvPr>
-          <p:cNvPicPr>
-            <a:picLocks noGrp="1" noChangeAspect="1"/>
-          </p:cNvPicPr>
-          <p:nvPr>
-            <p:ph idx="1"/>
-          </p:nvPr>
-        </p:nvPicPr>
-        <p:blipFill>
-          <a:blip r:embed="rId2"/>
-          <a:stretch>
-            <a:fillRect/>
-          </a:stretch>
-        </p:blipFill>
-        <p:spPr>
-          <a:xfrm>
-            <a:off x="2035703" y="1560053"/>
-            <a:ext cx="8146989" cy="4212901"/>
-          </a:xfrm>
-        </p:spPr>
-      </p:pic>
-      <p:sp>
-        <p:nvSpPr>
-          <p:cNvPr id="3" name="Pfeil: nach rechts 2">
-            <a:extLst>
-              <a:ext uri="{FF2B5EF4-FFF2-40B4-BE49-F238E27FC236}">
-                <a16:creationId xmlns:a16="http://schemas.microsoft.com/office/drawing/2014/main" id="{7B442DD6-4A6B-A4BE-D20F-9987EAD88A70}"/>
-              </a:ext>
-            </a:extLst>
-          </p:cNvPr>
-          <p:cNvSpPr/>
-          <p:nvPr/>
-        </p:nvSpPr>
-        <p:spPr>
-          <a:xfrm>
-            <a:off x="3892470" y="4550977"/>
-            <a:ext cx="3090221" cy="233459"/>
-          </a:xfrm>
-          <a:prstGeom prst="rightArrow">
-            <a:avLst/>
-          </a:prstGeom>
-        </p:spPr>
-        <p:style>
-          <a:lnRef idx="2">
-            <a:schemeClr val="accent1">
-              <a:shade val="15000"/>
-            </a:schemeClr>
-          </a:lnRef>
-          <a:fillRef idx="1">
-            <a:schemeClr val="accent1"/>
-          </a:fillRef>
-          <a:effectRef idx="0">
-            <a:schemeClr val="accent1"/>
-          </a:effectRef>
-          <a:fontRef idx="minor">
-            <a:schemeClr val="lt1"/>
-          </a:fontRef>
-        </p:style>
-        <p:txBody>
-          <a:bodyPr rtlCol="0" anchor="ctr"/>
-          <a:lstStyle/>
-          <a:p>
-            <a:pPr algn="ctr"/>
-            <a:endParaRPr lang="de-AT"/>
-          </a:p>
-        </p:txBody>
-      </p:sp>
-    </p:spTree>
-    <p:extLst>
-      <p:ext uri="{BB962C8B-B14F-4D97-AF65-F5344CB8AC3E}">
-        <p14:creationId xmlns:p14="http://schemas.microsoft.com/office/powerpoint/2010/main" val="2889262887"/>
-      </p:ext>
-    </p:extLst>
-  </p:cSld>
-  <p:clrMapOvr>
-    <a:masterClrMapping/>
-  </p:clrMapOvr>
-</p:sld>
-</file>
-
-<file path=ppt/slides/slide4.xml><?xml version="1.0" encoding="utf-8"?>
-<p:sld xmlns:a="http://schemas.openxmlformats.org/drawingml/2006/main" xmlns:r="http://schemas.openxmlformats.org/officeDocument/2006/relationships" xmlns:p="http://schemas.openxmlformats.org/presentationml/2006/main">
-  <p:cSld>
-    <p:spTree>
-      <p:nvGrpSpPr>
-        <p:cNvPr id="1" name=""/>
-        <p:cNvGrpSpPr/>
-        <p:nvPr/>
-      </p:nvGrpSpPr>
-      <p:grpSpPr>
-        <a:xfrm>
-          <a:off x="0" y="0"/>
-          <a:ext cx="0" cy="0"/>
-          <a:chOff x="0" y="0"/>
-          <a:chExt cx="0" cy="0"/>
-        </a:xfrm>
-      </p:grpSpPr>
-      <p:sp>
-        <p:nvSpPr>
-          <p:cNvPr id="2" name="Title 1">
-            <a:extLst>
-              <a:ext uri="{FF2B5EF4-FFF2-40B4-BE49-F238E27FC236}">
-                <a16:creationId xmlns:a16="http://schemas.microsoft.com/office/drawing/2014/main" id="{A90CA53F-33DA-6E04-C8EF-9BBE16D597C7}"/>
-              </a:ext>
-            </a:extLst>
-          </p:cNvPr>
-          <p:cNvSpPr>
-            <a:spLocks noGrp="1"/>
-          </p:cNvSpPr>
-          <p:nvPr>
-            <p:ph type="title"/>
-          </p:nvPr>
-        </p:nvSpPr>
-        <p:spPr/>
-        <p:txBody>
-          <a:bodyPr vert="horz" lIns="91440" tIns="45720" rIns="91440" bIns="45720" rtlCol="0" anchor="t">
-            <a:normAutofit/>
-          </a:bodyPr>
-          <a:lstStyle/>
-          <a:p>
-            <a:r>
-              <a:rPr lang="en-US" dirty="0"/>
-              <a:t>Data Pipeline</a:t>
-            </a:r>
-          </a:p>
-        </p:txBody>
-      </p:sp>
-      <p:pic>
-        <p:nvPicPr>
-          <p:cNvPr id="4" name="Content Placeholder 3" descr="A screenshot of a computer&#10;&#10;Description automatically generated">
-            <a:extLst>
-              <a:ext uri="{FF2B5EF4-FFF2-40B4-BE49-F238E27FC236}">
-                <a16:creationId xmlns:a16="http://schemas.microsoft.com/office/drawing/2014/main" id="{EEC6733A-0D3C-D279-BCFF-26D1A53C0DCE}"/>
-              </a:ext>
-            </a:extLst>
-          </p:cNvPr>
-          <p:cNvPicPr>
-            <a:picLocks noGrp="1" noChangeAspect="1"/>
-          </p:cNvPicPr>
-          <p:nvPr>
-            <p:ph idx="1"/>
-          </p:nvPr>
-        </p:nvPicPr>
-        <p:blipFill>
-          <a:blip r:embed="rId2"/>
-          <a:stretch>
-            <a:fillRect/>
-          </a:stretch>
-        </p:blipFill>
-        <p:spPr>
-          <a:xfrm>
-            <a:off x="2035703" y="1560053"/>
-            <a:ext cx="8146989" cy="4212901"/>
-          </a:xfrm>
-        </p:spPr>
-      </p:pic>
-      <p:sp>
-        <p:nvSpPr>
-          <p:cNvPr id="3" name="Pfeil: nach rechts 2">
-            <a:extLst>
-              <a:ext uri="{FF2B5EF4-FFF2-40B4-BE49-F238E27FC236}">
-                <a16:creationId xmlns:a16="http://schemas.microsoft.com/office/drawing/2014/main" id="{7B442DD6-4A6B-A4BE-D20F-9987EAD88A70}"/>
-              </a:ext>
-            </a:extLst>
-          </p:cNvPr>
-          <p:cNvSpPr/>
-          <p:nvPr/>
-        </p:nvSpPr>
-        <p:spPr>
-          <a:xfrm rot="11274512">
-            <a:off x="3476833" y="2307024"/>
-            <a:ext cx="651821" cy="233459"/>
-          </a:xfrm>
-          <a:prstGeom prst="rightArrow">
-            <a:avLst/>
-          </a:prstGeom>
-        </p:spPr>
-        <p:style>
-          <a:lnRef idx="2">
-            <a:schemeClr val="accent1">
-              <a:shade val="15000"/>
-            </a:schemeClr>
-          </a:lnRef>
-          <a:fillRef idx="1">
-            <a:schemeClr val="accent1"/>
-          </a:fillRef>
-          <a:effectRef idx="0">
-            <a:schemeClr val="accent1"/>
-          </a:effectRef>
-          <a:fontRef idx="minor">
-            <a:schemeClr val="lt1"/>
-          </a:fontRef>
-        </p:style>
-        <p:txBody>
-          <a:bodyPr rtlCol="0" anchor="ctr"/>
-          <a:lstStyle/>
-          <a:p>
-            <a:pPr algn="ctr"/>
-            <a:endParaRPr lang="de-AT"/>
-          </a:p>
-        </p:txBody>
-      </p:sp>
-    </p:spTree>
-    <p:extLst>
-      <p:ext uri="{BB962C8B-B14F-4D97-AF65-F5344CB8AC3E}">
-        <p14:creationId xmlns:p14="http://schemas.microsoft.com/office/powerpoint/2010/main" val="3856090854"/>
-      </p:ext>
-    </p:extLst>
-  </p:cSld>
-  <p:clrMapOvr>
-    <a:masterClrMapping/>
-  </p:clrMapOvr>
-</p:sld>
-</file>
-
-<file path=ppt/slides/slide5.xml><?xml version="1.0" encoding="utf-8"?>
-<p:sld xmlns:a="http://schemas.openxmlformats.org/drawingml/2006/main" xmlns:r="http://schemas.openxmlformats.org/officeDocument/2006/relationships" xmlns:p="http://schemas.openxmlformats.org/presentationml/2006/main">
-  <p:cSld>
-    <p:spTree>
-      <p:nvGrpSpPr>
-        <p:cNvPr id="1" name=""/>
-        <p:cNvGrpSpPr/>
-        <p:nvPr/>
-      </p:nvGrpSpPr>
-      <p:grpSpPr>
-        <a:xfrm>
-          <a:off x="0" y="0"/>
-          <a:ext cx="0" cy="0"/>
-          <a:chOff x="0" y="0"/>
-          <a:chExt cx="0" cy="0"/>
-        </a:xfrm>
-      </p:grpSpPr>
-      <p:sp>
-        <p:nvSpPr>
-          <p:cNvPr id="2" name="Title 1">
-            <a:extLst>
-              <a:ext uri="{FF2B5EF4-FFF2-40B4-BE49-F238E27FC236}">
-                <a16:creationId xmlns:a16="http://schemas.microsoft.com/office/drawing/2014/main" id="{A90CA53F-33DA-6E04-C8EF-9BBE16D597C7}"/>
-              </a:ext>
-            </a:extLst>
-          </p:cNvPr>
-          <p:cNvSpPr>
-            <a:spLocks noGrp="1"/>
-          </p:cNvSpPr>
-          <p:nvPr>
-            <p:ph type="title"/>
-          </p:nvPr>
-        </p:nvSpPr>
-        <p:spPr/>
-        <p:txBody>
-          <a:bodyPr vert="horz" lIns="91440" tIns="45720" rIns="91440" bIns="45720" rtlCol="0" anchor="t">
-            <a:normAutofit/>
-          </a:bodyPr>
-          <a:lstStyle/>
-          <a:p>
-            <a:r>
-              <a:rPr lang="en-US" dirty="0"/>
-              <a:t>Data Pipeline</a:t>
-            </a:r>
-          </a:p>
-        </p:txBody>
-      </p:sp>
-      <p:pic>
-        <p:nvPicPr>
-          <p:cNvPr id="4" name="Content Placeholder 3" descr="A screenshot of a computer&#10;&#10;Description automatically generated">
-            <a:extLst>
-              <a:ext uri="{FF2B5EF4-FFF2-40B4-BE49-F238E27FC236}">
-                <a16:creationId xmlns:a16="http://schemas.microsoft.com/office/drawing/2014/main" id="{EEC6733A-0D3C-D279-BCFF-26D1A53C0DCE}"/>
-              </a:ext>
-            </a:extLst>
-          </p:cNvPr>
-          <p:cNvPicPr>
-            <a:picLocks noGrp="1" noChangeAspect="1"/>
-          </p:cNvPicPr>
-          <p:nvPr>
-            <p:ph idx="1"/>
-          </p:nvPr>
-        </p:nvPicPr>
-        <p:blipFill>
-          <a:blip r:embed="rId2"/>
-          <a:stretch>
-            <a:fillRect/>
-          </a:stretch>
-        </p:blipFill>
-        <p:spPr>
-          <a:xfrm>
-            <a:off x="2035703" y="1560053"/>
-            <a:ext cx="8146989" cy="4212901"/>
-          </a:xfrm>
-        </p:spPr>
-      </p:pic>
-      <p:sp>
-        <p:nvSpPr>
-          <p:cNvPr id="3" name="Pfeil: nach rechts 2">
-            <a:extLst>
-              <a:ext uri="{FF2B5EF4-FFF2-40B4-BE49-F238E27FC236}">
-                <a16:creationId xmlns:a16="http://schemas.microsoft.com/office/drawing/2014/main" id="{7B442DD6-4A6B-A4BE-D20F-9987EAD88A70}"/>
-              </a:ext>
-            </a:extLst>
-          </p:cNvPr>
-          <p:cNvSpPr/>
-          <p:nvPr/>
-        </p:nvSpPr>
-        <p:spPr>
-          <a:xfrm rot="415989">
-            <a:off x="3550723" y="2321382"/>
-            <a:ext cx="651821" cy="233459"/>
-          </a:xfrm>
-          <a:prstGeom prst="rightArrow">
-            <a:avLst/>
-          </a:prstGeom>
-        </p:spPr>
-        <p:style>
-          <a:lnRef idx="2">
-            <a:schemeClr val="accent1">
-              <a:shade val="15000"/>
-            </a:schemeClr>
-          </a:lnRef>
-          <a:fillRef idx="1">
-            <a:schemeClr val="accent1"/>
-          </a:fillRef>
-          <a:effectRef idx="0">
-            <a:schemeClr val="accent1"/>
-          </a:effectRef>
-          <a:fontRef idx="minor">
-            <a:schemeClr val="lt1"/>
-          </a:fontRef>
-        </p:style>
-        <p:txBody>
-          <a:bodyPr rtlCol="0" anchor="ctr"/>
-          <a:lstStyle/>
-          <a:p>
-            <a:pPr algn="ctr"/>
-            <a:endParaRPr lang="de-AT"/>
-          </a:p>
-        </p:txBody>
-      </p:sp>
-    </p:spTree>
-    <p:extLst>
-      <p:ext uri="{BB962C8B-B14F-4D97-AF65-F5344CB8AC3E}">
-        <p14:creationId xmlns:p14="http://schemas.microsoft.com/office/powerpoint/2010/main" val="3510190924"/>
-      </p:ext>
-    </p:extLst>
-  </p:cSld>
-  <p:clrMapOvr>
-    <a:masterClrMapping/>
-  </p:clrMapOvr>
-  <mc:AlternateContent xmlns:mc="http://schemas.openxmlformats.org/markup-compatibility/2006">
-    <mc:Choice xmlns:p159="http://schemas.microsoft.com/office/powerpoint/2015/09/main" Requires="p159">
-      <p:transition xmlns:p14="http://schemas.microsoft.com/office/powerpoint/2010/main" spd="slow" p14:dur="2000">
-        <p159:morph option="byObject"/>
-      </p:transition>
-    </mc:Choice>
-    <mc:Fallback>
-      <p:transition spd="slow">
-        <p:fade/>
-      </p:transition>
-    </mc:Fallback>
-  </mc:AlternateContent>
-</p:sld>
-</file>
-
-<file path=ppt/slides/slide6.xml><?xml version="1.0" encoding="utf-8"?>
-<p:sld xmlns:a="http://schemas.openxmlformats.org/drawingml/2006/main" xmlns:r="http://schemas.openxmlformats.org/officeDocument/2006/relationships" xmlns:p="http://schemas.openxmlformats.org/presentationml/2006/main">
-  <p:cSld>
-    <p:spTree>
-      <p:nvGrpSpPr>
-        <p:cNvPr id="1" name=""/>
-        <p:cNvGrpSpPr/>
-        <p:nvPr/>
-      </p:nvGrpSpPr>
-      <p:grpSpPr>
-        <a:xfrm>
-          <a:off x="0" y="0"/>
-          <a:ext cx="0" cy="0"/>
-          <a:chOff x="0" y="0"/>
-          <a:chExt cx="0" cy="0"/>
-        </a:xfrm>
-      </p:grpSpPr>
-      <p:sp>
-        <p:nvSpPr>
-          <p:cNvPr id="2" name="Title 1">
-            <a:extLst>
-              <a:ext uri="{FF2B5EF4-FFF2-40B4-BE49-F238E27FC236}">
-                <a16:creationId xmlns:a16="http://schemas.microsoft.com/office/drawing/2014/main" id="{A90CA53F-33DA-6E04-C8EF-9BBE16D597C7}"/>
-              </a:ext>
-            </a:extLst>
-          </p:cNvPr>
-          <p:cNvSpPr>
-            <a:spLocks noGrp="1"/>
-          </p:cNvSpPr>
-          <p:nvPr>
-            <p:ph type="title"/>
-          </p:nvPr>
-        </p:nvSpPr>
-        <p:spPr/>
-        <p:txBody>
-          <a:bodyPr vert="horz" lIns="91440" tIns="45720" rIns="91440" bIns="45720" rtlCol="0" anchor="t">
-            <a:normAutofit/>
-          </a:bodyPr>
-          <a:lstStyle/>
-          <a:p>
-            <a:r>
-              <a:rPr lang="en-US" dirty="0"/>
-              <a:t>Data Pipeline</a:t>
-            </a:r>
-          </a:p>
-        </p:txBody>
-      </p:sp>
-      <p:pic>
-        <p:nvPicPr>
-          <p:cNvPr id="4" name="Content Placeholder 3" descr="A screenshot of a computer&#10;&#10;Description automatically generated">
-            <a:extLst>
-              <a:ext uri="{FF2B5EF4-FFF2-40B4-BE49-F238E27FC236}">
-                <a16:creationId xmlns:a16="http://schemas.microsoft.com/office/drawing/2014/main" id="{EEC6733A-0D3C-D279-BCFF-26D1A53C0DCE}"/>
-              </a:ext>
-            </a:extLst>
-          </p:cNvPr>
-          <p:cNvPicPr>
-            <a:picLocks noGrp="1" noChangeAspect="1"/>
-          </p:cNvPicPr>
-          <p:nvPr>
-            <p:ph idx="1"/>
-          </p:nvPr>
-        </p:nvPicPr>
-        <p:blipFill>
-          <a:blip r:embed="rId2"/>
-          <a:stretch>
-            <a:fillRect/>
-          </a:stretch>
-        </p:blipFill>
-        <p:spPr>
-          <a:xfrm>
-            <a:off x="2035703" y="1560053"/>
-            <a:ext cx="8146989" cy="4212901"/>
-          </a:xfrm>
-        </p:spPr>
-      </p:pic>
-      <p:sp>
-        <p:nvSpPr>
-          <p:cNvPr id="3" name="Pfeil: nach rechts 2">
-            <a:extLst>
-              <a:ext uri="{FF2B5EF4-FFF2-40B4-BE49-F238E27FC236}">
-                <a16:creationId xmlns:a16="http://schemas.microsoft.com/office/drawing/2014/main" id="{7B442DD6-4A6B-A4BE-D20F-9987EAD88A70}"/>
-              </a:ext>
-            </a:extLst>
-          </p:cNvPr>
-          <p:cNvSpPr/>
-          <p:nvPr/>
-        </p:nvSpPr>
-        <p:spPr>
-          <a:xfrm rot="415989">
-            <a:off x="5536541" y="2443257"/>
-            <a:ext cx="651821" cy="233459"/>
-          </a:xfrm>
-          <a:prstGeom prst="rightArrow">
-            <a:avLst/>
-          </a:prstGeom>
-        </p:spPr>
-        <p:style>
-          <a:lnRef idx="2">
-            <a:schemeClr val="accent1">
-              <a:shade val="15000"/>
-            </a:schemeClr>
-          </a:lnRef>
-          <a:fillRef idx="1">
-            <a:schemeClr val="accent1"/>
-          </a:fillRef>
-          <a:effectRef idx="0">
-            <a:schemeClr val="accent1"/>
-          </a:effectRef>
-          <a:fontRef idx="minor">
-            <a:schemeClr val="lt1"/>
-          </a:fontRef>
-        </p:style>
-        <p:txBody>
-          <a:bodyPr rtlCol="0" anchor="ctr"/>
-          <a:lstStyle/>
-          <a:p>
-            <a:pPr algn="ctr"/>
-            <a:endParaRPr lang="de-AT"/>
-          </a:p>
-        </p:txBody>
-      </p:sp>
-    </p:spTree>
-    <p:extLst>
-      <p:ext uri="{BB962C8B-B14F-4D97-AF65-F5344CB8AC3E}">
-        <p14:creationId xmlns:p14="http://schemas.microsoft.com/office/powerpoint/2010/main" val="1050426519"/>
-      </p:ext>
-    </p:extLst>
-  </p:cSld>
-  <p:clrMapOvr>
-    <a:masterClrMapping/>
-  </p:clrMapOvr>
-  <mc:AlternateContent xmlns:mc="http://schemas.openxmlformats.org/markup-compatibility/2006">
-    <mc:Choice xmlns:p159="http://schemas.microsoft.com/office/powerpoint/2015/09/main" Requires="p159">
-      <p:transition xmlns:p14="http://schemas.microsoft.com/office/powerpoint/2010/main" spd="slow" p14:dur="2000">
-        <p159:morph option="byObject"/>
-      </p:transition>
-    </mc:Choice>
-    <mc:Fallback>
-      <p:transition spd="slow">
-        <p:fade/>
-      </p:transition>
-    </mc:Fallback>
-  </mc:AlternateContent>
-</p:sld>
-</file>
-
-<file path=ppt/slides/slide7.xml><?xml version="1.0" encoding="utf-8"?>
-<p:sld xmlns:a="http://schemas.openxmlformats.org/drawingml/2006/main" xmlns:r="http://schemas.openxmlformats.org/officeDocument/2006/relationships" xmlns:p="http://schemas.openxmlformats.org/presentationml/2006/main">
-  <p:cSld>
-    <p:spTree>
-      <p:nvGrpSpPr>
-        <p:cNvPr id="1" name=""/>
-        <p:cNvGrpSpPr/>
-        <p:nvPr/>
-      </p:nvGrpSpPr>
-      <p:grpSpPr>
-        <a:xfrm>
-          <a:off x="0" y="0"/>
-          <a:ext cx="0" cy="0"/>
-          <a:chOff x="0" y="0"/>
-          <a:chExt cx="0" cy="0"/>
-        </a:xfrm>
-      </p:grpSpPr>
-      <p:sp>
-        <p:nvSpPr>
-          <p:cNvPr id="2" name="Title 1">
-            <a:extLst>
-              <a:ext uri="{FF2B5EF4-FFF2-40B4-BE49-F238E27FC236}">
-                <a16:creationId xmlns:a16="http://schemas.microsoft.com/office/drawing/2014/main" id="{A90CA53F-33DA-6E04-C8EF-9BBE16D597C7}"/>
-              </a:ext>
-            </a:extLst>
-          </p:cNvPr>
-          <p:cNvSpPr>
-            <a:spLocks noGrp="1"/>
-          </p:cNvSpPr>
-          <p:nvPr>
-            <p:ph type="title"/>
-          </p:nvPr>
-        </p:nvSpPr>
-        <p:spPr/>
-        <p:txBody>
-          <a:bodyPr vert="horz" lIns="91440" tIns="45720" rIns="91440" bIns="45720" rtlCol="0" anchor="t">
-            <a:normAutofit/>
-          </a:bodyPr>
-          <a:lstStyle/>
-          <a:p>
-            <a:r>
-              <a:rPr lang="en-US" dirty="0"/>
-              <a:t>Data Pipeline</a:t>
-            </a:r>
-          </a:p>
-        </p:txBody>
-      </p:sp>
-      <p:pic>
-        <p:nvPicPr>
-          <p:cNvPr id="4" name="Content Placeholder 3" descr="A screenshot of a computer&#10;&#10;Description automatically generated">
-            <a:extLst>
-              <a:ext uri="{FF2B5EF4-FFF2-40B4-BE49-F238E27FC236}">
-                <a16:creationId xmlns:a16="http://schemas.microsoft.com/office/drawing/2014/main" id="{EEC6733A-0D3C-D279-BCFF-26D1A53C0DCE}"/>
-              </a:ext>
-            </a:extLst>
-          </p:cNvPr>
-          <p:cNvPicPr>
-            <a:picLocks noGrp="1" noChangeAspect="1"/>
-          </p:cNvPicPr>
-          <p:nvPr>
-            <p:ph idx="1"/>
-          </p:nvPr>
-        </p:nvPicPr>
-        <p:blipFill>
-          <a:blip r:embed="rId2"/>
-          <a:stretch>
-            <a:fillRect/>
-          </a:stretch>
-        </p:blipFill>
-        <p:spPr>
-          <a:xfrm>
-            <a:off x="2035703" y="1560053"/>
-            <a:ext cx="8146989" cy="4212901"/>
-          </a:xfrm>
-        </p:spPr>
-      </p:pic>
-      <p:sp>
-        <p:nvSpPr>
-          <p:cNvPr id="3" name="Pfeil: nach rechts 2">
-            <a:extLst>
-              <a:ext uri="{FF2B5EF4-FFF2-40B4-BE49-F238E27FC236}">
-                <a16:creationId xmlns:a16="http://schemas.microsoft.com/office/drawing/2014/main" id="{7B442DD6-4A6B-A4BE-D20F-9987EAD88A70}"/>
-              </a:ext>
-            </a:extLst>
-          </p:cNvPr>
-          <p:cNvSpPr/>
-          <p:nvPr/>
-        </p:nvSpPr>
-        <p:spPr>
-          <a:xfrm rot="10402305">
-            <a:off x="5353353" y="3034384"/>
-            <a:ext cx="651821" cy="233459"/>
-          </a:xfrm>
-          <a:prstGeom prst="rightArrow">
-            <a:avLst/>
-          </a:prstGeom>
-        </p:spPr>
-        <p:style>
-          <a:lnRef idx="2">
-            <a:schemeClr val="accent1">
-              <a:shade val="15000"/>
-            </a:schemeClr>
-          </a:lnRef>
-          <a:fillRef idx="1">
-            <a:schemeClr val="accent1"/>
-          </a:fillRef>
-          <a:effectRef idx="0">
-            <a:schemeClr val="accent1"/>
-          </a:effectRef>
-          <a:fontRef idx="minor">
-            <a:schemeClr val="lt1"/>
-          </a:fontRef>
-        </p:style>
-        <p:txBody>
-          <a:bodyPr rtlCol="0" anchor="ctr"/>
-          <a:lstStyle/>
-          <a:p>
-            <a:pPr algn="ctr"/>
-            <a:endParaRPr lang="de-AT"/>
-          </a:p>
-        </p:txBody>
-      </p:sp>
-    </p:spTree>
-    <p:extLst>
-      <p:ext uri="{BB962C8B-B14F-4D97-AF65-F5344CB8AC3E}">
-        <p14:creationId xmlns:p14="http://schemas.microsoft.com/office/powerpoint/2010/main" val="1146991492"/>
-      </p:ext>
-    </p:extLst>
-  </p:cSld>
-  <p:clrMapOvr>
-    <a:masterClrMapping/>
-  </p:clrMapOvr>
-  <mc:AlternateContent xmlns:mc="http://schemas.openxmlformats.org/markup-compatibility/2006">
-    <mc:Choice xmlns:p159="http://schemas.microsoft.com/office/powerpoint/2015/09/main" Requires="p159">
-      <p:transition xmlns:p14="http://schemas.microsoft.com/office/powerpoint/2010/main" spd="slow" p14:dur="2000">
-        <p159:morph option="byObject"/>
-      </p:transition>
-    </mc:Choice>
-    <mc:Fallback>
-      <p:transition spd="slow">
-        <p:fade/>
-      </p:transition>
-    </mc:Fallback>
-  </mc:AlternateContent>
-</p:sld>
-</file>
-
-<file path=ppt/slides/slide8.xml><?xml version="1.0" encoding="utf-8"?>
-<p:sld xmlns:a="http://schemas.openxmlformats.org/drawingml/2006/main" xmlns:r="http://schemas.openxmlformats.org/officeDocument/2006/relationships" xmlns:p="http://schemas.openxmlformats.org/presentationml/2006/main">
-  <p:cSld>
-    <p:spTree>
-      <p:nvGrpSpPr>
-        <p:cNvPr id="1" name=""/>
-        <p:cNvGrpSpPr/>
-        <p:nvPr/>
-      </p:nvGrpSpPr>
-      <p:grpSpPr>
-        <a:xfrm>
-          <a:off x="0" y="0"/>
-          <a:ext cx="0" cy="0"/>
-          <a:chOff x="0" y="0"/>
-          <a:chExt cx="0" cy="0"/>
-        </a:xfrm>
-      </p:grpSpPr>
-      <p:sp>
-        <p:nvSpPr>
-          <p:cNvPr id="2" name="Title 1">
-            <a:extLst>
-              <a:ext uri="{FF2B5EF4-FFF2-40B4-BE49-F238E27FC236}">
-                <a16:creationId xmlns:a16="http://schemas.microsoft.com/office/drawing/2014/main" id="{A90CA53F-33DA-6E04-C8EF-9BBE16D597C7}"/>
-              </a:ext>
-            </a:extLst>
-          </p:cNvPr>
-          <p:cNvSpPr>
-            <a:spLocks noGrp="1"/>
-          </p:cNvSpPr>
-          <p:nvPr>
-            <p:ph type="title"/>
-          </p:nvPr>
-        </p:nvSpPr>
-        <p:spPr/>
-        <p:txBody>
-          <a:bodyPr vert="horz" lIns="91440" tIns="45720" rIns="91440" bIns="45720" rtlCol="0" anchor="t">
-            <a:normAutofit/>
-          </a:bodyPr>
-          <a:lstStyle/>
-          <a:p>
-            <a:r>
-              <a:rPr lang="en-US" dirty="0"/>
-              <a:t>Data Pipeline</a:t>
-            </a:r>
-          </a:p>
-        </p:txBody>
-      </p:sp>
-      <p:pic>
-        <p:nvPicPr>
-          <p:cNvPr id="4" name="Content Placeholder 3" descr="A screenshot of a computer&#10;&#10;Description automatically generated">
-            <a:extLst>
-              <a:ext uri="{FF2B5EF4-FFF2-40B4-BE49-F238E27FC236}">
-                <a16:creationId xmlns:a16="http://schemas.microsoft.com/office/drawing/2014/main" id="{EEC6733A-0D3C-D279-BCFF-26D1A53C0DCE}"/>
-              </a:ext>
-            </a:extLst>
-          </p:cNvPr>
-          <p:cNvPicPr>
-            <a:picLocks noGrp="1" noChangeAspect="1"/>
-          </p:cNvPicPr>
-          <p:nvPr>
-            <p:ph idx="1"/>
-          </p:nvPr>
-        </p:nvPicPr>
-        <p:blipFill>
-          <a:blip r:embed="rId2"/>
-          <a:stretch>
-            <a:fillRect/>
-          </a:stretch>
-        </p:blipFill>
-        <p:spPr>
-          <a:xfrm>
-            <a:off x="2035703" y="1560053"/>
-            <a:ext cx="8146989" cy="4212901"/>
-          </a:xfrm>
-        </p:spPr>
-      </p:pic>
-      <p:sp>
-        <p:nvSpPr>
-          <p:cNvPr id="3" name="Pfeil: nach rechts 2">
-            <a:extLst>
-              <a:ext uri="{FF2B5EF4-FFF2-40B4-BE49-F238E27FC236}">
-                <a16:creationId xmlns:a16="http://schemas.microsoft.com/office/drawing/2014/main" id="{7B442DD6-4A6B-A4BE-D20F-9987EAD88A70}"/>
-              </a:ext>
-            </a:extLst>
-          </p:cNvPr>
-          <p:cNvSpPr/>
-          <p:nvPr/>
-        </p:nvSpPr>
-        <p:spPr>
-          <a:xfrm rot="10800000">
-            <a:off x="3413717" y="3256853"/>
-            <a:ext cx="651821" cy="233459"/>
-          </a:xfrm>
-          <a:prstGeom prst="rightArrow">
-            <a:avLst/>
-          </a:prstGeom>
-        </p:spPr>
-        <p:style>
-          <a:lnRef idx="2">
-            <a:schemeClr val="accent1">
-              <a:shade val="15000"/>
-            </a:schemeClr>
-          </a:lnRef>
-          <a:fillRef idx="1">
-            <a:schemeClr val="accent1"/>
-          </a:fillRef>
-          <a:effectRef idx="0">
-            <a:schemeClr val="accent1"/>
-          </a:effectRef>
-          <a:fontRef idx="minor">
-            <a:schemeClr val="lt1"/>
-          </a:fontRef>
-        </p:style>
-        <p:txBody>
-          <a:bodyPr rtlCol="0" anchor="ctr"/>
-          <a:lstStyle/>
-          <a:p>
-            <a:pPr algn="ctr"/>
-            <a:endParaRPr lang="de-AT"/>
-          </a:p>
-        </p:txBody>
-      </p:sp>
-    </p:spTree>
-    <p:extLst>
-      <p:ext uri="{BB962C8B-B14F-4D97-AF65-F5344CB8AC3E}">
-        <p14:creationId xmlns:p14="http://schemas.microsoft.com/office/powerpoint/2010/main" val="3718307434"/>
-      </p:ext>
-    </p:extLst>
-  </p:cSld>
-  <p:clrMapOvr>
-    <a:masterClrMapping/>
-  </p:clrMapOvr>
-  <mc:AlternateContent xmlns:mc="http://schemas.openxmlformats.org/markup-compatibility/2006">
-    <mc:Choice xmlns:p159="http://schemas.microsoft.com/office/powerpoint/2015/09/main" Requires="p159">
-      <p:transition xmlns:p14="http://schemas.microsoft.com/office/powerpoint/2010/main" spd="slow" p14:dur="2000">
-        <p159:morph option="byObject"/>
-      </p:transition>
-    </mc:Choice>
-    <mc:Fallback>
-      <p:transition spd="slow">
-        <p:fade/>
-      </p:transition>
-    </mc:Fallback>
-  </mc:AlternateContent>
-</p:sld>
-</file>
-
-<file path=ppt/slides/slide9.xml><?xml version="1.0" encoding="utf-8"?>
-<p:sld xmlns:a="http://schemas.openxmlformats.org/drawingml/2006/main" xmlns:r="http://schemas.openxmlformats.org/officeDocument/2006/relationships" xmlns:p="http://schemas.openxmlformats.org/presentationml/2006/main">
-  <p:cSld>
-    <p:spTree>
-      <p:nvGrpSpPr>
-        <p:cNvPr id="1" name=""/>
-        <p:cNvGrpSpPr/>
-        <p:nvPr/>
-      </p:nvGrpSpPr>
-      <p:grpSpPr>
-        <a:xfrm>
-          <a:off x="0" y="0"/>
-          <a:ext cx="0" cy="0"/>
-          <a:chOff x="0" y="0"/>
-          <a:chExt cx="0" cy="0"/>
-        </a:xfrm>
-      </p:grpSpPr>
-      <p:sp>
-        <p:nvSpPr>
-          <p:cNvPr id="2" name="Title 1">
-            <a:extLst>
-              <a:ext uri="{FF2B5EF4-FFF2-40B4-BE49-F238E27FC236}">
-                <a16:creationId xmlns:a16="http://schemas.microsoft.com/office/drawing/2014/main" id="{A90CA53F-33DA-6E04-C8EF-9BBE16D597C7}"/>
-              </a:ext>
-            </a:extLst>
-          </p:cNvPr>
-          <p:cNvSpPr>
-            <a:spLocks noGrp="1"/>
-          </p:cNvSpPr>
-          <p:nvPr>
-            <p:ph type="title"/>
-          </p:nvPr>
-        </p:nvSpPr>
-        <p:spPr/>
-        <p:txBody>
-          <a:bodyPr vert="horz" lIns="91440" tIns="45720" rIns="91440" bIns="45720" rtlCol="0" anchor="t">
-            <a:normAutofit/>
-          </a:bodyPr>
-          <a:lstStyle/>
-          <a:p>
-            <a:r>
-              <a:rPr lang="en-US" dirty="0"/>
-              <a:t>Data Pipeline</a:t>
-            </a:r>
-          </a:p>
-        </p:txBody>
-      </p:sp>
-      <p:pic>
-        <p:nvPicPr>
-          <p:cNvPr id="4" name="Content Placeholder 3" descr="A screenshot of a computer&#10;&#10;Description automatically generated">
-            <a:extLst>
-              <a:ext uri="{FF2B5EF4-FFF2-40B4-BE49-F238E27FC236}">
-                <a16:creationId xmlns:a16="http://schemas.microsoft.com/office/drawing/2014/main" id="{EEC6733A-0D3C-D279-BCFF-26D1A53C0DCE}"/>
-              </a:ext>
-            </a:extLst>
-          </p:cNvPr>
-          <p:cNvPicPr>
-            <a:picLocks noGrp="1" noChangeAspect="1"/>
-          </p:cNvPicPr>
-          <p:nvPr>
-            <p:ph idx="1"/>
-          </p:nvPr>
-        </p:nvPicPr>
-        <p:blipFill>
-          <a:blip r:embed="rId2"/>
-          <a:stretch>
-            <a:fillRect/>
-          </a:stretch>
-        </p:blipFill>
-        <p:spPr>
-          <a:xfrm>
-            <a:off x="2035703" y="1560053"/>
-            <a:ext cx="8146989" cy="4212901"/>
-          </a:xfrm>
-        </p:spPr>
-      </p:pic>
-      <p:sp>
-        <p:nvSpPr>
-          <p:cNvPr id="3" name="Pfeil: nach rechts 2">
-            <a:extLst>
-              <a:ext uri="{FF2B5EF4-FFF2-40B4-BE49-F238E27FC236}">
-                <a16:creationId xmlns:a16="http://schemas.microsoft.com/office/drawing/2014/main" id="{7B442DD6-4A6B-A4BE-D20F-9987EAD88A70}"/>
-              </a:ext>
-            </a:extLst>
-          </p:cNvPr>
-          <p:cNvSpPr/>
-          <p:nvPr/>
-        </p:nvSpPr>
-        <p:spPr>
-          <a:xfrm>
-            <a:off x="3395245" y="3589362"/>
-            <a:ext cx="651821" cy="233459"/>
-          </a:xfrm>
-          <a:prstGeom prst="rightArrow">
-            <a:avLst/>
-          </a:prstGeom>
-        </p:spPr>
-        <p:style>
-          <a:lnRef idx="2">
-            <a:schemeClr val="accent1">
-              <a:shade val="15000"/>
-            </a:schemeClr>
-          </a:lnRef>
-          <a:fillRef idx="1">
-            <a:schemeClr val="accent1"/>
-          </a:fillRef>
-          <a:effectRef idx="0">
-            <a:schemeClr val="accent1"/>
-          </a:effectRef>
-          <a:fontRef idx="minor">
-            <a:schemeClr val="lt1"/>
-          </a:fontRef>
-        </p:style>
-        <p:txBody>
-          <a:bodyPr rtlCol="0" anchor="ctr"/>
-          <a:lstStyle/>
-          <a:p>
-            <a:pPr algn="ctr"/>
-            <a:endParaRPr lang="de-AT"/>
-          </a:p>
-        </p:txBody>
-      </p:sp>
-    </p:spTree>
-    <p:extLst>
-      <p:ext uri="{BB962C8B-B14F-4D97-AF65-F5344CB8AC3E}">
-        <p14:creationId xmlns:p14="http://schemas.microsoft.com/office/powerpoint/2010/main" val="1600161337"/>
-      </p:ext>
-    </p:extLst>
-  </p:cSld>
-  <p:clrMapOvr>
-    <a:masterClrMapping/>
-  </p:clrMapOvr>
-  <mc:AlternateContent xmlns:mc="http://schemas.openxmlformats.org/markup-compatibility/2006">
-    <mc:Choice xmlns:p159="http://schemas.microsoft.com/office/powerpoint/2015/09/main" Requires="p159">
-      <p:transition xmlns:p14="http://schemas.microsoft.com/office/powerpoint/2010/main" spd="slow" p14:dur="2000">
-        <p159:morph option="byObject"/>
-      </p:transition>
-    </mc:Choice>
-    <mc:Fallback>
-      <p:transition spd="slow">
-        <p:fade/>
-      </p:transition>
-    </mc:Fallback>
-  </mc:AlternateContent>
 </p:sld>
 </file>
 

--- a/dsi_project.pptx
+++ b/dsi_project.pptx
@@ -126,7 +126,7 @@
 <p1510:revInfo xmlns:a="http://schemas.openxmlformats.org/drawingml/2006/main" xmlns:r="http://schemas.openxmlformats.org/officeDocument/2006/relationships" xmlns:p1510="http://schemas.microsoft.com/office/powerpoint/2015/10/main">
   <p1510:revLst>
     <p1510:client id="{17F025F2-6883-4484-53CD-D3371CC20C5A}" v="3" dt="2024-01-16T16:32:58.245"/>
-    <p1510:client id="{1851519D-714E-4423-A4BC-BC8391EE9532}" v="43" dt="2024-01-17T15:36:20.393"/>
+    <p1510:client id="{1851519D-714E-4423-A4BC-BC8391EE9532}" v="88" dt="2024-01-17T15:43:52.562"/>
     <p1510:client id="{1F586168-FEF6-4A0B-BB1F-8FE7FD95DAC3}" v="82" dt="2024-01-17T12:24:43.881"/>
     <p1510:client id="{268A0708-4CAB-8F87-2667-B64DE069B7D0}" v="22" dt="2024-01-17T12:30:18.905"/>
     <p1510:client id="{36ADF428-A04E-49FA-ACD3-07F5BDAB3344}" v="1992" dt="2024-01-16T18:08:35.397"/>
@@ -360,6 +360,18 @@
   <p:clrMapOvr>
     <a:masterClrMapping/>
   </p:clrMapOvr>
+  <mc:AlternateContent xmlns:mc="http://schemas.openxmlformats.org/markup-compatibility/2006">
+    <mc:Choice xmlns:p159="http://schemas.microsoft.com/office/powerpoint/2015/09/main" Requires="p159">
+      <p:transition xmlns:p14="http://schemas.microsoft.com/office/powerpoint/2010/main" spd="slow" p14:dur="1500">
+        <p159:morph option="byObject"/>
+      </p:transition>
+    </mc:Choice>
+    <mc:Fallback>
+      <p:transition spd="slow">
+        <p:fade/>
+      </p:transition>
+    </mc:Fallback>
+  </mc:AlternateContent>
 </p:sldLayout>
 </file>
 
@@ -568,6 +580,18 @@
   <p:clrMapOvr>
     <a:masterClrMapping/>
   </p:clrMapOvr>
+  <mc:AlternateContent xmlns:mc="http://schemas.openxmlformats.org/markup-compatibility/2006">
+    <mc:Choice xmlns:p159="http://schemas.microsoft.com/office/powerpoint/2015/09/main" Requires="p159">
+      <p:transition xmlns:p14="http://schemas.microsoft.com/office/powerpoint/2010/main" spd="slow" p14:dur="1500">
+        <p159:morph option="byObject"/>
+      </p:transition>
+    </mc:Choice>
+    <mc:Fallback>
+      <p:transition spd="slow">
+        <p:fade/>
+      </p:transition>
+    </mc:Fallback>
+  </mc:AlternateContent>
 </p:sldLayout>
 </file>
 
@@ -776,6 +800,18 @@
   <p:clrMapOvr>
     <a:masterClrMapping/>
   </p:clrMapOvr>
+  <mc:AlternateContent xmlns:mc="http://schemas.openxmlformats.org/markup-compatibility/2006">
+    <mc:Choice xmlns:p159="http://schemas.microsoft.com/office/powerpoint/2015/09/main" Requires="p159">
+      <p:transition xmlns:p14="http://schemas.microsoft.com/office/powerpoint/2010/main" spd="slow" p14:dur="1500">
+        <p159:morph option="byObject"/>
+      </p:transition>
+    </mc:Choice>
+    <mc:Fallback>
+      <p:transition spd="slow">
+        <p:fade/>
+      </p:transition>
+    </mc:Fallback>
+  </mc:AlternateContent>
 </p:sldLayout>
 </file>
 
@@ -974,6 +1010,18 @@
   <p:clrMapOvr>
     <a:masterClrMapping/>
   </p:clrMapOvr>
+  <mc:AlternateContent xmlns:mc="http://schemas.openxmlformats.org/markup-compatibility/2006">
+    <mc:Choice xmlns:p159="http://schemas.microsoft.com/office/powerpoint/2015/09/main" Requires="p159">
+      <p:transition xmlns:p14="http://schemas.microsoft.com/office/powerpoint/2010/main" spd="slow" p14:dur="1500">
+        <p159:morph option="byObject"/>
+      </p:transition>
+    </mc:Choice>
+    <mc:Fallback>
+      <p:transition spd="slow">
+        <p:fade/>
+      </p:transition>
+    </mc:Fallback>
+  </mc:AlternateContent>
 </p:sldLayout>
 </file>
 
@@ -1251,6 +1299,18 @@
   <p:clrMapOvr>
     <a:masterClrMapping/>
   </p:clrMapOvr>
+  <mc:AlternateContent xmlns:mc="http://schemas.openxmlformats.org/markup-compatibility/2006">
+    <mc:Choice xmlns:p159="http://schemas.microsoft.com/office/powerpoint/2015/09/main" Requires="p159">
+      <p:transition xmlns:p14="http://schemas.microsoft.com/office/powerpoint/2010/main" spd="slow" p14:dur="1500">
+        <p159:morph option="byObject"/>
+      </p:transition>
+    </mc:Choice>
+    <mc:Fallback>
+      <p:transition spd="slow">
+        <p:fade/>
+      </p:transition>
+    </mc:Fallback>
+  </mc:AlternateContent>
 </p:sldLayout>
 </file>
 
@@ -1521,6 +1581,18 @@
   <p:clrMapOvr>
     <a:masterClrMapping/>
   </p:clrMapOvr>
+  <mc:AlternateContent xmlns:mc="http://schemas.openxmlformats.org/markup-compatibility/2006">
+    <mc:Choice xmlns:p159="http://schemas.microsoft.com/office/powerpoint/2015/09/main" Requires="p159">
+      <p:transition xmlns:p14="http://schemas.microsoft.com/office/powerpoint/2010/main" spd="slow" p14:dur="1500">
+        <p159:morph option="byObject"/>
+      </p:transition>
+    </mc:Choice>
+    <mc:Fallback>
+      <p:transition spd="slow">
+        <p:fade/>
+      </p:transition>
+    </mc:Fallback>
+  </mc:AlternateContent>
 </p:sldLayout>
 </file>
 
@@ -2029,6 +2101,18 @@
   <p:clrMapOvr>
     <a:masterClrMapping/>
   </p:clrMapOvr>
+  <mc:AlternateContent xmlns:mc="http://schemas.openxmlformats.org/markup-compatibility/2006">
+    <mc:Choice xmlns:p159="http://schemas.microsoft.com/office/powerpoint/2015/09/main" Requires="p159">
+      <p:transition xmlns:p14="http://schemas.microsoft.com/office/powerpoint/2010/main" spd="slow" p14:dur="1500">
+        <p159:morph option="byObject"/>
+      </p:transition>
+    </mc:Choice>
+    <mc:Fallback>
+      <p:transition spd="slow">
+        <p:fade/>
+      </p:transition>
+    </mc:Fallback>
+  </mc:AlternateContent>
 </p:sldLayout>
 </file>
 
@@ -2170,6 +2254,18 @@
   <p:clrMapOvr>
     <a:masterClrMapping/>
   </p:clrMapOvr>
+  <mc:AlternateContent xmlns:mc="http://schemas.openxmlformats.org/markup-compatibility/2006">
+    <mc:Choice xmlns:p159="http://schemas.microsoft.com/office/powerpoint/2015/09/main" Requires="p159">
+      <p:transition xmlns:p14="http://schemas.microsoft.com/office/powerpoint/2010/main" spd="slow" p14:dur="1500">
+        <p159:morph option="byObject"/>
+      </p:transition>
+    </mc:Choice>
+    <mc:Fallback>
+      <p:transition spd="slow">
+        <p:fade/>
+      </p:transition>
+    </mc:Fallback>
+  </mc:AlternateContent>
 </p:sldLayout>
 </file>
 
@@ -2283,6 +2379,18 @@
   <p:clrMapOvr>
     <a:masterClrMapping/>
   </p:clrMapOvr>
+  <mc:AlternateContent xmlns:mc="http://schemas.openxmlformats.org/markup-compatibility/2006">
+    <mc:Choice xmlns:p159="http://schemas.microsoft.com/office/powerpoint/2015/09/main" Requires="p159">
+      <p:transition xmlns:p14="http://schemas.microsoft.com/office/powerpoint/2010/main" spd="slow" p14:dur="1500">
+        <p159:morph option="byObject"/>
+      </p:transition>
+    </mc:Choice>
+    <mc:Fallback>
+      <p:transition spd="slow">
+        <p:fade/>
+      </p:transition>
+    </mc:Fallback>
+  </mc:AlternateContent>
 </p:sldLayout>
 </file>
 
@@ -2658,6 +2766,18 @@
   <p:clrMapOvr>
     <a:masterClrMapping/>
   </p:clrMapOvr>
+  <mc:AlternateContent xmlns:mc="http://schemas.openxmlformats.org/markup-compatibility/2006">
+    <mc:Choice xmlns:p159="http://schemas.microsoft.com/office/powerpoint/2015/09/main" Requires="p159">
+      <p:transition xmlns:p14="http://schemas.microsoft.com/office/powerpoint/2010/main" spd="slow" p14:dur="1500">
+        <p159:morph option="byObject"/>
+      </p:transition>
+    </mc:Choice>
+    <mc:Fallback>
+      <p:transition spd="slow">
+        <p:fade/>
+      </p:transition>
+    </mc:Fallback>
+  </mc:AlternateContent>
 </p:sldLayout>
 </file>
 
@@ -3011,6 +3131,18 @@
   <p:clrMapOvr>
     <a:masterClrMapping/>
   </p:clrMapOvr>
+  <mc:AlternateContent xmlns:mc="http://schemas.openxmlformats.org/markup-compatibility/2006">
+    <mc:Choice xmlns:p159="http://schemas.microsoft.com/office/powerpoint/2015/09/main" Requires="p159">
+      <p:transition xmlns:p14="http://schemas.microsoft.com/office/powerpoint/2010/main" spd="slow" p14:dur="1500">
+        <p159:morph option="byObject"/>
+      </p:transition>
+    </mc:Choice>
+    <mc:Fallback>
+      <p:transition spd="slow">
+        <p:fade/>
+      </p:transition>
+    </mc:Fallback>
+  </mc:AlternateContent>
 </p:sldLayout>
 </file>
 
@@ -3354,6 +3486,18 @@
     <p:sldLayoutId id="2147483662" r:id="rId10"/>
     <p:sldLayoutId id="2147483661" r:id="rId11"/>
   </p:sldLayoutIdLst>
+  <mc:AlternateContent xmlns:mc="http://schemas.openxmlformats.org/markup-compatibility/2006">
+    <mc:Choice xmlns:p159="http://schemas.microsoft.com/office/powerpoint/2015/09/main" Requires="p159">
+      <p:transition xmlns:p14="http://schemas.microsoft.com/office/powerpoint/2010/main" spd="slow" p14:dur="1500">
+        <p159:morph option="byObject"/>
+      </p:transition>
+    </mc:Choice>
+    <mc:Fallback>
+      <p:transition spd="slow">
+        <p:fade/>
+      </p:transition>
+    </mc:Fallback>
+  </mc:AlternateContent>
   <p:txStyles>
     <p:titleStyle>
       <a:lvl1pPr algn="l" defTabSz="914400" rtl="0" eaLnBrk="1" latinLnBrk="0" hangingPunct="1">
@@ -3884,6 +4028,18 @@
   <p:clrMapOvr>
     <a:masterClrMapping/>
   </p:clrMapOvr>
+  <mc:AlternateContent xmlns:mc="http://schemas.openxmlformats.org/markup-compatibility/2006">
+    <mc:Choice xmlns:p14="http://schemas.microsoft.com/office/powerpoint/2010/main" Requires="p14">
+      <p:transition spd="slow" p14:dur="1500">
+        <p:split orient="vert"/>
+      </p:transition>
+    </mc:Choice>
+    <mc:Fallback>
+      <p:transition spd="slow">
+        <p:split orient="vert"/>
+      </p:transition>
+    </mc:Fallback>
+  </mc:AlternateContent>
 </p:sld>
 </file>
 
@@ -4214,6 +4370,18 @@
   <p:clrMapOvr>
     <a:masterClrMapping/>
   </p:clrMapOvr>
+  <mc:AlternateContent xmlns:mc="http://schemas.openxmlformats.org/markup-compatibility/2006">
+    <mc:Choice xmlns:p159="http://schemas.microsoft.com/office/powerpoint/2015/09/main" Requires="p159">
+      <p:transition xmlns:p14="http://schemas.microsoft.com/office/powerpoint/2010/main" spd="slow" p14:dur="1500">
+        <p159:morph option="byObject"/>
+      </p:transition>
+    </mc:Choice>
+    <mc:Fallback>
+      <p:transition spd="slow">
+        <p:fade/>
+      </p:transition>
+    </mc:Fallback>
+  </mc:AlternateContent>
 </p:sld>
 </file>
 
@@ -4272,6 +4440,18 @@
   <p:clrMapOvr>
     <a:masterClrMapping/>
   </p:clrMapOvr>
+  <mc:AlternateContent xmlns:mc="http://schemas.openxmlformats.org/markup-compatibility/2006">
+    <mc:Choice xmlns:p159="http://schemas.microsoft.com/office/powerpoint/2015/09/main" Requires="p159">
+      <p:transition xmlns:p14="http://schemas.microsoft.com/office/powerpoint/2010/main" spd="slow" p14:dur="1500">
+        <p159:morph option="byObject"/>
+      </p:transition>
+    </mc:Choice>
+    <mc:Fallback>
+      <p:transition spd="slow">
+        <p:fade/>
+      </p:transition>
+    </mc:Fallback>
+  </mc:AlternateContent>
 </p:sld>
 </file>
 
@@ -4394,6 +4574,18 @@
   <p:clrMapOvr>
     <a:masterClrMapping/>
   </p:clrMapOvr>
+  <mc:AlternateContent xmlns:mc="http://schemas.openxmlformats.org/markup-compatibility/2006">
+    <mc:Choice xmlns:p159="http://schemas.microsoft.com/office/powerpoint/2015/09/main" Requires="p159">
+      <p:transition xmlns:p14="http://schemas.microsoft.com/office/powerpoint/2010/main" spd="slow" p14:dur="1500">
+        <p159:morph option="byObject"/>
+      </p:transition>
+    </mc:Choice>
+    <mc:Fallback>
+      <p:transition spd="slow">
+        <p:fade/>
+      </p:transition>
+    </mc:Fallback>
+  </mc:AlternateContent>
 </p:sld>
 </file>
 
@@ -5693,6 +5885,18 @@
   <p:clrMapOvr>
     <a:masterClrMapping/>
   </p:clrMapOvr>
+  <mc:AlternateContent xmlns:mc="http://schemas.openxmlformats.org/markup-compatibility/2006">
+    <mc:Choice xmlns:p159="http://schemas.microsoft.com/office/powerpoint/2015/09/main" Requires="p159">
+      <p:transition xmlns:p14="http://schemas.microsoft.com/office/powerpoint/2010/main" spd="slow" p14:dur="1500">
+        <p159:morph option="byObject"/>
+      </p:transition>
+    </mc:Choice>
+    <mc:Fallback>
+      <p:transition spd="slow">
+        <p:fade/>
+      </p:transition>
+    </mc:Fallback>
+  </mc:AlternateContent>
   <p:timing>
     <p:tnLst>
       <p:par>
@@ -7041,6 +7245,18 @@
   <p:clrMapOvr>
     <a:masterClrMapping/>
   </p:clrMapOvr>
+  <mc:AlternateContent xmlns:mc="http://schemas.openxmlformats.org/markup-compatibility/2006">
+    <mc:Choice xmlns:p159="http://schemas.microsoft.com/office/powerpoint/2015/09/main" Requires="p159">
+      <p:transition xmlns:p14="http://schemas.microsoft.com/office/powerpoint/2010/main" spd="slow" p14:dur="1500">
+        <p159:morph option="byObject"/>
+      </p:transition>
+    </mc:Choice>
+    <mc:Fallback>
+      <p:transition spd="slow">
+        <p:fade/>
+      </p:transition>
+    </mc:Fallback>
+  </mc:AlternateContent>
 </p:sld>
 </file>
 
@@ -7210,6 +7426,18 @@
   <p:clrMapOvr>
     <a:masterClrMapping/>
   </p:clrMapOvr>
+  <mc:AlternateContent xmlns:mc="http://schemas.openxmlformats.org/markup-compatibility/2006">
+    <mc:Choice xmlns:p159="http://schemas.microsoft.com/office/powerpoint/2015/09/main" Requires="p159">
+      <p:transition xmlns:p14="http://schemas.microsoft.com/office/powerpoint/2010/main" spd="slow" p14:dur="1500">
+        <p159:morph option="byObject"/>
+      </p:transition>
+    </mc:Choice>
+    <mc:Fallback>
+      <p:transition spd="slow">
+        <p:fade/>
+      </p:transition>
+    </mc:Fallback>
+  </mc:AlternateContent>
 </p:sld>
 </file>
 
@@ -7360,6 +7588,18 @@
   <p:clrMapOvr>
     <a:masterClrMapping/>
   </p:clrMapOvr>
+  <mc:AlternateContent xmlns:mc="http://schemas.openxmlformats.org/markup-compatibility/2006">
+    <mc:Choice xmlns:p159="http://schemas.microsoft.com/office/powerpoint/2015/09/main" Requires="p159">
+      <p:transition xmlns:p14="http://schemas.microsoft.com/office/powerpoint/2010/main" spd="slow" p14:dur="1500">
+        <p159:morph option="byObject"/>
+      </p:transition>
+    </mc:Choice>
+    <mc:Fallback>
+      <p:transition spd="slow">
+        <p:fade/>
+      </p:transition>
+    </mc:Fallback>
+  </mc:AlternateContent>
 </p:sld>
 </file>
 
@@ -7756,6 +7996,18 @@
   <p:clrMapOvr>
     <a:masterClrMapping/>
   </p:clrMapOvr>
+  <mc:AlternateContent xmlns:mc="http://schemas.openxmlformats.org/markup-compatibility/2006">
+    <mc:Choice xmlns:p159="http://schemas.microsoft.com/office/powerpoint/2015/09/main" Requires="p159">
+      <p:transition xmlns:p14="http://schemas.microsoft.com/office/powerpoint/2010/main" spd="slow" p14:dur="1500">
+        <p159:morph option="byObject"/>
+      </p:transition>
+    </mc:Choice>
+    <mc:Fallback>
+      <p:transition spd="slow">
+        <p:fade/>
+      </p:transition>
+    </mc:Fallback>
+  </mc:AlternateContent>
 </p:sld>
 </file>
 
@@ -8033,6 +8285,18 @@
   <p:clrMapOvr>
     <a:masterClrMapping/>
   </p:clrMapOvr>
+  <mc:AlternateContent xmlns:mc="http://schemas.openxmlformats.org/markup-compatibility/2006">
+    <mc:Choice xmlns:p159="http://schemas.microsoft.com/office/powerpoint/2015/09/main" Requires="p159">
+      <p:transition xmlns:p14="http://schemas.microsoft.com/office/powerpoint/2010/main" spd="slow" p14:dur="1500">
+        <p159:morph option="byObject"/>
+      </p:transition>
+    </mc:Choice>
+    <mc:Fallback>
+      <p:transition spd="slow">
+        <p:fade/>
+      </p:transition>
+    </mc:Fallback>
+  </mc:AlternateContent>
 </p:sld>
 </file>
 
@@ -8329,6 +8593,18 @@
   <p:clrMapOvr>
     <a:masterClrMapping/>
   </p:clrMapOvr>
+  <mc:AlternateContent xmlns:mc="http://schemas.openxmlformats.org/markup-compatibility/2006">
+    <mc:Choice xmlns:p159="http://schemas.microsoft.com/office/powerpoint/2015/09/main" Requires="p159">
+      <p:transition xmlns:p14="http://schemas.microsoft.com/office/powerpoint/2010/main" spd="slow" p14:dur="1500">
+        <p159:morph option="byObject"/>
+      </p:transition>
+    </mc:Choice>
+    <mc:Fallback>
+      <p:transition spd="slow">
+        <p:fade/>
+      </p:transition>
+    </mc:Fallback>
+  </mc:AlternateContent>
 </p:sld>
 </file>
 

--- a/dsi_project.pptx
+++ b/dsi_project.pptx
@@ -126,7 +126,7 @@
 <p1510:revInfo xmlns:a="http://schemas.openxmlformats.org/drawingml/2006/main" xmlns:r="http://schemas.openxmlformats.org/officeDocument/2006/relationships" xmlns:p1510="http://schemas.microsoft.com/office/powerpoint/2015/10/main">
   <p1510:revLst>
     <p1510:client id="{17F025F2-6883-4484-53CD-D3371CC20C5A}" v="3" dt="2024-01-16T16:32:58.245"/>
-    <p1510:client id="{1851519D-714E-4423-A4BC-BC8391EE9532}" v="88" dt="2024-01-17T15:43:52.562"/>
+    <p1510:client id="{1851519D-714E-4423-A4BC-BC8391EE9532}" v="89" dt="2024-01-17T15:45:28.396"/>
     <p1510:client id="{1F586168-FEF6-4A0B-BB1F-8FE7FD95DAC3}" v="82" dt="2024-01-17T12:24:43.881"/>
     <p1510:client id="{268A0708-4CAB-8F87-2667-B64DE069B7D0}" v="22" dt="2024-01-17T12:30:18.905"/>
     <p1510:client id="{36ADF428-A04E-49FA-ACD3-07F5BDAB3344}" v="1992" dt="2024-01-16T18:08:35.397"/>
@@ -4865,7 +4865,7 @@
         </p:nvSpPr>
         <p:spPr>
           <a:xfrm rot="480000">
-            <a:off x="3602384" y="2347212"/>
+            <a:off x="3566777" y="2304483"/>
             <a:ext cx="651821" cy="233459"/>
           </a:xfrm>
           <a:prstGeom prst="rightArrow">

--- a/dsi_project.pptx
+++ b/dsi_project.pptx
@@ -126,7 +126,7 @@
 <p1510:revInfo xmlns:a="http://schemas.openxmlformats.org/drawingml/2006/main" xmlns:r="http://schemas.openxmlformats.org/officeDocument/2006/relationships" xmlns:p1510="http://schemas.microsoft.com/office/powerpoint/2015/10/main">
   <p1510:revLst>
     <p1510:client id="{17F025F2-6883-4484-53CD-D3371CC20C5A}" v="3" dt="2024-01-16T16:32:58.245"/>
-    <p1510:client id="{1851519D-714E-4423-A4BC-BC8391EE9532}" v="89" dt="2024-01-17T15:45:28.396"/>
+    <p1510:client id="{1851519D-714E-4423-A4BC-BC8391EE9532}" v="97" dt="2024-01-17T15:50:35.196"/>
     <p1510:client id="{1F586168-FEF6-4A0B-BB1F-8FE7FD95DAC3}" v="82" dt="2024-01-17T12:24:43.881"/>
     <p1510:client id="{268A0708-4CAB-8F87-2667-B64DE069B7D0}" v="22" dt="2024-01-17T12:30:18.905"/>
     <p1510:client id="{36ADF428-A04E-49FA-ACD3-07F5BDAB3344}" v="1992" dt="2024-01-16T18:08:35.397"/>
@@ -7189,14 +7189,31 @@
               </a:lnSpc>
             </a:pPr>
             <a:r>
-              <a:rPr lang="en-US">
-                <a:hlinkClick r:id="rId2"/>
+              <a:rPr lang="en-US" dirty="0">
+                <a:solidFill>
+                  <a:srgbClr val="94B3DB"/>
+                </a:solidFill>
+                <a:hlinkClick r:id="rId2">
+                  <a:extLst>
+                    <a:ext uri="{A12FA001-AC4F-418D-AE19-62706E023703}">
+                      <ahyp:hlinkClr xmlns:ahyp="http://schemas.microsoft.com/office/drawing/2018/hyperlinkcolor" val="tx"/>
+                    </a:ext>
+                  </a:extLst>
+                </a:hlinkClick>
               </a:rPr>
               <a:t>Öffi.at:</a:t>
             </a:r>
             <a:r>
-              <a:rPr lang="en-US"/>
-              <a:t> Web-based historic archive of disruptions in the public transit system</a:t>
+              <a:rPr lang="en-US" dirty="0">
+                <a:solidFill>
+                  <a:srgbClr val="FF0000"/>
+                </a:solidFill>
+              </a:rPr>
+              <a:t> </a:t>
+            </a:r>
+            <a:r>
+              <a:rPr lang="en-US" dirty="0"/>
+              <a:t>Web-based historic archive of disruptions in the public transit system</a:t>
             </a:r>
           </a:p>
           <a:p>
@@ -7206,13 +7223,22 @@
               </a:lnSpc>
             </a:pPr>
             <a:r>
-              <a:rPr lang="en-US">
-                <a:hlinkClick r:id="rId3"/>
+              <a:rPr lang="en-US" dirty="0">
+                <a:solidFill>
+                  <a:srgbClr val="94B3DB"/>
+                </a:solidFill>
+                <a:hlinkClick r:id="rId3">
+                  <a:extLst>
+                    <a:ext uri="{A12FA001-AC4F-418D-AE19-62706E023703}">
+                      <ahyp:hlinkClr xmlns:ahyp="http://schemas.microsoft.com/office/drawing/2018/hyperlinkcolor" val="tx"/>
+                    </a:ext>
+                  </a:extLst>
+                </a:hlinkClick>
               </a:rPr>
               <a:t>Openmeteo:</a:t>
             </a:r>
             <a:r>
-              <a:rPr lang="en-US"/>
+              <a:rPr lang="en-US" dirty="0"/>
               <a:t> API for real-time and historic weather data</a:t>
             </a:r>
           </a:p>
@@ -7223,13 +7249,22 @@
               </a:lnSpc>
             </a:pPr>
             <a:r>
-              <a:rPr lang="en-US">
-                <a:hlinkClick r:id="rId4"/>
+              <a:rPr lang="en-US" dirty="0">
+                <a:solidFill>
+                  <a:srgbClr val="94B3DB"/>
+                </a:solidFill>
+                <a:hlinkClick r:id="rId4">
+                  <a:extLst>
+                    <a:ext uri="{A12FA001-AC4F-418D-AE19-62706E023703}">
+                      <ahyp:hlinkClr xmlns:ahyp="http://schemas.microsoft.com/office/drawing/2018/hyperlinkcolor" val="tx"/>
+                    </a:ext>
+                  </a:extLst>
+                </a:hlinkClick>
               </a:rPr>
               <a:t>Data.gv.at:</a:t>
             </a:r>
             <a:r>
-              <a:rPr lang="en-US"/>
+              <a:rPr lang="en-US" dirty="0"/>
               <a:t> publicly available datasets from Austrian open government data </a:t>
             </a:r>
           </a:p>

--- a/dsi_project.pptx
+++ b/dsi_project.pptx
@@ -126,7 +126,7 @@
 <p1510:revInfo xmlns:a="http://schemas.openxmlformats.org/drawingml/2006/main" xmlns:r="http://schemas.openxmlformats.org/officeDocument/2006/relationships" xmlns:p1510="http://schemas.microsoft.com/office/powerpoint/2015/10/main">
   <p1510:revLst>
     <p1510:client id="{17F025F2-6883-4484-53CD-D3371CC20C5A}" v="3" dt="2024-01-16T16:32:58.245"/>
-    <p1510:client id="{1851519D-714E-4423-A4BC-BC8391EE9532}" v="97" dt="2024-01-17T15:50:35.196"/>
+    <p1510:client id="{1851519D-714E-4423-A4BC-BC8391EE9532}" v="105" dt="2024-01-17T15:55:44.403"/>
     <p1510:client id="{1F586168-FEF6-4A0B-BB1F-8FE7FD95DAC3}" v="82" dt="2024-01-17T12:24:43.881"/>
     <p1510:client id="{268A0708-4CAB-8F87-2667-B64DE069B7D0}" v="22" dt="2024-01-17T12:30:18.905"/>
     <p1510:client id="{36ADF428-A04E-49FA-ACD3-07F5BDAB3344}" v="1992" dt="2024-01-16T18:08:35.397"/>
@@ -3798,196 +3798,6 @@
           <a:chExt cx="0" cy="0"/>
         </a:xfrm>
       </p:grpSpPr>
-      <p:sp>
-        <p:nvSpPr>
-          <p:cNvPr id="2" name="Titel 1"/>
-          <p:cNvSpPr>
-            <a:spLocks noGrp="1"/>
-          </p:cNvSpPr>
-          <p:nvPr>
-            <p:ph type="ctrTitle"/>
-          </p:nvPr>
-        </p:nvSpPr>
-        <p:spPr>
-          <a:xfrm>
-            <a:off x="745044" y="3853304"/>
-            <a:ext cx="4669094" cy="675967"/>
-          </a:xfrm>
-          <a:solidFill>
-            <a:schemeClr val="bg2"/>
-          </a:solidFill>
-        </p:spPr>
-        <p:txBody>
-          <a:bodyPr vert="horz" lIns="91440" tIns="45720" rIns="91440" bIns="45720" rtlCol="0" anchor="ctr">
-            <a:noAutofit/>
-          </a:bodyPr>
-          <a:lstStyle/>
-          <a:p>
-            <a:pPr>
-              <a:lnSpc>
-                <a:spcPct val="110000"/>
-              </a:lnSpc>
-              <a:spcBef>
-                <a:spcPts val="500"/>
-              </a:spcBef>
-            </a:pPr>
-            <a:r>
-              <a:rPr lang="de-DE" sz="4400" dirty="0"/>
-              <a:t>Wiener Linien</a:t>
-            </a:r>
-            <a:endParaRPr lang="en-US"/>
-          </a:p>
-        </p:txBody>
-      </p:sp>
-      <p:sp useBgFill="1">
-        <p:nvSpPr>
-          <p:cNvPr id="21" name="Subtitle 2">
-            <a:extLst>
-              <a:ext uri="{FF2B5EF4-FFF2-40B4-BE49-F238E27FC236}">
-                <a16:creationId xmlns:a16="http://schemas.microsoft.com/office/drawing/2014/main" id="{8C9CBC84-F0D5-F7BE-6145-63C8057F4DF8}"/>
-              </a:ext>
-            </a:extLst>
-          </p:cNvPr>
-          <p:cNvSpPr>
-            <a:spLocks noGrp="1"/>
-          </p:cNvSpPr>
-          <p:nvPr>
-            <p:ph type="subTitle" idx="1"/>
-          </p:nvPr>
-        </p:nvSpPr>
-        <p:spPr>
-          <a:xfrm>
-            <a:off x="743191" y="4403045"/>
-            <a:ext cx="4628349" cy="487575"/>
-          </a:xfrm>
-        </p:spPr>
-        <p:txBody>
-          <a:bodyPr anchor="t">
-            <a:normAutofit/>
-          </a:bodyPr>
-          <a:lstStyle/>
-          <a:p>
-            <a:r>
-              <a:rPr lang="en-US" dirty="0" err="1"/>
-              <a:t>Deleja-Hotko</a:t>
-            </a:r>
-            <a:r>
-              <a:rPr lang="en-US" dirty="0"/>
-              <a:t> Julian, Topor Karol</a:t>
-            </a:r>
-          </a:p>
-        </p:txBody>
-      </p:sp>
-      <p:sp>
-        <p:nvSpPr>
-          <p:cNvPr id="23" name="Date Placeholder 9">
-            <a:extLst>
-              <a:ext uri="{FF2B5EF4-FFF2-40B4-BE49-F238E27FC236}">
-                <a16:creationId xmlns:a16="http://schemas.microsoft.com/office/drawing/2014/main" id="{82DEB276-8311-D167-F4A6-6AEF782978C1}"/>
-              </a:ext>
-            </a:extLst>
-          </p:cNvPr>
-          <p:cNvSpPr>
-            <a:spLocks noGrp="1"/>
-          </p:cNvSpPr>
-          <p:nvPr>
-            <p:ph type="dt" sz="half" idx="10"/>
-          </p:nvPr>
-        </p:nvSpPr>
-        <p:spPr>
-          <a:xfrm>
-            <a:off x="847726" y="6199188"/>
-            <a:ext cx="2743200" cy="365125"/>
-          </a:xfrm>
-        </p:spPr>
-        <p:txBody>
-          <a:bodyPr/>
-          <a:lstStyle/>
-          <a:p>
-            <a:pPr>
-              <a:spcAft>
-                <a:spcPts val="600"/>
-              </a:spcAft>
-            </a:pPr>
-            <a:fld id="{D46B33A0-D651-42CF-A758-EF0190F84F4B}" type="datetime1">
-              <a:rPr lang="en-US" smtClean="0"/>
-              <a:pPr>
-                <a:spcAft>
-                  <a:spcPts val="600"/>
-                </a:spcAft>
-              </a:pPr>
-              <a:t>1/17/2024</a:t>
-            </a:fld>
-            <a:endParaRPr lang="en-US"/>
-          </a:p>
-        </p:txBody>
-      </p:sp>
-      <p:sp>
-        <p:nvSpPr>
-          <p:cNvPr id="27" name="Slide Number Placeholder 11">
-            <a:extLst>
-              <a:ext uri="{FF2B5EF4-FFF2-40B4-BE49-F238E27FC236}">
-                <a16:creationId xmlns:a16="http://schemas.microsoft.com/office/drawing/2014/main" id="{431ADC51-CCC5-C549-E32C-8D4B995D6344}"/>
-              </a:ext>
-            </a:extLst>
-          </p:cNvPr>
-          <p:cNvSpPr>
-            <a:spLocks noGrp="1"/>
-          </p:cNvSpPr>
-          <p:nvPr>
-            <p:ph type="sldNum" sz="quarter" idx="12"/>
-          </p:nvPr>
-        </p:nvSpPr>
-        <p:spPr>
-          <a:xfrm>
-            <a:off x="10696577" y="6199188"/>
-            <a:ext cx="619125" cy="365125"/>
-          </a:xfrm>
-        </p:spPr>
-        <p:txBody>
-          <a:bodyPr/>
-          <a:lstStyle/>
-          <a:p>
-            <a:pPr>
-              <a:spcAft>
-                <a:spcPts val="600"/>
-              </a:spcAft>
-            </a:pPr>
-            <a:fld id="{1437450A-6C25-4B4D-B27D-E1E9B2CE4682}" type="slidenum">
-              <a:rPr lang="en-US" dirty="0" smtClean="0">
-                <a:solidFill>
-                  <a:srgbClr val="FFFFFF"/>
-                </a:solidFill>
-                <a:effectLst>
-                  <a:outerShdw blurRad="38100" dist="38100" dir="2700000" algn="tl">
-                    <a:srgbClr val="000000">
-                      <a:alpha val="43137"/>
-                    </a:srgbClr>
-                  </a:outerShdw>
-                </a:effectLst>
-              </a:rPr>
-              <a:pPr>
-                <a:spcAft>
-                  <a:spcPts val="600"/>
-                </a:spcAft>
-              </a:pPr>
-              <a:t>1</a:t>
-            </a:fld>
-            <a:endParaRPr lang="en-US" dirty="0">
-              <a:solidFill>
-                <a:srgbClr val="FFFFFF"/>
-              </a:solidFill>
-              <a:effectLst>
-                <a:outerShdw blurRad="38100" dist="38100" dir="2700000" algn="tl">
-                  <a:srgbClr val="000000">
-                    <a:alpha val="43137"/>
-                  </a:srgbClr>
-                </a:outerShdw>
-              </a:effectLst>
-            </a:endParaRPr>
-          </a:p>
-        </p:txBody>
-      </p:sp>
       <p:pic>
         <p:nvPicPr>
           <p:cNvPr id="5" name="Picture 4" descr="Interior of empty bus">
@@ -4018,6 +3828,130 @@
           </a:prstGeom>
         </p:spPr>
       </p:pic>
+      <p:sp>
+        <p:nvSpPr>
+          <p:cNvPr id="2" name="Titel 1"/>
+          <p:cNvSpPr>
+            <a:spLocks noGrp="1"/>
+          </p:cNvSpPr>
+          <p:nvPr>
+            <p:ph type="ctrTitle"/>
+          </p:nvPr>
+        </p:nvSpPr>
+        <p:spPr>
+          <a:xfrm>
+            <a:off x="745044" y="3853304"/>
+            <a:ext cx="4669094" cy="675967"/>
+          </a:xfrm>
+          <a:solidFill>
+            <a:schemeClr val="bg2"/>
+          </a:solidFill>
+        </p:spPr>
+        <p:txBody>
+          <a:bodyPr vert="horz" lIns="91440" tIns="45720" rIns="91440" bIns="45720" rtlCol="0" anchor="ctr">
+            <a:noAutofit/>
+          </a:bodyPr>
+          <a:lstStyle/>
+          <a:p>
+            <a:pPr>
+              <a:lnSpc>
+                <a:spcPct val="110000"/>
+              </a:lnSpc>
+              <a:spcBef>
+                <a:spcPts val="500"/>
+              </a:spcBef>
+            </a:pPr>
+            <a:r>
+              <a:rPr lang="de-DE" sz="4400" dirty="0"/>
+              <a:t>Wiener Linien</a:t>
+            </a:r>
+            <a:endParaRPr lang="en-US"/>
+          </a:p>
+        </p:txBody>
+      </p:sp>
+      <p:sp useBgFill="1">
+        <p:nvSpPr>
+          <p:cNvPr id="21" name="Subtitle 2">
+            <a:extLst>
+              <a:ext uri="{FF2B5EF4-FFF2-40B4-BE49-F238E27FC236}">
+                <a16:creationId xmlns:a16="http://schemas.microsoft.com/office/drawing/2014/main" id="{8C9CBC84-F0D5-F7BE-6145-63C8057F4DF8}"/>
+              </a:ext>
+            </a:extLst>
+          </p:cNvPr>
+          <p:cNvSpPr>
+            <a:spLocks noGrp="1"/>
+          </p:cNvSpPr>
+          <p:nvPr>
+            <p:ph type="subTitle" idx="1"/>
+          </p:nvPr>
+        </p:nvSpPr>
+        <p:spPr>
+          <a:xfrm>
+            <a:off x="743191" y="4403045"/>
+            <a:ext cx="4628349" cy="487575"/>
+          </a:xfrm>
+        </p:spPr>
+        <p:txBody>
+          <a:bodyPr anchor="t">
+            <a:normAutofit/>
+          </a:bodyPr>
+          <a:lstStyle/>
+          <a:p>
+            <a:r>
+              <a:rPr lang="en-US" dirty="0" err="1"/>
+              <a:t>Deleja-Hotko</a:t>
+            </a:r>
+            <a:r>
+              <a:rPr lang="en-US" dirty="0"/>
+              <a:t> Julian, Topor Karol</a:t>
+            </a:r>
+          </a:p>
+        </p:txBody>
+      </p:sp>
+      <p:sp>
+        <p:nvSpPr>
+          <p:cNvPr id="23" name="Date Placeholder 9">
+            <a:extLst>
+              <a:ext uri="{FF2B5EF4-FFF2-40B4-BE49-F238E27FC236}">
+                <a16:creationId xmlns:a16="http://schemas.microsoft.com/office/drawing/2014/main" id="{82DEB276-8311-D167-F4A6-6AEF782978C1}"/>
+              </a:ext>
+            </a:extLst>
+          </p:cNvPr>
+          <p:cNvSpPr>
+            <a:spLocks noGrp="1"/>
+          </p:cNvSpPr>
+          <p:nvPr>
+            <p:ph type="dt" sz="half" idx="10"/>
+          </p:nvPr>
+        </p:nvSpPr>
+        <p:spPr>
+          <a:xfrm>
+            <a:off x="847726" y="6199188"/>
+            <a:ext cx="2743200" cy="365125"/>
+          </a:xfrm>
+        </p:spPr>
+        <p:txBody>
+          <a:bodyPr/>
+          <a:lstStyle/>
+          <a:p>
+            <a:pPr>
+              <a:spcAft>
+                <a:spcPts val="600"/>
+              </a:spcAft>
+            </a:pPr>
+            <a:fld id="{D46B33A0-D651-42CF-A758-EF0190F84F4B}" type="datetime1">
+              <a:rPr lang="en-US" smtClean="0"/>
+              <a:pPr>
+                <a:spcAft>
+                  <a:spcPts val="600"/>
+                </a:spcAft>
+              </a:pPr>
+              <a:t>1/17/2024</a:t>
+            </a:fld>
+            <a:endParaRPr lang="en-US"/>
+          </a:p>
+        </p:txBody>
+      </p:sp>
     </p:spTree>
     <p:extLst>
       <p:ext uri="{BB962C8B-B14F-4D97-AF65-F5344CB8AC3E}">
@@ -4865,7 +4799,7 @@
         </p:nvSpPr>
         <p:spPr>
           <a:xfrm rot="480000">
-            <a:off x="3566777" y="2304483"/>
+            <a:off x="3523055" y="2666745"/>
             <a:ext cx="651821" cy="233459"/>
           </a:xfrm>
           <a:prstGeom prst="rightArrow">
